--- a/中間発表_M1.pptx
+++ b/中間発表_M1.pptx
@@ -5,7 +5,7 @@
     <p:sldMasterId id="2147484161" r:id="rId1"/>
   </p:sldMasterIdLst>
   <p:notesMasterIdLst>
-    <p:notesMasterId r:id="rId32"/>
+    <p:notesMasterId r:id="rId33"/>
   </p:notesMasterIdLst>
   <p:sldIdLst>
     <p:sldId id="256" r:id="rId2"/>
@@ -14,30 +14,31 @@
     <p:sldId id="382" r:id="rId5"/>
     <p:sldId id="260" r:id="rId6"/>
     <p:sldId id="383" r:id="rId7"/>
-    <p:sldId id="264" r:id="rId8"/>
-    <p:sldId id="265" r:id="rId9"/>
-    <p:sldId id="259" r:id="rId10"/>
-    <p:sldId id="263" r:id="rId11"/>
-    <p:sldId id="261" r:id="rId12"/>
-    <p:sldId id="268" r:id="rId13"/>
-    <p:sldId id="270" r:id="rId14"/>
-    <p:sldId id="370" r:id="rId15"/>
-    <p:sldId id="372" r:id="rId16"/>
-    <p:sldId id="380" r:id="rId17"/>
-    <p:sldId id="348" r:id="rId18"/>
-    <p:sldId id="366" r:id="rId19"/>
-    <p:sldId id="364" r:id="rId20"/>
-    <p:sldId id="267" r:id="rId21"/>
-    <p:sldId id="269" r:id="rId22"/>
-    <p:sldId id="371" r:id="rId23"/>
-    <p:sldId id="367" r:id="rId24"/>
-    <p:sldId id="368" r:id="rId25"/>
-    <p:sldId id="369" r:id="rId26"/>
-    <p:sldId id="373" r:id="rId27"/>
-    <p:sldId id="374" r:id="rId28"/>
-    <p:sldId id="378" r:id="rId29"/>
-    <p:sldId id="379" r:id="rId30"/>
-    <p:sldId id="361" r:id="rId31"/>
+    <p:sldId id="384" r:id="rId8"/>
+    <p:sldId id="264" r:id="rId9"/>
+    <p:sldId id="265" r:id="rId10"/>
+    <p:sldId id="259" r:id="rId11"/>
+    <p:sldId id="263" r:id="rId12"/>
+    <p:sldId id="261" r:id="rId13"/>
+    <p:sldId id="268" r:id="rId14"/>
+    <p:sldId id="270" r:id="rId15"/>
+    <p:sldId id="370" r:id="rId16"/>
+    <p:sldId id="372" r:id="rId17"/>
+    <p:sldId id="380" r:id="rId18"/>
+    <p:sldId id="348" r:id="rId19"/>
+    <p:sldId id="366" r:id="rId20"/>
+    <p:sldId id="364" r:id="rId21"/>
+    <p:sldId id="267" r:id="rId22"/>
+    <p:sldId id="269" r:id="rId23"/>
+    <p:sldId id="371" r:id="rId24"/>
+    <p:sldId id="367" r:id="rId25"/>
+    <p:sldId id="368" r:id="rId26"/>
+    <p:sldId id="369" r:id="rId27"/>
+    <p:sldId id="373" r:id="rId28"/>
+    <p:sldId id="374" r:id="rId29"/>
+    <p:sldId id="378" r:id="rId30"/>
+    <p:sldId id="379" r:id="rId31"/>
+    <p:sldId id="361" r:id="rId32"/>
   </p:sldIdLst>
   <p:sldSz cx="9144000" cy="6858000" type="screen4x3"/>
   <p:notesSz cx="6858000" cy="9144000"/>
@@ -226,7 +227,7 @@
           <a:p>
             <a:fld id="{F185D03E-571D-BA42-85BF-4D068DC12E29}" type="datetimeFigureOut">
               <a:rPr kumimoji="1" lang="ja-JP" altLang="en-US" smtClean="0"/>
-              <a:t>2020/4/17</a:t>
+              <a:t>2020/4/20</a:t>
             </a:fld>
             <a:endParaRPr kumimoji="1" lang="ja-JP" altLang="en-US"/>
           </a:p>
@@ -574,7 +575,7 @@
           <a:p>
             <a:fld id="{BA7BC9EE-7218-487F-B7EF-509475BF8400}" type="slidenum">
               <a:rPr kumimoji="1" lang="ja-JP" altLang="en-US" smtClean="0"/>
-              <a:t>17</a:t>
+              <a:t>18</a:t>
             </a:fld>
             <a:endParaRPr kumimoji="1" lang="ja-JP" altLang="en-US" dirty="0"/>
           </a:p>
@@ -666,7 +667,7 @@
           <a:p>
             <a:fld id="{6932ECB9-90C9-174D-9D23-E8CCC93280F1}" type="slidenum">
               <a:rPr kumimoji="1" lang="ja-JP" altLang="en-US" smtClean="0"/>
-              <a:t>25</a:t>
+              <a:t>26</a:t>
             </a:fld>
             <a:endParaRPr kumimoji="1" lang="ja-JP" altLang="en-US"/>
           </a:p>
@@ -758,7 +759,7 @@
           <a:p>
             <a:fld id="{6932ECB9-90C9-174D-9D23-E8CCC93280F1}" type="slidenum">
               <a:rPr kumimoji="1" lang="ja-JP" altLang="en-US" smtClean="0"/>
-              <a:t>27</a:t>
+              <a:t>28</a:t>
             </a:fld>
             <a:endParaRPr kumimoji="1" lang="ja-JP" altLang="en-US"/>
           </a:p>
@@ -916,7 +917,7 @@
           <a:p>
             <a:fld id="{4022EDAD-B217-3946-A79C-481C6FEC392F}" type="datetime1">
               <a:rPr kumimoji="1" lang="ja-JP" altLang="en-US" smtClean="0"/>
-              <a:t>2020/4/17</a:t>
+              <a:t>2020/4/20</a:t>
             </a:fld>
             <a:endParaRPr kumimoji="1" lang="ja-JP" altLang="en-US"/>
           </a:p>
@@ -1144,7 +1145,7 @@
           <a:p>
             <a:fld id="{8F2CA839-3EA4-F84E-9DD3-1549C09B4DFF}" type="datetime1">
               <a:rPr kumimoji="1" lang="ja-JP" altLang="en-US" smtClean="0"/>
-              <a:t>2020/4/17</a:t>
+              <a:t>2020/4/20</a:t>
             </a:fld>
             <a:endParaRPr kumimoji="1" lang="ja-JP" altLang="en-US"/>
           </a:p>
@@ -1376,7 +1377,7 @@
           <a:p>
             <a:fld id="{0903EBEF-087E-1C4B-A394-4BF982076E9B}" type="datetime1">
               <a:rPr kumimoji="1" lang="ja-JP" altLang="en-US" smtClean="0"/>
-              <a:t>2020/4/17</a:t>
+              <a:t>2020/4/20</a:t>
             </a:fld>
             <a:endParaRPr kumimoji="1" lang="ja-JP" altLang="en-US"/>
           </a:p>
@@ -1594,7 +1595,7 @@
           <a:p>
             <a:fld id="{3CC3E3BD-DD2F-0F4C-9F7B-BD2CFE73C08E}" type="datetime1">
               <a:rPr kumimoji="1" lang="ja-JP" altLang="en-US" smtClean="0"/>
-              <a:t>2020/4/17</a:t>
+              <a:t>2020/4/20</a:t>
             </a:fld>
             <a:endParaRPr kumimoji="1" lang="ja-JP" altLang="en-US"/>
           </a:p>
@@ -1919,7 +1920,7 @@
           <a:p>
             <a:fld id="{C115CAE8-F975-9249-9A1B-F50E55793BF8}" type="datetime1">
               <a:rPr kumimoji="1" lang="ja-JP" altLang="en-US" smtClean="0"/>
-              <a:t>2020/4/17</a:t>
+              <a:t>2020/4/20</a:t>
             </a:fld>
             <a:endParaRPr kumimoji="1" lang="ja-JP" altLang="en-US"/>
           </a:p>
@@ -2212,7 +2213,7 @@
           <a:p>
             <a:fld id="{4B86C5E8-D6C8-5540-A4FD-D0987B8EBD10}" type="datetime1">
               <a:rPr kumimoji="1" lang="ja-JP" altLang="en-US" smtClean="0"/>
-              <a:t>2020/4/17</a:t>
+              <a:t>2020/4/20</a:t>
             </a:fld>
             <a:endParaRPr kumimoji="1" lang="ja-JP" altLang="en-US"/>
           </a:p>
@@ -2727,7 +2728,7 @@
           <a:p>
             <a:fld id="{6FA0929B-742B-B141-B071-CCB3728A9B97}" type="datetime1">
               <a:rPr kumimoji="1" lang="ja-JP" altLang="en-US" smtClean="0"/>
-              <a:t>2020/4/17</a:t>
+              <a:t>2020/4/20</a:t>
             </a:fld>
             <a:endParaRPr kumimoji="1" lang="ja-JP" altLang="en-US"/>
           </a:p>
@@ -2885,7 +2886,7 @@
           <a:p>
             <a:fld id="{6E24F31F-B5AD-3641-8587-346597BEC0BE}" type="datetime1">
               <a:rPr kumimoji="1" lang="ja-JP" altLang="en-US" smtClean="0"/>
-              <a:t>2020/4/17</a:t>
+              <a:t>2020/4/20</a:t>
             </a:fld>
             <a:endParaRPr kumimoji="1" lang="ja-JP" altLang="en-US"/>
           </a:p>
@@ -3020,7 +3021,7 @@
           <a:p>
             <a:fld id="{BE99A350-A1B1-1E45-BB25-3DF64E2FB64C}" type="datetime1">
               <a:rPr kumimoji="1" lang="ja-JP" altLang="en-US" smtClean="0"/>
-              <a:t>2020/4/17</a:t>
+              <a:t>2020/4/20</a:t>
             </a:fld>
             <a:endParaRPr kumimoji="1" lang="ja-JP" altLang="en-US"/>
           </a:p>
@@ -3318,7 +3319,7 @@
           <a:p>
             <a:fld id="{B66F413D-3751-BA4F-95FD-B012FBB5AC38}" type="datetime1">
               <a:rPr kumimoji="1" lang="ja-JP" altLang="en-US" smtClean="0"/>
-              <a:t>2020/4/17</a:t>
+              <a:t>2020/4/20</a:t>
             </a:fld>
             <a:endParaRPr kumimoji="1" lang="ja-JP" altLang="en-US"/>
           </a:p>
@@ -3815,7 +3816,7 @@
           <a:p>
             <a:fld id="{3F034A29-2760-CE48-9EAD-37F6D8A2ED9E}" type="datetime1">
               <a:rPr kumimoji="1" lang="ja-JP" altLang="en-US" smtClean="0"/>
-              <a:t>2020/4/17</a:t>
+              <a:t>2020/4/20</a:t>
             </a:fld>
             <a:endParaRPr kumimoji="1" lang="ja-JP" altLang="en-US"/>
           </a:p>
@@ -4196,7 +4197,7 @@
           <a:p>
             <a:fld id="{4BD725EE-9545-E84A-BF76-93ECAC915F52}" type="datetime1">
               <a:rPr kumimoji="1" lang="ja-JP" altLang="en-US" smtClean="0"/>
-              <a:t>2020/4/17</a:t>
+              <a:t>2020/4/20</a:t>
             </a:fld>
             <a:endParaRPr kumimoji="1" lang="ja-JP" altLang="en-US"/>
           </a:p>
@@ -4823,6 +4824,182 @@
           <p:cNvPr id="2" name="タイトル 1">
             <a:extLst>
               <a:ext uri="{FF2B5EF4-FFF2-40B4-BE49-F238E27FC236}">
+                <a16:creationId xmlns:a16="http://schemas.microsoft.com/office/drawing/2014/main" id="{17814ABB-BBBA-F14A-BEFF-3BBAEDEC0152}"/>
+              </a:ext>
+            </a:extLst>
+          </p:cNvPr>
+          <p:cNvSpPr>
+            <a:spLocks noGrp="1"/>
+          </p:cNvSpPr>
+          <p:nvPr>
+            <p:ph type="title"/>
+          </p:nvPr>
+        </p:nvSpPr>
+        <p:spPr>
+          <a:xfrm>
+            <a:off x="847702" y="1032524"/>
+            <a:ext cx="7202456" cy="786926"/>
+          </a:xfrm>
+        </p:spPr>
+        <p:txBody>
+          <a:bodyPr/>
+          <a:lstStyle/>
+          <a:p>
+            <a:r>
+              <a:rPr kumimoji="1" lang="ja-JP" altLang="en-US"/>
+              <a:t>乗合タクシー問題</a:t>
+            </a:r>
+          </a:p>
+        </p:txBody>
+      </p:sp>
+      <p:sp>
+        <p:nvSpPr>
+          <p:cNvPr id="3" name="コンテンツ プレースホルダー 2">
+            <a:extLst>
+              <a:ext uri="{FF2B5EF4-FFF2-40B4-BE49-F238E27FC236}">
+                <a16:creationId xmlns:a16="http://schemas.microsoft.com/office/drawing/2014/main" id="{876935AD-6219-7744-9DAA-F3DD73BE7D70}"/>
+              </a:ext>
+            </a:extLst>
+          </p:cNvPr>
+          <p:cNvSpPr>
+            <a:spLocks noGrp="1"/>
+          </p:cNvSpPr>
+          <p:nvPr>
+            <p:ph idx="1"/>
+          </p:nvPr>
+        </p:nvSpPr>
+        <p:spPr>
+          <a:xfrm>
+            <a:off x="847702" y="1626920"/>
+            <a:ext cx="8130043" cy="4595750"/>
+          </a:xfrm>
+        </p:spPr>
+        <p:txBody>
+          <a:bodyPr>
+            <a:normAutofit/>
+          </a:bodyPr>
+          <a:lstStyle/>
+          <a:p>
+            <a:pPr marL="0" indent="0">
+              <a:buNone/>
+            </a:pPr>
+            <a:endParaRPr lang="en-US" altLang="ja-JP" dirty="0"/>
+          </a:p>
+          <a:p>
+            <a:r>
+              <a:rPr lang="ja-JP" altLang="en-US" sz="2200"/>
+              <a:t>先行研究では、乗降に関しての時間枠と最大乗車時間をハード制約で与える。</a:t>
+            </a:r>
+            <a:endParaRPr lang="en-US" altLang="ja-JP" sz="2200" dirty="0"/>
+          </a:p>
+          <a:p>
+            <a:r>
+              <a:rPr lang="ja-JP" altLang="en-US" sz="2200"/>
+              <a:t>本研究では、リクエストに関する制約をペナルティ関数として与えて、</a:t>
+            </a:r>
+            <a:r>
+              <a:rPr lang="ja-JP" altLang="en-US" sz="2200" b="1"/>
+              <a:t>ソフト制約</a:t>
+            </a:r>
+            <a:r>
+              <a:rPr lang="ja-JP" altLang="en-US" sz="2200"/>
+              <a:t>にする。これを時間枠及び乗車時間ペナルティ付き乗合タクシー問題として新たに定義する。</a:t>
+            </a:r>
+            <a:endParaRPr lang="en-US" altLang="ja-JP" sz="2200" dirty="0"/>
+          </a:p>
+          <a:p>
+            <a:endParaRPr lang="en-US" altLang="ja-JP" sz="2200" dirty="0"/>
+          </a:p>
+          <a:p>
+            <a:endParaRPr lang="en-US" altLang="ja-JP" dirty="0"/>
+          </a:p>
+          <a:p>
+            <a:pPr marL="0" indent="0">
+              <a:buNone/>
+            </a:pPr>
+            <a:endParaRPr lang="en-US" altLang="ja-JP" dirty="0"/>
+          </a:p>
+          <a:p>
+            <a:pPr marL="0" indent="0">
+              <a:buNone/>
+            </a:pPr>
+            <a:endParaRPr lang="en-US" altLang="ja-JP" dirty="0"/>
+          </a:p>
+          <a:p>
+            <a:endParaRPr lang="en-US" altLang="ja-JP" dirty="0"/>
+          </a:p>
+          <a:p>
+            <a:pPr marL="0" indent="0">
+              <a:buNone/>
+            </a:pPr>
+            <a:endParaRPr lang="en-US" altLang="ja-JP" dirty="0"/>
+          </a:p>
+        </p:txBody>
+      </p:sp>
+      <p:sp>
+        <p:nvSpPr>
+          <p:cNvPr id="4" name="スライド番号プレースホルダー 3">
+            <a:extLst>
+              <a:ext uri="{FF2B5EF4-FFF2-40B4-BE49-F238E27FC236}">
+                <a16:creationId xmlns:a16="http://schemas.microsoft.com/office/drawing/2014/main" id="{8FD83881-C37D-D846-8430-DFC50F7681CE}"/>
+              </a:ext>
+            </a:extLst>
+          </p:cNvPr>
+          <p:cNvSpPr>
+            <a:spLocks noGrp="1"/>
+          </p:cNvSpPr>
+          <p:nvPr>
+            <p:ph type="sldNum" sz="quarter" idx="12"/>
+          </p:nvPr>
+        </p:nvSpPr>
+        <p:spPr/>
+        <p:txBody>
+          <a:bodyPr/>
+          <a:lstStyle/>
+          <a:p>
+            <a:fld id="{84E0C278-47E8-3649-A055-2003DC36C60A}" type="slidenum">
+              <a:rPr kumimoji="1" lang="ja-JP" altLang="en-US" smtClean="0"/>
+              <a:t>10</a:t>
+            </a:fld>
+            <a:endParaRPr kumimoji="1" lang="ja-JP" altLang="en-US"/>
+          </a:p>
+        </p:txBody>
+      </p:sp>
+    </p:spTree>
+    <p:extLst>
+      <p:ext uri="{BB962C8B-B14F-4D97-AF65-F5344CB8AC3E}">
+        <p14:creationId xmlns:p14="http://schemas.microsoft.com/office/powerpoint/2010/main" val="3594709880"/>
+      </p:ext>
+    </p:extLst>
+  </p:cSld>
+  <p:clrMapOvr>
+    <a:masterClrMapping/>
+  </p:clrMapOvr>
+</p:sld>
+</file>
+
+<file path=ppt/slides/slide11.xml><?xml version="1.0" encoding="utf-8"?>
+<p:sld xmlns:a="http://schemas.openxmlformats.org/drawingml/2006/main" xmlns:r="http://schemas.openxmlformats.org/officeDocument/2006/relationships" xmlns:p="http://schemas.openxmlformats.org/presentationml/2006/main">
+  <p:cSld>
+    <p:spTree>
+      <p:nvGrpSpPr>
+        <p:cNvPr id="1" name=""/>
+        <p:cNvGrpSpPr/>
+        <p:nvPr/>
+      </p:nvGrpSpPr>
+      <p:grpSpPr>
+        <a:xfrm>
+          <a:off x="0" y="0"/>
+          <a:ext cx="0" cy="0"/>
+          <a:chOff x="0" y="0"/>
+          <a:chExt cx="0" cy="0"/>
+        </a:xfrm>
+      </p:grpSpPr>
+      <p:sp>
+        <p:nvSpPr>
+          <p:cNvPr id="2" name="タイトル 1">
+            <a:extLst>
+              <a:ext uri="{FF2B5EF4-FFF2-40B4-BE49-F238E27FC236}">
                 <a16:creationId xmlns:a16="http://schemas.microsoft.com/office/drawing/2014/main" id="{AC3313C0-6449-AD41-9F3E-B6C1293244AE}"/>
               </a:ext>
             </a:extLst>
@@ -5052,7 +5229,7 @@
           <a:p>
             <a:fld id="{84E0C278-47E8-3649-A055-2003DC36C60A}" type="slidenum">
               <a:rPr kumimoji="1" lang="ja-JP" altLang="en-US" smtClean="0"/>
-              <a:t>10</a:t>
+              <a:t>11</a:t>
             </a:fld>
             <a:endParaRPr kumimoji="1" lang="ja-JP" altLang="en-US"/>
           </a:p>
@@ -5131,7 +5308,7 @@
 </p:sld>
 </file>
 
-<file path=ppt/slides/slide11.xml><?xml version="1.0" encoding="utf-8"?>
+<file path=ppt/slides/slide12.xml><?xml version="1.0" encoding="utf-8"?>
 <p:sld xmlns:a="http://schemas.openxmlformats.org/drawingml/2006/main" xmlns:r="http://schemas.openxmlformats.org/officeDocument/2006/relationships" xmlns:p="http://schemas.openxmlformats.org/presentationml/2006/main">
   <p:cSld>
     <p:spTree>
@@ -5349,7 +5526,7 @@
           <a:p>
             <a:fld id="{84E0C278-47E8-3649-A055-2003DC36C60A}" type="slidenum">
               <a:rPr kumimoji="1" lang="ja-JP" altLang="en-US" smtClean="0"/>
-              <a:t>11</a:t>
+              <a:t>12</a:t>
             </a:fld>
             <a:endParaRPr kumimoji="1" lang="ja-JP" altLang="en-US"/>
           </a:p>
@@ -5368,7 +5545,7 @@
 </p:sld>
 </file>
 
-<file path=ppt/slides/slide12.xml><?xml version="1.0" encoding="utf-8"?>
+<file path=ppt/slides/slide13.xml><?xml version="1.0" encoding="utf-8"?>
 <p:sld xmlns:a="http://schemas.openxmlformats.org/drawingml/2006/main" xmlns:r="http://schemas.openxmlformats.org/officeDocument/2006/relationships" xmlns:p="http://schemas.openxmlformats.org/presentationml/2006/main">
   <p:cSld>
     <p:spTree>
@@ -6554,7 +6731,7 @@
           <a:p>
             <a:fld id="{84E0C278-47E8-3649-A055-2003DC36C60A}" type="slidenum">
               <a:rPr kumimoji="1" lang="ja-JP" altLang="en-US" smtClean="0"/>
-              <a:t>12</a:t>
+              <a:t>13</a:t>
             </a:fld>
             <a:endParaRPr kumimoji="1" lang="ja-JP" altLang="en-US"/>
           </a:p>
@@ -6573,7 +6750,7 @@
 </p:sld>
 </file>
 
-<file path=ppt/slides/slide13.xml><?xml version="1.0" encoding="utf-8"?>
+<file path=ppt/slides/slide14.xml><?xml version="1.0" encoding="utf-8"?>
 <p:sld xmlns:a="http://schemas.openxmlformats.org/drawingml/2006/main" xmlns:r="http://schemas.openxmlformats.org/officeDocument/2006/relationships" xmlns:p="http://schemas.openxmlformats.org/presentationml/2006/main">
   <p:cSld>
     <p:spTree>
@@ -6712,7 +6889,7 @@
           <a:p>
             <a:fld id="{84E0C278-47E8-3649-A055-2003DC36C60A}" type="slidenum">
               <a:rPr kumimoji="1" lang="ja-JP" altLang="en-US" smtClean="0"/>
-              <a:t>13</a:t>
+              <a:t>14</a:t>
             </a:fld>
             <a:endParaRPr kumimoji="1" lang="ja-JP" altLang="en-US"/>
           </a:p>
@@ -6731,7 +6908,7 @@
 </p:sld>
 </file>
 
-<file path=ppt/slides/slide14.xml><?xml version="1.0" encoding="utf-8"?>
+<file path=ppt/slides/slide15.xml><?xml version="1.0" encoding="utf-8"?>
 <p:sld xmlns:a="http://schemas.openxmlformats.org/drawingml/2006/main" xmlns:r="http://schemas.openxmlformats.org/officeDocument/2006/relationships" xmlns:p="http://schemas.openxmlformats.org/presentationml/2006/main">
   <p:cSld>
     <p:spTree>
@@ -6978,7 +7155,7 @@
           <a:p>
             <a:fld id="{84E0C278-47E8-3649-A055-2003DC36C60A}" type="slidenum">
               <a:rPr kumimoji="1" lang="ja-JP" altLang="en-US" smtClean="0"/>
-              <a:t>14</a:t>
+              <a:t>15</a:t>
             </a:fld>
             <a:endParaRPr kumimoji="1" lang="ja-JP" altLang="en-US"/>
           </a:p>
@@ -6988,178 +7165,6 @@
     <p:extLst>
       <p:ext uri="{BB962C8B-B14F-4D97-AF65-F5344CB8AC3E}">
         <p14:creationId xmlns:p14="http://schemas.microsoft.com/office/powerpoint/2010/main" val="1092429415"/>
-      </p:ext>
-    </p:extLst>
-  </p:cSld>
-  <p:clrMapOvr>
-    <a:masterClrMapping/>
-  </p:clrMapOvr>
-</p:sld>
-</file>
-
-<file path=ppt/slides/slide15.xml><?xml version="1.0" encoding="utf-8"?>
-<p:sld xmlns:a="http://schemas.openxmlformats.org/drawingml/2006/main" xmlns:r="http://schemas.openxmlformats.org/officeDocument/2006/relationships" xmlns:p="http://schemas.openxmlformats.org/presentationml/2006/main">
-  <p:cSld>
-    <p:spTree>
-      <p:nvGrpSpPr>
-        <p:cNvPr id="1" name=""/>
-        <p:cNvGrpSpPr/>
-        <p:nvPr/>
-      </p:nvGrpSpPr>
-      <p:grpSpPr>
-        <a:xfrm>
-          <a:off x="0" y="0"/>
-          <a:ext cx="0" cy="0"/>
-          <a:chOff x="0" y="0"/>
-          <a:chExt cx="0" cy="0"/>
-        </a:xfrm>
-      </p:grpSpPr>
-      <p:sp>
-        <p:nvSpPr>
-          <p:cNvPr id="2" name="タイトル 1">
-            <a:extLst>
-              <a:ext uri="{FF2B5EF4-FFF2-40B4-BE49-F238E27FC236}">
-                <a16:creationId xmlns:a16="http://schemas.microsoft.com/office/drawing/2014/main" id="{46F59DBF-A766-4849-B8C2-90962A890A0A}"/>
-              </a:ext>
-            </a:extLst>
-          </p:cNvPr>
-          <p:cNvSpPr>
-            <a:spLocks noGrp="1"/>
-          </p:cNvSpPr>
-          <p:nvPr>
-            <p:ph type="title"/>
-          </p:nvPr>
-        </p:nvSpPr>
-        <p:spPr/>
-        <p:txBody>
-          <a:bodyPr/>
-          <a:lstStyle/>
-          <a:p>
-            <a:r>
-              <a:rPr kumimoji="1" lang="ja-JP" altLang="en-US"/>
-              <a:t>インスタンスの特徴</a:t>
-            </a:r>
-          </a:p>
-        </p:txBody>
-      </p:sp>
-      <p:sp>
-        <p:nvSpPr>
-          <p:cNvPr id="3" name="コンテンツ プレースホルダー 2">
-            <a:extLst>
-              <a:ext uri="{FF2B5EF4-FFF2-40B4-BE49-F238E27FC236}">
-                <a16:creationId xmlns:a16="http://schemas.microsoft.com/office/drawing/2014/main" id="{48DA6D23-2A6E-1549-AD5D-78B3023078BC}"/>
-              </a:ext>
-            </a:extLst>
-          </p:cNvPr>
-          <p:cNvSpPr>
-            <a:spLocks noGrp="1"/>
-          </p:cNvSpPr>
-          <p:nvPr>
-            <p:ph idx="1"/>
-          </p:nvPr>
-        </p:nvSpPr>
-        <p:spPr/>
-        <p:txBody>
-          <a:bodyPr/>
-          <a:lstStyle/>
-          <a:p>
-            <a:r>
-              <a:rPr lang="ja-JP" altLang="en-US"/>
-              <a:t>頂点でのサービス時間は</a:t>
-            </a:r>
-            <a:r>
-              <a:rPr lang="en-US" altLang="ja-JP" dirty="0"/>
-              <a:t>10</a:t>
-            </a:r>
-          </a:p>
-          <a:p>
-            <a:r>
-              <a:rPr kumimoji="1" lang="ja-JP" altLang="en-US"/>
-              <a:t>乗降人数は</a:t>
-            </a:r>
-            <a:r>
-              <a:rPr kumimoji="1" lang="en-US" altLang="ja-JP" dirty="0"/>
-              <a:t>1</a:t>
-            </a:r>
-            <a:r>
-              <a:rPr kumimoji="1" lang="ja-JP" altLang="en-US"/>
-              <a:t>人</a:t>
-            </a:r>
-            <a:endParaRPr kumimoji="1" lang="en-US" altLang="ja-JP" dirty="0"/>
-          </a:p>
-          <a:p>
-            <a:r>
-              <a:rPr kumimoji="1" lang="ja-JP" altLang="en-US"/>
-              <a:t>乗車時間の閾値は</a:t>
-            </a:r>
-            <a:r>
-              <a:rPr lang="en-US" altLang="ja-JP" dirty="0"/>
-              <a:t>90</a:t>
-            </a:r>
-          </a:p>
-          <a:p>
-            <a:r>
-              <a:rPr kumimoji="1" lang="ja-JP" altLang="en-US"/>
-              <a:t>車両の最大容量は</a:t>
-            </a:r>
-            <a:r>
-              <a:rPr kumimoji="1" lang="en-US" altLang="ja-JP" dirty="0"/>
-              <a:t>6</a:t>
-            </a:r>
-            <a:r>
-              <a:rPr kumimoji="1" lang="ja-JP" altLang="en-US"/>
-              <a:t>人</a:t>
-            </a:r>
-            <a:endParaRPr kumimoji="1" lang="en-US" altLang="ja-JP" dirty="0"/>
-          </a:p>
-          <a:p>
-            <a:r>
-              <a:rPr lang="ja-JP" altLang="en-US"/>
-              <a:t>ルートの最大長は</a:t>
-            </a:r>
-            <a:r>
-              <a:rPr lang="en-US" altLang="ja-JP" dirty="0"/>
-              <a:t>480</a:t>
-            </a:r>
-          </a:p>
-          <a:p>
-            <a:endParaRPr kumimoji="1" lang="ja-JP" altLang="en-US"/>
-          </a:p>
-        </p:txBody>
-      </p:sp>
-      <p:sp>
-        <p:nvSpPr>
-          <p:cNvPr id="4" name="スライド番号プレースホルダー 3">
-            <a:extLst>
-              <a:ext uri="{FF2B5EF4-FFF2-40B4-BE49-F238E27FC236}">
-                <a16:creationId xmlns:a16="http://schemas.microsoft.com/office/drawing/2014/main" id="{755F4AEA-073C-DC4D-A5B7-F33BE4B305EF}"/>
-              </a:ext>
-            </a:extLst>
-          </p:cNvPr>
-          <p:cNvSpPr>
-            <a:spLocks noGrp="1"/>
-          </p:cNvSpPr>
-          <p:nvPr>
-            <p:ph type="sldNum" sz="quarter" idx="12"/>
-          </p:nvPr>
-        </p:nvSpPr>
-        <p:spPr/>
-        <p:txBody>
-          <a:bodyPr/>
-          <a:lstStyle/>
-          <a:p>
-            <a:fld id="{84E0C278-47E8-3649-A055-2003DC36C60A}" type="slidenum">
-              <a:rPr kumimoji="1" lang="ja-JP" altLang="en-US" smtClean="0"/>
-              <a:t>15</a:t>
-            </a:fld>
-            <a:endParaRPr kumimoji="1" lang="ja-JP" altLang="en-US"/>
-          </a:p>
-        </p:txBody>
-      </p:sp>
-    </p:spTree>
-    <p:extLst>
-      <p:ext uri="{BB962C8B-B14F-4D97-AF65-F5344CB8AC3E}">
-        <p14:creationId xmlns:p14="http://schemas.microsoft.com/office/powerpoint/2010/main" val="334502638"/>
       </p:ext>
     </p:extLst>
   </p:cSld>
@@ -7191,6 +7196,178 @@
           <p:cNvPr id="2" name="タイトル 1">
             <a:extLst>
               <a:ext uri="{FF2B5EF4-FFF2-40B4-BE49-F238E27FC236}">
+                <a16:creationId xmlns:a16="http://schemas.microsoft.com/office/drawing/2014/main" id="{46F59DBF-A766-4849-B8C2-90962A890A0A}"/>
+              </a:ext>
+            </a:extLst>
+          </p:cNvPr>
+          <p:cNvSpPr>
+            <a:spLocks noGrp="1"/>
+          </p:cNvSpPr>
+          <p:nvPr>
+            <p:ph type="title"/>
+          </p:nvPr>
+        </p:nvSpPr>
+        <p:spPr/>
+        <p:txBody>
+          <a:bodyPr/>
+          <a:lstStyle/>
+          <a:p>
+            <a:r>
+              <a:rPr kumimoji="1" lang="ja-JP" altLang="en-US"/>
+              <a:t>インスタンスの特徴</a:t>
+            </a:r>
+          </a:p>
+        </p:txBody>
+      </p:sp>
+      <p:sp>
+        <p:nvSpPr>
+          <p:cNvPr id="3" name="コンテンツ プレースホルダー 2">
+            <a:extLst>
+              <a:ext uri="{FF2B5EF4-FFF2-40B4-BE49-F238E27FC236}">
+                <a16:creationId xmlns:a16="http://schemas.microsoft.com/office/drawing/2014/main" id="{48DA6D23-2A6E-1549-AD5D-78B3023078BC}"/>
+              </a:ext>
+            </a:extLst>
+          </p:cNvPr>
+          <p:cNvSpPr>
+            <a:spLocks noGrp="1"/>
+          </p:cNvSpPr>
+          <p:nvPr>
+            <p:ph idx="1"/>
+          </p:nvPr>
+        </p:nvSpPr>
+        <p:spPr/>
+        <p:txBody>
+          <a:bodyPr/>
+          <a:lstStyle/>
+          <a:p>
+            <a:r>
+              <a:rPr lang="ja-JP" altLang="en-US"/>
+              <a:t>頂点でのサービス時間は</a:t>
+            </a:r>
+            <a:r>
+              <a:rPr lang="en-US" altLang="ja-JP" dirty="0"/>
+              <a:t>10</a:t>
+            </a:r>
+          </a:p>
+          <a:p>
+            <a:r>
+              <a:rPr kumimoji="1" lang="ja-JP" altLang="en-US"/>
+              <a:t>乗降人数は</a:t>
+            </a:r>
+            <a:r>
+              <a:rPr kumimoji="1" lang="en-US" altLang="ja-JP" dirty="0"/>
+              <a:t>1</a:t>
+            </a:r>
+            <a:r>
+              <a:rPr kumimoji="1" lang="ja-JP" altLang="en-US"/>
+              <a:t>人</a:t>
+            </a:r>
+            <a:endParaRPr kumimoji="1" lang="en-US" altLang="ja-JP" dirty="0"/>
+          </a:p>
+          <a:p>
+            <a:r>
+              <a:rPr kumimoji="1" lang="ja-JP" altLang="en-US"/>
+              <a:t>乗車時間の閾値は</a:t>
+            </a:r>
+            <a:r>
+              <a:rPr lang="en-US" altLang="ja-JP" dirty="0"/>
+              <a:t>90</a:t>
+            </a:r>
+          </a:p>
+          <a:p>
+            <a:r>
+              <a:rPr kumimoji="1" lang="ja-JP" altLang="en-US"/>
+              <a:t>車両の最大容量は</a:t>
+            </a:r>
+            <a:r>
+              <a:rPr kumimoji="1" lang="en-US" altLang="ja-JP" dirty="0"/>
+              <a:t>6</a:t>
+            </a:r>
+            <a:r>
+              <a:rPr kumimoji="1" lang="ja-JP" altLang="en-US"/>
+              <a:t>人</a:t>
+            </a:r>
+            <a:endParaRPr kumimoji="1" lang="en-US" altLang="ja-JP" dirty="0"/>
+          </a:p>
+          <a:p>
+            <a:r>
+              <a:rPr lang="ja-JP" altLang="en-US"/>
+              <a:t>ルートの最大長は</a:t>
+            </a:r>
+            <a:r>
+              <a:rPr lang="en-US" altLang="ja-JP" dirty="0"/>
+              <a:t>480</a:t>
+            </a:r>
+          </a:p>
+          <a:p>
+            <a:endParaRPr kumimoji="1" lang="ja-JP" altLang="en-US"/>
+          </a:p>
+        </p:txBody>
+      </p:sp>
+      <p:sp>
+        <p:nvSpPr>
+          <p:cNvPr id="4" name="スライド番号プレースホルダー 3">
+            <a:extLst>
+              <a:ext uri="{FF2B5EF4-FFF2-40B4-BE49-F238E27FC236}">
+                <a16:creationId xmlns:a16="http://schemas.microsoft.com/office/drawing/2014/main" id="{755F4AEA-073C-DC4D-A5B7-F33BE4B305EF}"/>
+              </a:ext>
+            </a:extLst>
+          </p:cNvPr>
+          <p:cNvSpPr>
+            <a:spLocks noGrp="1"/>
+          </p:cNvSpPr>
+          <p:nvPr>
+            <p:ph type="sldNum" sz="quarter" idx="12"/>
+          </p:nvPr>
+        </p:nvSpPr>
+        <p:spPr/>
+        <p:txBody>
+          <a:bodyPr/>
+          <a:lstStyle/>
+          <a:p>
+            <a:fld id="{84E0C278-47E8-3649-A055-2003DC36C60A}" type="slidenum">
+              <a:rPr kumimoji="1" lang="ja-JP" altLang="en-US" smtClean="0"/>
+              <a:t>16</a:t>
+            </a:fld>
+            <a:endParaRPr kumimoji="1" lang="ja-JP" altLang="en-US"/>
+          </a:p>
+        </p:txBody>
+      </p:sp>
+    </p:spTree>
+    <p:extLst>
+      <p:ext uri="{BB962C8B-B14F-4D97-AF65-F5344CB8AC3E}">
+        <p14:creationId xmlns:p14="http://schemas.microsoft.com/office/powerpoint/2010/main" val="334502638"/>
+      </p:ext>
+    </p:extLst>
+  </p:cSld>
+  <p:clrMapOvr>
+    <a:masterClrMapping/>
+  </p:clrMapOvr>
+</p:sld>
+</file>
+
+<file path=ppt/slides/slide17.xml><?xml version="1.0" encoding="utf-8"?>
+<p:sld xmlns:a="http://schemas.openxmlformats.org/drawingml/2006/main" xmlns:r="http://schemas.openxmlformats.org/officeDocument/2006/relationships" xmlns:p="http://schemas.openxmlformats.org/presentationml/2006/main">
+  <p:cSld>
+    <p:spTree>
+      <p:nvGrpSpPr>
+        <p:cNvPr id="1" name=""/>
+        <p:cNvGrpSpPr/>
+        <p:nvPr/>
+      </p:nvGrpSpPr>
+      <p:grpSpPr>
+        <a:xfrm>
+          <a:off x="0" y="0"/>
+          <a:ext cx="0" cy="0"/>
+          <a:chOff x="0" y="0"/>
+          <a:chExt cx="0" cy="0"/>
+        </a:xfrm>
+      </p:grpSpPr>
+      <p:sp>
+        <p:nvSpPr>
+          <p:cNvPr id="2" name="タイトル 1">
+            <a:extLst>
+              <a:ext uri="{FF2B5EF4-FFF2-40B4-BE49-F238E27FC236}">
                 <a16:creationId xmlns:a16="http://schemas.microsoft.com/office/drawing/2014/main" id="{210AB7E5-4337-D54D-8945-D38FB311200C}"/>
               </a:ext>
             </a:extLst>
@@ -7329,7 +7506,7 @@
           <a:p>
             <a:fld id="{84E0C278-47E8-3649-A055-2003DC36C60A}" type="slidenum">
               <a:rPr kumimoji="1" lang="ja-JP" altLang="en-US" smtClean="0"/>
-              <a:t>16</a:t>
+              <a:t>17</a:t>
             </a:fld>
             <a:endParaRPr kumimoji="1" lang="ja-JP" altLang="en-US"/>
           </a:p>
@@ -7348,7 +7525,7 @@
 </p:sld>
 </file>
 
-<file path=ppt/slides/slide17.xml><?xml version="1.0" encoding="utf-8"?>
+<file path=ppt/slides/slide18.xml><?xml version="1.0" encoding="utf-8"?>
 <p:sld xmlns:a="http://schemas.openxmlformats.org/drawingml/2006/main" xmlns:r="http://schemas.openxmlformats.org/officeDocument/2006/relationships" xmlns:p="http://schemas.openxmlformats.org/presentationml/2006/main">
   <p:cSld>
     <p:spTree>
@@ -7533,7 +7710,7 @@
           <a:p>
             <a:fld id="{84E0C278-47E8-3649-A055-2003DC36C60A}" type="slidenum">
               <a:rPr kumimoji="1" lang="ja-JP" altLang="en-US" smtClean="0"/>
-              <a:t>17</a:t>
+              <a:t>18</a:t>
             </a:fld>
             <a:endParaRPr kumimoji="1" lang="ja-JP" altLang="en-US"/>
           </a:p>
@@ -9389,151 +9566,6 @@
 </p:sld>
 </file>
 
-<file path=ppt/slides/slide18.xml><?xml version="1.0" encoding="utf-8"?>
-<p:sld xmlns:a="http://schemas.openxmlformats.org/drawingml/2006/main" xmlns:r="http://schemas.openxmlformats.org/officeDocument/2006/relationships" xmlns:p="http://schemas.openxmlformats.org/presentationml/2006/main">
-  <p:cSld>
-    <p:spTree>
-      <p:nvGrpSpPr>
-        <p:cNvPr id="1" name=""/>
-        <p:cNvGrpSpPr/>
-        <p:nvPr/>
-      </p:nvGrpSpPr>
-      <p:grpSpPr>
-        <a:xfrm>
-          <a:off x="0" y="0"/>
-          <a:ext cx="0" cy="0"/>
-          <a:chOff x="0" y="0"/>
-          <a:chExt cx="0" cy="0"/>
-        </a:xfrm>
-      </p:grpSpPr>
-      <p:sp>
-        <p:nvSpPr>
-          <p:cNvPr id="2" name="タイトル 1">
-            <a:extLst>
-              <a:ext uri="{FF2B5EF4-FFF2-40B4-BE49-F238E27FC236}">
-                <a16:creationId xmlns:a16="http://schemas.microsoft.com/office/drawing/2014/main" id="{2BBE07E3-04C4-5B45-9C02-91B9CA7F14E5}"/>
-              </a:ext>
-            </a:extLst>
-          </p:cNvPr>
-          <p:cNvSpPr>
-            <a:spLocks noGrp="1"/>
-          </p:cNvSpPr>
-          <p:nvPr>
-            <p:ph type="title"/>
-          </p:nvPr>
-        </p:nvSpPr>
-        <p:spPr/>
-        <p:txBody>
-          <a:bodyPr/>
-          <a:lstStyle/>
-          <a:p>
-            <a:r>
-              <a:rPr lang="ja-JP" altLang="en-US"/>
-              <a:t>局所探索法</a:t>
-            </a:r>
-            <a:endParaRPr kumimoji="1" lang="ja-JP" altLang="en-US"/>
-          </a:p>
-        </p:txBody>
-      </p:sp>
-      <p:sp>
-        <p:nvSpPr>
-          <p:cNvPr id="3" name="コンテンツ プレースホルダー 2">
-            <a:extLst>
-              <a:ext uri="{FF2B5EF4-FFF2-40B4-BE49-F238E27FC236}">
-                <a16:creationId xmlns:a16="http://schemas.microsoft.com/office/drawing/2014/main" id="{033BEEEB-9D7C-0844-A7C5-EC6D3B3A3771}"/>
-              </a:ext>
-            </a:extLst>
-          </p:cNvPr>
-          <p:cNvSpPr>
-            <a:spLocks noGrp="1"/>
-          </p:cNvSpPr>
-          <p:nvPr>
-            <p:ph idx="1"/>
-          </p:nvPr>
-        </p:nvSpPr>
-        <p:spPr/>
-        <p:txBody>
-          <a:bodyPr/>
-          <a:lstStyle/>
-          <a:p>
-            <a:r>
-              <a:rPr kumimoji="1" lang="ja-JP" altLang="en-US" sz="2200"/>
-              <a:t>解を逐次的に改善させていく手法</a:t>
-            </a:r>
-            <a:endParaRPr kumimoji="1" lang="en-US" altLang="ja-JP" sz="2200" dirty="0"/>
-          </a:p>
-          <a:p>
-            <a:r>
-              <a:rPr kumimoji="1" lang="ja-JP" altLang="en-US" sz="2200"/>
-              <a:t>現在の解の近傍内に良い解が存在すればその解に移動する作業を反復</a:t>
-            </a:r>
-            <a:endParaRPr kumimoji="1" lang="en-US" altLang="ja-JP" sz="2200" dirty="0"/>
-          </a:p>
-          <a:p>
-            <a:r>
-              <a:rPr kumimoji="1" lang="ja-JP" altLang="en-US" sz="2200"/>
-              <a:t>本研究ではルート内とルート間の</a:t>
-            </a:r>
-            <a:r>
-              <a:rPr kumimoji="1" lang="en-US" altLang="ja-JP" sz="2200" dirty="0"/>
-              <a:t>2</a:t>
-            </a:r>
-            <a:r>
-              <a:rPr kumimoji="1" lang="ja-JP" altLang="en-US" sz="2200"/>
-              <a:t>つの近傍操作を行う</a:t>
-            </a:r>
-            <a:endParaRPr kumimoji="1" lang="en-US" altLang="ja-JP" sz="2200" dirty="0"/>
-          </a:p>
-          <a:p>
-            <a:endParaRPr kumimoji="1" lang="en-US" altLang="ja-JP" dirty="0"/>
-          </a:p>
-          <a:p>
-            <a:endParaRPr kumimoji="1" lang="ja-JP" altLang="en-US"/>
-          </a:p>
-        </p:txBody>
-      </p:sp>
-      <p:sp>
-        <p:nvSpPr>
-          <p:cNvPr id="4" name="スライド番号プレースホルダー 3">
-            <a:extLst>
-              <a:ext uri="{FF2B5EF4-FFF2-40B4-BE49-F238E27FC236}">
-                <a16:creationId xmlns:a16="http://schemas.microsoft.com/office/drawing/2014/main" id="{A589CA5A-A513-8843-9176-60A487F52E6F}"/>
-              </a:ext>
-            </a:extLst>
-          </p:cNvPr>
-          <p:cNvSpPr>
-            <a:spLocks noGrp="1"/>
-          </p:cNvSpPr>
-          <p:nvPr>
-            <p:ph type="sldNum" sz="quarter" idx="12"/>
-          </p:nvPr>
-        </p:nvSpPr>
-        <p:spPr/>
-        <p:txBody>
-          <a:bodyPr/>
-          <a:lstStyle/>
-          <a:p>
-            <a:fld id="{84E0C278-47E8-3649-A055-2003DC36C60A}" type="slidenum">
-              <a:rPr kumimoji="1" lang="ja-JP" altLang="en-US" smtClean="0"/>
-              <a:t>18</a:t>
-            </a:fld>
-            <a:endParaRPr kumimoji="1" lang="ja-JP" altLang="en-US"/>
-          </a:p>
-        </p:txBody>
-      </p:sp>
-    </p:spTree>
-    <p:extLst>
-      <p:ext uri="{BB962C8B-B14F-4D97-AF65-F5344CB8AC3E}">
-        <p14:creationId xmlns:p14="http://schemas.microsoft.com/office/powerpoint/2010/main" val="2089325389"/>
-      </p:ext>
-    </p:extLst>
-  </p:cSld>
-  <p:clrMapOvr>
-    <a:masterClrMapping/>
-  </p:clrMapOvr>
-</p:sld>
-</file>
-
 <file path=ppt/slides/slide19.xml><?xml version="1.0" encoding="utf-8"?>
 <p:sld xmlns:a="http://schemas.openxmlformats.org/drawingml/2006/main" xmlns:r="http://schemas.openxmlformats.org/officeDocument/2006/relationships" xmlns:p="http://schemas.openxmlformats.org/presentationml/2006/main">
   <p:cSld>
@@ -9556,7 +9588,7 @@
           <p:cNvPr id="2" name="タイトル 1">
             <a:extLst>
               <a:ext uri="{FF2B5EF4-FFF2-40B4-BE49-F238E27FC236}">
-                <a16:creationId xmlns:a16="http://schemas.microsoft.com/office/drawing/2014/main" id="{B330F011-E705-7B47-A529-CF98E994007D}"/>
+                <a16:creationId xmlns:a16="http://schemas.microsoft.com/office/drawing/2014/main" id="{2BBE07E3-04C4-5B45-9C02-91B9CA7F14E5}"/>
               </a:ext>
             </a:extLst>
           </p:cNvPr>
@@ -9573,9 +9605,10 @@
           <a:lstStyle/>
           <a:p>
             <a:r>
-              <a:rPr kumimoji="1" lang="ja-JP" altLang="en-US"/>
-              <a:t>局所探索法の流れ</a:t>
-            </a:r>
+              <a:rPr lang="ja-JP" altLang="en-US"/>
+              <a:t>局所探索法</a:t>
+            </a:r>
+            <a:endParaRPr kumimoji="1" lang="ja-JP" altLang="en-US"/>
           </a:p>
         </p:txBody>
       </p:sp>
@@ -9584,7 +9617,7 @@
           <p:cNvPr id="3" name="コンテンツ プレースホルダー 2">
             <a:extLst>
               <a:ext uri="{FF2B5EF4-FFF2-40B4-BE49-F238E27FC236}">
-                <a16:creationId xmlns:a16="http://schemas.microsoft.com/office/drawing/2014/main" id="{E0487FF3-0C75-784E-A5AA-01BBDC2882BA}"/>
+                <a16:creationId xmlns:a16="http://schemas.microsoft.com/office/drawing/2014/main" id="{033BEEEB-9D7C-0844-A7C5-EC6D3B3A3771}"/>
               </a:ext>
             </a:extLst>
           </p:cNvPr>
@@ -9597,80 +9630,42 @@
         </p:nvSpPr>
         <p:spPr/>
         <p:txBody>
-          <a:bodyPr>
-            <a:normAutofit/>
-          </a:bodyPr>
+          <a:bodyPr/>
           <a:lstStyle/>
           <a:p>
-            <a:pPr marL="342900" indent="-342900">
-              <a:buFont typeface="+mj-lt"/>
-              <a:buAutoNum type="arabicPeriod"/>
-            </a:pPr>
             <a:r>
               <a:rPr kumimoji="1" lang="ja-JP" altLang="en-US" sz="2200"/>
-              <a:t>初期解生成</a:t>
+              <a:t>解を逐次的に改善させていく手法</a:t>
             </a:r>
             <a:endParaRPr kumimoji="1" lang="en-US" altLang="ja-JP" sz="2200" dirty="0"/>
           </a:p>
           <a:p>
-            <a:pPr marL="342900" indent="-342900">
-              <a:buFont typeface="+mj-lt"/>
-              <a:buAutoNum type="arabicPeriod"/>
-            </a:pPr>
-            <a:r>
-              <a:rPr lang="ja-JP" altLang="en-US" sz="2200"/>
-              <a:t>ルート内近傍操作</a:t>
-            </a:r>
-            <a:endParaRPr lang="en-US" altLang="ja-JP" sz="2200" dirty="0"/>
-          </a:p>
-          <a:p>
-            <a:pPr marL="342900" indent="-342900">
-              <a:buFont typeface="+mj-lt"/>
-              <a:buAutoNum type="arabicPeriod"/>
-            </a:pPr>
             <a:r>
               <a:rPr kumimoji="1" lang="ja-JP" altLang="en-US" sz="2200"/>
-              <a:t>ルート間近傍操作</a:t>
+              <a:t>現在の解の近傍内に良い解が存在すればその解に移動する作業を反復</a:t>
             </a:r>
             <a:endParaRPr kumimoji="1" lang="en-US" altLang="ja-JP" sz="2200" dirty="0"/>
           </a:p>
           <a:p>
-            <a:pPr marL="342900" indent="-342900">
-              <a:buFont typeface="+mj-lt"/>
-              <a:buAutoNum type="arabicPeriod"/>
-            </a:pPr>
-            <a:r>
-              <a:rPr lang="ja-JP" altLang="en-US" sz="2200"/>
-              <a:t>終了条件を満たすならば解を出力</a:t>
-            </a:r>
-            <a:endParaRPr lang="en-US" altLang="ja-JP" sz="2200" dirty="0"/>
-          </a:p>
-          <a:p>
-            <a:pPr marL="0" indent="0">
-              <a:buNone/>
-            </a:pPr>
-            <a:r>
-              <a:rPr lang="ja-JP" altLang="en-US" sz="2200"/>
-              <a:t>       そうでないならば</a:t>
-            </a:r>
-            <a:r>
-              <a:rPr lang="en-US" altLang="ja-JP" sz="2200" dirty="0"/>
-              <a:t>3</a:t>
-            </a:r>
-            <a:r>
-              <a:rPr lang="ja-JP" altLang="en-US" sz="2200"/>
-              <a:t>に戻る</a:t>
-            </a:r>
-            <a:endParaRPr lang="en-US" altLang="ja-JP" sz="2200" dirty="0"/>
-          </a:p>
-          <a:p>
-            <a:pPr marL="0" indent="0">
-              <a:buNone/>
-            </a:pPr>
-            <a:r>
-              <a:rPr kumimoji="1" lang="ja-JP" altLang="en-US"/>
-              <a:t>  </a:t>
-            </a:r>
+            <a:r>
+              <a:rPr kumimoji="1" lang="ja-JP" altLang="en-US" sz="2200"/>
+              <a:t>本研究ではルート内とルート間の</a:t>
+            </a:r>
+            <a:r>
+              <a:rPr kumimoji="1" lang="en-US" altLang="ja-JP" sz="2200" dirty="0"/>
+              <a:t>2</a:t>
+            </a:r>
+            <a:r>
+              <a:rPr kumimoji="1" lang="ja-JP" altLang="en-US" sz="2200"/>
+              <a:t>つの近傍操作を行う</a:t>
+            </a:r>
+            <a:endParaRPr kumimoji="1" lang="en-US" altLang="ja-JP" sz="2200" dirty="0"/>
+          </a:p>
+          <a:p>
+            <a:endParaRPr kumimoji="1" lang="en-US" altLang="ja-JP" dirty="0"/>
+          </a:p>
+          <a:p>
+            <a:endParaRPr kumimoji="1" lang="ja-JP" altLang="en-US"/>
           </a:p>
         </p:txBody>
       </p:sp>
@@ -9679,7 +9674,7 @@
           <p:cNvPr id="4" name="スライド番号プレースホルダー 3">
             <a:extLst>
               <a:ext uri="{FF2B5EF4-FFF2-40B4-BE49-F238E27FC236}">
-                <a16:creationId xmlns:a16="http://schemas.microsoft.com/office/drawing/2014/main" id="{D269E319-6E14-3041-9D56-5879B5D308C9}"/>
+                <a16:creationId xmlns:a16="http://schemas.microsoft.com/office/drawing/2014/main" id="{A589CA5A-A513-8843-9176-60A487F52E6F}"/>
               </a:ext>
             </a:extLst>
           </p:cNvPr>
@@ -9706,7 +9701,7 @@
     </p:spTree>
     <p:extLst>
       <p:ext uri="{BB962C8B-B14F-4D97-AF65-F5344CB8AC3E}">
-        <p14:creationId xmlns:p14="http://schemas.microsoft.com/office/powerpoint/2010/main" val="837613371"/>
+        <p14:creationId xmlns:p14="http://schemas.microsoft.com/office/powerpoint/2010/main" val="2089325389"/>
       </p:ext>
     </p:extLst>
   </p:cSld>
@@ -9909,6 +9904,188 @@
 </file>
 
 <file path=ppt/slides/slide20.xml><?xml version="1.0" encoding="utf-8"?>
+<p:sld xmlns:a="http://schemas.openxmlformats.org/drawingml/2006/main" xmlns:r="http://schemas.openxmlformats.org/officeDocument/2006/relationships" xmlns:p="http://schemas.openxmlformats.org/presentationml/2006/main">
+  <p:cSld>
+    <p:spTree>
+      <p:nvGrpSpPr>
+        <p:cNvPr id="1" name=""/>
+        <p:cNvGrpSpPr/>
+        <p:nvPr/>
+      </p:nvGrpSpPr>
+      <p:grpSpPr>
+        <a:xfrm>
+          <a:off x="0" y="0"/>
+          <a:ext cx="0" cy="0"/>
+          <a:chOff x="0" y="0"/>
+          <a:chExt cx="0" cy="0"/>
+        </a:xfrm>
+      </p:grpSpPr>
+      <p:sp>
+        <p:nvSpPr>
+          <p:cNvPr id="2" name="タイトル 1">
+            <a:extLst>
+              <a:ext uri="{FF2B5EF4-FFF2-40B4-BE49-F238E27FC236}">
+                <a16:creationId xmlns:a16="http://schemas.microsoft.com/office/drawing/2014/main" id="{B330F011-E705-7B47-A529-CF98E994007D}"/>
+              </a:ext>
+            </a:extLst>
+          </p:cNvPr>
+          <p:cNvSpPr>
+            <a:spLocks noGrp="1"/>
+          </p:cNvSpPr>
+          <p:nvPr>
+            <p:ph type="title"/>
+          </p:nvPr>
+        </p:nvSpPr>
+        <p:spPr/>
+        <p:txBody>
+          <a:bodyPr/>
+          <a:lstStyle/>
+          <a:p>
+            <a:r>
+              <a:rPr kumimoji="1" lang="ja-JP" altLang="en-US"/>
+              <a:t>局所探索法の流れ</a:t>
+            </a:r>
+          </a:p>
+        </p:txBody>
+      </p:sp>
+      <p:sp>
+        <p:nvSpPr>
+          <p:cNvPr id="3" name="コンテンツ プレースホルダー 2">
+            <a:extLst>
+              <a:ext uri="{FF2B5EF4-FFF2-40B4-BE49-F238E27FC236}">
+                <a16:creationId xmlns:a16="http://schemas.microsoft.com/office/drawing/2014/main" id="{E0487FF3-0C75-784E-A5AA-01BBDC2882BA}"/>
+              </a:ext>
+            </a:extLst>
+          </p:cNvPr>
+          <p:cNvSpPr>
+            <a:spLocks noGrp="1"/>
+          </p:cNvSpPr>
+          <p:nvPr>
+            <p:ph idx="1"/>
+          </p:nvPr>
+        </p:nvSpPr>
+        <p:spPr/>
+        <p:txBody>
+          <a:bodyPr>
+            <a:normAutofit/>
+          </a:bodyPr>
+          <a:lstStyle/>
+          <a:p>
+            <a:pPr marL="342900" indent="-342900">
+              <a:buFont typeface="+mj-lt"/>
+              <a:buAutoNum type="arabicPeriod"/>
+            </a:pPr>
+            <a:r>
+              <a:rPr kumimoji="1" lang="ja-JP" altLang="en-US" sz="2200"/>
+              <a:t>初期解生成</a:t>
+            </a:r>
+            <a:endParaRPr kumimoji="1" lang="en-US" altLang="ja-JP" sz="2200" dirty="0"/>
+          </a:p>
+          <a:p>
+            <a:pPr marL="342900" indent="-342900">
+              <a:buFont typeface="+mj-lt"/>
+              <a:buAutoNum type="arabicPeriod"/>
+            </a:pPr>
+            <a:r>
+              <a:rPr lang="ja-JP" altLang="en-US" sz="2200"/>
+              <a:t>ルート内近傍操作</a:t>
+            </a:r>
+            <a:endParaRPr lang="en-US" altLang="ja-JP" sz="2200" dirty="0"/>
+          </a:p>
+          <a:p>
+            <a:pPr marL="342900" indent="-342900">
+              <a:buFont typeface="+mj-lt"/>
+              <a:buAutoNum type="arabicPeriod"/>
+            </a:pPr>
+            <a:r>
+              <a:rPr kumimoji="1" lang="ja-JP" altLang="en-US" sz="2200"/>
+              <a:t>ルート間近傍操作</a:t>
+            </a:r>
+            <a:endParaRPr kumimoji="1" lang="en-US" altLang="ja-JP" sz="2200" dirty="0"/>
+          </a:p>
+          <a:p>
+            <a:pPr marL="342900" indent="-342900">
+              <a:buFont typeface="+mj-lt"/>
+              <a:buAutoNum type="arabicPeriod"/>
+            </a:pPr>
+            <a:r>
+              <a:rPr lang="ja-JP" altLang="en-US" sz="2200"/>
+              <a:t>終了条件を満たすならば解を出力</a:t>
+            </a:r>
+            <a:endParaRPr lang="en-US" altLang="ja-JP" sz="2200" dirty="0"/>
+          </a:p>
+          <a:p>
+            <a:pPr marL="0" indent="0">
+              <a:buNone/>
+            </a:pPr>
+            <a:r>
+              <a:rPr lang="ja-JP" altLang="en-US" sz="2200"/>
+              <a:t>       そうでないならば</a:t>
+            </a:r>
+            <a:r>
+              <a:rPr lang="en-US" altLang="ja-JP" sz="2200" dirty="0"/>
+              <a:t>3</a:t>
+            </a:r>
+            <a:r>
+              <a:rPr lang="ja-JP" altLang="en-US" sz="2200"/>
+              <a:t>に戻る</a:t>
+            </a:r>
+            <a:endParaRPr lang="en-US" altLang="ja-JP" sz="2200" dirty="0"/>
+          </a:p>
+          <a:p>
+            <a:pPr marL="0" indent="0">
+              <a:buNone/>
+            </a:pPr>
+            <a:r>
+              <a:rPr kumimoji="1" lang="ja-JP" altLang="en-US"/>
+              <a:t>  </a:t>
+            </a:r>
+          </a:p>
+        </p:txBody>
+      </p:sp>
+      <p:sp>
+        <p:nvSpPr>
+          <p:cNvPr id="4" name="スライド番号プレースホルダー 3">
+            <a:extLst>
+              <a:ext uri="{FF2B5EF4-FFF2-40B4-BE49-F238E27FC236}">
+                <a16:creationId xmlns:a16="http://schemas.microsoft.com/office/drawing/2014/main" id="{D269E319-6E14-3041-9D56-5879B5D308C9}"/>
+              </a:ext>
+            </a:extLst>
+          </p:cNvPr>
+          <p:cNvSpPr>
+            <a:spLocks noGrp="1"/>
+          </p:cNvSpPr>
+          <p:nvPr>
+            <p:ph type="sldNum" sz="quarter" idx="12"/>
+          </p:nvPr>
+        </p:nvSpPr>
+        <p:spPr/>
+        <p:txBody>
+          <a:bodyPr/>
+          <a:lstStyle/>
+          <a:p>
+            <a:fld id="{84E0C278-47E8-3649-A055-2003DC36C60A}" type="slidenum">
+              <a:rPr kumimoji="1" lang="ja-JP" altLang="en-US" smtClean="0"/>
+              <a:t>20</a:t>
+            </a:fld>
+            <a:endParaRPr kumimoji="1" lang="ja-JP" altLang="en-US"/>
+          </a:p>
+        </p:txBody>
+      </p:sp>
+    </p:spTree>
+    <p:extLst>
+      <p:ext uri="{BB962C8B-B14F-4D97-AF65-F5344CB8AC3E}">
+        <p14:creationId xmlns:p14="http://schemas.microsoft.com/office/powerpoint/2010/main" val="837613371"/>
+      </p:ext>
+    </p:extLst>
+  </p:cSld>
+  <p:clrMapOvr>
+    <a:masterClrMapping/>
+  </p:clrMapOvr>
+</p:sld>
+</file>
+
+<file path=ppt/slides/slide21.xml><?xml version="1.0" encoding="utf-8"?>
 <p:sld xmlns:a="http://schemas.openxmlformats.org/drawingml/2006/main" xmlns:r="http://schemas.openxmlformats.org/officeDocument/2006/relationships" xmlns:p="http://schemas.openxmlformats.org/presentationml/2006/main">
   <p:cSld>
     <p:spTree>
@@ -10381,7 +10558,7 @@
           <a:p>
             <a:fld id="{84E0C278-47E8-3649-A055-2003DC36C60A}" type="slidenum">
               <a:rPr kumimoji="1" lang="ja-JP" altLang="en-US" smtClean="0"/>
-              <a:t>20</a:t>
+              <a:t>21</a:t>
             </a:fld>
             <a:endParaRPr kumimoji="1" lang="ja-JP" altLang="en-US"/>
           </a:p>
@@ -10400,7 +10577,7 @@
 </p:sld>
 </file>
 
-<file path=ppt/slides/slide21.xml><?xml version="1.0" encoding="utf-8"?>
+<file path=ppt/slides/slide22.xml><?xml version="1.0" encoding="utf-8"?>
 <p:sld xmlns:a="http://schemas.openxmlformats.org/drawingml/2006/main" xmlns:r="http://schemas.openxmlformats.org/officeDocument/2006/relationships" xmlns:p="http://schemas.openxmlformats.org/presentationml/2006/main">
   <p:cSld>
     <p:spTree>
@@ -10956,7 +11133,7 @@
           <a:p>
             <a:fld id="{84E0C278-47E8-3649-A055-2003DC36C60A}" type="slidenum">
               <a:rPr kumimoji="1" lang="ja-JP" altLang="en-US" smtClean="0"/>
-              <a:t>21</a:t>
+              <a:t>22</a:t>
             </a:fld>
             <a:endParaRPr kumimoji="1" lang="ja-JP" altLang="en-US"/>
           </a:p>
@@ -10966,177 +11143,6 @@
     <p:extLst>
       <p:ext uri="{BB962C8B-B14F-4D97-AF65-F5344CB8AC3E}">
         <p14:creationId xmlns:p14="http://schemas.microsoft.com/office/powerpoint/2010/main" val="1081047378"/>
-      </p:ext>
-    </p:extLst>
-  </p:cSld>
-  <p:clrMapOvr>
-    <a:masterClrMapping/>
-  </p:clrMapOvr>
-</p:sld>
-</file>
-
-<file path=ppt/slides/slide22.xml><?xml version="1.0" encoding="utf-8"?>
-<p:sld xmlns:a="http://schemas.openxmlformats.org/drawingml/2006/main" xmlns:r="http://schemas.openxmlformats.org/officeDocument/2006/relationships" xmlns:p="http://schemas.openxmlformats.org/presentationml/2006/main">
-  <p:cSld>
-    <p:spTree>
-      <p:nvGrpSpPr>
-        <p:cNvPr id="1" name=""/>
-        <p:cNvGrpSpPr/>
-        <p:nvPr/>
-      </p:nvGrpSpPr>
-      <p:grpSpPr>
-        <a:xfrm>
-          <a:off x="0" y="0"/>
-          <a:ext cx="0" cy="0"/>
-          <a:chOff x="0" y="0"/>
-          <a:chExt cx="0" cy="0"/>
-        </a:xfrm>
-      </p:grpSpPr>
-      <p:sp>
-        <p:nvSpPr>
-          <p:cNvPr id="2" name="タイトル 1">
-            <a:extLst>
-              <a:ext uri="{FF2B5EF4-FFF2-40B4-BE49-F238E27FC236}">
-                <a16:creationId xmlns:a16="http://schemas.microsoft.com/office/drawing/2014/main" id="{4F431330-6F27-954C-B476-DE1BD4EDFDA2}"/>
-              </a:ext>
-            </a:extLst>
-          </p:cNvPr>
-          <p:cNvSpPr>
-            <a:spLocks noGrp="1"/>
-          </p:cNvSpPr>
-          <p:nvPr>
-            <p:ph type="title"/>
-          </p:nvPr>
-        </p:nvSpPr>
-        <p:spPr/>
-        <p:txBody>
-          <a:bodyPr/>
-          <a:lstStyle/>
-          <a:p>
-            <a:r>
-              <a:rPr kumimoji="1" lang="ja-JP" altLang="en-US"/>
-              <a:t>最適なサービス時刻の決定</a:t>
-            </a:r>
-          </a:p>
-        </p:txBody>
-      </p:sp>
-      <p:sp>
-        <p:nvSpPr>
-          <p:cNvPr id="3" name="コンテンツ プレースホルダー 2">
-            <a:extLst>
-              <a:ext uri="{FF2B5EF4-FFF2-40B4-BE49-F238E27FC236}">
-                <a16:creationId xmlns:a16="http://schemas.microsoft.com/office/drawing/2014/main" id="{69E9E900-65AB-2742-A106-B31492A267ED}"/>
-              </a:ext>
-            </a:extLst>
-          </p:cNvPr>
-          <p:cNvSpPr>
-            <a:spLocks noGrp="1"/>
-          </p:cNvSpPr>
-          <p:nvPr>
-            <p:ph idx="1"/>
-          </p:nvPr>
-        </p:nvSpPr>
-        <p:spPr/>
-        <p:txBody>
-          <a:bodyPr/>
-          <a:lstStyle/>
-          <a:p>
-            <a:r>
-              <a:rPr lang="ja-JP" altLang="en-US"/>
-              <a:t>車両の割り当てとリクエストの訪問順が決まったルートが与えられた際に、各頂点でのサービス開始時刻を決定する必要がある。</a:t>
-            </a:r>
-            <a:endParaRPr lang="en-US" altLang="ja-JP" dirty="0"/>
-          </a:p>
-          <a:p>
-            <a:r>
-              <a:rPr lang="ja-JP" altLang="en-US"/>
-              <a:t>目的関数と制約は、全て線形の式で表す事が可能</a:t>
-            </a:r>
-            <a:endParaRPr lang="en-US" altLang="ja-JP" dirty="0"/>
-          </a:p>
-          <a:p>
-            <a:r>
-              <a:rPr lang="ja-JP" altLang="en-US"/>
-              <a:t>線形計画問題</a:t>
-            </a:r>
-            <a:r>
-              <a:rPr lang="en-US" altLang="ja-JP" dirty="0"/>
-              <a:t>(LP)</a:t>
-            </a:r>
-            <a:r>
-              <a:rPr lang="ja-JP" altLang="en-US"/>
-              <a:t>として定式化して解くことができる</a:t>
-            </a:r>
-            <a:endParaRPr lang="en-US" altLang="ja-JP" dirty="0"/>
-          </a:p>
-          <a:p>
-            <a:r>
-              <a:rPr lang="ja-JP" altLang="en-US"/>
-              <a:t>本研究では、</a:t>
-            </a:r>
-            <a:r>
-              <a:rPr lang="en-US" altLang="ja-JP" dirty="0" err="1"/>
-              <a:t>gurobi</a:t>
-            </a:r>
-            <a:r>
-              <a:rPr lang="en-US" altLang="ja-JP" dirty="0"/>
-              <a:t> optimizer (</a:t>
-            </a:r>
-            <a:r>
-              <a:rPr lang="en-US" altLang="ja-JP" dirty="0" err="1"/>
-              <a:t>ver</a:t>
-            </a:r>
-            <a:r>
-              <a:rPr lang="en-US" altLang="ja-JP" dirty="0"/>
-              <a:t> 9.0.0)</a:t>
-            </a:r>
-            <a:r>
-              <a:rPr lang="ja-JP" altLang="en-US"/>
-              <a:t>を使用した。</a:t>
-            </a:r>
-            <a:endParaRPr lang="en-US" altLang="ja-JP" dirty="0"/>
-          </a:p>
-          <a:p>
-            <a:pPr marL="0" indent="0">
-              <a:buNone/>
-            </a:pPr>
-            <a:endParaRPr kumimoji="1" lang="ja-JP" altLang="en-US"/>
-          </a:p>
-        </p:txBody>
-      </p:sp>
-      <p:sp>
-        <p:nvSpPr>
-          <p:cNvPr id="4" name="スライド番号プレースホルダー 3">
-            <a:extLst>
-              <a:ext uri="{FF2B5EF4-FFF2-40B4-BE49-F238E27FC236}">
-                <a16:creationId xmlns:a16="http://schemas.microsoft.com/office/drawing/2014/main" id="{DCCC7825-9B01-8A47-B19B-E5347686B04B}"/>
-              </a:ext>
-            </a:extLst>
-          </p:cNvPr>
-          <p:cNvSpPr>
-            <a:spLocks noGrp="1"/>
-          </p:cNvSpPr>
-          <p:nvPr>
-            <p:ph type="sldNum" sz="quarter" idx="12"/>
-          </p:nvPr>
-        </p:nvSpPr>
-        <p:spPr/>
-        <p:txBody>
-          <a:bodyPr/>
-          <a:lstStyle/>
-          <a:p>
-            <a:fld id="{84E0C278-47E8-3649-A055-2003DC36C60A}" type="slidenum">
-              <a:rPr kumimoji="1" lang="ja-JP" altLang="en-US" smtClean="0"/>
-              <a:t>22</a:t>
-            </a:fld>
-            <a:endParaRPr kumimoji="1" lang="ja-JP" altLang="en-US"/>
-          </a:p>
-        </p:txBody>
-      </p:sp>
-    </p:spTree>
-    <p:extLst>
-      <p:ext uri="{BB962C8B-B14F-4D97-AF65-F5344CB8AC3E}">
-        <p14:creationId xmlns:p14="http://schemas.microsoft.com/office/powerpoint/2010/main" val="890849999"/>
       </p:ext>
     </p:extLst>
   </p:cSld>
@@ -11168,6 +11174,177 @@
           <p:cNvPr id="2" name="タイトル 1">
             <a:extLst>
               <a:ext uri="{FF2B5EF4-FFF2-40B4-BE49-F238E27FC236}">
+                <a16:creationId xmlns:a16="http://schemas.microsoft.com/office/drawing/2014/main" id="{4F431330-6F27-954C-B476-DE1BD4EDFDA2}"/>
+              </a:ext>
+            </a:extLst>
+          </p:cNvPr>
+          <p:cNvSpPr>
+            <a:spLocks noGrp="1"/>
+          </p:cNvSpPr>
+          <p:nvPr>
+            <p:ph type="title"/>
+          </p:nvPr>
+        </p:nvSpPr>
+        <p:spPr/>
+        <p:txBody>
+          <a:bodyPr/>
+          <a:lstStyle/>
+          <a:p>
+            <a:r>
+              <a:rPr kumimoji="1" lang="ja-JP" altLang="en-US"/>
+              <a:t>最適なサービス時刻の決定</a:t>
+            </a:r>
+          </a:p>
+        </p:txBody>
+      </p:sp>
+      <p:sp>
+        <p:nvSpPr>
+          <p:cNvPr id="3" name="コンテンツ プレースホルダー 2">
+            <a:extLst>
+              <a:ext uri="{FF2B5EF4-FFF2-40B4-BE49-F238E27FC236}">
+                <a16:creationId xmlns:a16="http://schemas.microsoft.com/office/drawing/2014/main" id="{69E9E900-65AB-2742-A106-B31492A267ED}"/>
+              </a:ext>
+            </a:extLst>
+          </p:cNvPr>
+          <p:cNvSpPr>
+            <a:spLocks noGrp="1"/>
+          </p:cNvSpPr>
+          <p:nvPr>
+            <p:ph idx="1"/>
+          </p:nvPr>
+        </p:nvSpPr>
+        <p:spPr/>
+        <p:txBody>
+          <a:bodyPr/>
+          <a:lstStyle/>
+          <a:p>
+            <a:r>
+              <a:rPr lang="ja-JP" altLang="en-US"/>
+              <a:t>車両の割り当てとリクエストの訪問順が決まったルートが与えられた際に、各頂点でのサービス開始時刻を決定する必要がある。</a:t>
+            </a:r>
+            <a:endParaRPr lang="en-US" altLang="ja-JP" dirty="0"/>
+          </a:p>
+          <a:p>
+            <a:r>
+              <a:rPr lang="ja-JP" altLang="en-US"/>
+              <a:t>目的関数と制約は、全て線形の式で表す事が可能</a:t>
+            </a:r>
+            <a:endParaRPr lang="en-US" altLang="ja-JP" dirty="0"/>
+          </a:p>
+          <a:p>
+            <a:r>
+              <a:rPr lang="ja-JP" altLang="en-US"/>
+              <a:t>線形計画問題</a:t>
+            </a:r>
+            <a:r>
+              <a:rPr lang="en-US" altLang="ja-JP" dirty="0"/>
+              <a:t>(LP)</a:t>
+            </a:r>
+            <a:r>
+              <a:rPr lang="ja-JP" altLang="en-US"/>
+              <a:t>として定式化して解くことができる</a:t>
+            </a:r>
+            <a:endParaRPr lang="en-US" altLang="ja-JP" dirty="0"/>
+          </a:p>
+          <a:p>
+            <a:r>
+              <a:rPr lang="ja-JP" altLang="en-US"/>
+              <a:t>本研究では、</a:t>
+            </a:r>
+            <a:r>
+              <a:rPr lang="en-US" altLang="ja-JP" dirty="0" err="1"/>
+              <a:t>gurobi</a:t>
+            </a:r>
+            <a:r>
+              <a:rPr lang="en-US" altLang="ja-JP" dirty="0"/>
+              <a:t> optimizer (</a:t>
+            </a:r>
+            <a:r>
+              <a:rPr lang="en-US" altLang="ja-JP" dirty="0" err="1"/>
+              <a:t>ver</a:t>
+            </a:r>
+            <a:r>
+              <a:rPr lang="en-US" altLang="ja-JP" dirty="0"/>
+              <a:t> 9.0.0)</a:t>
+            </a:r>
+            <a:r>
+              <a:rPr lang="ja-JP" altLang="en-US"/>
+              <a:t>を使用した。</a:t>
+            </a:r>
+            <a:endParaRPr lang="en-US" altLang="ja-JP" dirty="0"/>
+          </a:p>
+          <a:p>
+            <a:pPr marL="0" indent="0">
+              <a:buNone/>
+            </a:pPr>
+            <a:endParaRPr kumimoji="1" lang="ja-JP" altLang="en-US"/>
+          </a:p>
+        </p:txBody>
+      </p:sp>
+      <p:sp>
+        <p:nvSpPr>
+          <p:cNvPr id="4" name="スライド番号プレースホルダー 3">
+            <a:extLst>
+              <a:ext uri="{FF2B5EF4-FFF2-40B4-BE49-F238E27FC236}">
+                <a16:creationId xmlns:a16="http://schemas.microsoft.com/office/drawing/2014/main" id="{DCCC7825-9B01-8A47-B19B-E5347686B04B}"/>
+              </a:ext>
+            </a:extLst>
+          </p:cNvPr>
+          <p:cNvSpPr>
+            <a:spLocks noGrp="1"/>
+          </p:cNvSpPr>
+          <p:nvPr>
+            <p:ph type="sldNum" sz="quarter" idx="12"/>
+          </p:nvPr>
+        </p:nvSpPr>
+        <p:spPr/>
+        <p:txBody>
+          <a:bodyPr/>
+          <a:lstStyle/>
+          <a:p>
+            <a:fld id="{84E0C278-47E8-3649-A055-2003DC36C60A}" type="slidenum">
+              <a:rPr kumimoji="1" lang="ja-JP" altLang="en-US" smtClean="0"/>
+              <a:t>23</a:t>
+            </a:fld>
+            <a:endParaRPr kumimoji="1" lang="ja-JP" altLang="en-US"/>
+          </a:p>
+        </p:txBody>
+      </p:sp>
+    </p:spTree>
+    <p:extLst>
+      <p:ext uri="{BB962C8B-B14F-4D97-AF65-F5344CB8AC3E}">
+        <p14:creationId xmlns:p14="http://schemas.microsoft.com/office/powerpoint/2010/main" val="890849999"/>
+      </p:ext>
+    </p:extLst>
+  </p:cSld>
+  <p:clrMapOvr>
+    <a:masterClrMapping/>
+  </p:clrMapOvr>
+</p:sld>
+</file>
+
+<file path=ppt/slides/slide24.xml><?xml version="1.0" encoding="utf-8"?>
+<p:sld xmlns:a="http://schemas.openxmlformats.org/drawingml/2006/main" xmlns:r="http://schemas.openxmlformats.org/officeDocument/2006/relationships" xmlns:p="http://schemas.openxmlformats.org/presentationml/2006/main">
+  <p:cSld>
+    <p:spTree>
+      <p:nvGrpSpPr>
+        <p:cNvPr id="1" name=""/>
+        <p:cNvGrpSpPr/>
+        <p:nvPr/>
+      </p:nvGrpSpPr>
+      <p:grpSpPr>
+        <a:xfrm>
+          <a:off x="0" y="0"/>
+          <a:ext cx="0" cy="0"/>
+          <a:chOff x="0" y="0"/>
+          <a:chExt cx="0" cy="0"/>
+        </a:xfrm>
+      </p:grpSpPr>
+      <p:sp>
+        <p:nvSpPr>
+          <p:cNvPr id="2" name="タイトル 1">
+            <a:extLst>
+              <a:ext uri="{FF2B5EF4-FFF2-40B4-BE49-F238E27FC236}">
                 <a16:creationId xmlns:a16="http://schemas.microsoft.com/office/drawing/2014/main" id="{1B8B6518-1687-4C4B-BEC8-CA3681A0CB8D}"/>
               </a:ext>
             </a:extLst>
@@ -11276,7 +11453,7 @@
           <a:p>
             <a:fld id="{84E0C278-47E8-3649-A055-2003DC36C60A}" type="slidenum">
               <a:rPr kumimoji="1" lang="ja-JP" altLang="en-US" smtClean="0"/>
-              <a:t>23</a:t>
+              <a:t>24</a:t>
             </a:fld>
             <a:endParaRPr kumimoji="1" lang="ja-JP" altLang="en-US"/>
           </a:p>
@@ -12664,7 +12841,7 @@
 </p:sld>
 </file>
 
-<file path=ppt/slides/slide24.xml><?xml version="1.0" encoding="utf-8"?>
+<file path=ppt/slides/slide25.xml><?xml version="1.0" encoding="utf-8"?>
 <p:sld xmlns:a="http://schemas.openxmlformats.org/drawingml/2006/main" xmlns:r="http://schemas.openxmlformats.org/officeDocument/2006/relationships" xmlns:p="http://schemas.openxmlformats.org/presentationml/2006/main">
   <p:cSld>
     <p:spTree>
@@ -12841,7 +13018,7 @@
           <a:p>
             <a:fld id="{84E0C278-47E8-3649-A055-2003DC36C60A}" type="slidenum">
               <a:rPr kumimoji="1" lang="ja-JP" altLang="en-US" smtClean="0"/>
-              <a:t>24</a:t>
+              <a:t>25</a:t>
             </a:fld>
             <a:endParaRPr kumimoji="1" lang="ja-JP" altLang="en-US"/>
           </a:p>
@@ -12860,7 +13037,7 @@
 </p:sld>
 </file>
 
-<file path=ppt/slides/slide25.xml><?xml version="1.0" encoding="utf-8"?>
+<file path=ppt/slides/slide26.xml><?xml version="1.0" encoding="utf-8"?>
 <p:sld xmlns:a="http://schemas.openxmlformats.org/drawingml/2006/main" xmlns:r="http://schemas.openxmlformats.org/officeDocument/2006/relationships" xmlns:p="http://schemas.openxmlformats.org/presentationml/2006/main">
   <p:cSld>
     <p:spTree>
@@ -13077,7 +13254,7 @@
           <a:p>
             <a:fld id="{84E0C278-47E8-3649-A055-2003DC36C60A}" type="slidenum">
               <a:rPr kumimoji="1" lang="ja-JP" altLang="en-US" smtClean="0"/>
-              <a:t>25</a:t>
+              <a:t>26</a:t>
             </a:fld>
             <a:endParaRPr kumimoji="1" lang="ja-JP" altLang="en-US"/>
           </a:p>
@@ -13933,7 +14110,7 @@
 </p:sld>
 </file>
 
-<file path=ppt/slides/slide26.xml><?xml version="1.0" encoding="utf-8"?>
+<file path=ppt/slides/slide27.xml><?xml version="1.0" encoding="utf-8"?>
 <p:sld xmlns:a="http://schemas.openxmlformats.org/drawingml/2006/main" xmlns:r="http://schemas.openxmlformats.org/officeDocument/2006/relationships" xmlns:p="http://schemas.openxmlformats.org/presentationml/2006/main">
   <p:cSld>
     <p:spTree>
@@ -14167,7 +14344,7 @@
           <a:p>
             <a:fld id="{84E0C278-47E8-3649-A055-2003DC36C60A}" type="slidenum">
               <a:rPr kumimoji="1" lang="ja-JP" altLang="en-US" smtClean="0"/>
-              <a:t>26</a:t>
+              <a:t>27</a:t>
             </a:fld>
             <a:endParaRPr kumimoji="1" lang="ja-JP" altLang="en-US"/>
           </a:p>
@@ -14246,7 +14423,7 @@
 </p:sld>
 </file>
 
-<file path=ppt/slides/slide27.xml><?xml version="1.0" encoding="utf-8"?>
+<file path=ppt/slides/slide28.xml><?xml version="1.0" encoding="utf-8"?>
 <p:sld xmlns:a="http://schemas.openxmlformats.org/drawingml/2006/main" xmlns:r="http://schemas.openxmlformats.org/officeDocument/2006/relationships" xmlns:p="http://schemas.openxmlformats.org/presentationml/2006/main">
   <p:cSld>
     <p:spTree>
@@ -16185,7 +16362,7 @@
           <a:p>
             <a:fld id="{84E0C278-47E8-3649-A055-2003DC36C60A}" type="slidenum">
               <a:rPr kumimoji="1" lang="ja-JP" altLang="en-US" smtClean="0"/>
-              <a:t>27</a:t>
+              <a:t>28</a:t>
             </a:fld>
             <a:endParaRPr kumimoji="1" lang="ja-JP" altLang="en-US"/>
           </a:p>
@@ -16204,7 +16381,7 @@
 </p:sld>
 </file>
 
-<file path=ppt/slides/slide28.xml><?xml version="1.0" encoding="utf-8"?>
+<file path=ppt/slides/slide29.xml><?xml version="1.0" encoding="utf-8"?>
 <p:sld xmlns:a="http://schemas.openxmlformats.org/drawingml/2006/main" xmlns:r="http://schemas.openxmlformats.org/officeDocument/2006/relationships" xmlns:p="http://schemas.openxmlformats.org/presentationml/2006/main">
   <p:cSld>
     <p:spTree>
@@ -16406,7 +16583,7 @@
           <a:p>
             <a:fld id="{84E0C278-47E8-3649-A055-2003DC36C60A}" type="slidenum">
               <a:rPr kumimoji="1" lang="ja-JP" altLang="en-US" smtClean="0"/>
-              <a:t>28</a:t>
+              <a:t>29</a:t>
             </a:fld>
             <a:endParaRPr kumimoji="1" lang="ja-JP" altLang="en-US"/>
           </a:p>
@@ -16425,7 +16602,204 @@
 </p:sld>
 </file>
 
-<file path=ppt/slides/slide29.xml><?xml version="1.0" encoding="utf-8"?>
+<file path=ppt/slides/slide3.xml><?xml version="1.0" encoding="utf-8"?>
+<p:sld xmlns:a="http://schemas.openxmlformats.org/drawingml/2006/main" xmlns:r="http://schemas.openxmlformats.org/officeDocument/2006/relationships" xmlns:p="http://schemas.openxmlformats.org/presentationml/2006/main">
+  <p:cSld>
+    <p:spTree>
+      <p:nvGrpSpPr>
+        <p:cNvPr id="1" name=""/>
+        <p:cNvGrpSpPr/>
+        <p:nvPr/>
+      </p:nvGrpSpPr>
+      <p:grpSpPr>
+        <a:xfrm>
+          <a:off x="0" y="0"/>
+          <a:ext cx="0" cy="0"/>
+          <a:chOff x="0" y="0"/>
+          <a:chExt cx="0" cy="0"/>
+        </a:xfrm>
+      </p:grpSpPr>
+      <p:sp>
+        <p:nvSpPr>
+          <p:cNvPr id="2" name="タイトル 1">
+            <a:extLst>
+              <a:ext uri="{FF2B5EF4-FFF2-40B4-BE49-F238E27FC236}">
+                <a16:creationId xmlns:a16="http://schemas.microsoft.com/office/drawing/2014/main" id="{260CC755-861F-684E-9E92-3B79BB407607}"/>
+              </a:ext>
+            </a:extLst>
+          </p:cNvPr>
+          <p:cNvSpPr>
+            <a:spLocks noGrp="1"/>
+          </p:cNvSpPr>
+          <p:nvPr>
+            <p:ph type="title"/>
+          </p:nvPr>
+        </p:nvSpPr>
+        <p:spPr/>
+        <p:txBody>
+          <a:bodyPr/>
+          <a:lstStyle/>
+          <a:p>
+            <a:r>
+              <a:rPr lang="en-US" altLang="ja-JP" dirty="0">
+                <a:latin typeface="Segoe UI Historic" panose="020B0502040204020203" pitchFamily="34" charset="0"/>
+                <a:ea typeface="Segoe UI Historic" panose="020B0502040204020203" pitchFamily="34" charset="0"/>
+                <a:cs typeface="Segoe UI Historic" panose="020B0502040204020203" pitchFamily="34" charset="0"/>
+              </a:rPr>
+              <a:t>Background</a:t>
+            </a:r>
+            <a:endParaRPr kumimoji="1" lang="ja-JP" altLang="en-US">
+              <a:latin typeface="Segoe UI Historic" panose="020B0502040204020203" pitchFamily="34" charset="0"/>
+              <a:cs typeface="Segoe UI Historic" panose="020B0502040204020203" pitchFamily="34" charset="0"/>
+            </a:endParaRPr>
+          </a:p>
+        </p:txBody>
+      </p:sp>
+      <p:sp>
+        <p:nvSpPr>
+          <p:cNvPr id="3" name="コンテンツ プレースホルダー 2">
+            <a:extLst>
+              <a:ext uri="{FF2B5EF4-FFF2-40B4-BE49-F238E27FC236}">
+                <a16:creationId xmlns:a16="http://schemas.microsoft.com/office/drawing/2014/main" id="{7FAF48EE-FE75-554F-9CD2-C826D737878D}"/>
+              </a:ext>
+            </a:extLst>
+          </p:cNvPr>
+          <p:cNvSpPr>
+            <a:spLocks noGrp="1"/>
+          </p:cNvSpPr>
+          <p:nvPr>
+            <p:ph idx="1"/>
+          </p:nvPr>
+        </p:nvSpPr>
+        <p:spPr>
+          <a:xfrm>
+            <a:off x="1128684" y="1883606"/>
+            <a:ext cx="6571343" cy="3288635"/>
+          </a:xfrm>
+        </p:spPr>
+        <p:txBody>
+          <a:bodyPr>
+            <a:normAutofit/>
+          </a:bodyPr>
+          <a:lstStyle/>
+          <a:p>
+            <a:r>
+              <a:rPr kumimoji="1" lang="en-US" altLang="ja-JP" dirty="0">
+                <a:latin typeface="Segoe UI Historic" panose="020B0502040204020203" pitchFamily="34" charset="0"/>
+                <a:ea typeface="Segoe UI Historic" panose="020B0502040204020203" pitchFamily="34" charset="0"/>
+                <a:cs typeface="Segoe UI Historic" panose="020B0502040204020203" pitchFamily="34" charset="0"/>
+              </a:rPr>
+              <a:t>Users specify the location and time</a:t>
+            </a:r>
+          </a:p>
+          <a:p>
+            <a:r>
+              <a:rPr lang="en-US" altLang="ja-JP" dirty="0">
+                <a:latin typeface="Segoe UI Historic" panose="020B0502040204020203" pitchFamily="34" charset="0"/>
+                <a:ea typeface="Segoe UI Historic" panose="020B0502040204020203" pitchFamily="34" charset="0"/>
+                <a:cs typeface="Segoe UI Historic" panose="020B0502040204020203" pitchFamily="34" charset="0"/>
+              </a:rPr>
+              <a:t>Multiple users share the same vehicles</a:t>
+            </a:r>
+          </a:p>
+          <a:p>
+            <a:pPr marL="0" indent="0">
+              <a:buNone/>
+            </a:pPr>
+            <a:r>
+              <a:rPr lang="en-US" altLang="ja-JP" dirty="0">
+                <a:latin typeface="Segoe UI Historic" panose="020B0502040204020203" pitchFamily="34" charset="0"/>
+                <a:ea typeface="Segoe UI Historic" panose="020B0502040204020203" pitchFamily="34" charset="0"/>
+                <a:cs typeface="Segoe UI Historic" panose="020B0502040204020203" pitchFamily="34" charset="0"/>
+              </a:rPr>
+              <a:t>These demand are increasing as traffic in urban areas increases in recent years.</a:t>
+            </a:r>
+          </a:p>
+          <a:p>
+            <a:pPr marL="0" indent="0">
+              <a:buNone/>
+            </a:pPr>
+            <a:r>
+              <a:rPr lang="en-US" altLang="ja-JP" dirty="0">
+                <a:latin typeface="Segoe UI Historic" panose="020B0502040204020203" pitchFamily="34" charset="0"/>
+                <a:ea typeface="Segoe UI Historic" panose="020B0502040204020203" pitchFamily="34" charset="0"/>
+                <a:cs typeface="Segoe UI Historic" panose="020B0502040204020203" pitchFamily="34" charset="0"/>
+              </a:rPr>
+              <a:t>Such features arise in services such as,</a:t>
+            </a:r>
+          </a:p>
+          <a:p>
+            <a:r>
+              <a:rPr lang="en-US" altLang="ja-JP" dirty="0">
+                <a:latin typeface="Segoe UI Historic" panose="020B0502040204020203" pitchFamily="34" charset="0"/>
+                <a:ea typeface="Segoe UI Historic" panose="020B0502040204020203" pitchFamily="34" charset="0"/>
+                <a:cs typeface="Segoe UI Historic" panose="020B0502040204020203" pitchFamily="34" charset="0"/>
+              </a:rPr>
+              <a:t>Share taxi service,</a:t>
+            </a:r>
+          </a:p>
+          <a:p>
+            <a:r>
+              <a:rPr lang="en-US" altLang="ja-JP" dirty="0">
+                <a:latin typeface="Segoe UI Historic" panose="020B0502040204020203" pitchFamily="34" charset="0"/>
+                <a:ea typeface="Segoe UI Historic" panose="020B0502040204020203" pitchFamily="34" charset="0"/>
+                <a:cs typeface="Segoe UI Historic" panose="020B0502040204020203" pitchFamily="34" charset="0"/>
+              </a:rPr>
+              <a:t>Health care service.</a:t>
+            </a:r>
+          </a:p>
+          <a:p>
+            <a:endParaRPr lang="en-US" altLang="ja-JP" dirty="0">
+              <a:latin typeface="Segoe UI Historic" panose="020B0502040204020203" pitchFamily="34" charset="0"/>
+              <a:ea typeface="Segoe UI Historic" panose="020B0502040204020203" pitchFamily="34" charset="0"/>
+              <a:cs typeface="Segoe UI Historic" panose="020B0502040204020203" pitchFamily="34" charset="0"/>
+            </a:endParaRPr>
+          </a:p>
+        </p:txBody>
+      </p:sp>
+      <p:sp>
+        <p:nvSpPr>
+          <p:cNvPr id="4" name="スライド番号プレースホルダー 3">
+            <a:extLst>
+              <a:ext uri="{FF2B5EF4-FFF2-40B4-BE49-F238E27FC236}">
+                <a16:creationId xmlns:a16="http://schemas.microsoft.com/office/drawing/2014/main" id="{A96B801B-E365-A44E-844C-EF6A1479BD8A}"/>
+              </a:ext>
+            </a:extLst>
+          </p:cNvPr>
+          <p:cNvSpPr>
+            <a:spLocks noGrp="1"/>
+          </p:cNvSpPr>
+          <p:nvPr>
+            <p:ph type="sldNum" sz="quarter" idx="12"/>
+          </p:nvPr>
+        </p:nvSpPr>
+        <p:spPr/>
+        <p:txBody>
+          <a:bodyPr/>
+          <a:lstStyle/>
+          <a:p>
+            <a:fld id="{84E0C278-47E8-3649-A055-2003DC36C60A}" type="slidenum">
+              <a:rPr kumimoji="1" lang="ja-JP" altLang="en-US" smtClean="0"/>
+              <a:t>3</a:t>
+            </a:fld>
+            <a:endParaRPr kumimoji="1" lang="ja-JP" altLang="en-US"/>
+          </a:p>
+        </p:txBody>
+      </p:sp>
+    </p:spTree>
+    <p:extLst>
+      <p:ext uri="{BB962C8B-B14F-4D97-AF65-F5344CB8AC3E}">
+        <p14:creationId xmlns:p14="http://schemas.microsoft.com/office/powerpoint/2010/main" val="761166636"/>
+      </p:ext>
+    </p:extLst>
+  </p:cSld>
+  <p:clrMapOvr>
+    <a:masterClrMapping/>
+  </p:clrMapOvr>
+</p:sld>
+</file>
+
+<file path=ppt/slides/slide30.xml><?xml version="1.0" encoding="utf-8"?>
 <p:sld xmlns:a="http://schemas.openxmlformats.org/drawingml/2006/main" xmlns:r="http://schemas.openxmlformats.org/officeDocument/2006/relationships" xmlns:p="http://schemas.openxmlformats.org/presentationml/2006/main">
   <p:cSld>
     <p:spTree>
@@ -17993,7 +18367,7 @@
           <a:p>
             <a:fld id="{84E0C278-47E8-3649-A055-2003DC36C60A}" type="slidenum">
               <a:rPr kumimoji="1" lang="ja-JP" altLang="en-US" smtClean="0"/>
-              <a:t>29</a:t>
+              <a:t>30</a:t>
             </a:fld>
             <a:endParaRPr kumimoji="1" lang="ja-JP" altLang="en-US"/>
           </a:p>
@@ -18012,7 +18386,7 @@
 </p:sld>
 </file>
 
-<file path=ppt/slides/slide3.xml><?xml version="1.0" encoding="utf-8"?>
+<file path=ppt/slides/slide31.xml><?xml version="1.0" encoding="utf-8"?>
 <p:sld xmlns:a="http://schemas.openxmlformats.org/drawingml/2006/main" xmlns:r="http://schemas.openxmlformats.org/officeDocument/2006/relationships" xmlns:p="http://schemas.openxmlformats.org/presentationml/2006/main">
   <p:cSld>
     <p:spTree>
@@ -18034,203 +18408,6 @@
           <p:cNvPr id="2" name="タイトル 1">
             <a:extLst>
               <a:ext uri="{FF2B5EF4-FFF2-40B4-BE49-F238E27FC236}">
-                <a16:creationId xmlns:a16="http://schemas.microsoft.com/office/drawing/2014/main" id="{260CC755-861F-684E-9E92-3B79BB407607}"/>
-              </a:ext>
-            </a:extLst>
-          </p:cNvPr>
-          <p:cNvSpPr>
-            <a:spLocks noGrp="1"/>
-          </p:cNvSpPr>
-          <p:nvPr>
-            <p:ph type="title"/>
-          </p:nvPr>
-        </p:nvSpPr>
-        <p:spPr/>
-        <p:txBody>
-          <a:bodyPr/>
-          <a:lstStyle/>
-          <a:p>
-            <a:r>
-              <a:rPr lang="en-US" altLang="ja-JP" dirty="0">
-                <a:latin typeface="Segoe UI Historic" panose="020B0502040204020203" pitchFamily="34" charset="0"/>
-                <a:ea typeface="Segoe UI Historic" panose="020B0502040204020203" pitchFamily="34" charset="0"/>
-                <a:cs typeface="Segoe UI Historic" panose="020B0502040204020203" pitchFamily="34" charset="0"/>
-              </a:rPr>
-              <a:t>Background</a:t>
-            </a:r>
-            <a:endParaRPr kumimoji="1" lang="ja-JP" altLang="en-US">
-              <a:latin typeface="Segoe UI Historic" panose="020B0502040204020203" pitchFamily="34" charset="0"/>
-              <a:cs typeface="Segoe UI Historic" panose="020B0502040204020203" pitchFamily="34" charset="0"/>
-            </a:endParaRPr>
-          </a:p>
-        </p:txBody>
-      </p:sp>
-      <p:sp>
-        <p:nvSpPr>
-          <p:cNvPr id="3" name="コンテンツ プレースホルダー 2">
-            <a:extLst>
-              <a:ext uri="{FF2B5EF4-FFF2-40B4-BE49-F238E27FC236}">
-                <a16:creationId xmlns:a16="http://schemas.microsoft.com/office/drawing/2014/main" id="{7FAF48EE-FE75-554F-9CD2-C826D737878D}"/>
-              </a:ext>
-            </a:extLst>
-          </p:cNvPr>
-          <p:cNvSpPr>
-            <a:spLocks noGrp="1"/>
-          </p:cNvSpPr>
-          <p:nvPr>
-            <p:ph idx="1"/>
-          </p:nvPr>
-        </p:nvSpPr>
-        <p:spPr>
-          <a:xfrm>
-            <a:off x="1128684" y="1883606"/>
-            <a:ext cx="6571343" cy="3288635"/>
-          </a:xfrm>
-        </p:spPr>
-        <p:txBody>
-          <a:bodyPr>
-            <a:normAutofit/>
-          </a:bodyPr>
-          <a:lstStyle/>
-          <a:p>
-            <a:r>
-              <a:rPr kumimoji="1" lang="en-US" altLang="ja-JP" dirty="0">
-                <a:latin typeface="Segoe UI Historic" panose="020B0502040204020203" pitchFamily="34" charset="0"/>
-                <a:ea typeface="Segoe UI Historic" panose="020B0502040204020203" pitchFamily="34" charset="0"/>
-                <a:cs typeface="Segoe UI Historic" panose="020B0502040204020203" pitchFamily="34" charset="0"/>
-              </a:rPr>
-              <a:t>Users specify the location and time</a:t>
-            </a:r>
-          </a:p>
-          <a:p>
-            <a:r>
-              <a:rPr lang="en-US" altLang="ja-JP" dirty="0">
-                <a:latin typeface="Segoe UI Historic" panose="020B0502040204020203" pitchFamily="34" charset="0"/>
-                <a:ea typeface="Segoe UI Historic" panose="020B0502040204020203" pitchFamily="34" charset="0"/>
-                <a:cs typeface="Segoe UI Historic" panose="020B0502040204020203" pitchFamily="34" charset="0"/>
-              </a:rPr>
-              <a:t>Multiple users share the same vehicles</a:t>
-            </a:r>
-          </a:p>
-          <a:p>
-            <a:pPr marL="0" indent="0">
-              <a:buNone/>
-            </a:pPr>
-            <a:r>
-              <a:rPr lang="en-US" altLang="ja-JP" dirty="0">
-                <a:latin typeface="Segoe UI Historic" panose="020B0502040204020203" pitchFamily="34" charset="0"/>
-                <a:ea typeface="Segoe UI Historic" panose="020B0502040204020203" pitchFamily="34" charset="0"/>
-                <a:cs typeface="Segoe UI Historic" panose="020B0502040204020203" pitchFamily="34" charset="0"/>
-              </a:rPr>
-              <a:t>These demand are increasing as traffic in urban areas increases in recent years.</a:t>
-            </a:r>
-          </a:p>
-          <a:p>
-            <a:pPr marL="0" indent="0">
-              <a:buNone/>
-            </a:pPr>
-            <a:r>
-              <a:rPr lang="en-US" altLang="ja-JP" dirty="0">
-                <a:latin typeface="Segoe UI Historic" panose="020B0502040204020203" pitchFamily="34" charset="0"/>
-                <a:ea typeface="Segoe UI Historic" panose="020B0502040204020203" pitchFamily="34" charset="0"/>
-                <a:cs typeface="Segoe UI Historic" panose="020B0502040204020203" pitchFamily="34" charset="0"/>
-              </a:rPr>
-              <a:t>Such features arise in services such as,</a:t>
-            </a:r>
-          </a:p>
-          <a:p>
-            <a:r>
-              <a:rPr lang="en-US" altLang="ja-JP" dirty="0">
-                <a:latin typeface="Segoe UI Historic" panose="020B0502040204020203" pitchFamily="34" charset="0"/>
-                <a:ea typeface="Segoe UI Historic" panose="020B0502040204020203" pitchFamily="34" charset="0"/>
-                <a:cs typeface="Segoe UI Historic" panose="020B0502040204020203" pitchFamily="34" charset="0"/>
-              </a:rPr>
-              <a:t>Share taxi service,</a:t>
-            </a:r>
-          </a:p>
-          <a:p>
-            <a:r>
-              <a:rPr lang="en-US" altLang="ja-JP" dirty="0">
-                <a:latin typeface="Segoe UI Historic" panose="020B0502040204020203" pitchFamily="34" charset="0"/>
-                <a:ea typeface="Segoe UI Historic" panose="020B0502040204020203" pitchFamily="34" charset="0"/>
-                <a:cs typeface="Segoe UI Historic" panose="020B0502040204020203" pitchFamily="34" charset="0"/>
-              </a:rPr>
-              <a:t>Health care service.</a:t>
-            </a:r>
-          </a:p>
-          <a:p>
-            <a:endParaRPr lang="en-US" altLang="ja-JP" dirty="0">
-              <a:latin typeface="Segoe UI Historic" panose="020B0502040204020203" pitchFamily="34" charset="0"/>
-              <a:ea typeface="Segoe UI Historic" panose="020B0502040204020203" pitchFamily="34" charset="0"/>
-              <a:cs typeface="Segoe UI Historic" panose="020B0502040204020203" pitchFamily="34" charset="0"/>
-            </a:endParaRPr>
-          </a:p>
-        </p:txBody>
-      </p:sp>
-      <p:sp>
-        <p:nvSpPr>
-          <p:cNvPr id="4" name="スライド番号プレースホルダー 3">
-            <a:extLst>
-              <a:ext uri="{FF2B5EF4-FFF2-40B4-BE49-F238E27FC236}">
-                <a16:creationId xmlns:a16="http://schemas.microsoft.com/office/drawing/2014/main" id="{A96B801B-E365-A44E-844C-EF6A1479BD8A}"/>
-              </a:ext>
-            </a:extLst>
-          </p:cNvPr>
-          <p:cNvSpPr>
-            <a:spLocks noGrp="1"/>
-          </p:cNvSpPr>
-          <p:nvPr>
-            <p:ph type="sldNum" sz="quarter" idx="12"/>
-          </p:nvPr>
-        </p:nvSpPr>
-        <p:spPr/>
-        <p:txBody>
-          <a:bodyPr/>
-          <a:lstStyle/>
-          <a:p>
-            <a:fld id="{84E0C278-47E8-3649-A055-2003DC36C60A}" type="slidenum">
-              <a:rPr kumimoji="1" lang="ja-JP" altLang="en-US" smtClean="0"/>
-              <a:t>3</a:t>
-            </a:fld>
-            <a:endParaRPr kumimoji="1" lang="ja-JP" altLang="en-US"/>
-          </a:p>
-        </p:txBody>
-      </p:sp>
-    </p:spTree>
-    <p:extLst>
-      <p:ext uri="{BB962C8B-B14F-4D97-AF65-F5344CB8AC3E}">
-        <p14:creationId xmlns:p14="http://schemas.microsoft.com/office/powerpoint/2010/main" val="761166636"/>
-      </p:ext>
-    </p:extLst>
-  </p:cSld>
-  <p:clrMapOvr>
-    <a:masterClrMapping/>
-  </p:clrMapOvr>
-</p:sld>
-</file>
-
-<file path=ppt/slides/slide30.xml><?xml version="1.0" encoding="utf-8"?>
-<p:sld xmlns:a="http://schemas.openxmlformats.org/drawingml/2006/main" xmlns:r="http://schemas.openxmlformats.org/officeDocument/2006/relationships" xmlns:p="http://schemas.openxmlformats.org/presentationml/2006/main">
-  <p:cSld>
-    <p:spTree>
-      <p:nvGrpSpPr>
-        <p:cNvPr id="1" name=""/>
-        <p:cNvGrpSpPr/>
-        <p:nvPr/>
-      </p:nvGrpSpPr>
-      <p:grpSpPr>
-        <a:xfrm>
-          <a:off x="0" y="0"/>
-          <a:ext cx="0" cy="0"/>
-          <a:chOff x="0" y="0"/>
-          <a:chExt cx="0" cy="0"/>
-        </a:xfrm>
-      </p:grpSpPr>
-      <p:sp>
-        <p:nvSpPr>
-          <p:cNvPr id="2" name="タイトル 1">
-            <a:extLst>
-              <a:ext uri="{FF2B5EF4-FFF2-40B4-BE49-F238E27FC236}">
                 <a16:creationId xmlns:a16="http://schemas.microsoft.com/office/drawing/2014/main" id="{F4E93B3F-5CE0-2644-86BE-1E47384BE06A}"/>
               </a:ext>
             </a:extLst>
@@ -18375,7 +18552,7 @@
           <a:p>
             <a:fld id="{84E0C278-47E8-3649-A055-2003DC36C60A}" type="slidenum">
               <a:rPr kumimoji="1" lang="ja-JP" altLang="en-US" smtClean="0"/>
-              <a:t>30</a:t>
+              <a:t>31</a:t>
             </a:fld>
             <a:endParaRPr kumimoji="1" lang="ja-JP" altLang="en-US"/>
           </a:p>
@@ -19145,7 +19322,7 @@
         </p:nvSpPr>
         <p:spPr>
           <a:xfrm>
-            <a:off x="847702" y="1910699"/>
+            <a:off x="847702" y="2262250"/>
             <a:ext cx="8130043" cy="4595750"/>
           </a:xfrm>
         </p:spPr>
@@ -19172,22 +19349,13 @@
             </a:pPr>
             <a:r>
               <a:rPr lang="en-US" altLang="ja-JP" sz="2200" dirty="0"/>
-              <a:t>    users’ dissatisfaction must be considered.</a:t>
-            </a:r>
-          </a:p>
-          <a:p>
-            <a:r>
-              <a:rPr lang="en-US" altLang="ja-JP" sz="2200" dirty="0"/>
-              <a:t>The problem in which all requests are known in advance is called static DARP, and the one in which all requests are not known is called dynamic DARP.</a:t>
-            </a:r>
-          </a:p>
-          <a:p>
-            <a:r>
-              <a:rPr lang="en-US" altLang="ja-JP" sz="2200" dirty="0"/>
-              <a:t>We deal with the static DARP </a:t>
-            </a:r>
-          </a:p>
-          <a:p>
+              <a:t>    users’ dissatisfactions must be considered.</a:t>
+            </a:r>
+          </a:p>
+          <a:p>
+            <a:pPr marL="0" indent="0">
+              <a:buNone/>
+            </a:pPr>
             <a:endParaRPr lang="en-US" altLang="ja-JP" sz="1800" dirty="0"/>
           </a:p>
           <a:p>
@@ -19262,6 +19430,148 @@
 </file>
 
 <file path=ppt/slides/slide7.xml><?xml version="1.0" encoding="utf-8"?>
+<p:sld xmlns:a="http://schemas.openxmlformats.org/drawingml/2006/main" xmlns:r="http://schemas.openxmlformats.org/officeDocument/2006/relationships" xmlns:p="http://schemas.openxmlformats.org/presentationml/2006/main">
+  <p:cSld>
+    <p:spTree>
+      <p:nvGrpSpPr>
+        <p:cNvPr id="1" name=""/>
+        <p:cNvGrpSpPr/>
+        <p:nvPr/>
+      </p:nvGrpSpPr>
+      <p:grpSpPr>
+        <a:xfrm>
+          <a:off x="0" y="0"/>
+          <a:ext cx="0" cy="0"/>
+          <a:chOff x="0" y="0"/>
+          <a:chExt cx="0" cy="0"/>
+        </a:xfrm>
+      </p:grpSpPr>
+      <p:sp>
+        <p:nvSpPr>
+          <p:cNvPr id="2" name="タイトル 1">
+            <a:extLst>
+              <a:ext uri="{FF2B5EF4-FFF2-40B4-BE49-F238E27FC236}">
+                <a16:creationId xmlns:a16="http://schemas.microsoft.com/office/drawing/2014/main" id="{81BBDF21-534B-AB4A-A30A-C78AD05CC4BB}"/>
+              </a:ext>
+            </a:extLst>
+          </p:cNvPr>
+          <p:cNvSpPr>
+            <a:spLocks noGrp="1"/>
+          </p:cNvSpPr>
+          <p:nvPr>
+            <p:ph type="title"/>
+          </p:nvPr>
+        </p:nvSpPr>
+        <p:spPr/>
+        <p:txBody>
+          <a:bodyPr/>
+          <a:lstStyle/>
+          <a:p>
+            <a:r>
+              <a:rPr lang="en-US" altLang="ja-JP" dirty="0">
+                <a:latin typeface="Segoe UI Symbol" panose="020B0502040204020203" pitchFamily="34" charset="0"/>
+                <a:ea typeface="Segoe UI Symbol" panose="020B0502040204020203" pitchFamily="34" charset="0"/>
+              </a:rPr>
+              <a:t>d</a:t>
+            </a:r>
+            <a:r>
+              <a:rPr kumimoji="1" lang="en-US" altLang="ja-JP" dirty="0">
+                <a:latin typeface="Segoe UI Symbol" panose="020B0502040204020203" pitchFamily="34" charset="0"/>
+                <a:ea typeface="Segoe UI Symbol" panose="020B0502040204020203" pitchFamily="34" charset="0"/>
+              </a:rPr>
+              <a:t>ial-a-ride problem</a:t>
+            </a:r>
+            <a:endParaRPr kumimoji="1" lang="ja-JP" altLang="en-US">
+              <a:latin typeface="Segoe UI Symbol" panose="020B0502040204020203" pitchFamily="34" charset="0"/>
+            </a:endParaRPr>
+          </a:p>
+        </p:txBody>
+      </p:sp>
+      <p:sp>
+        <p:nvSpPr>
+          <p:cNvPr id="3" name="コンテンツ プレースホルダー 2">
+            <a:extLst>
+              <a:ext uri="{FF2B5EF4-FFF2-40B4-BE49-F238E27FC236}">
+                <a16:creationId xmlns:a16="http://schemas.microsoft.com/office/drawing/2014/main" id="{F5329CC0-5AEF-3E47-A023-15BA2541D5AE}"/>
+              </a:ext>
+            </a:extLst>
+          </p:cNvPr>
+          <p:cNvSpPr>
+            <a:spLocks noGrp="1"/>
+          </p:cNvSpPr>
+          <p:nvPr>
+            <p:ph idx="1"/>
+          </p:nvPr>
+        </p:nvSpPr>
+        <p:spPr>
+          <a:xfrm>
+            <a:off x="1128684" y="2167385"/>
+            <a:ext cx="6994038" cy="3288635"/>
+          </a:xfrm>
+        </p:spPr>
+        <p:txBody>
+          <a:bodyPr/>
+          <a:lstStyle/>
+          <a:p>
+            <a:r>
+              <a:rPr lang="en-US" altLang="ja-JP" dirty="0"/>
+              <a:t>The problem in which all requests are known in advance is called static DARP, and the one in which all requests are not known is called dynamic DARP.</a:t>
+            </a:r>
+          </a:p>
+          <a:p>
+            <a:r>
+              <a:rPr lang="en-US" altLang="ja-JP" dirty="0"/>
+              <a:t>We deal with the static DARP </a:t>
+            </a:r>
+          </a:p>
+          <a:p>
+            <a:endParaRPr kumimoji="1" lang="ja-JP" altLang="en-US"/>
+          </a:p>
+        </p:txBody>
+      </p:sp>
+      <p:sp>
+        <p:nvSpPr>
+          <p:cNvPr id="4" name="スライド番号プレースホルダー 3">
+            <a:extLst>
+              <a:ext uri="{FF2B5EF4-FFF2-40B4-BE49-F238E27FC236}">
+                <a16:creationId xmlns:a16="http://schemas.microsoft.com/office/drawing/2014/main" id="{C6AC539B-F5D5-9144-BC89-54C5C871D37A}"/>
+              </a:ext>
+            </a:extLst>
+          </p:cNvPr>
+          <p:cNvSpPr>
+            <a:spLocks noGrp="1"/>
+          </p:cNvSpPr>
+          <p:nvPr>
+            <p:ph type="sldNum" sz="quarter" idx="12"/>
+          </p:nvPr>
+        </p:nvSpPr>
+        <p:spPr/>
+        <p:txBody>
+          <a:bodyPr/>
+          <a:lstStyle/>
+          <a:p>
+            <a:fld id="{84E0C278-47E8-3649-A055-2003DC36C60A}" type="slidenum">
+              <a:rPr kumimoji="1" lang="ja-JP" altLang="en-US" smtClean="0"/>
+              <a:t>7</a:t>
+            </a:fld>
+            <a:endParaRPr kumimoji="1" lang="ja-JP" altLang="en-US"/>
+          </a:p>
+        </p:txBody>
+      </p:sp>
+    </p:spTree>
+    <p:extLst>
+      <p:ext uri="{BB962C8B-B14F-4D97-AF65-F5344CB8AC3E}">
+        <p14:creationId xmlns:p14="http://schemas.microsoft.com/office/powerpoint/2010/main" val="3390249313"/>
+      </p:ext>
+    </p:extLst>
+  </p:cSld>
+  <p:clrMapOvr>
+    <a:masterClrMapping/>
+  </p:clrMapOvr>
+</p:sld>
+</file>
+
+<file path=ppt/slides/slide8.xml><?xml version="1.0" encoding="utf-8"?>
 <p:sld xmlns:a="http://schemas.openxmlformats.org/drawingml/2006/main" xmlns:r="http://schemas.openxmlformats.org/officeDocument/2006/relationships" xmlns:p="http://schemas.openxmlformats.org/presentationml/2006/main">
   <p:cSld>
     <p:spTree>
@@ -19540,7 +19850,7 @@
           <a:p>
             <a:fld id="{84E0C278-47E8-3649-A055-2003DC36C60A}" type="slidenum">
               <a:rPr kumimoji="1" lang="ja-JP" altLang="en-US" smtClean="0"/>
-              <a:t>7</a:t>
+              <a:t>8</a:t>
             </a:fld>
             <a:endParaRPr kumimoji="1" lang="ja-JP" altLang="en-US"/>
           </a:p>
@@ -19608,232 +19918,6 @@
 </p:sld>
 </file>
 
-<file path=ppt/slides/slide8.xml><?xml version="1.0" encoding="utf-8"?>
-<p:sld xmlns:a="http://schemas.openxmlformats.org/drawingml/2006/main" xmlns:r="http://schemas.openxmlformats.org/officeDocument/2006/relationships" xmlns:p="http://schemas.openxmlformats.org/presentationml/2006/main">
-  <p:cSld>
-    <p:spTree>
-      <p:nvGrpSpPr>
-        <p:cNvPr id="1" name=""/>
-        <p:cNvGrpSpPr/>
-        <p:nvPr/>
-      </p:nvGrpSpPr>
-      <p:grpSpPr>
-        <a:xfrm>
-          <a:off x="0" y="0"/>
-          <a:ext cx="0" cy="0"/>
-          <a:chOff x="0" y="0"/>
-          <a:chExt cx="0" cy="0"/>
-        </a:xfrm>
-      </p:grpSpPr>
-      <p:sp>
-        <p:nvSpPr>
-          <p:cNvPr id="2" name="タイトル 1">
-            <a:extLst>
-              <a:ext uri="{FF2B5EF4-FFF2-40B4-BE49-F238E27FC236}">
-                <a16:creationId xmlns:a16="http://schemas.microsoft.com/office/drawing/2014/main" id="{B9807EB1-273E-F740-B0BD-6149C34317D7}"/>
-              </a:ext>
-            </a:extLst>
-          </p:cNvPr>
-          <p:cNvSpPr>
-            <a:spLocks noGrp="1"/>
-          </p:cNvSpPr>
-          <p:nvPr>
-            <p:ph type="title"/>
-          </p:nvPr>
-        </p:nvSpPr>
-        <p:spPr/>
-        <p:txBody>
-          <a:bodyPr/>
-          <a:lstStyle/>
-          <a:p>
-            <a:r>
-              <a:rPr kumimoji="1" lang="ja-JP" altLang="en-US"/>
-              <a:t>先行研究</a:t>
-            </a:r>
-          </a:p>
-        </p:txBody>
-      </p:sp>
-      <p:sp>
-        <p:nvSpPr>
-          <p:cNvPr id="3" name="コンテンツ プレースホルダー 2">
-            <a:extLst>
-              <a:ext uri="{FF2B5EF4-FFF2-40B4-BE49-F238E27FC236}">
-                <a16:creationId xmlns:a16="http://schemas.microsoft.com/office/drawing/2014/main" id="{13A448EF-C129-8641-86EB-D017ACDC7E22}"/>
-              </a:ext>
-            </a:extLst>
-          </p:cNvPr>
-          <p:cNvSpPr>
-            <a:spLocks noGrp="1"/>
-          </p:cNvSpPr>
-          <p:nvPr>
-            <p:ph idx="1"/>
-          </p:nvPr>
-        </p:nvSpPr>
-        <p:spPr>
-          <a:xfrm>
-            <a:off x="950009" y="1599827"/>
-            <a:ext cx="7605412" cy="3288635"/>
-          </a:xfrm>
-        </p:spPr>
-        <p:txBody>
-          <a:bodyPr>
-            <a:noAutofit/>
-          </a:bodyPr>
-          <a:lstStyle/>
-          <a:p>
-            <a:pPr marL="0" indent="0">
-              <a:buNone/>
-            </a:pPr>
-            <a:r>
-              <a:rPr lang="ja-JP" altLang="en-US" sz="1800"/>
-              <a:t>静的</a:t>
-            </a:r>
-            <a:r>
-              <a:rPr kumimoji="1" lang="en-US" altLang="ja-JP" sz="1800" dirty="0"/>
-              <a:t>DARP</a:t>
-            </a:r>
-            <a:r>
-              <a:rPr kumimoji="1" lang="ja-JP" altLang="en-US" sz="1800"/>
-              <a:t>に関して、様々な手法が提案されている。</a:t>
-            </a:r>
-            <a:endParaRPr lang="en-US" altLang="ja-JP" sz="1800" dirty="0"/>
-          </a:p>
-          <a:p>
-            <a:r>
-              <a:rPr kumimoji="1" lang="ja-JP" altLang="en-US" sz="1800"/>
-              <a:t>連続挿入法</a:t>
-            </a:r>
-            <a:r>
-              <a:rPr kumimoji="1" lang="en-US" altLang="ja-JP" sz="1800" dirty="0"/>
-              <a:t>(Jaw</a:t>
-            </a:r>
-            <a:r>
-              <a:rPr lang="en-US" altLang="ja-JP" sz="1800" dirty="0"/>
-              <a:t>)</a:t>
-            </a:r>
-          </a:p>
-          <a:p>
-            <a:pPr marL="0" indent="0">
-              <a:buNone/>
-            </a:pPr>
-            <a:r>
-              <a:rPr lang="en-US" altLang="ja-JP" sz="1800" dirty="0"/>
-              <a:t>	</a:t>
-            </a:r>
-            <a:r>
-              <a:rPr lang="ja-JP" altLang="en-US" sz="1800"/>
-              <a:t>ルートに挿入した時の目的関数値の増加が最小になるよう にリクエストを選択し順にルートに挿入していく構築型解法</a:t>
-            </a:r>
-            <a:endParaRPr lang="en-US" altLang="ja-JP" sz="1800" dirty="0"/>
-          </a:p>
-          <a:p>
-            <a:r>
-              <a:rPr lang="ja-JP" altLang="en-US" sz="1800"/>
-              <a:t>タブーサーチ</a:t>
-            </a:r>
-            <a:r>
-              <a:rPr lang="en-US" altLang="ja-JP" sz="1800" dirty="0"/>
-              <a:t>(</a:t>
-            </a:r>
-            <a:r>
-              <a:rPr lang="en-US" altLang="ja-JP" sz="1800" dirty="0" err="1"/>
-              <a:t>Cordeau</a:t>
-            </a:r>
-            <a:r>
-              <a:rPr lang="en-US" altLang="ja-JP" sz="1800" dirty="0"/>
-              <a:t>)</a:t>
-            </a:r>
-          </a:p>
-          <a:p>
-            <a:pPr marL="0" indent="0">
-              <a:buNone/>
-            </a:pPr>
-            <a:r>
-              <a:rPr lang="en-US" altLang="ja-JP" sz="1800" dirty="0"/>
-              <a:t>	</a:t>
-            </a:r>
-            <a:r>
-              <a:rPr lang="ja-JP" altLang="en-US" sz="1800"/>
-              <a:t>あるルートからリクエストをひとつ取り除き、別のルートに挿入</a:t>
-            </a:r>
-            <a:endParaRPr lang="en-US" altLang="ja-JP" sz="1800" dirty="0"/>
-          </a:p>
-          <a:p>
-            <a:pPr marL="0" indent="0">
-              <a:buNone/>
-            </a:pPr>
-            <a:r>
-              <a:rPr lang="en-US" altLang="ja-JP" sz="1800" dirty="0"/>
-              <a:t>	</a:t>
-            </a:r>
-            <a:r>
-              <a:rPr lang="ja-JP" altLang="en-US" sz="1800"/>
-              <a:t>頻繁に同じ解を訪れないようにリクエストが採用された数に比例</a:t>
-            </a:r>
-            <a:r>
-              <a:rPr lang="en-US" altLang="ja-JP" sz="1800" dirty="0"/>
-              <a:t>	</a:t>
-            </a:r>
-            <a:r>
-              <a:rPr lang="ja-JP" altLang="en-US" sz="1800"/>
-              <a:t>する関数を評価関数に加えている</a:t>
-            </a:r>
-            <a:endParaRPr lang="en-US" altLang="ja-JP" sz="1800" dirty="0"/>
-          </a:p>
-          <a:p>
-            <a:pPr marL="0" indent="0">
-              <a:buNone/>
-            </a:pPr>
-            <a:r>
-              <a:rPr lang="ja-JP" altLang="en-US" sz="1800"/>
-              <a:t>他にも焼きなまし法や可変近傍法による手法も提案されている．</a:t>
-            </a:r>
-            <a:endParaRPr lang="en-US" altLang="ja-JP" sz="1800" dirty="0"/>
-          </a:p>
-        </p:txBody>
-      </p:sp>
-      <p:sp>
-        <p:nvSpPr>
-          <p:cNvPr id="4" name="スライド番号プレースホルダー 3">
-            <a:extLst>
-              <a:ext uri="{FF2B5EF4-FFF2-40B4-BE49-F238E27FC236}">
-                <a16:creationId xmlns:a16="http://schemas.microsoft.com/office/drawing/2014/main" id="{F06620A4-AC4A-554D-B55C-78C663629D49}"/>
-              </a:ext>
-            </a:extLst>
-          </p:cNvPr>
-          <p:cNvSpPr>
-            <a:spLocks noGrp="1"/>
-          </p:cNvSpPr>
-          <p:nvPr>
-            <p:ph type="sldNum" sz="quarter" idx="12"/>
-          </p:nvPr>
-        </p:nvSpPr>
-        <p:spPr/>
-        <p:txBody>
-          <a:bodyPr/>
-          <a:lstStyle/>
-          <a:p>
-            <a:fld id="{84E0C278-47E8-3649-A055-2003DC36C60A}" type="slidenum">
-              <a:rPr kumimoji="1" lang="ja-JP" altLang="en-US" smtClean="0"/>
-              <a:t>8</a:t>
-            </a:fld>
-            <a:endParaRPr kumimoji="1" lang="ja-JP" altLang="en-US"/>
-          </a:p>
-        </p:txBody>
-      </p:sp>
-    </p:spTree>
-    <p:extLst>
-      <p:ext uri="{BB962C8B-B14F-4D97-AF65-F5344CB8AC3E}">
-        <p14:creationId xmlns:p14="http://schemas.microsoft.com/office/powerpoint/2010/main" val="1711058354"/>
-      </p:ext>
-    </p:extLst>
-  </p:cSld>
-  <p:clrMapOvr>
-    <a:masterClrMapping/>
-  </p:clrMapOvr>
-</p:sld>
-</file>
-
 <file path=ppt/slides/slide9.xml><?xml version="1.0" encoding="utf-8"?>
 <p:sld xmlns:a="http://schemas.openxmlformats.org/drawingml/2006/main" xmlns:r="http://schemas.openxmlformats.org/officeDocument/2006/relationships" xmlns:p="http://schemas.openxmlformats.org/presentationml/2006/main">
   <p:cSld>
@@ -19856,7 +19940,7 @@
           <p:cNvPr id="2" name="タイトル 1">
             <a:extLst>
               <a:ext uri="{FF2B5EF4-FFF2-40B4-BE49-F238E27FC236}">
-                <a16:creationId xmlns:a16="http://schemas.microsoft.com/office/drawing/2014/main" id="{17814ABB-BBBA-F14A-BEFF-3BBAEDEC0152}"/>
+                <a16:creationId xmlns:a16="http://schemas.microsoft.com/office/drawing/2014/main" id="{B9807EB1-273E-F740-B0BD-6149C34317D7}"/>
               </a:ext>
             </a:extLst>
           </p:cNvPr>
@@ -19867,19 +19951,14 @@
             <p:ph type="title"/>
           </p:nvPr>
         </p:nvSpPr>
-        <p:spPr>
-          <a:xfrm>
-            <a:off x="847702" y="1032524"/>
-            <a:ext cx="7202456" cy="786926"/>
-          </a:xfrm>
-        </p:spPr>
+        <p:spPr/>
         <p:txBody>
           <a:bodyPr/>
           <a:lstStyle/>
           <a:p>
             <a:r>
               <a:rPr kumimoji="1" lang="ja-JP" altLang="en-US"/>
-              <a:t>乗合タクシー問題</a:t>
+              <a:t>先行研究</a:t>
             </a:r>
           </a:p>
         </p:txBody>
@@ -19889,7 +19968,7 @@
           <p:cNvPr id="3" name="コンテンツ プレースホルダー 2">
             <a:extLst>
               <a:ext uri="{FF2B5EF4-FFF2-40B4-BE49-F238E27FC236}">
-                <a16:creationId xmlns:a16="http://schemas.microsoft.com/office/drawing/2014/main" id="{876935AD-6219-7744-9DAA-F3DD73BE7D70}"/>
+                <a16:creationId xmlns:a16="http://schemas.microsoft.com/office/drawing/2014/main" id="{13A448EF-C129-8641-86EB-D017ACDC7E22}"/>
               </a:ext>
             </a:extLst>
           </p:cNvPr>
@@ -19902,69 +19981,124 @@
         </p:nvSpPr>
         <p:spPr>
           <a:xfrm>
-            <a:off x="847702" y="1626920"/>
-            <a:ext cx="8130043" cy="4595750"/>
+            <a:off x="950009" y="1599827"/>
+            <a:ext cx="7605412" cy="3288635"/>
           </a:xfrm>
         </p:spPr>
         <p:txBody>
           <a:bodyPr>
-            <a:normAutofit/>
+            <a:noAutofit/>
           </a:bodyPr>
           <a:lstStyle/>
           <a:p>
             <a:pPr marL="0" indent="0">
               <a:buNone/>
             </a:pPr>
-            <a:endParaRPr lang="en-US" altLang="ja-JP" dirty="0"/>
-          </a:p>
-          <a:p>
-            <a:r>
-              <a:rPr lang="ja-JP" altLang="en-US" sz="2200"/>
-              <a:t>先行研究では、乗降に関しての時間枠と最大乗車時間をハード制約で与える。</a:t>
-            </a:r>
-            <a:endParaRPr lang="en-US" altLang="ja-JP" sz="2200" dirty="0"/>
-          </a:p>
-          <a:p>
-            <a:r>
-              <a:rPr lang="ja-JP" altLang="en-US" sz="2200"/>
-              <a:t>本研究では、リクエストに関する制約をペナルティ関数として与えて、</a:t>
-            </a:r>
-            <a:r>
-              <a:rPr lang="ja-JP" altLang="en-US" sz="2200" b="1"/>
-              <a:t>ソフト制約</a:t>
-            </a:r>
-            <a:r>
-              <a:rPr lang="ja-JP" altLang="en-US" sz="2200"/>
-              <a:t>にする。これを時間枠及び乗車時間ペナルティ付き乗合タクシー問題として新たに定義する。</a:t>
-            </a:r>
-            <a:endParaRPr lang="en-US" altLang="ja-JP" sz="2200" dirty="0"/>
-          </a:p>
-          <a:p>
-            <a:endParaRPr lang="en-US" altLang="ja-JP" sz="2200" dirty="0"/>
-          </a:p>
-          <a:p>
-            <a:endParaRPr lang="en-US" altLang="ja-JP" dirty="0"/>
+            <a:r>
+              <a:rPr lang="ja-JP" altLang="en-US" sz="1800"/>
+              <a:t>静的</a:t>
+            </a:r>
+            <a:r>
+              <a:rPr kumimoji="1" lang="en-US" altLang="ja-JP" sz="1800" dirty="0"/>
+              <a:t>DARP</a:t>
+            </a:r>
+            <a:r>
+              <a:rPr kumimoji="1" lang="ja-JP" altLang="en-US" sz="1800"/>
+              <a:t>に関して、様々な手法が提案されている。</a:t>
+            </a:r>
+            <a:endParaRPr lang="en-US" altLang="ja-JP" sz="1800" dirty="0"/>
+          </a:p>
+          <a:p>
+            <a:r>
+              <a:rPr kumimoji="1" lang="ja-JP" altLang="en-US" sz="1800"/>
+              <a:t>連続挿入法</a:t>
+            </a:r>
+            <a:r>
+              <a:rPr kumimoji="1" lang="en-US" altLang="ja-JP" sz="1800" dirty="0"/>
+              <a:t>(Jaw</a:t>
+            </a:r>
+            <a:r>
+              <a:rPr lang="en-US" altLang="ja-JP" sz="1800" dirty="0"/>
+              <a:t>)</a:t>
+            </a:r>
           </a:p>
           <a:p>
             <a:pPr marL="0" indent="0">
               <a:buNone/>
             </a:pPr>
-            <a:endParaRPr lang="en-US" altLang="ja-JP" dirty="0"/>
+            <a:r>
+              <a:rPr lang="en-US" altLang="ja-JP" sz="1800" dirty="0"/>
+              <a:t>	</a:t>
+            </a:r>
+            <a:r>
+              <a:rPr lang="ja-JP" altLang="en-US" sz="1800"/>
+              <a:t>ルートに挿入した時の目的関数値の増加が最小になるよう にリクエストを選択し順にルートに挿入していく構築型解法</a:t>
+            </a:r>
+            <a:endParaRPr lang="en-US" altLang="ja-JP" sz="1800" dirty="0"/>
+          </a:p>
+          <a:p>
+            <a:r>
+              <a:rPr lang="ja-JP" altLang="en-US" sz="1800"/>
+              <a:t>タブーサーチ</a:t>
+            </a:r>
+            <a:r>
+              <a:rPr lang="en-US" altLang="ja-JP" sz="1800" dirty="0"/>
+              <a:t>(</a:t>
+            </a:r>
+            <a:r>
+              <a:rPr lang="en-US" altLang="ja-JP" sz="1800" dirty="0" err="1"/>
+              <a:t>Cordeau</a:t>
+            </a:r>
+            <a:r>
+              <a:rPr lang="en-US" altLang="ja-JP" sz="1800" dirty="0"/>
+              <a:t>)</a:t>
+            </a:r>
           </a:p>
           <a:p>
             <a:pPr marL="0" indent="0">
               <a:buNone/>
             </a:pPr>
-            <a:endParaRPr lang="en-US" altLang="ja-JP" dirty="0"/>
-          </a:p>
-          <a:p>
-            <a:endParaRPr lang="en-US" altLang="ja-JP" dirty="0"/>
+            <a:r>
+              <a:rPr lang="en-US" altLang="ja-JP" sz="1800" dirty="0"/>
+              <a:t>	</a:t>
+            </a:r>
+            <a:r>
+              <a:rPr lang="ja-JP" altLang="en-US" sz="1800"/>
+              <a:t>あるルートからリクエストをひとつ取り除き、別のルートに挿入</a:t>
+            </a:r>
+            <a:endParaRPr lang="en-US" altLang="ja-JP" sz="1800" dirty="0"/>
           </a:p>
           <a:p>
             <a:pPr marL="0" indent="0">
               <a:buNone/>
             </a:pPr>
-            <a:endParaRPr lang="en-US" altLang="ja-JP" dirty="0"/>
+            <a:r>
+              <a:rPr lang="en-US" altLang="ja-JP" sz="1800" dirty="0"/>
+              <a:t>	</a:t>
+            </a:r>
+            <a:r>
+              <a:rPr lang="ja-JP" altLang="en-US" sz="1800"/>
+              <a:t>頻繁に同じ解を訪れないようにリクエストが採用された数に比例</a:t>
+            </a:r>
+            <a:r>
+              <a:rPr lang="en-US" altLang="ja-JP" sz="1800" dirty="0"/>
+              <a:t>	</a:t>
+            </a:r>
+            <a:r>
+              <a:rPr lang="ja-JP" altLang="en-US" sz="1800"/>
+              <a:t>する関数を評価関数に加えている</a:t>
+            </a:r>
+            <a:endParaRPr lang="en-US" altLang="ja-JP" sz="1800" dirty="0"/>
+          </a:p>
+          <a:p>
+            <a:pPr marL="0" indent="0">
+              <a:buNone/>
+            </a:pPr>
+            <a:r>
+              <a:rPr lang="ja-JP" altLang="en-US" sz="1800"/>
+              <a:t>他にも焼きなまし法や可変近傍法による手法も提案されている．</a:t>
+            </a:r>
+            <a:endParaRPr lang="en-US" altLang="ja-JP" sz="1800" dirty="0"/>
           </a:p>
         </p:txBody>
       </p:sp>
@@ -19973,7 +20107,7 @@
           <p:cNvPr id="4" name="スライド番号プレースホルダー 3">
             <a:extLst>
               <a:ext uri="{FF2B5EF4-FFF2-40B4-BE49-F238E27FC236}">
-                <a16:creationId xmlns:a16="http://schemas.microsoft.com/office/drawing/2014/main" id="{8FD83881-C37D-D846-8430-DFC50F7681CE}"/>
+                <a16:creationId xmlns:a16="http://schemas.microsoft.com/office/drawing/2014/main" id="{F06620A4-AC4A-554D-B55C-78C663629D49}"/>
               </a:ext>
             </a:extLst>
           </p:cNvPr>
@@ -20000,7 +20134,7 @@
     </p:spTree>
     <p:extLst>
       <p:ext uri="{BB962C8B-B14F-4D97-AF65-F5344CB8AC3E}">
-        <p14:creationId xmlns:p14="http://schemas.microsoft.com/office/powerpoint/2010/main" val="3594709880"/>
+        <p14:creationId xmlns:p14="http://schemas.microsoft.com/office/powerpoint/2010/main" val="1711058354"/>
       </p:ext>
     </p:extLst>
   </p:cSld>

--- a/中間発表_M1.pptx
+++ b/中間発表_M1.pptx
@@ -18494,9 +18494,6 @@
             <a:endParaRPr lang="en-US" altLang="ja-JP" dirty="0"/>
           </a:p>
           <a:p>
-            <a:endParaRPr lang="en-US" altLang="ja-JP" dirty="0"/>
-          </a:p>
-          <a:p>
             <a:pPr marL="0" indent="0">
               <a:buNone/>
             </a:pPr>
@@ -18517,6 +18514,17 @@
             <a:r>
               <a:rPr kumimoji="1" lang="ja-JP" altLang="en-US"/>
               <a:t>近傍操作の見直し</a:t>
+            </a:r>
+            <a:endParaRPr kumimoji="1" lang="en-US" altLang="ja-JP" dirty="0"/>
+          </a:p>
+          <a:p>
+            <a:r>
+              <a:rPr lang="en-US" altLang="ja-JP" dirty="0"/>
+              <a:t>LP</a:t>
+            </a:r>
+            <a:r>
+              <a:rPr lang="ja-JP" altLang="en-US"/>
+              <a:t>の感度分析</a:t>
             </a:r>
             <a:endParaRPr lang="en-US" altLang="ja-JP" dirty="0"/>
           </a:p>

--- a/中間発表_M1.pptx
+++ b/中間発表_M1.pptx
@@ -227,7 +227,7 @@
           <a:p>
             <a:fld id="{F185D03E-571D-BA42-85BF-4D068DC12E29}" type="datetimeFigureOut">
               <a:rPr kumimoji="1" lang="ja-JP" altLang="en-US" smtClean="0"/>
-              <a:t>2020/4/20</a:t>
+              <a:t>2020/4/21</a:t>
             </a:fld>
             <a:endParaRPr kumimoji="1" lang="ja-JP" altLang="en-US"/>
           </a:p>
@@ -917,7 +917,7 @@
           <a:p>
             <a:fld id="{4022EDAD-B217-3946-A79C-481C6FEC392F}" type="datetime1">
               <a:rPr kumimoji="1" lang="ja-JP" altLang="en-US" smtClean="0"/>
-              <a:t>2020/4/20</a:t>
+              <a:t>2020/4/21</a:t>
             </a:fld>
             <a:endParaRPr kumimoji="1" lang="ja-JP" altLang="en-US"/>
           </a:p>
@@ -1145,7 +1145,7 @@
           <a:p>
             <a:fld id="{8F2CA839-3EA4-F84E-9DD3-1549C09B4DFF}" type="datetime1">
               <a:rPr kumimoji="1" lang="ja-JP" altLang="en-US" smtClean="0"/>
-              <a:t>2020/4/20</a:t>
+              <a:t>2020/4/21</a:t>
             </a:fld>
             <a:endParaRPr kumimoji="1" lang="ja-JP" altLang="en-US"/>
           </a:p>
@@ -1377,7 +1377,7 @@
           <a:p>
             <a:fld id="{0903EBEF-087E-1C4B-A394-4BF982076E9B}" type="datetime1">
               <a:rPr kumimoji="1" lang="ja-JP" altLang="en-US" smtClean="0"/>
-              <a:t>2020/4/20</a:t>
+              <a:t>2020/4/21</a:t>
             </a:fld>
             <a:endParaRPr kumimoji="1" lang="ja-JP" altLang="en-US"/>
           </a:p>
@@ -1595,7 +1595,7 @@
           <a:p>
             <a:fld id="{3CC3E3BD-DD2F-0F4C-9F7B-BD2CFE73C08E}" type="datetime1">
               <a:rPr kumimoji="1" lang="ja-JP" altLang="en-US" smtClean="0"/>
-              <a:t>2020/4/20</a:t>
+              <a:t>2020/4/21</a:t>
             </a:fld>
             <a:endParaRPr kumimoji="1" lang="ja-JP" altLang="en-US"/>
           </a:p>
@@ -1920,7 +1920,7 @@
           <a:p>
             <a:fld id="{C115CAE8-F975-9249-9A1B-F50E55793BF8}" type="datetime1">
               <a:rPr kumimoji="1" lang="ja-JP" altLang="en-US" smtClean="0"/>
-              <a:t>2020/4/20</a:t>
+              <a:t>2020/4/21</a:t>
             </a:fld>
             <a:endParaRPr kumimoji="1" lang="ja-JP" altLang="en-US"/>
           </a:p>
@@ -2213,7 +2213,7 @@
           <a:p>
             <a:fld id="{4B86C5E8-D6C8-5540-A4FD-D0987B8EBD10}" type="datetime1">
               <a:rPr kumimoji="1" lang="ja-JP" altLang="en-US" smtClean="0"/>
-              <a:t>2020/4/20</a:t>
+              <a:t>2020/4/21</a:t>
             </a:fld>
             <a:endParaRPr kumimoji="1" lang="ja-JP" altLang="en-US"/>
           </a:p>
@@ -2728,7 +2728,7 @@
           <a:p>
             <a:fld id="{6FA0929B-742B-B141-B071-CCB3728A9B97}" type="datetime1">
               <a:rPr kumimoji="1" lang="ja-JP" altLang="en-US" smtClean="0"/>
-              <a:t>2020/4/20</a:t>
+              <a:t>2020/4/21</a:t>
             </a:fld>
             <a:endParaRPr kumimoji="1" lang="ja-JP" altLang="en-US"/>
           </a:p>
@@ -2886,7 +2886,7 @@
           <a:p>
             <a:fld id="{6E24F31F-B5AD-3641-8587-346597BEC0BE}" type="datetime1">
               <a:rPr kumimoji="1" lang="ja-JP" altLang="en-US" smtClean="0"/>
-              <a:t>2020/4/20</a:t>
+              <a:t>2020/4/21</a:t>
             </a:fld>
             <a:endParaRPr kumimoji="1" lang="ja-JP" altLang="en-US"/>
           </a:p>
@@ -3021,7 +3021,7 @@
           <a:p>
             <a:fld id="{BE99A350-A1B1-1E45-BB25-3DF64E2FB64C}" type="datetime1">
               <a:rPr kumimoji="1" lang="ja-JP" altLang="en-US" smtClean="0"/>
-              <a:t>2020/4/20</a:t>
+              <a:t>2020/4/21</a:t>
             </a:fld>
             <a:endParaRPr kumimoji="1" lang="ja-JP" altLang="en-US"/>
           </a:p>
@@ -3319,7 +3319,7 @@
           <a:p>
             <a:fld id="{B66F413D-3751-BA4F-95FD-B012FBB5AC38}" type="datetime1">
               <a:rPr kumimoji="1" lang="ja-JP" altLang="en-US" smtClean="0"/>
-              <a:t>2020/4/20</a:t>
+              <a:t>2020/4/21</a:t>
             </a:fld>
             <a:endParaRPr kumimoji="1" lang="ja-JP" altLang="en-US"/>
           </a:p>
@@ -3816,7 +3816,7 @@
           <a:p>
             <a:fld id="{3F034A29-2760-CE48-9EAD-37F6D8A2ED9E}" type="datetime1">
               <a:rPr kumimoji="1" lang="ja-JP" altLang="en-US" smtClean="0"/>
-              <a:t>2020/4/20</a:t>
+              <a:t>2020/4/21</a:t>
             </a:fld>
             <a:endParaRPr kumimoji="1" lang="ja-JP" altLang="en-US"/>
           </a:p>
@@ -4197,7 +4197,7 @@
           <a:p>
             <a:fld id="{4BD725EE-9545-E84A-BF76-93ECAC915F52}" type="datetime1">
               <a:rPr kumimoji="1" lang="ja-JP" altLang="en-US" smtClean="0"/>
-              <a:t>2020/4/20</a:t>
+              <a:t>2020/4/21</a:t>
             </a:fld>
             <a:endParaRPr kumimoji="1" lang="ja-JP" altLang="en-US"/>
           </a:p>
@@ -7067,7 +7067,7 @@
             </a:pPr>
             <a:r>
               <a:rPr lang="en-US" altLang="ja-JP" dirty="0"/>
-              <a:t>     e	    l                                                                              L</a:t>
+              <a:t>    e	   l                                                                  L</a:t>
             </a:r>
           </a:p>
         </p:txBody>
@@ -19073,12 +19073,12 @@
         <p:spPr>
           <a:xfrm>
             <a:off x="749732" y="1658180"/>
-            <a:ext cx="8168637" cy="4564900"/>
+            <a:ext cx="7527369" cy="3899472"/>
           </a:xfrm>
         </p:spPr>
         <p:txBody>
           <a:bodyPr>
-            <a:normAutofit fontScale="62500" lnSpcReduction="20000"/>
+            <a:normAutofit fontScale="85000" lnSpcReduction="20000"/>
           </a:bodyPr>
           <a:lstStyle/>
           <a:p>
@@ -19086,7 +19086,7 @@
               <a:buNone/>
             </a:pPr>
             <a:r>
-              <a:rPr lang="en-US" altLang="ja-JP" sz="4000" dirty="0">
+              <a:rPr lang="en-US" altLang="ja-JP" sz="2600" dirty="0">
                 <a:latin typeface="Segoe UI Historic" panose="020B0502040204020203" pitchFamily="34" charset="0"/>
                 <a:ea typeface="Segoe UI Historic" panose="020B0502040204020203" pitchFamily="34" charset="0"/>
                 <a:cs typeface="Segoe UI Historic" panose="020B0502040204020203" pitchFamily="34" charset="0"/>
@@ -19099,7 +19099,7 @@
               <a:buNone/>
             </a:pPr>
             <a:r>
-              <a:rPr lang="en-US" altLang="ja-JP" sz="4000" dirty="0">
+              <a:rPr lang="en-US" altLang="ja-JP" sz="2600" dirty="0">
                 <a:latin typeface="Segoe UI Historic" panose="020B0502040204020203" pitchFamily="34" charset="0"/>
                 <a:ea typeface="Segoe UI Historic" panose="020B0502040204020203" pitchFamily="34" charset="0"/>
                 <a:cs typeface="Segoe UI Historic" panose="020B0502040204020203" pitchFamily="34" charset="0"/>
@@ -19107,14 +19107,14 @@
               <a:t>	   number of vehicles, </a:t>
             </a:r>
             <a:r>
-              <a:rPr lang="en-US" altLang="ja-JP" sz="4000" dirty="0" err="1">
+              <a:rPr lang="en-US" altLang="ja-JP" sz="2600" dirty="0" err="1">
                 <a:latin typeface="Segoe UI Historic" panose="020B0502040204020203" pitchFamily="34" charset="0"/>
                 <a:ea typeface="Segoe UI Historic" panose="020B0502040204020203" pitchFamily="34" charset="0"/>
                 <a:cs typeface="Segoe UI Historic" panose="020B0502040204020203" pitchFamily="34" charset="0"/>
               </a:rPr>
               <a:t>etc</a:t>
             </a:r>
-            <a:endParaRPr lang="en-US" altLang="ja-JP" sz="4000" dirty="0">
+            <a:endParaRPr lang="en-US" altLang="ja-JP" sz="2600" dirty="0">
               <a:latin typeface="Segoe UI Historic" panose="020B0502040204020203" pitchFamily="34" charset="0"/>
               <a:ea typeface="Segoe UI Historic" panose="020B0502040204020203" pitchFamily="34" charset="0"/>
               <a:cs typeface="Segoe UI Historic" panose="020B0502040204020203" pitchFamily="34" charset="0"/>
@@ -19124,18 +19124,8 @@
             <a:pPr marL="0" indent="0">
               <a:buNone/>
             </a:pPr>
-            <a:endParaRPr lang="en-US" altLang="ja-JP" sz="2900" dirty="0">
-              <a:latin typeface="Segoe UI Historic" panose="020B0502040204020203" pitchFamily="34" charset="0"/>
-              <a:ea typeface="Segoe UI Historic" panose="020B0502040204020203" pitchFamily="34" charset="0"/>
-              <a:cs typeface="Segoe UI Historic" panose="020B0502040204020203" pitchFamily="34" charset="0"/>
-            </a:endParaRPr>
-          </a:p>
-          <a:p>
-            <a:pPr marL="0" indent="0">
-              <a:buNone/>
-            </a:pPr>
-            <a:r>
-              <a:rPr lang="en-US" altLang="ja-JP" sz="4000" dirty="0">
+            <a:r>
+              <a:rPr lang="en-US" altLang="ja-JP" sz="2600" dirty="0">
                 <a:latin typeface="Segoe UI Historic" panose="020B0502040204020203" pitchFamily="34" charset="0"/>
                 <a:ea typeface="Segoe UI Historic" panose="020B0502040204020203" pitchFamily="34" charset="0"/>
                 <a:cs typeface="Segoe UI Historic" panose="020B0502040204020203" pitchFamily="34" charset="0"/>
@@ -19145,7 +19135,7 @@
           </a:p>
           <a:p>
             <a:r>
-              <a:rPr lang="en-US" altLang="ja-JP" sz="3600" dirty="0">
+              <a:rPr lang="en-US" altLang="ja-JP" sz="2600" dirty="0">
                 <a:latin typeface="Segoe UI Historic" panose="020B0502040204020203" pitchFamily="34" charset="0"/>
                 <a:ea typeface="Segoe UI Historic" panose="020B0502040204020203" pitchFamily="34" charset="0"/>
                 <a:cs typeface="Segoe UI Historic" panose="020B0502040204020203" pitchFamily="34" charset="0"/>
@@ -19155,7 +19145,7 @@
           </a:p>
           <a:p>
             <a:r>
-              <a:rPr lang="en-US" altLang="ja-JP" sz="3600" dirty="0">
+              <a:rPr lang="en-US" altLang="ja-JP" sz="2600" dirty="0">
                 <a:latin typeface="Segoe UI Historic" panose="020B0502040204020203" pitchFamily="34" charset="0"/>
                 <a:ea typeface="Segoe UI Historic" panose="020B0502040204020203" pitchFamily="34" charset="0"/>
                 <a:cs typeface="Segoe UI Historic" panose="020B0502040204020203" pitchFamily="34" charset="0"/>
@@ -19165,7 +19155,7 @@
           </a:p>
           <a:p>
             <a:r>
-              <a:rPr lang="en-US" altLang="ja-JP" sz="3600" dirty="0">
+              <a:rPr lang="en-US" altLang="ja-JP" sz="2600" dirty="0">
                 <a:latin typeface="Segoe UI Historic" panose="020B0502040204020203" pitchFamily="34" charset="0"/>
                 <a:ea typeface="Segoe UI Historic" panose="020B0502040204020203" pitchFamily="34" charset="0"/>
                 <a:cs typeface="Segoe UI Historic" panose="020B0502040204020203" pitchFamily="34" charset="0"/>
@@ -19178,7 +19168,7 @@
               <a:buNone/>
             </a:pPr>
             <a:r>
-              <a:rPr lang="en-US" altLang="ja-JP" sz="3600" dirty="0">
+              <a:rPr lang="en-US" altLang="ja-JP" sz="2600" dirty="0">
                 <a:latin typeface="Segoe UI Historic" panose="020B0502040204020203" pitchFamily="34" charset="0"/>
                 <a:ea typeface="Segoe UI Historic" panose="020B0502040204020203" pitchFamily="34" charset="0"/>
                 <a:cs typeface="Segoe UI Historic" panose="020B0502040204020203" pitchFamily="34" charset="0"/>
@@ -19191,18 +19181,13 @@
               <a:buNone/>
             </a:pPr>
             <a:r>
-              <a:rPr lang="en-US" altLang="ja-JP" sz="3600" dirty="0">
+              <a:rPr lang="en-US" altLang="ja-JP" sz="2600" dirty="0">
                 <a:latin typeface="Segoe UI Historic" panose="020B0502040204020203" pitchFamily="34" charset="0"/>
                 <a:ea typeface="Segoe UI Historic" panose="020B0502040204020203" pitchFamily="34" charset="0"/>
                 <a:cs typeface="Segoe UI Historic" panose="020B0502040204020203" pitchFamily="34" charset="0"/>
               </a:rPr>
               <a:t> design a set of minimum cost vehicle routes</a:t>
             </a:r>
-            <a:endParaRPr lang="en-US" altLang="ja-JP" dirty="0">
-              <a:latin typeface="Segoe UI Historic" panose="020B0502040204020203" pitchFamily="34" charset="0"/>
-              <a:ea typeface="Segoe UI Historic" panose="020B0502040204020203" pitchFamily="34" charset="0"/>
-              <a:cs typeface="Segoe UI Historic" panose="020B0502040204020203" pitchFamily="34" charset="0"/>
-            </a:endParaRPr>
           </a:p>
           <a:p>
             <a:endParaRPr kumimoji="1" lang="ja-JP" altLang="en-US">
@@ -19612,7 +19597,12 @@
             <p:ph type="title"/>
           </p:nvPr>
         </p:nvSpPr>
-        <p:spPr/>
+        <p:spPr>
+          <a:xfrm>
+            <a:off x="1128684" y="956172"/>
+            <a:ext cx="7089041" cy="1049235"/>
+          </a:xfrm>
+        </p:spPr>
         <p:txBody>
           <a:bodyPr/>
           <a:lstStyle/>
@@ -19631,7 +19621,7 @@
                 <a:ea typeface="Segoe UI Historic" panose="020B0502040204020203" pitchFamily="34" charset="0"/>
                 <a:cs typeface="Segoe UI Historic" panose="020B0502040204020203" pitchFamily="34" charset="0"/>
               </a:rPr>
-              <a:t> of dial-a-ride problem</a:t>
+              <a:t> of the dial-a-ride problem</a:t>
             </a:r>
             <a:endParaRPr kumimoji="1" lang="ja-JP" altLang="en-US">
               <a:latin typeface="Segoe UI Historic" panose="020B0502040204020203" pitchFamily="34" charset="0"/>
@@ -19731,7 +19721,23 @@
                 <a:ea typeface="Segoe UI Historic" panose="020B0502040204020203" pitchFamily="34" charset="0"/>
                 <a:cs typeface="Segoe UI Historic" panose="020B0502040204020203" pitchFamily="34" charset="0"/>
               </a:rPr>
-              <a:t>so dial-a-ride problem is NP-hard problem as well.</a:t>
+              <a:t>so dial-a-ride problem </a:t>
+            </a:r>
+            <a:r>
+              <a:rPr lang="en-US" altLang="ja-JP">
+                <a:latin typeface="Segoe UI Historic" panose="020B0502040204020203" pitchFamily="34" charset="0"/>
+                <a:ea typeface="Segoe UI Historic" panose="020B0502040204020203" pitchFamily="34" charset="0"/>
+                <a:cs typeface="Segoe UI Historic" panose="020B0502040204020203" pitchFamily="34" charset="0"/>
+              </a:rPr>
+              <a:t>is a NP-hard </a:t>
+            </a:r>
+            <a:r>
+              <a:rPr lang="en-US" altLang="ja-JP" dirty="0">
+                <a:latin typeface="Segoe UI Historic" panose="020B0502040204020203" pitchFamily="34" charset="0"/>
+                <a:ea typeface="Segoe UI Historic" panose="020B0502040204020203" pitchFamily="34" charset="0"/>
+                <a:cs typeface="Segoe UI Historic" panose="020B0502040204020203" pitchFamily="34" charset="0"/>
+              </a:rPr>
+              <a:t>problem as well.</a:t>
             </a:r>
           </a:p>
           <a:p>

--- a/中間発表_M1.pptx
+++ b/中間発表_M1.pptx
@@ -227,7 +227,7 @@
           <a:p>
             <a:fld id="{F185D03E-571D-BA42-85BF-4D068DC12E29}" type="datetimeFigureOut">
               <a:rPr kumimoji="1" lang="ja-JP" altLang="en-US" smtClean="0"/>
-              <a:t>2020/4/21</a:t>
+              <a:t>2020/5/19</a:t>
             </a:fld>
             <a:endParaRPr kumimoji="1" lang="ja-JP" altLang="en-US"/>
           </a:p>
@@ -917,7 +917,7 @@
           <a:p>
             <a:fld id="{4022EDAD-B217-3946-A79C-481C6FEC392F}" type="datetime1">
               <a:rPr kumimoji="1" lang="ja-JP" altLang="en-US" smtClean="0"/>
-              <a:t>2020/4/21</a:t>
+              <a:t>2020/5/19</a:t>
             </a:fld>
             <a:endParaRPr kumimoji="1" lang="ja-JP" altLang="en-US"/>
           </a:p>
@@ -1145,7 +1145,7 @@
           <a:p>
             <a:fld id="{8F2CA839-3EA4-F84E-9DD3-1549C09B4DFF}" type="datetime1">
               <a:rPr kumimoji="1" lang="ja-JP" altLang="en-US" smtClean="0"/>
-              <a:t>2020/4/21</a:t>
+              <a:t>2020/5/19</a:t>
             </a:fld>
             <a:endParaRPr kumimoji="1" lang="ja-JP" altLang="en-US"/>
           </a:p>
@@ -1377,7 +1377,7 @@
           <a:p>
             <a:fld id="{0903EBEF-087E-1C4B-A394-4BF982076E9B}" type="datetime1">
               <a:rPr kumimoji="1" lang="ja-JP" altLang="en-US" smtClean="0"/>
-              <a:t>2020/4/21</a:t>
+              <a:t>2020/5/19</a:t>
             </a:fld>
             <a:endParaRPr kumimoji="1" lang="ja-JP" altLang="en-US"/>
           </a:p>
@@ -1595,7 +1595,7 @@
           <a:p>
             <a:fld id="{3CC3E3BD-DD2F-0F4C-9F7B-BD2CFE73C08E}" type="datetime1">
               <a:rPr kumimoji="1" lang="ja-JP" altLang="en-US" smtClean="0"/>
-              <a:t>2020/4/21</a:t>
+              <a:t>2020/5/19</a:t>
             </a:fld>
             <a:endParaRPr kumimoji="1" lang="ja-JP" altLang="en-US"/>
           </a:p>
@@ -1920,7 +1920,7 @@
           <a:p>
             <a:fld id="{C115CAE8-F975-9249-9A1B-F50E55793BF8}" type="datetime1">
               <a:rPr kumimoji="1" lang="ja-JP" altLang="en-US" smtClean="0"/>
-              <a:t>2020/4/21</a:t>
+              <a:t>2020/5/19</a:t>
             </a:fld>
             <a:endParaRPr kumimoji="1" lang="ja-JP" altLang="en-US"/>
           </a:p>
@@ -2213,7 +2213,7 @@
           <a:p>
             <a:fld id="{4B86C5E8-D6C8-5540-A4FD-D0987B8EBD10}" type="datetime1">
               <a:rPr kumimoji="1" lang="ja-JP" altLang="en-US" smtClean="0"/>
-              <a:t>2020/4/21</a:t>
+              <a:t>2020/5/19</a:t>
             </a:fld>
             <a:endParaRPr kumimoji="1" lang="ja-JP" altLang="en-US"/>
           </a:p>
@@ -2728,7 +2728,7 @@
           <a:p>
             <a:fld id="{6FA0929B-742B-B141-B071-CCB3728A9B97}" type="datetime1">
               <a:rPr kumimoji="1" lang="ja-JP" altLang="en-US" smtClean="0"/>
-              <a:t>2020/4/21</a:t>
+              <a:t>2020/5/19</a:t>
             </a:fld>
             <a:endParaRPr kumimoji="1" lang="ja-JP" altLang="en-US"/>
           </a:p>
@@ -2886,7 +2886,7 @@
           <a:p>
             <a:fld id="{6E24F31F-B5AD-3641-8587-346597BEC0BE}" type="datetime1">
               <a:rPr kumimoji="1" lang="ja-JP" altLang="en-US" smtClean="0"/>
-              <a:t>2020/4/21</a:t>
+              <a:t>2020/5/19</a:t>
             </a:fld>
             <a:endParaRPr kumimoji="1" lang="ja-JP" altLang="en-US"/>
           </a:p>
@@ -3021,7 +3021,7 @@
           <a:p>
             <a:fld id="{BE99A350-A1B1-1E45-BB25-3DF64E2FB64C}" type="datetime1">
               <a:rPr kumimoji="1" lang="ja-JP" altLang="en-US" smtClean="0"/>
-              <a:t>2020/4/21</a:t>
+              <a:t>2020/5/19</a:t>
             </a:fld>
             <a:endParaRPr kumimoji="1" lang="ja-JP" altLang="en-US"/>
           </a:p>
@@ -3319,7 +3319,7 @@
           <a:p>
             <a:fld id="{B66F413D-3751-BA4F-95FD-B012FBB5AC38}" type="datetime1">
               <a:rPr kumimoji="1" lang="ja-JP" altLang="en-US" smtClean="0"/>
-              <a:t>2020/4/21</a:t>
+              <a:t>2020/5/19</a:t>
             </a:fld>
             <a:endParaRPr kumimoji="1" lang="ja-JP" altLang="en-US"/>
           </a:p>
@@ -3816,7 +3816,7 @@
           <a:p>
             <a:fld id="{3F034A29-2760-CE48-9EAD-37F6D8A2ED9E}" type="datetime1">
               <a:rPr kumimoji="1" lang="ja-JP" altLang="en-US" smtClean="0"/>
-              <a:t>2020/4/21</a:t>
+              <a:t>2020/5/19</a:t>
             </a:fld>
             <a:endParaRPr kumimoji="1" lang="ja-JP" altLang="en-US"/>
           </a:p>
@@ -4197,7 +4197,7 @@
           <a:p>
             <a:fld id="{4BD725EE-9545-E84A-BF76-93ECAC915F52}" type="datetime1">
               <a:rPr kumimoji="1" lang="ja-JP" altLang="en-US" smtClean="0"/>
-              <a:t>2020/4/21</a:t>
+              <a:t>2020/5/19</a:t>
             </a:fld>
             <a:endParaRPr kumimoji="1" lang="ja-JP" altLang="en-US"/>
           </a:p>
@@ -19327,7 +19327,7 @@
           <a:p>
             <a:r>
               <a:rPr lang="en-US" altLang="ja-JP" sz="2200" dirty="0"/>
-              <a:t>Dial-a-ride problem (DARP) is a specialization of PDP for human transportation.</a:t>
+              <a:t>Dial-a-ride problem (DARP) is an extension of PDP for human transportation.</a:t>
             </a:r>
           </a:p>
           <a:p>
@@ -19685,7 +19685,7 @@
                 <a:ea typeface="Segoe UI Historic" panose="020B0502040204020203" pitchFamily="34" charset="0"/>
                 <a:cs typeface="Segoe UI Historic" panose="020B0502040204020203" pitchFamily="34" charset="0"/>
               </a:rPr>
-              <a:t>dial-a-ride problem can be reduced to TSP(Travelling Salesman Problem)</a:t>
+              <a:t>TSP(Travelling Salesman Problem) can be reduced to       dial-a-ride problem</a:t>
             </a:r>
           </a:p>
           <a:p>
@@ -19721,23 +19721,7 @@
                 <a:ea typeface="Segoe UI Historic" panose="020B0502040204020203" pitchFamily="34" charset="0"/>
                 <a:cs typeface="Segoe UI Historic" panose="020B0502040204020203" pitchFamily="34" charset="0"/>
               </a:rPr>
-              <a:t>so dial-a-ride problem </a:t>
-            </a:r>
-            <a:r>
-              <a:rPr lang="en-US" altLang="ja-JP">
-                <a:latin typeface="Segoe UI Historic" panose="020B0502040204020203" pitchFamily="34" charset="0"/>
-                <a:ea typeface="Segoe UI Historic" panose="020B0502040204020203" pitchFamily="34" charset="0"/>
-                <a:cs typeface="Segoe UI Historic" panose="020B0502040204020203" pitchFamily="34" charset="0"/>
-              </a:rPr>
-              <a:t>is a NP-hard </a:t>
-            </a:r>
-            <a:r>
-              <a:rPr lang="en-US" altLang="ja-JP" dirty="0">
-                <a:latin typeface="Segoe UI Historic" panose="020B0502040204020203" pitchFamily="34" charset="0"/>
-                <a:ea typeface="Segoe UI Historic" panose="020B0502040204020203" pitchFamily="34" charset="0"/>
-                <a:cs typeface="Segoe UI Historic" panose="020B0502040204020203" pitchFamily="34" charset="0"/>
-              </a:rPr>
-              <a:t>problem as well.</a:t>
+              <a:t>so dial-a-ride problem is a NP-hard problem as well.</a:t>
             </a:r>
           </a:p>
           <a:p>

--- a/中間発表_M1.pptx
+++ b/中間発表_M1.pptx
@@ -5,7 +5,7 @@
     <p:sldMasterId id="2147484161" r:id="rId1"/>
   </p:sldMasterIdLst>
   <p:notesMasterIdLst>
-    <p:notesMasterId r:id="rId33"/>
+    <p:notesMasterId r:id="rId28"/>
   </p:notesMasterIdLst>
   <p:sldIdLst>
     <p:sldId id="256" r:id="rId2"/>
@@ -28,17 +28,12 @@
     <p:sldId id="348" r:id="rId19"/>
     <p:sldId id="366" r:id="rId20"/>
     <p:sldId id="364" r:id="rId21"/>
-    <p:sldId id="267" r:id="rId22"/>
-    <p:sldId id="269" r:id="rId23"/>
-    <p:sldId id="371" r:id="rId24"/>
-    <p:sldId id="367" r:id="rId25"/>
-    <p:sldId id="368" r:id="rId26"/>
-    <p:sldId id="369" r:id="rId27"/>
-    <p:sldId id="373" r:id="rId28"/>
-    <p:sldId id="374" r:id="rId29"/>
-    <p:sldId id="378" r:id="rId30"/>
-    <p:sldId id="379" r:id="rId31"/>
-    <p:sldId id="361" r:id="rId32"/>
+    <p:sldId id="368" r:id="rId22"/>
+    <p:sldId id="267" r:id="rId23"/>
+    <p:sldId id="269" r:id="rId24"/>
+    <p:sldId id="371" r:id="rId25"/>
+    <p:sldId id="385" r:id="rId26"/>
+    <p:sldId id="361" r:id="rId27"/>
   </p:sldIdLst>
   <p:sldSz cx="9144000" cy="6858000" type="screen4x3"/>
   <p:notesSz cx="6858000" cy="9144000"/>
@@ -227,7 +222,7 @@
           <a:p>
             <a:fld id="{F185D03E-571D-BA42-85BF-4D068DC12E29}" type="datetimeFigureOut">
               <a:rPr kumimoji="1" lang="ja-JP" altLang="en-US" smtClean="0"/>
-              <a:t>2020/5/19</a:t>
+              <a:t>2020/5/26</a:t>
             </a:fld>
             <a:endParaRPr kumimoji="1" lang="ja-JP" altLang="en-US"/>
           </a:p>
@@ -594,190 +589,6 @@
 </p:notes>
 </file>
 
-<file path=ppt/notesSlides/notesSlide2.xml><?xml version="1.0" encoding="utf-8"?>
-<p:notes xmlns:a="http://schemas.openxmlformats.org/drawingml/2006/main" xmlns:r="http://schemas.openxmlformats.org/officeDocument/2006/relationships" xmlns:p="http://schemas.openxmlformats.org/presentationml/2006/main">
-  <p:cSld>
-    <p:spTree>
-      <p:nvGrpSpPr>
-        <p:cNvPr id="1" name=""/>
-        <p:cNvGrpSpPr/>
-        <p:nvPr/>
-      </p:nvGrpSpPr>
-      <p:grpSpPr>
-        <a:xfrm>
-          <a:off x="0" y="0"/>
-          <a:ext cx="0" cy="0"/>
-          <a:chOff x="0" y="0"/>
-          <a:chExt cx="0" cy="0"/>
-        </a:xfrm>
-      </p:grpSpPr>
-      <p:sp>
-        <p:nvSpPr>
-          <p:cNvPr id="2" name="スライド イメージ プレースホルダー 1"/>
-          <p:cNvSpPr>
-            <a:spLocks noGrp="1" noRot="1" noChangeAspect="1"/>
-          </p:cNvSpPr>
-          <p:nvPr>
-            <p:ph type="sldImg"/>
-          </p:nvPr>
-        </p:nvSpPr>
-        <p:spPr>
-          <a:xfrm>
-            <a:off x="1371600" y="1143000"/>
-            <a:ext cx="4114800" cy="3086100"/>
-          </a:xfrm>
-        </p:spPr>
-      </p:sp>
-      <p:sp>
-        <p:nvSpPr>
-          <p:cNvPr id="3" name="ノート プレースホルダー 2"/>
-          <p:cNvSpPr>
-            <a:spLocks noGrp="1"/>
-          </p:cNvSpPr>
-          <p:nvPr>
-            <p:ph type="body" idx="1"/>
-          </p:nvPr>
-        </p:nvSpPr>
-        <p:spPr/>
-        <p:txBody>
-          <a:bodyPr/>
-          <a:lstStyle/>
-          <a:p>
-            <a:r>
-              <a:rPr kumimoji="1" lang="ja-JP" altLang="en-US"/>
-              <a:t>赤色が最良値</a:t>
-            </a:r>
-          </a:p>
-        </p:txBody>
-      </p:sp>
-      <p:sp>
-        <p:nvSpPr>
-          <p:cNvPr id="4" name="スライド番号プレースホルダー 3"/>
-          <p:cNvSpPr>
-            <a:spLocks noGrp="1"/>
-          </p:cNvSpPr>
-          <p:nvPr>
-            <p:ph type="sldNum" sz="quarter" idx="5"/>
-          </p:nvPr>
-        </p:nvSpPr>
-        <p:spPr/>
-        <p:txBody>
-          <a:bodyPr/>
-          <a:lstStyle/>
-          <a:p>
-            <a:fld id="{6932ECB9-90C9-174D-9D23-E8CCC93280F1}" type="slidenum">
-              <a:rPr kumimoji="1" lang="ja-JP" altLang="en-US" smtClean="0"/>
-              <a:t>26</a:t>
-            </a:fld>
-            <a:endParaRPr kumimoji="1" lang="ja-JP" altLang="en-US"/>
-          </a:p>
-        </p:txBody>
-      </p:sp>
-    </p:spTree>
-    <p:extLst>
-      <p:ext uri="{BB962C8B-B14F-4D97-AF65-F5344CB8AC3E}">
-        <p14:creationId xmlns:p14="http://schemas.microsoft.com/office/powerpoint/2010/main" val="414267646"/>
-      </p:ext>
-    </p:extLst>
-  </p:cSld>
-  <p:clrMapOvr>
-    <a:masterClrMapping/>
-  </p:clrMapOvr>
-</p:notes>
-</file>
-
-<file path=ppt/notesSlides/notesSlide3.xml><?xml version="1.0" encoding="utf-8"?>
-<p:notes xmlns:a="http://schemas.openxmlformats.org/drawingml/2006/main" xmlns:r="http://schemas.openxmlformats.org/officeDocument/2006/relationships" xmlns:p="http://schemas.openxmlformats.org/presentationml/2006/main">
-  <p:cSld>
-    <p:spTree>
-      <p:nvGrpSpPr>
-        <p:cNvPr id="1" name=""/>
-        <p:cNvGrpSpPr/>
-        <p:nvPr/>
-      </p:nvGrpSpPr>
-      <p:grpSpPr>
-        <a:xfrm>
-          <a:off x="0" y="0"/>
-          <a:ext cx="0" cy="0"/>
-          <a:chOff x="0" y="0"/>
-          <a:chExt cx="0" cy="0"/>
-        </a:xfrm>
-      </p:grpSpPr>
-      <p:sp>
-        <p:nvSpPr>
-          <p:cNvPr id="2" name="スライド イメージ プレースホルダー 1"/>
-          <p:cNvSpPr>
-            <a:spLocks noGrp="1" noRot="1" noChangeAspect="1"/>
-          </p:cNvSpPr>
-          <p:nvPr>
-            <p:ph type="sldImg"/>
-          </p:nvPr>
-        </p:nvSpPr>
-        <p:spPr>
-          <a:xfrm>
-            <a:off x="1371600" y="1143000"/>
-            <a:ext cx="4114800" cy="3086100"/>
-          </a:xfrm>
-        </p:spPr>
-      </p:sp>
-      <p:sp>
-        <p:nvSpPr>
-          <p:cNvPr id="3" name="ノート プレースホルダー 2"/>
-          <p:cNvSpPr>
-            <a:spLocks noGrp="1"/>
-          </p:cNvSpPr>
-          <p:nvPr>
-            <p:ph type="body" idx="1"/>
-          </p:nvPr>
-        </p:nvSpPr>
-        <p:spPr/>
-        <p:txBody>
-          <a:bodyPr/>
-          <a:lstStyle/>
-          <a:p>
-            <a:r>
-              <a:rPr kumimoji="1" lang="ja-JP" altLang="en-US"/>
-              <a:t>赤色が最良値</a:t>
-            </a:r>
-          </a:p>
-        </p:txBody>
-      </p:sp>
-      <p:sp>
-        <p:nvSpPr>
-          <p:cNvPr id="4" name="スライド番号プレースホルダー 3"/>
-          <p:cNvSpPr>
-            <a:spLocks noGrp="1"/>
-          </p:cNvSpPr>
-          <p:nvPr>
-            <p:ph type="sldNum" sz="quarter" idx="5"/>
-          </p:nvPr>
-        </p:nvSpPr>
-        <p:spPr/>
-        <p:txBody>
-          <a:bodyPr/>
-          <a:lstStyle/>
-          <a:p>
-            <a:fld id="{6932ECB9-90C9-174D-9D23-E8CCC93280F1}" type="slidenum">
-              <a:rPr kumimoji="1" lang="ja-JP" altLang="en-US" smtClean="0"/>
-              <a:t>28</a:t>
-            </a:fld>
-            <a:endParaRPr kumimoji="1" lang="ja-JP" altLang="en-US"/>
-          </a:p>
-        </p:txBody>
-      </p:sp>
-    </p:spTree>
-    <p:extLst>
-      <p:ext uri="{BB962C8B-B14F-4D97-AF65-F5344CB8AC3E}">
-        <p14:creationId xmlns:p14="http://schemas.microsoft.com/office/powerpoint/2010/main" val="2519736244"/>
-      </p:ext>
-    </p:extLst>
-  </p:cSld>
-  <p:clrMapOvr>
-    <a:masterClrMapping/>
-  </p:clrMapOvr>
-</p:notes>
-</file>
-
 <file path=ppt/slideLayouts/slideLayout1.xml><?xml version="1.0" encoding="utf-8"?>
 <p:sldLayout xmlns:a="http://schemas.openxmlformats.org/drawingml/2006/main" xmlns:r="http://schemas.openxmlformats.org/officeDocument/2006/relationships" xmlns:p="http://schemas.openxmlformats.org/presentationml/2006/main" type="title" preserve="1">
   <p:cSld name="タイトル スライド">
@@ -917,7 +728,7 @@
           <a:p>
             <a:fld id="{4022EDAD-B217-3946-A79C-481C6FEC392F}" type="datetime1">
               <a:rPr kumimoji="1" lang="ja-JP" altLang="en-US" smtClean="0"/>
-              <a:t>2020/5/19</a:t>
+              <a:t>2020/5/26</a:t>
             </a:fld>
             <a:endParaRPr kumimoji="1" lang="ja-JP" altLang="en-US"/>
           </a:p>
@@ -1145,7 +956,7 @@
           <a:p>
             <a:fld id="{8F2CA839-3EA4-F84E-9DD3-1549C09B4DFF}" type="datetime1">
               <a:rPr kumimoji="1" lang="ja-JP" altLang="en-US" smtClean="0"/>
-              <a:t>2020/5/19</a:t>
+              <a:t>2020/5/26</a:t>
             </a:fld>
             <a:endParaRPr kumimoji="1" lang="ja-JP" altLang="en-US"/>
           </a:p>
@@ -1377,7 +1188,7 @@
           <a:p>
             <a:fld id="{0903EBEF-087E-1C4B-A394-4BF982076E9B}" type="datetime1">
               <a:rPr kumimoji="1" lang="ja-JP" altLang="en-US" smtClean="0"/>
-              <a:t>2020/5/19</a:t>
+              <a:t>2020/5/26</a:t>
             </a:fld>
             <a:endParaRPr kumimoji="1" lang="ja-JP" altLang="en-US"/>
           </a:p>
@@ -1595,7 +1406,7 @@
           <a:p>
             <a:fld id="{3CC3E3BD-DD2F-0F4C-9F7B-BD2CFE73C08E}" type="datetime1">
               <a:rPr kumimoji="1" lang="ja-JP" altLang="en-US" smtClean="0"/>
-              <a:t>2020/5/19</a:t>
+              <a:t>2020/5/26</a:t>
             </a:fld>
             <a:endParaRPr kumimoji="1" lang="ja-JP" altLang="en-US"/>
           </a:p>
@@ -1920,7 +1731,7 @@
           <a:p>
             <a:fld id="{C115CAE8-F975-9249-9A1B-F50E55793BF8}" type="datetime1">
               <a:rPr kumimoji="1" lang="ja-JP" altLang="en-US" smtClean="0"/>
-              <a:t>2020/5/19</a:t>
+              <a:t>2020/5/26</a:t>
             </a:fld>
             <a:endParaRPr kumimoji="1" lang="ja-JP" altLang="en-US"/>
           </a:p>
@@ -2213,7 +2024,7 @@
           <a:p>
             <a:fld id="{4B86C5E8-D6C8-5540-A4FD-D0987B8EBD10}" type="datetime1">
               <a:rPr kumimoji="1" lang="ja-JP" altLang="en-US" smtClean="0"/>
-              <a:t>2020/5/19</a:t>
+              <a:t>2020/5/26</a:t>
             </a:fld>
             <a:endParaRPr kumimoji="1" lang="ja-JP" altLang="en-US"/>
           </a:p>
@@ -2728,7 +2539,7 @@
           <a:p>
             <a:fld id="{6FA0929B-742B-B141-B071-CCB3728A9B97}" type="datetime1">
               <a:rPr kumimoji="1" lang="ja-JP" altLang="en-US" smtClean="0"/>
-              <a:t>2020/5/19</a:t>
+              <a:t>2020/5/26</a:t>
             </a:fld>
             <a:endParaRPr kumimoji="1" lang="ja-JP" altLang="en-US"/>
           </a:p>
@@ -2886,7 +2697,7 @@
           <a:p>
             <a:fld id="{6E24F31F-B5AD-3641-8587-346597BEC0BE}" type="datetime1">
               <a:rPr kumimoji="1" lang="ja-JP" altLang="en-US" smtClean="0"/>
-              <a:t>2020/5/19</a:t>
+              <a:t>2020/5/26</a:t>
             </a:fld>
             <a:endParaRPr kumimoji="1" lang="ja-JP" altLang="en-US"/>
           </a:p>
@@ -3021,7 +2832,7 @@
           <a:p>
             <a:fld id="{BE99A350-A1B1-1E45-BB25-3DF64E2FB64C}" type="datetime1">
               <a:rPr kumimoji="1" lang="ja-JP" altLang="en-US" smtClean="0"/>
-              <a:t>2020/5/19</a:t>
+              <a:t>2020/5/26</a:t>
             </a:fld>
             <a:endParaRPr kumimoji="1" lang="ja-JP" altLang="en-US"/>
           </a:p>
@@ -3319,7 +3130,7 @@
           <a:p>
             <a:fld id="{B66F413D-3751-BA4F-95FD-B012FBB5AC38}" type="datetime1">
               <a:rPr kumimoji="1" lang="ja-JP" altLang="en-US" smtClean="0"/>
-              <a:t>2020/5/19</a:t>
+              <a:t>2020/5/26</a:t>
             </a:fld>
             <a:endParaRPr kumimoji="1" lang="ja-JP" altLang="en-US"/>
           </a:p>
@@ -3816,7 +3627,7 @@
           <a:p>
             <a:fld id="{3F034A29-2760-CE48-9EAD-37F6D8A2ED9E}" type="datetime1">
               <a:rPr kumimoji="1" lang="ja-JP" altLang="en-US" smtClean="0"/>
-              <a:t>2020/5/19</a:t>
+              <a:t>2020/5/26</a:t>
             </a:fld>
             <a:endParaRPr kumimoji="1" lang="ja-JP" altLang="en-US"/>
           </a:p>
@@ -4197,7 +4008,7 @@
           <a:p>
             <a:fld id="{4BD725EE-9545-E84A-BF76-93ECAC915F52}" type="datetime1">
               <a:rPr kumimoji="1" lang="ja-JP" altLang="en-US" smtClean="0"/>
-              <a:t>2020/5/19</a:t>
+              <a:t>2020/5/26</a:t>
             </a:fld>
             <a:endParaRPr kumimoji="1" lang="ja-JP" altLang="en-US"/>
           </a:p>
@@ -4686,7 +4497,7 @@
                 <a:ea typeface="Segoe UI Historic" panose="020B0502040204020203" pitchFamily="34" charset="0"/>
                 <a:cs typeface="Segoe UI Historic" panose="020B0502040204020203" pitchFamily="34" charset="0"/>
               </a:rPr>
-              <a:t>Local search algorithms for </a:t>
+              <a:t>Iterated local search algorithms for </a:t>
             </a:r>
             <a:br>
               <a:rPr lang="en-US" altLang="ja-JP" sz="3200" dirty="0">
@@ -4701,7 +4512,7 @@
                 <a:ea typeface="Segoe UI Historic" panose="020B0502040204020203" pitchFamily="34" charset="0"/>
                 <a:cs typeface="Segoe UI Historic" panose="020B0502040204020203" pitchFamily="34" charset="0"/>
               </a:rPr>
-              <a:t>the dial-a-ride problem with </a:t>
+              <a:t>the dial-a-ride problem with  </a:t>
             </a:r>
             <a:br>
               <a:rPr lang="en-US" altLang="ja-JP" sz="3200" dirty="0">
@@ -4716,7 +4527,7 @@
                 <a:ea typeface="Segoe UI Historic" panose="020B0502040204020203" pitchFamily="34" charset="0"/>
                 <a:cs typeface="Segoe UI Historic" panose="020B0502040204020203" pitchFamily="34" charset="0"/>
               </a:rPr>
-              <a:t>convex time penalty</a:t>
+              <a:t>convex time windows and ride time penalty</a:t>
             </a:r>
             <a:endParaRPr lang="ja-JP" altLang="en-US" sz="3200">
               <a:latin typeface="Segoe UI Historic" panose="020B0502040204020203" pitchFamily="34" charset="0"/>
@@ -6828,7 +6639,7 @@
           <a:p>
             <a:r>
               <a:rPr lang="ja-JP" altLang="en-US" sz="2400"/>
-              <a:t>局所探索法</a:t>
+              <a:t>反復局所探索法</a:t>
             </a:r>
             <a:endParaRPr lang="en-US" altLang="ja-JP" sz="2400" dirty="0"/>
           </a:p>
@@ -9780,7 +9591,12 @@
             <p:ph idx="1"/>
           </p:nvPr>
         </p:nvSpPr>
-        <p:spPr/>
+        <p:spPr>
+          <a:xfrm>
+            <a:off x="1118131" y="1906128"/>
+            <a:ext cx="6571343" cy="3288635"/>
+          </a:xfrm>
+        </p:spPr>
         <p:txBody>
           <a:bodyPr>
             <a:normAutofit/>
@@ -10086,6 +9902,202 @@
 </file>
 
 <file path=ppt/slides/slide21.xml><?xml version="1.0" encoding="utf-8"?>
+<p:sld xmlns:a="http://schemas.openxmlformats.org/drawingml/2006/main" xmlns:r="http://schemas.openxmlformats.org/officeDocument/2006/relationships" xmlns:p="http://schemas.openxmlformats.org/presentationml/2006/main">
+  <p:cSld>
+    <p:spTree>
+      <p:nvGrpSpPr>
+        <p:cNvPr id="1" name=""/>
+        <p:cNvGrpSpPr/>
+        <p:nvPr/>
+      </p:nvGrpSpPr>
+      <p:grpSpPr>
+        <a:xfrm>
+          <a:off x="0" y="0"/>
+          <a:ext cx="0" cy="0"/>
+          <a:chOff x="0" y="0"/>
+          <a:chExt cx="0" cy="0"/>
+        </a:xfrm>
+      </p:grpSpPr>
+      <p:sp>
+        <p:nvSpPr>
+          <p:cNvPr id="2" name="タイトル 1">
+            <a:extLst>
+              <a:ext uri="{FF2B5EF4-FFF2-40B4-BE49-F238E27FC236}">
+                <a16:creationId xmlns:a16="http://schemas.microsoft.com/office/drawing/2014/main" id="{F5BD6189-4060-D04C-BAA1-F512C2469463}"/>
+              </a:ext>
+            </a:extLst>
+          </p:cNvPr>
+          <p:cNvSpPr>
+            <a:spLocks noGrp="1"/>
+          </p:cNvSpPr>
+          <p:nvPr>
+            <p:ph type="title"/>
+          </p:nvPr>
+        </p:nvSpPr>
+        <p:spPr/>
+        <p:txBody>
+          <a:bodyPr/>
+          <a:lstStyle/>
+          <a:p>
+            <a:r>
+              <a:rPr kumimoji="1" lang="ja-JP" altLang="en-US"/>
+              <a:t>ルート間の近傍操作</a:t>
+            </a:r>
+          </a:p>
+        </p:txBody>
+      </p:sp>
+      <p:sp>
+        <p:nvSpPr>
+          <p:cNvPr id="3" name="コンテンツ プレースホルダー 2">
+            <a:extLst>
+              <a:ext uri="{FF2B5EF4-FFF2-40B4-BE49-F238E27FC236}">
+                <a16:creationId xmlns:a16="http://schemas.microsoft.com/office/drawing/2014/main" id="{308C76B8-E5B2-7F4D-911B-983470C026F0}"/>
+              </a:ext>
+            </a:extLst>
+          </p:cNvPr>
+          <p:cNvSpPr>
+            <a:spLocks noGrp="1"/>
+          </p:cNvSpPr>
+          <p:nvPr>
+            <p:ph idx="1"/>
+          </p:nvPr>
+        </p:nvSpPr>
+        <p:spPr>
+          <a:xfrm>
+            <a:off x="789376" y="1791650"/>
+            <a:ext cx="7891485" cy="3967881"/>
+          </a:xfrm>
+        </p:spPr>
+        <p:txBody>
+          <a:bodyPr>
+            <a:noAutofit/>
+          </a:bodyPr>
+          <a:lstStyle/>
+          <a:p>
+            <a:r>
+              <a:rPr kumimoji="1" lang="ja-JP" altLang="en-US"/>
+              <a:t>挿入近傍</a:t>
+            </a:r>
+            <a:r>
+              <a:rPr lang="ja-JP" altLang="en-US"/>
+              <a:t> </a:t>
+            </a:r>
+            <a:endParaRPr lang="en-US" altLang="ja-JP" dirty="0"/>
+          </a:p>
+          <a:p>
+            <a:pPr marL="0" indent="0">
+              <a:buNone/>
+            </a:pPr>
+            <a:r>
+              <a:rPr kumimoji="1" lang="ja-JP" altLang="en-US"/>
+              <a:t>   </a:t>
+            </a:r>
+            <a:r>
+              <a:rPr lang="en-US" altLang="ja-JP" dirty="0"/>
+              <a:t>1</a:t>
+            </a:r>
+            <a:r>
+              <a:rPr lang="ja-JP" altLang="en-US"/>
+              <a:t>つのルートからリクエストペアを選んで他のルートに挿入</a:t>
+            </a:r>
+            <a:endParaRPr kumimoji="1" lang="en-US" altLang="ja-JP" dirty="0"/>
+          </a:p>
+          <a:p>
+            <a:r>
+              <a:rPr lang="ja-JP" altLang="en-US"/>
+              <a:t>交換近傍</a:t>
+            </a:r>
+            <a:endParaRPr lang="en-US" altLang="ja-JP" dirty="0"/>
+          </a:p>
+          <a:p>
+            <a:pPr marL="0" indent="0">
+              <a:buNone/>
+            </a:pPr>
+            <a:r>
+              <a:rPr lang="ja-JP" altLang="en-US"/>
+              <a:t>   </a:t>
+            </a:r>
+            <a:r>
+              <a:rPr lang="en-US" altLang="ja-JP" dirty="0"/>
+              <a:t>1</a:t>
+            </a:r>
+            <a:r>
+              <a:rPr lang="ja-JP" altLang="en-US"/>
+              <a:t>つのルートからリクエストペアを選んで、他のルートの</a:t>
+            </a:r>
+            <a:endParaRPr lang="en-US" altLang="ja-JP" dirty="0"/>
+          </a:p>
+          <a:p>
+            <a:pPr marL="0" indent="0">
+              <a:buNone/>
+            </a:pPr>
+            <a:r>
+              <a:rPr lang="ja-JP" altLang="en-US"/>
+              <a:t>　リクエストペアと交換</a:t>
+            </a:r>
+            <a:endParaRPr lang="en-US" altLang="ja-JP" dirty="0"/>
+          </a:p>
+          <a:p>
+            <a:pPr marL="0" indent="0">
+              <a:buNone/>
+            </a:pPr>
+            <a:r>
+              <a:rPr lang="ja-JP" altLang="en-US"/>
+              <a:t>どちらの操作も値が最も良くなる場所に挿入</a:t>
+            </a:r>
+            <a:endParaRPr lang="en-US" altLang="ja-JP" dirty="0"/>
+          </a:p>
+          <a:p>
+            <a:r>
+              <a:rPr lang="ja-JP" altLang="en-US"/>
+              <a:t>挿入近傍と交換近傍を交互に行う操作</a:t>
+            </a:r>
+          </a:p>
+        </p:txBody>
+      </p:sp>
+      <p:sp>
+        <p:nvSpPr>
+          <p:cNvPr id="4" name="スライド番号プレースホルダー 3">
+            <a:extLst>
+              <a:ext uri="{FF2B5EF4-FFF2-40B4-BE49-F238E27FC236}">
+                <a16:creationId xmlns:a16="http://schemas.microsoft.com/office/drawing/2014/main" id="{B8ED8FAD-5288-0F47-AE30-E58E5ED70D59}"/>
+              </a:ext>
+            </a:extLst>
+          </p:cNvPr>
+          <p:cNvSpPr>
+            <a:spLocks noGrp="1"/>
+          </p:cNvSpPr>
+          <p:nvPr>
+            <p:ph type="sldNum" sz="quarter" idx="12"/>
+          </p:nvPr>
+        </p:nvSpPr>
+        <p:spPr/>
+        <p:txBody>
+          <a:bodyPr/>
+          <a:lstStyle/>
+          <a:p>
+            <a:fld id="{84E0C278-47E8-3649-A055-2003DC36C60A}" type="slidenum">
+              <a:rPr kumimoji="1" lang="ja-JP" altLang="en-US" smtClean="0"/>
+              <a:t>21</a:t>
+            </a:fld>
+            <a:endParaRPr kumimoji="1" lang="ja-JP" altLang="en-US"/>
+          </a:p>
+        </p:txBody>
+      </p:sp>
+    </p:spTree>
+    <p:extLst>
+      <p:ext uri="{BB962C8B-B14F-4D97-AF65-F5344CB8AC3E}">
+        <p14:creationId xmlns:p14="http://schemas.microsoft.com/office/powerpoint/2010/main" val="3755158343"/>
+      </p:ext>
+    </p:extLst>
+  </p:cSld>
+  <p:clrMapOvr>
+    <a:masterClrMapping/>
+  </p:clrMapOvr>
+</p:sld>
+</file>
+
+<file path=ppt/slides/slide22.xml><?xml version="1.0" encoding="utf-8"?>
 <p:sld xmlns:a="http://schemas.openxmlformats.org/drawingml/2006/main" xmlns:r="http://schemas.openxmlformats.org/officeDocument/2006/relationships" xmlns:p="http://schemas.openxmlformats.org/presentationml/2006/main">
   <p:cSld>
     <p:spTree>
@@ -10558,7 +10570,7 @@
           <a:p>
             <a:fld id="{84E0C278-47E8-3649-A055-2003DC36C60A}" type="slidenum">
               <a:rPr kumimoji="1" lang="ja-JP" altLang="en-US" smtClean="0"/>
-              <a:t>21</a:t>
+              <a:t>22</a:t>
             </a:fld>
             <a:endParaRPr kumimoji="1" lang="ja-JP" altLang="en-US"/>
           </a:p>
@@ -10577,7 +10589,7 @@
 </p:sld>
 </file>
 
-<file path=ppt/slides/slide22.xml><?xml version="1.0" encoding="utf-8"?>
+<file path=ppt/slides/slide23.xml><?xml version="1.0" encoding="utf-8"?>
 <p:sld xmlns:a="http://schemas.openxmlformats.org/drawingml/2006/main" xmlns:r="http://schemas.openxmlformats.org/officeDocument/2006/relationships" xmlns:p="http://schemas.openxmlformats.org/presentationml/2006/main">
   <p:cSld>
     <p:spTree>
@@ -11133,7 +11145,7 @@
           <a:p>
             <a:fld id="{84E0C278-47E8-3649-A055-2003DC36C60A}" type="slidenum">
               <a:rPr kumimoji="1" lang="ja-JP" altLang="en-US" smtClean="0"/>
-              <a:t>22</a:t>
+              <a:t>23</a:t>
             </a:fld>
             <a:endParaRPr kumimoji="1" lang="ja-JP" altLang="en-US"/>
           </a:p>
@@ -11143,177 +11155,6 @@
     <p:extLst>
       <p:ext uri="{BB962C8B-B14F-4D97-AF65-F5344CB8AC3E}">
         <p14:creationId xmlns:p14="http://schemas.microsoft.com/office/powerpoint/2010/main" val="1081047378"/>
-      </p:ext>
-    </p:extLst>
-  </p:cSld>
-  <p:clrMapOvr>
-    <a:masterClrMapping/>
-  </p:clrMapOvr>
-</p:sld>
-</file>
-
-<file path=ppt/slides/slide23.xml><?xml version="1.0" encoding="utf-8"?>
-<p:sld xmlns:a="http://schemas.openxmlformats.org/drawingml/2006/main" xmlns:r="http://schemas.openxmlformats.org/officeDocument/2006/relationships" xmlns:p="http://schemas.openxmlformats.org/presentationml/2006/main">
-  <p:cSld>
-    <p:spTree>
-      <p:nvGrpSpPr>
-        <p:cNvPr id="1" name=""/>
-        <p:cNvGrpSpPr/>
-        <p:nvPr/>
-      </p:nvGrpSpPr>
-      <p:grpSpPr>
-        <a:xfrm>
-          <a:off x="0" y="0"/>
-          <a:ext cx="0" cy="0"/>
-          <a:chOff x="0" y="0"/>
-          <a:chExt cx="0" cy="0"/>
-        </a:xfrm>
-      </p:grpSpPr>
-      <p:sp>
-        <p:nvSpPr>
-          <p:cNvPr id="2" name="タイトル 1">
-            <a:extLst>
-              <a:ext uri="{FF2B5EF4-FFF2-40B4-BE49-F238E27FC236}">
-                <a16:creationId xmlns:a16="http://schemas.microsoft.com/office/drawing/2014/main" id="{4F431330-6F27-954C-B476-DE1BD4EDFDA2}"/>
-              </a:ext>
-            </a:extLst>
-          </p:cNvPr>
-          <p:cNvSpPr>
-            <a:spLocks noGrp="1"/>
-          </p:cNvSpPr>
-          <p:nvPr>
-            <p:ph type="title"/>
-          </p:nvPr>
-        </p:nvSpPr>
-        <p:spPr/>
-        <p:txBody>
-          <a:bodyPr/>
-          <a:lstStyle/>
-          <a:p>
-            <a:r>
-              <a:rPr kumimoji="1" lang="ja-JP" altLang="en-US"/>
-              <a:t>最適なサービス時刻の決定</a:t>
-            </a:r>
-          </a:p>
-        </p:txBody>
-      </p:sp>
-      <p:sp>
-        <p:nvSpPr>
-          <p:cNvPr id="3" name="コンテンツ プレースホルダー 2">
-            <a:extLst>
-              <a:ext uri="{FF2B5EF4-FFF2-40B4-BE49-F238E27FC236}">
-                <a16:creationId xmlns:a16="http://schemas.microsoft.com/office/drawing/2014/main" id="{69E9E900-65AB-2742-A106-B31492A267ED}"/>
-              </a:ext>
-            </a:extLst>
-          </p:cNvPr>
-          <p:cNvSpPr>
-            <a:spLocks noGrp="1"/>
-          </p:cNvSpPr>
-          <p:nvPr>
-            <p:ph idx="1"/>
-          </p:nvPr>
-        </p:nvSpPr>
-        <p:spPr/>
-        <p:txBody>
-          <a:bodyPr/>
-          <a:lstStyle/>
-          <a:p>
-            <a:r>
-              <a:rPr lang="ja-JP" altLang="en-US"/>
-              <a:t>車両の割り当てとリクエストの訪問順が決まったルートが与えられた際に、各頂点でのサービス開始時刻を決定する必要がある。</a:t>
-            </a:r>
-            <a:endParaRPr lang="en-US" altLang="ja-JP" dirty="0"/>
-          </a:p>
-          <a:p>
-            <a:r>
-              <a:rPr lang="ja-JP" altLang="en-US"/>
-              <a:t>目的関数と制約は、全て線形の式で表す事が可能</a:t>
-            </a:r>
-            <a:endParaRPr lang="en-US" altLang="ja-JP" dirty="0"/>
-          </a:p>
-          <a:p>
-            <a:r>
-              <a:rPr lang="ja-JP" altLang="en-US"/>
-              <a:t>線形計画問題</a:t>
-            </a:r>
-            <a:r>
-              <a:rPr lang="en-US" altLang="ja-JP" dirty="0"/>
-              <a:t>(LP)</a:t>
-            </a:r>
-            <a:r>
-              <a:rPr lang="ja-JP" altLang="en-US"/>
-              <a:t>として定式化して解くことができる</a:t>
-            </a:r>
-            <a:endParaRPr lang="en-US" altLang="ja-JP" dirty="0"/>
-          </a:p>
-          <a:p>
-            <a:r>
-              <a:rPr lang="ja-JP" altLang="en-US"/>
-              <a:t>本研究では、</a:t>
-            </a:r>
-            <a:r>
-              <a:rPr lang="en-US" altLang="ja-JP" dirty="0" err="1"/>
-              <a:t>gurobi</a:t>
-            </a:r>
-            <a:r>
-              <a:rPr lang="en-US" altLang="ja-JP" dirty="0"/>
-              <a:t> optimizer (</a:t>
-            </a:r>
-            <a:r>
-              <a:rPr lang="en-US" altLang="ja-JP" dirty="0" err="1"/>
-              <a:t>ver</a:t>
-            </a:r>
-            <a:r>
-              <a:rPr lang="en-US" altLang="ja-JP" dirty="0"/>
-              <a:t> 9.0.0)</a:t>
-            </a:r>
-            <a:r>
-              <a:rPr lang="ja-JP" altLang="en-US"/>
-              <a:t>を使用した。</a:t>
-            </a:r>
-            <a:endParaRPr lang="en-US" altLang="ja-JP" dirty="0"/>
-          </a:p>
-          <a:p>
-            <a:pPr marL="0" indent="0">
-              <a:buNone/>
-            </a:pPr>
-            <a:endParaRPr kumimoji="1" lang="ja-JP" altLang="en-US"/>
-          </a:p>
-        </p:txBody>
-      </p:sp>
-      <p:sp>
-        <p:nvSpPr>
-          <p:cNvPr id="4" name="スライド番号プレースホルダー 3">
-            <a:extLst>
-              <a:ext uri="{FF2B5EF4-FFF2-40B4-BE49-F238E27FC236}">
-                <a16:creationId xmlns:a16="http://schemas.microsoft.com/office/drawing/2014/main" id="{DCCC7825-9B01-8A47-B19B-E5347686B04B}"/>
-              </a:ext>
-            </a:extLst>
-          </p:cNvPr>
-          <p:cNvSpPr>
-            <a:spLocks noGrp="1"/>
-          </p:cNvSpPr>
-          <p:nvPr>
-            <p:ph type="sldNum" sz="quarter" idx="12"/>
-          </p:nvPr>
-        </p:nvSpPr>
-        <p:spPr/>
-        <p:txBody>
-          <a:bodyPr/>
-          <a:lstStyle/>
-          <a:p>
-            <a:fld id="{84E0C278-47E8-3649-A055-2003DC36C60A}" type="slidenum">
-              <a:rPr kumimoji="1" lang="ja-JP" altLang="en-US" smtClean="0"/>
-              <a:t>23</a:t>
-            </a:fld>
-            <a:endParaRPr kumimoji="1" lang="ja-JP" altLang="en-US"/>
-          </a:p>
-        </p:txBody>
-      </p:sp>
-    </p:spTree>
-    <p:extLst>
-      <p:ext uri="{BB962C8B-B14F-4D97-AF65-F5344CB8AC3E}">
-        <p14:creationId xmlns:p14="http://schemas.microsoft.com/office/powerpoint/2010/main" val="890849999"/>
       </p:ext>
     </p:extLst>
   </p:cSld>
@@ -11345,7 +11186,7 @@
           <p:cNvPr id="2" name="タイトル 1">
             <a:extLst>
               <a:ext uri="{FF2B5EF4-FFF2-40B4-BE49-F238E27FC236}">
-                <a16:creationId xmlns:a16="http://schemas.microsoft.com/office/drawing/2014/main" id="{1B8B6518-1687-4C4B-BEC8-CA3681A0CB8D}"/>
+                <a16:creationId xmlns:a16="http://schemas.microsoft.com/office/drawing/2014/main" id="{4F431330-6F27-954C-B476-DE1BD4EDFDA2}"/>
               </a:ext>
             </a:extLst>
           </p:cNvPr>
@@ -11362,10 +11203,9 @@
           <a:lstStyle/>
           <a:p>
             <a:r>
-              <a:rPr lang="ja-JP" altLang="en-US"/>
-              <a:t>ルート内の近傍操作</a:t>
-            </a:r>
-            <a:endParaRPr kumimoji="1" lang="ja-JP" altLang="en-US"/>
+              <a:rPr kumimoji="1" lang="ja-JP" altLang="en-US"/>
+              <a:t>最適なサービス時刻の決定</a:t>
+            </a:r>
           </a:p>
         </p:txBody>
       </p:sp>
@@ -11374,7 +11214,7 @@
           <p:cNvPr id="3" name="コンテンツ プレースホルダー 2">
             <a:extLst>
               <a:ext uri="{FF2B5EF4-FFF2-40B4-BE49-F238E27FC236}">
-                <a16:creationId xmlns:a16="http://schemas.microsoft.com/office/drawing/2014/main" id="{6A2044E5-511C-E844-9AB5-A527FE8D745E}"/>
+                <a16:creationId xmlns:a16="http://schemas.microsoft.com/office/drawing/2014/main" id="{69E9E900-65AB-2742-A106-B31492A267ED}"/>
               </a:ext>
             </a:extLst>
           </p:cNvPr>
@@ -11385,48 +11225,71 @@
             <p:ph idx="1"/>
           </p:nvPr>
         </p:nvSpPr>
-        <p:spPr>
-          <a:xfrm>
-            <a:off x="813127" y="2005407"/>
-            <a:ext cx="7202456" cy="2470932"/>
-          </a:xfrm>
-        </p:spPr>
+        <p:spPr/>
         <p:txBody>
           <a:bodyPr/>
           <a:lstStyle/>
           <a:p>
-            <a:pPr marL="342900" indent="-342900">
-              <a:buFont typeface="+mj-lt"/>
-              <a:buAutoNum type="arabicPeriod"/>
+            <a:r>
+              <a:rPr lang="ja-JP" altLang="en-US"/>
+              <a:t>車両の割り当てとリクエストの訪問順が決まったルートが与えられた際に、各頂点でのサービス開始時刻を決定する必要がある。</a:t>
+            </a:r>
+            <a:endParaRPr lang="en-US" altLang="ja-JP" dirty="0"/>
+          </a:p>
+          <a:p>
+            <a:r>
+              <a:rPr lang="ja-JP" altLang="en-US"/>
+              <a:t>目的関数と制約は、全て線形の式で表す事が可能</a:t>
+            </a:r>
+            <a:endParaRPr lang="en-US" altLang="ja-JP" dirty="0"/>
+          </a:p>
+          <a:p>
+            <a:r>
+              <a:rPr lang="ja-JP" altLang="en-US"/>
+              <a:t>線形計画問題</a:t>
+            </a:r>
+            <a:r>
+              <a:rPr lang="en-US" altLang="ja-JP" dirty="0"/>
+              <a:t>(LP)</a:t>
+            </a:r>
+            <a:r>
+              <a:rPr lang="ja-JP" altLang="en-US"/>
+              <a:t>として定式化して解くことができる</a:t>
+            </a:r>
+            <a:endParaRPr lang="en-US" altLang="ja-JP" dirty="0"/>
+          </a:p>
+          <a:p>
+            <a:r>
+              <a:rPr lang="ja-JP" altLang="en-US"/>
+              <a:t>本研究では、</a:t>
+            </a:r>
+            <a:r>
+              <a:rPr lang="en-US" altLang="ja-JP" dirty="0" err="1"/>
+              <a:t>gurobi</a:t>
+            </a:r>
+            <a:r>
+              <a:rPr lang="en-US" altLang="ja-JP" dirty="0"/>
+              <a:t> optimizer (</a:t>
+            </a:r>
+            <a:r>
+              <a:rPr lang="en-US" altLang="ja-JP" dirty="0" err="1"/>
+              <a:t>ver</a:t>
+            </a:r>
+            <a:r>
+              <a:rPr lang="en-US" altLang="ja-JP" dirty="0"/>
+              <a:t> 9.0.0)</a:t>
+            </a:r>
+            <a:r>
+              <a:rPr lang="ja-JP" altLang="en-US"/>
+              <a:t>を使用した。</a:t>
+            </a:r>
+            <a:endParaRPr lang="en-US" altLang="ja-JP" dirty="0"/>
+          </a:p>
+          <a:p>
+            <a:pPr marL="0" indent="0">
+              <a:buNone/>
             </a:pPr>
-            <a:r>
-              <a:rPr lang="en-US" altLang="ja-JP" dirty="0"/>
-              <a:t>1</a:t>
-            </a:r>
-            <a:r>
-              <a:rPr lang="ja-JP" altLang="en-US"/>
-              <a:t>つのルートから</a:t>
-            </a:r>
-            <a:r>
-              <a:rPr lang="en-US" altLang="ja-JP" dirty="0"/>
-              <a:t>1</a:t>
-            </a:r>
-            <a:r>
-              <a:rPr lang="ja-JP" altLang="en-US"/>
-              <a:t>つの頂点を選ぶ</a:t>
-            </a:r>
-            <a:endParaRPr lang="en-US" altLang="ja-JP" dirty="0"/>
-          </a:p>
-          <a:p>
-            <a:pPr marL="342900" indent="-342900">
-              <a:buFont typeface="+mj-lt"/>
-              <a:buAutoNum type="arabicPeriod"/>
-            </a:pPr>
-            <a:r>
-              <a:rPr kumimoji="1" lang="ja-JP" altLang="en-US"/>
-              <a:t>同じルート内の別の箇所に挿入し直す</a:t>
-            </a:r>
-            <a:endParaRPr lang="en-US" altLang="ja-JP" dirty="0"/>
+            <a:endParaRPr kumimoji="1" lang="ja-JP" altLang="en-US"/>
           </a:p>
         </p:txBody>
       </p:sp>
@@ -11435,7 +11298,7 @@
           <p:cNvPr id="4" name="スライド番号プレースホルダー 3">
             <a:extLst>
               <a:ext uri="{FF2B5EF4-FFF2-40B4-BE49-F238E27FC236}">
-                <a16:creationId xmlns:a16="http://schemas.microsoft.com/office/drawing/2014/main" id="{BC5DA379-C7E4-9B48-A3BE-5C257D57DA21}"/>
+                <a16:creationId xmlns:a16="http://schemas.microsoft.com/office/drawing/2014/main" id="{DCCC7825-9B01-8A47-B19B-E5347686B04B}"/>
               </a:ext>
             </a:extLst>
           </p:cNvPr>
@@ -11459,1379 +11322,10 @@
           </a:p>
         </p:txBody>
       </p:sp>
-      <p:sp>
-        <p:nvSpPr>
-          <p:cNvPr id="5" name="四角形: 角を丸くする 25">
-            <a:extLst>
-              <a:ext uri="{FF2B5EF4-FFF2-40B4-BE49-F238E27FC236}">
-                <a16:creationId xmlns:a16="http://schemas.microsoft.com/office/drawing/2014/main" id="{3DD580A8-1A7F-5E44-8EF7-2F1DB304B610}"/>
-              </a:ext>
-            </a:extLst>
-          </p:cNvPr>
-          <p:cNvSpPr/>
-          <p:nvPr/>
-        </p:nvSpPr>
-        <p:spPr>
-          <a:xfrm>
-            <a:off x="1128684" y="3118884"/>
-            <a:ext cx="5583538" cy="583949"/>
-          </a:xfrm>
-          <a:prstGeom prst="roundRect">
-            <a:avLst/>
-          </a:prstGeom>
-          <a:solidFill>
-            <a:schemeClr val="bg1"/>
-          </a:solidFill>
-        </p:spPr>
-        <p:style>
-          <a:lnRef idx="2">
-            <a:schemeClr val="accent1">
-              <a:shade val="50000"/>
-            </a:schemeClr>
-          </a:lnRef>
-          <a:fillRef idx="1">
-            <a:schemeClr val="accent1"/>
-          </a:fillRef>
-          <a:effectRef idx="0">
-            <a:schemeClr val="accent1"/>
-          </a:effectRef>
-          <a:fontRef idx="minor">
-            <a:schemeClr val="lt1"/>
-          </a:fontRef>
-        </p:style>
-        <p:txBody>
-          <a:bodyPr rot="0" spcFirstLastPara="0" vertOverflow="overflow" horzOverflow="overflow" vert="horz" wrap="square" lIns="68580" tIns="34290" rIns="68580" bIns="34290" numCol="1" spcCol="0" rtlCol="0" fromWordArt="0" anchor="ctr" anchorCtr="0" forceAA="0" compatLnSpc="1">
-            <a:prstTxWarp prst="textNoShape">
-              <a:avLst/>
-            </a:prstTxWarp>
-            <a:noAutofit/>
-          </a:bodyPr>
-          <a:lstStyle/>
-          <a:p>
-            <a:pPr algn="l"/>
-            <a:endParaRPr lang="ja-JP" altLang="en-US" sz="1350" dirty="0">
-              <a:solidFill>
-                <a:schemeClr val="tx2"/>
-              </a:solidFill>
-            </a:endParaRPr>
-          </a:p>
-        </p:txBody>
-      </p:sp>
-      <p:sp>
-        <p:nvSpPr>
-          <p:cNvPr id="6" name="楕円 22">
-            <a:extLst>
-              <a:ext uri="{FF2B5EF4-FFF2-40B4-BE49-F238E27FC236}">
-                <a16:creationId xmlns:a16="http://schemas.microsoft.com/office/drawing/2014/main" id="{1A8D31D6-388E-EA46-9A22-605017A4E7CB}"/>
-              </a:ext>
-            </a:extLst>
-          </p:cNvPr>
-          <p:cNvSpPr/>
-          <p:nvPr/>
-        </p:nvSpPr>
-        <p:spPr>
-          <a:xfrm>
-            <a:off x="1260466" y="3248161"/>
-            <a:ext cx="690803" cy="325396"/>
-          </a:xfrm>
-          <a:prstGeom prst="ellipse">
-            <a:avLst/>
-          </a:prstGeom>
-          <a:solidFill>
-            <a:schemeClr val="bg1"/>
-          </a:solidFill>
-        </p:spPr>
-        <p:style>
-          <a:lnRef idx="2">
-            <a:schemeClr val="accent1">
-              <a:shade val="50000"/>
-            </a:schemeClr>
-          </a:lnRef>
-          <a:fillRef idx="1">
-            <a:schemeClr val="accent1"/>
-          </a:fillRef>
-          <a:effectRef idx="0">
-            <a:schemeClr val="accent1"/>
-          </a:effectRef>
-          <a:fontRef idx="minor">
-            <a:schemeClr val="lt1"/>
-          </a:fontRef>
-        </p:style>
-        <p:txBody>
-          <a:bodyPr rot="0" spcFirstLastPara="0" vertOverflow="overflow" horzOverflow="overflow" vert="horz" wrap="square" lIns="68580" tIns="34290" rIns="68580" bIns="34290" numCol="1" spcCol="0" rtlCol="0" fromWordArt="0" anchor="ctr" anchorCtr="0" forceAA="0" compatLnSpc="1">
-            <a:prstTxWarp prst="textNoShape">
-              <a:avLst/>
-            </a:prstTxWarp>
-            <a:noAutofit/>
-          </a:bodyPr>
-          <a:lstStyle/>
-          <a:p>
-            <a:pPr algn="l"/>
-            <a:r>
-              <a:rPr lang="ja-JP" altLang="en-US" sz="1350">
-                <a:solidFill>
-                  <a:schemeClr val="tx2"/>
-                </a:solidFill>
-              </a:rPr>
-              <a:t>デポ</a:t>
-            </a:r>
-            <a:endParaRPr lang="ja-JP" altLang="en-US" sz="1350" dirty="0">
-              <a:solidFill>
-                <a:schemeClr val="tx2"/>
-              </a:solidFill>
-            </a:endParaRPr>
-          </a:p>
-        </p:txBody>
-      </p:sp>
-      <p:sp>
-        <p:nvSpPr>
-          <p:cNvPr id="7" name="楕円 22">
-            <a:extLst>
-              <a:ext uri="{FF2B5EF4-FFF2-40B4-BE49-F238E27FC236}">
-                <a16:creationId xmlns:a16="http://schemas.microsoft.com/office/drawing/2014/main" id="{E55C2E40-7333-E248-9090-3A54ABD71E6D}"/>
-              </a:ext>
-            </a:extLst>
-          </p:cNvPr>
-          <p:cNvSpPr/>
-          <p:nvPr/>
-        </p:nvSpPr>
-        <p:spPr>
-          <a:xfrm>
-            <a:off x="5654710" y="3239792"/>
-            <a:ext cx="705527" cy="325396"/>
-          </a:xfrm>
-          <a:prstGeom prst="ellipse">
-            <a:avLst/>
-          </a:prstGeom>
-          <a:solidFill>
-            <a:schemeClr val="bg1"/>
-          </a:solidFill>
-        </p:spPr>
-        <p:style>
-          <a:lnRef idx="2">
-            <a:schemeClr val="accent1">
-              <a:shade val="50000"/>
-            </a:schemeClr>
-          </a:lnRef>
-          <a:fillRef idx="1">
-            <a:schemeClr val="accent1"/>
-          </a:fillRef>
-          <a:effectRef idx="0">
-            <a:schemeClr val="accent1"/>
-          </a:effectRef>
-          <a:fontRef idx="minor">
-            <a:schemeClr val="lt1"/>
-          </a:fontRef>
-        </p:style>
-        <p:txBody>
-          <a:bodyPr rot="0" spcFirstLastPara="0" vertOverflow="overflow" horzOverflow="overflow" vert="horz" wrap="square" lIns="68580" tIns="34290" rIns="68580" bIns="34290" numCol="1" spcCol="0" rtlCol="0" fromWordArt="0" anchor="ctr" anchorCtr="0" forceAA="0" compatLnSpc="1">
-            <a:prstTxWarp prst="textNoShape">
-              <a:avLst/>
-            </a:prstTxWarp>
-            <a:noAutofit/>
-          </a:bodyPr>
-          <a:lstStyle/>
-          <a:p>
-            <a:pPr algn="l"/>
-            <a:r>
-              <a:rPr lang="ja-JP" altLang="en-US" sz="1350">
-                <a:solidFill>
-                  <a:schemeClr val="tx2"/>
-                </a:solidFill>
-              </a:rPr>
-              <a:t>デポ</a:t>
-            </a:r>
-            <a:endParaRPr lang="ja-JP" altLang="en-US" sz="1350" dirty="0">
-              <a:solidFill>
-                <a:schemeClr val="tx2"/>
-              </a:solidFill>
-            </a:endParaRPr>
-          </a:p>
-        </p:txBody>
-      </p:sp>
-      <p:cxnSp>
-        <p:nvCxnSpPr>
-          <p:cNvPr id="10" name="直線矢印コネクタ 9">
-            <a:extLst>
-              <a:ext uri="{FF2B5EF4-FFF2-40B4-BE49-F238E27FC236}">
-                <a16:creationId xmlns:a16="http://schemas.microsoft.com/office/drawing/2014/main" id="{AAA04495-4B96-6F4E-B56D-2CF193EB3392}"/>
-              </a:ext>
-            </a:extLst>
-          </p:cNvPr>
-          <p:cNvCxnSpPr>
-            <a:cxnSpLocks/>
-          </p:cNvCxnSpPr>
-          <p:nvPr/>
-        </p:nvCxnSpPr>
-        <p:spPr>
-          <a:xfrm flipV="1">
-            <a:off x="1973066" y="3402983"/>
-            <a:ext cx="290930" cy="588"/>
-          </a:xfrm>
-          <a:prstGeom prst="straightConnector1">
-            <a:avLst/>
-          </a:prstGeom>
-          <a:ln>
-            <a:tailEnd type="triangle"/>
-          </a:ln>
-        </p:spPr>
-        <p:style>
-          <a:lnRef idx="1">
-            <a:schemeClr val="accent1"/>
-          </a:lnRef>
-          <a:fillRef idx="0">
-            <a:schemeClr val="accent1"/>
-          </a:fillRef>
-          <a:effectRef idx="0">
-            <a:schemeClr val="accent1"/>
-          </a:effectRef>
-          <a:fontRef idx="minor">
-            <a:schemeClr val="tx1"/>
-          </a:fontRef>
-        </p:style>
-      </p:cxnSp>
-      <p:sp>
-        <p:nvSpPr>
-          <p:cNvPr id="11" name="楕円 22">
-            <a:extLst>
-              <a:ext uri="{FF2B5EF4-FFF2-40B4-BE49-F238E27FC236}">
-                <a16:creationId xmlns:a16="http://schemas.microsoft.com/office/drawing/2014/main" id="{1CFB6D91-ACF7-7E48-9D86-3EDA67623CA3}"/>
-              </a:ext>
-            </a:extLst>
-          </p:cNvPr>
-          <p:cNvSpPr/>
-          <p:nvPr/>
-        </p:nvSpPr>
-        <p:spPr>
-          <a:xfrm>
-            <a:off x="2263996" y="3240285"/>
-            <a:ext cx="500225" cy="325396"/>
-          </a:xfrm>
-          <a:prstGeom prst="ellipse">
-            <a:avLst/>
-          </a:prstGeom>
-          <a:solidFill>
-            <a:schemeClr val="bg1"/>
-          </a:solidFill>
-        </p:spPr>
-        <p:style>
-          <a:lnRef idx="2">
-            <a:schemeClr val="accent1">
-              <a:shade val="50000"/>
-            </a:schemeClr>
-          </a:lnRef>
-          <a:fillRef idx="1">
-            <a:schemeClr val="accent1"/>
-          </a:fillRef>
-          <a:effectRef idx="0">
-            <a:schemeClr val="accent1"/>
-          </a:effectRef>
-          <a:fontRef idx="minor">
-            <a:schemeClr val="lt1"/>
-          </a:fontRef>
-        </p:style>
-        <p:txBody>
-          <a:bodyPr rot="0" spcFirstLastPara="0" vertOverflow="overflow" horzOverflow="overflow" vert="horz" wrap="square" lIns="68580" tIns="34290" rIns="68580" bIns="34290" numCol="1" spcCol="0" rtlCol="0" fromWordArt="0" anchor="ctr" anchorCtr="0" forceAA="0" compatLnSpc="1">
-            <a:prstTxWarp prst="textNoShape">
-              <a:avLst/>
-            </a:prstTxWarp>
-            <a:noAutofit/>
-          </a:bodyPr>
-          <a:lstStyle/>
-          <a:p>
-            <a:pPr algn="l"/>
-            <a:r>
-              <a:rPr lang="en-US" altLang="ja-JP" sz="1350" dirty="0">
-                <a:solidFill>
-                  <a:schemeClr val="tx2"/>
-                </a:solidFill>
-              </a:rPr>
-              <a:t>P1</a:t>
-            </a:r>
-            <a:endParaRPr lang="ja-JP" altLang="en-US" sz="1350" dirty="0">
-              <a:solidFill>
-                <a:schemeClr val="tx2"/>
-              </a:solidFill>
-            </a:endParaRPr>
-          </a:p>
-        </p:txBody>
-      </p:sp>
-      <p:sp>
-        <p:nvSpPr>
-          <p:cNvPr id="12" name="楕円 22">
-            <a:extLst>
-              <a:ext uri="{FF2B5EF4-FFF2-40B4-BE49-F238E27FC236}">
-                <a16:creationId xmlns:a16="http://schemas.microsoft.com/office/drawing/2014/main" id="{E03BB51E-1CED-7D47-9BA0-B99106064B4A}"/>
-              </a:ext>
-            </a:extLst>
-          </p:cNvPr>
-          <p:cNvSpPr/>
-          <p:nvPr/>
-        </p:nvSpPr>
-        <p:spPr>
-          <a:xfrm>
-            <a:off x="3076948" y="3248161"/>
-            <a:ext cx="525903" cy="325396"/>
-          </a:xfrm>
-          <a:prstGeom prst="ellipse">
-            <a:avLst/>
-          </a:prstGeom>
-          <a:solidFill>
-            <a:schemeClr val="accent3">
-              <a:lumMod val="20000"/>
-              <a:lumOff val="80000"/>
-            </a:schemeClr>
-          </a:solidFill>
-          <a:ln>
-            <a:solidFill>
-              <a:schemeClr val="accent1"/>
-            </a:solidFill>
-          </a:ln>
-        </p:spPr>
-        <p:style>
-          <a:lnRef idx="2">
-            <a:schemeClr val="accent1">
-              <a:shade val="50000"/>
-            </a:schemeClr>
-          </a:lnRef>
-          <a:fillRef idx="1">
-            <a:schemeClr val="accent1"/>
-          </a:fillRef>
-          <a:effectRef idx="0">
-            <a:schemeClr val="accent1"/>
-          </a:effectRef>
-          <a:fontRef idx="minor">
-            <a:schemeClr val="lt1"/>
-          </a:fontRef>
-        </p:style>
-        <p:txBody>
-          <a:bodyPr rot="0" spcFirstLastPara="0" vertOverflow="overflow" horzOverflow="overflow" vert="horz" wrap="square" lIns="68580" tIns="34290" rIns="68580" bIns="34290" numCol="1" spcCol="0" rtlCol="0" fromWordArt="0" anchor="ctr" anchorCtr="0" forceAA="0" compatLnSpc="1">
-            <a:prstTxWarp prst="textNoShape">
-              <a:avLst/>
-            </a:prstTxWarp>
-            <a:noAutofit/>
-          </a:bodyPr>
-          <a:lstStyle/>
-          <a:p>
-            <a:pPr algn="l"/>
-            <a:r>
-              <a:rPr lang="en-US" altLang="ja-JP" sz="1350" dirty="0">
-                <a:solidFill>
-                  <a:schemeClr val="tx2"/>
-                </a:solidFill>
-              </a:rPr>
-              <a:t>D1</a:t>
-            </a:r>
-            <a:endParaRPr lang="ja-JP" altLang="en-US" sz="1350" dirty="0">
-              <a:solidFill>
-                <a:schemeClr val="tx2"/>
-              </a:solidFill>
-            </a:endParaRPr>
-          </a:p>
-        </p:txBody>
-      </p:sp>
-      <p:sp>
-        <p:nvSpPr>
-          <p:cNvPr id="13" name="楕円 22">
-            <a:extLst>
-              <a:ext uri="{FF2B5EF4-FFF2-40B4-BE49-F238E27FC236}">
-                <a16:creationId xmlns:a16="http://schemas.microsoft.com/office/drawing/2014/main" id="{9B0066E3-7E51-744F-848D-CEDF6EB8317B}"/>
-              </a:ext>
-            </a:extLst>
-          </p:cNvPr>
-          <p:cNvSpPr/>
-          <p:nvPr/>
-        </p:nvSpPr>
-        <p:spPr>
-          <a:xfrm>
-            <a:off x="3922010" y="3261277"/>
-            <a:ext cx="525903" cy="325396"/>
-          </a:xfrm>
-          <a:prstGeom prst="ellipse">
-            <a:avLst/>
-          </a:prstGeom>
-          <a:solidFill>
-            <a:schemeClr val="bg1"/>
-          </a:solidFill>
-        </p:spPr>
-        <p:style>
-          <a:lnRef idx="2">
-            <a:schemeClr val="accent1">
-              <a:shade val="50000"/>
-            </a:schemeClr>
-          </a:lnRef>
-          <a:fillRef idx="1">
-            <a:schemeClr val="accent1"/>
-          </a:fillRef>
-          <a:effectRef idx="0">
-            <a:schemeClr val="accent1"/>
-          </a:effectRef>
-          <a:fontRef idx="minor">
-            <a:schemeClr val="lt1"/>
-          </a:fontRef>
-        </p:style>
-        <p:txBody>
-          <a:bodyPr rot="0" spcFirstLastPara="0" vertOverflow="overflow" horzOverflow="overflow" vert="horz" wrap="square" lIns="68580" tIns="34290" rIns="68580" bIns="34290" numCol="1" spcCol="0" rtlCol="0" fromWordArt="0" anchor="ctr" anchorCtr="0" forceAA="0" compatLnSpc="1">
-            <a:prstTxWarp prst="textNoShape">
-              <a:avLst/>
-            </a:prstTxWarp>
-            <a:noAutofit/>
-          </a:bodyPr>
-          <a:lstStyle/>
-          <a:p>
-            <a:pPr algn="l"/>
-            <a:r>
-              <a:rPr lang="en-US" altLang="ja-JP" sz="1350" dirty="0">
-                <a:solidFill>
-                  <a:schemeClr val="tx2"/>
-                </a:solidFill>
-              </a:rPr>
-              <a:t>P2</a:t>
-            </a:r>
-            <a:endParaRPr lang="ja-JP" altLang="en-US" sz="1350" dirty="0">
-              <a:solidFill>
-                <a:schemeClr val="tx2"/>
-              </a:solidFill>
-            </a:endParaRPr>
-          </a:p>
-        </p:txBody>
-      </p:sp>
-      <p:sp>
-        <p:nvSpPr>
-          <p:cNvPr id="14" name="楕円 22">
-            <a:extLst>
-              <a:ext uri="{FF2B5EF4-FFF2-40B4-BE49-F238E27FC236}">
-                <a16:creationId xmlns:a16="http://schemas.microsoft.com/office/drawing/2014/main" id="{4F5570EC-9DFF-FB41-A12E-FFE2686BF92B}"/>
-              </a:ext>
-            </a:extLst>
-          </p:cNvPr>
-          <p:cNvSpPr/>
-          <p:nvPr/>
-        </p:nvSpPr>
-        <p:spPr>
-          <a:xfrm>
-            <a:off x="4781389" y="3239792"/>
-            <a:ext cx="525903" cy="325396"/>
-          </a:xfrm>
-          <a:prstGeom prst="ellipse">
-            <a:avLst/>
-          </a:prstGeom>
-          <a:solidFill>
-            <a:schemeClr val="bg1"/>
-          </a:solidFill>
-        </p:spPr>
-        <p:style>
-          <a:lnRef idx="2">
-            <a:schemeClr val="accent1">
-              <a:shade val="50000"/>
-            </a:schemeClr>
-          </a:lnRef>
-          <a:fillRef idx="1">
-            <a:schemeClr val="accent1"/>
-          </a:fillRef>
-          <a:effectRef idx="0">
-            <a:schemeClr val="accent1"/>
-          </a:effectRef>
-          <a:fontRef idx="minor">
-            <a:schemeClr val="lt1"/>
-          </a:fontRef>
-        </p:style>
-        <p:txBody>
-          <a:bodyPr rot="0" spcFirstLastPara="0" vertOverflow="overflow" horzOverflow="overflow" vert="horz" wrap="square" lIns="68580" tIns="34290" rIns="68580" bIns="34290" numCol="1" spcCol="0" rtlCol="0" fromWordArt="0" anchor="ctr" anchorCtr="0" forceAA="0" compatLnSpc="1">
-            <a:prstTxWarp prst="textNoShape">
-              <a:avLst/>
-            </a:prstTxWarp>
-            <a:noAutofit/>
-          </a:bodyPr>
-          <a:lstStyle/>
-          <a:p>
-            <a:pPr algn="l"/>
-            <a:r>
-              <a:rPr lang="en-US" altLang="ja-JP" sz="1350" dirty="0">
-                <a:solidFill>
-                  <a:schemeClr val="tx2"/>
-                </a:solidFill>
-              </a:rPr>
-              <a:t>D2</a:t>
-            </a:r>
-            <a:endParaRPr lang="ja-JP" altLang="en-US" sz="1350" dirty="0">
-              <a:solidFill>
-                <a:schemeClr val="tx2"/>
-              </a:solidFill>
-            </a:endParaRPr>
-          </a:p>
-        </p:txBody>
-      </p:sp>
-      <p:cxnSp>
-        <p:nvCxnSpPr>
-          <p:cNvPr id="16" name="直線矢印コネクタ 15">
-            <a:extLst>
-              <a:ext uri="{FF2B5EF4-FFF2-40B4-BE49-F238E27FC236}">
-                <a16:creationId xmlns:a16="http://schemas.microsoft.com/office/drawing/2014/main" id="{97343E35-9351-A641-A4A5-DD1BB77275DD}"/>
-              </a:ext>
-            </a:extLst>
-          </p:cNvPr>
-          <p:cNvCxnSpPr/>
-          <p:nvPr/>
-        </p:nvCxnSpPr>
-        <p:spPr>
-          <a:xfrm>
-            <a:off x="2764221" y="3402490"/>
-            <a:ext cx="312727" cy="0"/>
-          </a:xfrm>
-          <a:prstGeom prst="straightConnector1">
-            <a:avLst/>
-          </a:prstGeom>
-          <a:ln>
-            <a:tailEnd type="triangle"/>
-          </a:ln>
-        </p:spPr>
-        <p:style>
-          <a:lnRef idx="1">
-            <a:schemeClr val="accent1"/>
-          </a:lnRef>
-          <a:fillRef idx="0">
-            <a:schemeClr val="accent1"/>
-          </a:fillRef>
-          <a:effectRef idx="0">
-            <a:schemeClr val="accent1"/>
-          </a:effectRef>
-          <a:fontRef idx="minor">
-            <a:schemeClr val="tx1"/>
-          </a:fontRef>
-        </p:style>
-      </p:cxnSp>
-      <p:cxnSp>
-        <p:nvCxnSpPr>
-          <p:cNvPr id="19" name="直線矢印コネクタ 18">
-            <a:extLst>
-              <a:ext uri="{FF2B5EF4-FFF2-40B4-BE49-F238E27FC236}">
-                <a16:creationId xmlns:a16="http://schemas.microsoft.com/office/drawing/2014/main" id="{C9CB575B-66FC-5D44-8EE4-61BC8104E71F}"/>
-              </a:ext>
-            </a:extLst>
-          </p:cNvPr>
-          <p:cNvCxnSpPr/>
-          <p:nvPr/>
-        </p:nvCxnSpPr>
-        <p:spPr>
-          <a:xfrm>
-            <a:off x="3607726" y="3402490"/>
-            <a:ext cx="312727" cy="0"/>
-          </a:xfrm>
-          <a:prstGeom prst="straightConnector1">
-            <a:avLst/>
-          </a:prstGeom>
-          <a:ln>
-            <a:tailEnd type="triangle"/>
-          </a:ln>
-        </p:spPr>
-        <p:style>
-          <a:lnRef idx="1">
-            <a:schemeClr val="accent1"/>
-          </a:lnRef>
-          <a:fillRef idx="0">
-            <a:schemeClr val="accent1"/>
-          </a:fillRef>
-          <a:effectRef idx="0">
-            <a:schemeClr val="accent1"/>
-          </a:effectRef>
-          <a:fontRef idx="minor">
-            <a:schemeClr val="tx1"/>
-          </a:fontRef>
-        </p:style>
-      </p:cxnSp>
-      <p:cxnSp>
-        <p:nvCxnSpPr>
-          <p:cNvPr id="20" name="直線矢印コネクタ 19">
-            <a:extLst>
-              <a:ext uri="{FF2B5EF4-FFF2-40B4-BE49-F238E27FC236}">
-                <a16:creationId xmlns:a16="http://schemas.microsoft.com/office/drawing/2014/main" id="{CA164960-72AB-F54B-B8EE-D83BB90EF523}"/>
-              </a:ext>
-            </a:extLst>
-          </p:cNvPr>
-          <p:cNvCxnSpPr/>
-          <p:nvPr/>
-        </p:nvCxnSpPr>
-        <p:spPr>
-          <a:xfrm>
-            <a:off x="4447913" y="3393905"/>
-            <a:ext cx="312727" cy="0"/>
-          </a:xfrm>
-          <a:prstGeom prst="straightConnector1">
-            <a:avLst/>
-          </a:prstGeom>
-          <a:ln>
-            <a:tailEnd type="triangle"/>
-          </a:ln>
-        </p:spPr>
-        <p:style>
-          <a:lnRef idx="1">
-            <a:schemeClr val="accent1"/>
-          </a:lnRef>
-          <a:fillRef idx="0">
-            <a:schemeClr val="accent1"/>
-          </a:fillRef>
-          <a:effectRef idx="0">
-            <a:schemeClr val="accent1"/>
-          </a:effectRef>
-          <a:fontRef idx="minor">
-            <a:schemeClr val="tx1"/>
-          </a:fontRef>
-        </p:style>
-      </p:cxnSp>
-      <p:cxnSp>
-        <p:nvCxnSpPr>
-          <p:cNvPr id="21" name="直線矢印コネクタ 20">
-            <a:extLst>
-              <a:ext uri="{FF2B5EF4-FFF2-40B4-BE49-F238E27FC236}">
-                <a16:creationId xmlns:a16="http://schemas.microsoft.com/office/drawing/2014/main" id="{3AB4008A-86F2-6B47-9B83-DE060B3AEE80}"/>
-              </a:ext>
-            </a:extLst>
-          </p:cNvPr>
-          <p:cNvCxnSpPr>
-            <a:cxnSpLocks/>
-          </p:cNvCxnSpPr>
-          <p:nvPr/>
-        </p:nvCxnSpPr>
-        <p:spPr>
-          <a:xfrm>
-            <a:off x="5307292" y="3393437"/>
-            <a:ext cx="312727" cy="0"/>
-          </a:xfrm>
-          <a:prstGeom prst="straightConnector1">
-            <a:avLst/>
-          </a:prstGeom>
-          <a:ln>
-            <a:tailEnd type="triangle"/>
-          </a:ln>
-        </p:spPr>
-        <p:style>
-          <a:lnRef idx="1">
-            <a:schemeClr val="accent1"/>
-          </a:lnRef>
-          <a:fillRef idx="0">
-            <a:schemeClr val="accent1"/>
-          </a:fillRef>
-          <a:effectRef idx="0">
-            <a:schemeClr val="accent1"/>
-          </a:effectRef>
-          <a:fontRef idx="minor">
-            <a:schemeClr val="tx1"/>
-          </a:fontRef>
-        </p:style>
-      </p:cxnSp>
-      <p:sp>
-        <p:nvSpPr>
-          <p:cNvPr id="24" name="下矢印 23">
-            <a:extLst>
-              <a:ext uri="{FF2B5EF4-FFF2-40B4-BE49-F238E27FC236}">
-                <a16:creationId xmlns:a16="http://schemas.microsoft.com/office/drawing/2014/main" id="{40E31693-FEC4-2444-9B0C-BFABB9915A54}"/>
-              </a:ext>
-            </a:extLst>
-          </p:cNvPr>
-          <p:cNvSpPr/>
-          <p:nvPr/>
-        </p:nvSpPr>
-        <p:spPr>
-          <a:xfrm>
-            <a:off x="3447393" y="3836276"/>
-            <a:ext cx="315310" cy="515007"/>
-          </a:xfrm>
-          <a:prstGeom prst="downArrow">
-            <a:avLst/>
-          </a:prstGeom>
-        </p:spPr>
-        <p:style>
-          <a:lnRef idx="2">
-            <a:schemeClr val="accent1">
-              <a:shade val="50000"/>
-            </a:schemeClr>
-          </a:lnRef>
-          <a:fillRef idx="1">
-            <a:schemeClr val="accent1"/>
-          </a:fillRef>
-          <a:effectRef idx="0">
-            <a:schemeClr val="accent1"/>
-          </a:effectRef>
-          <a:fontRef idx="minor">
-            <a:schemeClr val="lt1"/>
-          </a:fontRef>
-        </p:style>
-        <p:txBody>
-          <a:bodyPr rtlCol="0" anchor="ctr"/>
-          <a:lstStyle/>
-          <a:p>
-            <a:pPr algn="ctr"/>
-            <a:endParaRPr kumimoji="1" lang="ja-JP" altLang="en-US"/>
-          </a:p>
-        </p:txBody>
-      </p:sp>
-      <p:sp>
-        <p:nvSpPr>
-          <p:cNvPr id="26" name="四角形: 角を丸くする 25">
-            <a:extLst>
-              <a:ext uri="{FF2B5EF4-FFF2-40B4-BE49-F238E27FC236}">
-                <a16:creationId xmlns:a16="http://schemas.microsoft.com/office/drawing/2014/main" id="{FB3A7B1C-5FEF-5546-A28F-73215671E10A}"/>
-              </a:ext>
-            </a:extLst>
-          </p:cNvPr>
-          <p:cNvSpPr/>
-          <p:nvPr/>
-        </p:nvSpPr>
-        <p:spPr>
-          <a:xfrm>
-            <a:off x="1128684" y="4484726"/>
-            <a:ext cx="5583538" cy="583949"/>
-          </a:xfrm>
-          <a:prstGeom prst="roundRect">
-            <a:avLst/>
-          </a:prstGeom>
-          <a:solidFill>
-            <a:schemeClr val="bg1"/>
-          </a:solidFill>
-        </p:spPr>
-        <p:style>
-          <a:lnRef idx="2">
-            <a:schemeClr val="accent1">
-              <a:shade val="50000"/>
-            </a:schemeClr>
-          </a:lnRef>
-          <a:fillRef idx="1">
-            <a:schemeClr val="accent1"/>
-          </a:fillRef>
-          <a:effectRef idx="0">
-            <a:schemeClr val="accent1"/>
-          </a:effectRef>
-          <a:fontRef idx="minor">
-            <a:schemeClr val="lt1"/>
-          </a:fontRef>
-        </p:style>
-        <p:txBody>
-          <a:bodyPr rot="0" spcFirstLastPara="0" vertOverflow="overflow" horzOverflow="overflow" vert="horz" wrap="square" lIns="68580" tIns="34290" rIns="68580" bIns="34290" numCol="1" spcCol="0" rtlCol="0" fromWordArt="0" anchor="ctr" anchorCtr="0" forceAA="0" compatLnSpc="1">
-            <a:prstTxWarp prst="textNoShape">
-              <a:avLst/>
-            </a:prstTxWarp>
-            <a:noAutofit/>
-          </a:bodyPr>
-          <a:lstStyle/>
-          <a:p>
-            <a:pPr algn="l"/>
-            <a:endParaRPr lang="ja-JP" altLang="en-US" sz="1350" dirty="0">
-              <a:solidFill>
-                <a:schemeClr val="tx2"/>
-              </a:solidFill>
-            </a:endParaRPr>
-          </a:p>
-        </p:txBody>
-      </p:sp>
-      <p:sp>
-        <p:nvSpPr>
-          <p:cNvPr id="27" name="楕円 22">
-            <a:extLst>
-              <a:ext uri="{FF2B5EF4-FFF2-40B4-BE49-F238E27FC236}">
-                <a16:creationId xmlns:a16="http://schemas.microsoft.com/office/drawing/2014/main" id="{B9681567-2EC5-0C4F-BD6C-F84AD8B1496B}"/>
-              </a:ext>
-            </a:extLst>
-          </p:cNvPr>
-          <p:cNvSpPr/>
-          <p:nvPr/>
-        </p:nvSpPr>
-        <p:spPr>
-          <a:xfrm>
-            <a:off x="1260465" y="4619318"/>
-            <a:ext cx="690803" cy="325396"/>
-          </a:xfrm>
-          <a:prstGeom prst="ellipse">
-            <a:avLst/>
-          </a:prstGeom>
-          <a:solidFill>
-            <a:schemeClr val="bg1"/>
-          </a:solidFill>
-        </p:spPr>
-        <p:style>
-          <a:lnRef idx="2">
-            <a:schemeClr val="accent1">
-              <a:shade val="50000"/>
-            </a:schemeClr>
-          </a:lnRef>
-          <a:fillRef idx="1">
-            <a:schemeClr val="accent1"/>
-          </a:fillRef>
-          <a:effectRef idx="0">
-            <a:schemeClr val="accent1"/>
-          </a:effectRef>
-          <a:fontRef idx="minor">
-            <a:schemeClr val="lt1"/>
-          </a:fontRef>
-        </p:style>
-        <p:txBody>
-          <a:bodyPr rot="0" spcFirstLastPara="0" vertOverflow="overflow" horzOverflow="overflow" vert="horz" wrap="square" lIns="68580" tIns="34290" rIns="68580" bIns="34290" numCol="1" spcCol="0" rtlCol="0" fromWordArt="0" anchor="ctr" anchorCtr="0" forceAA="0" compatLnSpc="1">
-            <a:prstTxWarp prst="textNoShape">
-              <a:avLst/>
-            </a:prstTxWarp>
-            <a:noAutofit/>
-          </a:bodyPr>
-          <a:lstStyle/>
-          <a:p>
-            <a:pPr algn="l"/>
-            <a:r>
-              <a:rPr lang="ja-JP" altLang="en-US" sz="1350">
-                <a:solidFill>
-                  <a:schemeClr val="tx2"/>
-                </a:solidFill>
-              </a:rPr>
-              <a:t>デポ</a:t>
-            </a:r>
-            <a:endParaRPr lang="ja-JP" altLang="en-US" sz="1350" dirty="0">
-              <a:solidFill>
-                <a:schemeClr val="tx2"/>
-              </a:solidFill>
-            </a:endParaRPr>
-          </a:p>
-        </p:txBody>
-      </p:sp>
-      <p:sp>
-        <p:nvSpPr>
-          <p:cNvPr id="28" name="楕円 22">
-            <a:extLst>
-              <a:ext uri="{FF2B5EF4-FFF2-40B4-BE49-F238E27FC236}">
-                <a16:creationId xmlns:a16="http://schemas.microsoft.com/office/drawing/2014/main" id="{E4AF2F73-BD12-4048-82A9-BE754487F5CD}"/>
-              </a:ext>
-            </a:extLst>
-          </p:cNvPr>
-          <p:cNvSpPr/>
-          <p:nvPr/>
-        </p:nvSpPr>
-        <p:spPr>
-          <a:xfrm>
-            <a:off x="5669434" y="4614002"/>
-            <a:ext cx="690803" cy="325396"/>
-          </a:xfrm>
-          <a:prstGeom prst="ellipse">
-            <a:avLst/>
-          </a:prstGeom>
-          <a:solidFill>
-            <a:schemeClr val="bg1"/>
-          </a:solidFill>
-        </p:spPr>
-        <p:style>
-          <a:lnRef idx="2">
-            <a:schemeClr val="accent1">
-              <a:shade val="50000"/>
-            </a:schemeClr>
-          </a:lnRef>
-          <a:fillRef idx="1">
-            <a:schemeClr val="accent1"/>
-          </a:fillRef>
-          <a:effectRef idx="0">
-            <a:schemeClr val="accent1"/>
-          </a:effectRef>
-          <a:fontRef idx="minor">
-            <a:schemeClr val="lt1"/>
-          </a:fontRef>
-        </p:style>
-        <p:txBody>
-          <a:bodyPr rot="0" spcFirstLastPara="0" vertOverflow="overflow" horzOverflow="overflow" vert="horz" wrap="square" lIns="68580" tIns="34290" rIns="68580" bIns="34290" numCol="1" spcCol="0" rtlCol="0" fromWordArt="0" anchor="ctr" anchorCtr="0" forceAA="0" compatLnSpc="1">
-            <a:prstTxWarp prst="textNoShape">
-              <a:avLst/>
-            </a:prstTxWarp>
-            <a:noAutofit/>
-          </a:bodyPr>
-          <a:lstStyle/>
-          <a:p>
-            <a:pPr algn="l"/>
-            <a:r>
-              <a:rPr lang="ja-JP" altLang="en-US" sz="1350">
-                <a:solidFill>
-                  <a:schemeClr val="tx2"/>
-                </a:solidFill>
-              </a:rPr>
-              <a:t>デポ</a:t>
-            </a:r>
-            <a:endParaRPr lang="ja-JP" altLang="en-US" sz="1350" dirty="0">
-              <a:solidFill>
-                <a:schemeClr val="tx2"/>
-              </a:solidFill>
-            </a:endParaRPr>
-          </a:p>
-        </p:txBody>
-      </p:sp>
-      <p:sp>
-        <p:nvSpPr>
-          <p:cNvPr id="29" name="楕円 22">
-            <a:extLst>
-              <a:ext uri="{FF2B5EF4-FFF2-40B4-BE49-F238E27FC236}">
-                <a16:creationId xmlns:a16="http://schemas.microsoft.com/office/drawing/2014/main" id="{C031E2D6-9D9C-0F48-9408-6D6003AA5D99}"/>
-              </a:ext>
-            </a:extLst>
-          </p:cNvPr>
-          <p:cNvSpPr/>
-          <p:nvPr/>
-        </p:nvSpPr>
-        <p:spPr>
-          <a:xfrm>
-            <a:off x="2259367" y="4611140"/>
-            <a:ext cx="500225" cy="325396"/>
-          </a:xfrm>
-          <a:prstGeom prst="ellipse">
-            <a:avLst/>
-          </a:prstGeom>
-          <a:solidFill>
-            <a:schemeClr val="bg1"/>
-          </a:solidFill>
-        </p:spPr>
-        <p:style>
-          <a:lnRef idx="2">
-            <a:schemeClr val="accent1">
-              <a:shade val="50000"/>
-            </a:schemeClr>
-          </a:lnRef>
-          <a:fillRef idx="1">
-            <a:schemeClr val="accent1"/>
-          </a:fillRef>
-          <a:effectRef idx="0">
-            <a:schemeClr val="accent1"/>
-          </a:effectRef>
-          <a:fontRef idx="minor">
-            <a:schemeClr val="lt1"/>
-          </a:fontRef>
-        </p:style>
-        <p:txBody>
-          <a:bodyPr rot="0" spcFirstLastPara="0" vertOverflow="overflow" horzOverflow="overflow" vert="horz" wrap="square" lIns="68580" tIns="34290" rIns="68580" bIns="34290" numCol="1" spcCol="0" rtlCol="0" fromWordArt="0" anchor="ctr" anchorCtr="0" forceAA="0" compatLnSpc="1">
-            <a:prstTxWarp prst="textNoShape">
-              <a:avLst/>
-            </a:prstTxWarp>
-            <a:noAutofit/>
-          </a:bodyPr>
-          <a:lstStyle/>
-          <a:p>
-            <a:pPr algn="l"/>
-            <a:r>
-              <a:rPr lang="en-US" altLang="ja-JP" sz="1350" dirty="0">
-                <a:solidFill>
-                  <a:schemeClr val="tx2"/>
-                </a:solidFill>
-              </a:rPr>
-              <a:t>P1</a:t>
-            </a:r>
-            <a:endParaRPr lang="ja-JP" altLang="en-US" sz="1350" dirty="0">
-              <a:solidFill>
-                <a:schemeClr val="tx2"/>
-              </a:solidFill>
-            </a:endParaRPr>
-          </a:p>
-        </p:txBody>
-      </p:sp>
-      <p:sp>
-        <p:nvSpPr>
-          <p:cNvPr id="30" name="楕円 22">
-            <a:extLst>
-              <a:ext uri="{FF2B5EF4-FFF2-40B4-BE49-F238E27FC236}">
-                <a16:creationId xmlns:a16="http://schemas.microsoft.com/office/drawing/2014/main" id="{6E283139-F087-7244-BC01-EB0A31247A7C}"/>
-              </a:ext>
-            </a:extLst>
-          </p:cNvPr>
-          <p:cNvSpPr/>
-          <p:nvPr/>
-        </p:nvSpPr>
-        <p:spPr>
-          <a:xfrm>
-            <a:off x="3105782" y="4597247"/>
-            <a:ext cx="500225" cy="325396"/>
-          </a:xfrm>
-          <a:prstGeom prst="ellipse">
-            <a:avLst/>
-          </a:prstGeom>
-          <a:solidFill>
-            <a:schemeClr val="bg1"/>
-          </a:solidFill>
-        </p:spPr>
-        <p:style>
-          <a:lnRef idx="2">
-            <a:schemeClr val="accent1">
-              <a:shade val="50000"/>
-            </a:schemeClr>
-          </a:lnRef>
-          <a:fillRef idx="1">
-            <a:schemeClr val="accent1"/>
-          </a:fillRef>
-          <a:effectRef idx="0">
-            <a:schemeClr val="accent1"/>
-          </a:effectRef>
-          <a:fontRef idx="minor">
-            <a:schemeClr val="lt1"/>
-          </a:fontRef>
-        </p:style>
-        <p:txBody>
-          <a:bodyPr rot="0" spcFirstLastPara="0" vertOverflow="overflow" horzOverflow="overflow" vert="horz" wrap="square" lIns="68580" tIns="34290" rIns="68580" bIns="34290" numCol="1" spcCol="0" rtlCol="0" fromWordArt="0" anchor="ctr" anchorCtr="0" forceAA="0" compatLnSpc="1">
-            <a:prstTxWarp prst="textNoShape">
-              <a:avLst/>
-            </a:prstTxWarp>
-            <a:noAutofit/>
-          </a:bodyPr>
-          <a:lstStyle/>
-          <a:p>
-            <a:pPr algn="l"/>
-            <a:r>
-              <a:rPr lang="en-US" altLang="ja-JP" sz="1350" dirty="0">
-                <a:solidFill>
-                  <a:schemeClr val="tx2"/>
-                </a:solidFill>
-              </a:rPr>
-              <a:t>P2</a:t>
-            </a:r>
-            <a:endParaRPr lang="ja-JP" altLang="en-US" sz="1350" dirty="0">
-              <a:solidFill>
-                <a:schemeClr val="tx2"/>
-              </a:solidFill>
-            </a:endParaRPr>
-          </a:p>
-        </p:txBody>
-      </p:sp>
-      <p:sp>
-        <p:nvSpPr>
-          <p:cNvPr id="31" name="楕円 22">
-            <a:extLst>
-              <a:ext uri="{FF2B5EF4-FFF2-40B4-BE49-F238E27FC236}">
-                <a16:creationId xmlns:a16="http://schemas.microsoft.com/office/drawing/2014/main" id="{9EE36245-EC38-864E-ADCF-7C3E21BAA4DB}"/>
-              </a:ext>
-            </a:extLst>
-          </p:cNvPr>
-          <p:cNvSpPr/>
-          <p:nvPr/>
-        </p:nvSpPr>
-        <p:spPr>
-          <a:xfrm>
-            <a:off x="3942017" y="4597247"/>
-            <a:ext cx="538770" cy="325396"/>
-          </a:xfrm>
-          <a:prstGeom prst="ellipse">
-            <a:avLst/>
-          </a:prstGeom>
-          <a:solidFill>
-            <a:schemeClr val="bg1"/>
-          </a:solidFill>
-        </p:spPr>
-        <p:style>
-          <a:lnRef idx="2">
-            <a:schemeClr val="accent1">
-              <a:shade val="50000"/>
-            </a:schemeClr>
-          </a:lnRef>
-          <a:fillRef idx="1">
-            <a:schemeClr val="accent1"/>
-          </a:fillRef>
-          <a:effectRef idx="0">
-            <a:schemeClr val="accent1"/>
-          </a:effectRef>
-          <a:fontRef idx="minor">
-            <a:schemeClr val="lt1"/>
-          </a:fontRef>
-        </p:style>
-        <p:txBody>
-          <a:bodyPr rot="0" spcFirstLastPara="0" vertOverflow="overflow" horzOverflow="overflow" vert="horz" wrap="square" lIns="68580" tIns="34290" rIns="68580" bIns="34290" numCol="1" spcCol="0" rtlCol="0" fromWordArt="0" anchor="ctr" anchorCtr="0" forceAA="0" compatLnSpc="1">
-            <a:prstTxWarp prst="textNoShape">
-              <a:avLst/>
-            </a:prstTxWarp>
-            <a:noAutofit/>
-          </a:bodyPr>
-          <a:lstStyle/>
-          <a:p>
-            <a:pPr algn="l"/>
-            <a:r>
-              <a:rPr lang="en-US" altLang="ja-JP" sz="1350" dirty="0">
-                <a:solidFill>
-                  <a:schemeClr val="tx2"/>
-                </a:solidFill>
-              </a:rPr>
-              <a:t>D2</a:t>
-            </a:r>
-            <a:endParaRPr lang="ja-JP" altLang="en-US" sz="1350" dirty="0">
-              <a:solidFill>
-                <a:schemeClr val="tx2"/>
-              </a:solidFill>
-            </a:endParaRPr>
-          </a:p>
-        </p:txBody>
-      </p:sp>
-      <p:sp>
-        <p:nvSpPr>
-          <p:cNvPr id="32" name="楕円 22">
-            <a:extLst>
-              <a:ext uri="{FF2B5EF4-FFF2-40B4-BE49-F238E27FC236}">
-                <a16:creationId xmlns:a16="http://schemas.microsoft.com/office/drawing/2014/main" id="{16799394-C0B9-8B48-AEE1-367881D0D1C6}"/>
-              </a:ext>
-            </a:extLst>
-          </p:cNvPr>
-          <p:cNvSpPr/>
-          <p:nvPr/>
-        </p:nvSpPr>
-        <p:spPr>
-          <a:xfrm>
-            <a:off x="4814586" y="4610552"/>
-            <a:ext cx="540922" cy="325396"/>
-          </a:xfrm>
-          <a:prstGeom prst="ellipse">
-            <a:avLst/>
-          </a:prstGeom>
-          <a:solidFill>
-            <a:schemeClr val="accent3">
-              <a:lumMod val="20000"/>
-              <a:lumOff val="80000"/>
-            </a:schemeClr>
-          </a:solidFill>
-        </p:spPr>
-        <p:style>
-          <a:lnRef idx="2">
-            <a:schemeClr val="accent1">
-              <a:shade val="50000"/>
-            </a:schemeClr>
-          </a:lnRef>
-          <a:fillRef idx="1">
-            <a:schemeClr val="accent1"/>
-          </a:fillRef>
-          <a:effectRef idx="0">
-            <a:schemeClr val="accent1"/>
-          </a:effectRef>
-          <a:fontRef idx="minor">
-            <a:schemeClr val="lt1"/>
-          </a:fontRef>
-        </p:style>
-        <p:txBody>
-          <a:bodyPr rot="0" spcFirstLastPara="0" vertOverflow="overflow" horzOverflow="overflow" vert="horz" wrap="square" lIns="68580" tIns="34290" rIns="68580" bIns="34290" numCol="1" spcCol="0" rtlCol="0" fromWordArt="0" anchor="ctr" anchorCtr="0" forceAA="0" compatLnSpc="1">
-            <a:prstTxWarp prst="textNoShape">
-              <a:avLst/>
-            </a:prstTxWarp>
-            <a:noAutofit/>
-          </a:bodyPr>
-          <a:lstStyle/>
-          <a:p>
-            <a:pPr algn="l"/>
-            <a:r>
-              <a:rPr lang="en-US" altLang="ja-JP" sz="1350" dirty="0">
-                <a:solidFill>
-                  <a:schemeClr val="tx2"/>
-                </a:solidFill>
-              </a:rPr>
-              <a:t>D1</a:t>
-            </a:r>
-            <a:endParaRPr lang="ja-JP" altLang="en-US" sz="1350" dirty="0">
-              <a:solidFill>
-                <a:schemeClr val="tx2"/>
-              </a:solidFill>
-            </a:endParaRPr>
-          </a:p>
-        </p:txBody>
-      </p:sp>
-      <p:cxnSp>
-        <p:nvCxnSpPr>
-          <p:cNvPr id="33" name="直線矢印コネクタ 32">
-            <a:extLst>
-              <a:ext uri="{FF2B5EF4-FFF2-40B4-BE49-F238E27FC236}">
-                <a16:creationId xmlns:a16="http://schemas.microsoft.com/office/drawing/2014/main" id="{BAC5FF59-3620-384A-AAF2-2102F6FD447F}"/>
-              </a:ext>
-            </a:extLst>
-          </p:cNvPr>
-          <p:cNvCxnSpPr>
-            <a:cxnSpLocks/>
-          </p:cNvCxnSpPr>
-          <p:nvPr/>
-        </p:nvCxnSpPr>
-        <p:spPr>
-          <a:xfrm flipV="1">
-            <a:off x="1968437" y="4773838"/>
-            <a:ext cx="290930" cy="588"/>
-          </a:xfrm>
-          <a:prstGeom prst="straightConnector1">
-            <a:avLst/>
-          </a:prstGeom>
-          <a:ln>
-            <a:tailEnd type="triangle"/>
-          </a:ln>
-        </p:spPr>
-        <p:style>
-          <a:lnRef idx="1">
-            <a:schemeClr val="accent1"/>
-          </a:lnRef>
-          <a:fillRef idx="0">
-            <a:schemeClr val="accent1"/>
-          </a:fillRef>
-          <a:effectRef idx="0">
-            <a:schemeClr val="accent1"/>
-          </a:effectRef>
-          <a:fontRef idx="minor">
-            <a:schemeClr val="tx1"/>
-          </a:fontRef>
-        </p:style>
-      </p:cxnSp>
-      <p:cxnSp>
-        <p:nvCxnSpPr>
-          <p:cNvPr id="34" name="直線矢印コネクタ 33">
-            <a:extLst>
-              <a:ext uri="{FF2B5EF4-FFF2-40B4-BE49-F238E27FC236}">
-                <a16:creationId xmlns:a16="http://schemas.microsoft.com/office/drawing/2014/main" id="{DED46548-1BB1-9242-9EA0-52519B159295}"/>
-              </a:ext>
-            </a:extLst>
-          </p:cNvPr>
-          <p:cNvCxnSpPr>
-            <a:cxnSpLocks/>
-          </p:cNvCxnSpPr>
-          <p:nvPr/>
-        </p:nvCxnSpPr>
-        <p:spPr>
-          <a:xfrm flipV="1">
-            <a:off x="2797657" y="4782016"/>
-            <a:ext cx="290930" cy="588"/>
-          </a:xfrm>
-          <a:prstGeom prst="straightConnector1">
-            <a:avLst/>
-          </a:prstGeom>
-          <a:ln>
-            <a:tailEnd type="triangle"/>
-          </a:ln>
-        </p:spPr>
-        <p:style>
-          <a:lnRef idx="1">
-            <a:schemeClr val="accent1"/>
-          </a:lnRef>
-          <a:fillRef idx="0">
-            <a:schemeClr val="accent1"/>
-          </a:fillRef>
-          <a:effectRef idx="0">
-            <a:schemeClr val="accent1"/>
-          </a:effectRef>
-          <a:fontRef idx="minor">
-            <a:schemeClr val="tx1"/>
-          </a:fontRef>
-        </p:style>
-      </p:cxnSp>
-      <p:cxnSp>
-        <p:nvCxnSpPr>
-          <p:cNvPr id="35" name="直線矢印コネクタ 34">
-            <a:extLst>
-              <a:ext uri="{FF2B5EF4-FFF2-40B4-BE49-F238E27FC236}">
-                <a16:creationId xmlns:a16="http://schemas.microsoft.com/office/drawing/2014/main" id="{2C0F40EF-F322-3D46-BD04-9296AD7DFC38}"/>
-              </a:ext>
-            </a:extLst>
-          </p:cNvPr>
-          <p:cNvCxnSpPr>
-            <a:cxnSpLocks/>
-          </p:cNvCxnSpPr>
-          <p:nvPr/>
-        </p:nvCxnSpPr>
-        <p:spPr>
-          <a:xfrm flipV="1">
-            <a:off x="3637436" y="4759357"/>
-            <a:ext cx="290930" cy="588"/>
-          </a:xfrm>
-          <a:prstGeom prst="straightConnector1">
-            <a:avLst/>
-          </a:prstGeom>
-          <a:ln>
-            <a:tailEnd type="triangle"/>
-          </a:ln>
-        </p:spPr>
-        <p:style>
-          <a:lnRef idx="1">
-            <a:schemeClr val="accent1"/>
-          </a:lnRef>
-          <a:fillRef idx="0">
-            <a:schemeClr val="accent1"/>
-          </a:fillRef>
-          <a:effectRef idx="0">
-            <a:schemeClr val="accent1"/>
-          </a:effectRef>
-          <a:fontRef idx="minor">
-            <a:schemeClr val="tx1"/>
-          </a:fontRef>
-        </p:style>
-      </p:cxnSp>
-      <p:cxnSp>
-        <p:nvCxnSpPr>
-          <p:cNvPr id="36" name="直線矢印コネクタ 35">
-            <a:extLst>
-              <a:ext uri="{FF2B5EF4-FFF2-40B4-BE49-F238E27FC236}">
-                <a16:creationId xmlns:a16="http://schemas.microsoft.com/office/drawing/2014/main" id="{CE3A4EDA-2AFC-B343-8770-18EEC68A055A}"/>
-              </a:ext>
-            </a:extLst>
-          </p:cNvPr>
-          <p:cNvCxnSpPr>
-            <a:cxnSpLocks/>
-          </p:cNvCxnSpPr>
-          <p:nvPr/>
-        </p:nvCxnSpPr>
-        <p:spPr>
-          <a:xfrm flipV="1">
-            <a:off x="4492285" y="4781428"/>
-            <a:ext cx="290930" cy="588"/>
-          </a:xfrm>
-          <a:prstGeom prst="straightConnector1">
-            <a:avLst/>
-          </a:prstGeom>
-          <a:ln>
-            <a:tailEnd type="triangle"/>
-          </a:ln>
-        </p:spPr>
-        <p:style>
-          <a:lnRef idx="1">
-            <a:schemeClr val="accent1"/>
-          </a:lnRef>
-          <a:fillRef idx="0">
-            <a:schemeClr val="accent1"/>
-          </a:fillRef>
-          <a:effectRef idx="0">
-            <a:schemeClr val="accent1"/>
-          </a:effectRef>
-          <a:fontRef idx="minor">
-            <a:schemeClr val="tx1"/>
-          </a:fontRef>
-        </p:style>
-      </p:cxnSp>
-      <p:cxnSp>
-        <p:nvCxnSpPr>
-          <p:cNvPr id="37" name="直線矢印コネクタ 36">
-            <a:extLst>
-              <a:ext uri="{FF2B5EF4-FFF2-40B4-BE49-F238E27FC236}">
-                <a16:creationId xmlns:a16="http://schemas.microsoft.com/office/drawing/2014/main" id="{AE51EE4D-08E0-F048-8B03-EA1F5B1E2225}"/>
-              </a:ext>
-            </a:extLst>
-          </p:cNvPr>
-          <p:cNvCxnSpPr>
-            <a:cxnSpLocks/>
-          </p:cNvCxnSpPr>
-          <p:nvPr/>
-        </p:nvCxnSpPr>
-        <p:spPr>
-          <a:xfrm flipV="1">
-            <a:off x="5355507" y="4773250"/>
-            <a:ext cx="290930" cy="588"/>
-          </a:xfrm>
-          <a:prstGeom prst="straightConnector1">
-            <a:avLst/>
-          </a:prstGeom>
-          <a:ln>
-            <a:tailEnd type="triangle"/>
-          </a:ln>
-        </p:spPr>
-        <p:style>
-          <a:lnRef idx="1">
-            <a:schemeClr val="accent1"/>
-          </a:lnRef>
-          <a:fillRef idx="0">
-            <a:schemeClr val="accent1"/>
-          </a:fillRef>
-          <a:effectRef idx="0">
-            <a:schemeClr val="accent1"/>
-          </a:effectRef>
-          <a:fontRef idx="minor">
-            <a:schemeClr val="tx1"/>
-          </a:fontRef>
-        </p:style>
-      </p:cxnSp>
     </p:spTree>
     <p:extLst>
       <p:ext uri="{BB962C8B-B14F-4D97-AF65-F5344CB8AC3E}">
-        <p14:creationId xmlns:p14="http://schemas.microsoft.com/office/powerpoint/2010/main" val="3014455271"/>
+        <p14:creationId xmlns:p14="http://schemas.microsoft.com/office/powerpoint/2010/main" val="890849999"/>
       </p:ext>
     </p:extLst>
   </p:cSld>
@@ -12863,7 +11357,7 @@
           <p:cNvPr id="2" name="タイトル 1">
             <a:extLst>
               <a:ext uri="{FF2B5EF4-FFF2-40B4-BE49-F238E27FC236}">
-                <a16:creationId xmlns:a16="http://schemas.microsoft.com/office/drawing/2014/main" id="{F5BD6189-4060-D04C-BAA1-F512C2469463}"/>
+                <a16:creationId xmlns:a16="http://schemas.microsoft.com/office/drawing/2014/main" id="{A60B0307-5CA7-B049-BB4D-7040963859A4}"/>
               </a:ext>
             </a:extLst>
           </p:cNvPr>
@@ -12881,7 +11375,7 @@
           <a:p>
             <a:r>
               <a:rPr kumimoji="1" lang="ja-JP" altLang="en-US"/>
-              <a:t>ルート間の近傍操作</a:t>
+              <a:t>反復局所探索法</a:t>
             </a:r>
           </a:p>
         </p:txBody>
@@ -12891,7 +11385,7 @@
           <p:cNvPr id="3" name="コンテンツ プレースホルダー 2">
             <a:extLst>
               <a:ext uri="{FF2B5EF4-FFF2-40B4-BE49-F238E27FC236}">
-                <a16:creationId xmlns:a16="http://schemas.microsoft.com/office/drawing/2014/main" id="{308C76B8-E5B2-7F4D-911B-983470C026F0}"/>
+                <a16:creationId xmlns:a16="http://schemas.microsoft.com/office/drawing/2014/main" id="{E3E2EC36-93DC-914F-A320-D39859382A51}"/>
               </a:ext>
             </a:extLst>
           </p:cNvPr>
@@ -12902,96 +11396,57 @@
             <p:ph idx="1"/>
           </p:nvPr>
         </p:nvSpPr>
-        <p:spPr>
-          <a:xfrm>
-            <a:off x="789376" y="1791650"/>
-            <a:ext cx="7891485" cy="3967881"/>
-          </a:xfrm>
-        </p:spPr>
-        <p:txBody>
-          <a:bodyPr>
-            <a:noAutofit/>
-          </a:bodyPr>
+        <p:spPr/>
+        <p:txBody>
+          <a:bodyPr/>
           <a:lstStyle/>
           <a:p>
             <a:r>
               <a:rPr kumimoji="1" lang="ja-JP" altLang="en-US"/>
-              <a:t>挿入近傍</a:t>
+              <a:t>局所探索法で得られた解に対して，小さな変形</a:t>
+            </a:r>
+            <a:r>
+              <a:rPr kumimoji="1" lang="en-US" altLang="ja-JP" dirty="0"/>
+              <a:t>(kick</a:t>
+            </a:r>
+            <a:r>
+              <a:rPr lang="en-US" altLang="ja-JP" dirty="0"/>
+              <a:t>)</a:t>
             </a:r>
             <a:r>
               <a:rPr lang="ja-JP" altLang="en-US"/>
-              <a:t> </a:t>
+              <a:t>を施し，</a:t>
+            </a:r>
+            <a:r>
+              <a:rPr kumimoji="1" lang="ja-JP" altLang="en-US"/>
+              <a:t>得られた解を初期解として探索を行う</a:t>
+            </a:r>
+            <a:endParaRPr kumimoji="1" lang="en-US" altLang="ja-JP" dirty="0"/>
+          </a:p>
+          <a:p>
+            <a:r>
+              <a:rPr lang="ja-JP" altLang="en-US"/>
+              <a:t>この操作を繰り返す</a:t>
             </a:r>
             <a:endParaRPr lang="en-US" altLang="ja-JP" dirty="0"/>
           </a:p>
           <a:p>
-            <a:pPr marL="0" indent="0">
-              <a:buNone/>
-            </a:pPr>
-            <a:r>
-              <a:rPr kumimoji="1" lang="ja-JP" altLang="en-US"/>
-              <a:t>   </a:t>
+            <a:endParaRPr kumimoji="1" lang="en-US" altLang="ja-JP" dirty="0"/>
+          </a:p>
+          <a:p>
+            <a:r>
+              <a:rPr lang="ja-JP" altLang="en-US"/>
+              <a:t>具体的な</a:t>
             </a:r>
             <a:r>
               <a:rPr lang="en-US" altLang="ja-JP" dirty="0"/>
-              <a:t>1</a:t>
+              <a:t>kick</a:t>
             </a:r>
             <a:r>
               <a:rPr lang="ja-JP" altLang="en-US"/>
-              <a:t>つのルートからリクエストペアを選んで他のルートに挿入</a:t>
-            </a:r>
-            <a:endParaRPr kumimoji="1" lang="en-US" altLang="ja-JP" dirty="0"/>
-          </a:p>
-          <a:p>
-            <a:r>
-              <a:rPr lang="ja-JP" altLang="en-US"/>
-              <a:t>交換近傍</a:t>
-            </a:r>
-            <a:endParaRPr lang="en-US" altLang="ja-JP" dirty="0"/>
-          </a:p>
-          <a:p>
-            <a:pPr marL="0" indent="0">
-              <a:buNone/>
-            </a:pPr>
-            <a:r>
-              <a:rPr lang="ja-JP" altLang="en-US"/>
-              <a:t>   </a:t>
-            </a:r>
-            <a:r>
-              <a:rPr lang="en-US" altLang="ja-JP" dirty="0"/>
-              <a:t>1</a:t>
-            </a:r>
-            <a:r>
-              <a:rPr lang="ja-JP" altLang="en-US"/>
-              <a:t>つのルートからリクエストペアを選んで、他のルートの</a:t>
-            </a:r>
-            <a:endParaRPr lang="en-US" altLang="ja-JP" dirty="0"/>
-          </a:p>
-          <a:p>
-            <a:pPr marL="0" indent="0">
-              <a:buNone/>
-            </a:pPr>
-            <a:r>
-              <a:rPr lang="ja-JP" altLang="en-US"/>
-              <a:t>　リクエストペアと交換</a:t>
-            </a:r>
-            <a:endParaRPr lang="en-US" altLang="ja-JP" dirty="0"/>
-          </a:p>
-          <a:p>
-            <a:pPr marL="0" indent="0">
-              <a:buNone/>
-            </a:pPr>
-            <a:r>
-              <a:rPr lang="ja-JP" altLang="en-US"/>
-              <a:t>どちらの操作も値が最も良くなる場所に挿入</a:t>
-            </a:r>
-            <a:endParaRPr lang="en-US" altLang="ja-JP" dirty="0"/>
-          </a:p>
-          <a:p>
-            <a:r>
-              <a:rPr lang="ja-JP" altLang="en-US"/>
-              <a:t>挿入近傍と交換近傍を交互に行う操作</a:t>
-            </a:r>
+              <a:t>の方法などについて，今後考察していく</a:t>
+            </a:r>
+            <a:endParaRPr kumimoji="1" lang="ja-JP" altLang="en-US"/>
           </a:p>
         </p:txBody>
       </p:sp>
@@ -13000,7 +11455,7 @@
           <p:cNvPr id="4" name="スライド番号プレースホルダー 3">
             <a:extLst>
               <a:ext uri="{FF2B5EF4-FFF2-40B4-BE49-F238E27FC236}">
-                <a16:creationId xmlns:a16="http://schemas.microsoft.com/office/drawing/2014/main" id="{B8ED8FAD-5288-0F47-AE30-E58E5ED70D59}"/>
+                <a16:creationId xmlns:a16="http://schemas.microsoft.com/office/drawing/2014/main" id="{57124D59-A0D0-994E-B6AC-2D21898E6749}"/>
               </a:ext>
             </a:extLst>
           </p:cNvPr>
@@ -13027,7 +11482,7 @@
     </p:spTree>
     <p:extLst>
       <p:ext uri="{BB962C8B-B14F-4D97-AF65-F5344CB8AC3E}">
-        <p14:creationId xmlns:p14="http://schemas.microsoft.com/office/powerpoint/2010/main" val="3755158343"/>
+        <p14:creationId xmlns:p14="http://schemas.microsoft.com/office/powerpoint/2010/main" val="3288697777"/>
       </p:ext>
     </p:extLst>
   </p:cSld>
@@ -13059,7 +11514,7 @@
           <p:cNvPr id="2" name="タイトル 1">
             <a:extLst>
               <a:ext uri="{FF2B5EF4-FFF2-40B4-BE49-F238E27FC236}">
-                <a16:creationId xmlns:a16="http://schemas.microsoft.com/office/drawing/2014/main" id="{DFFA7763-9239-9F4E-ADDF-D719E4FF26BD}"/>
+                <a16:creationId xmlns:a16="http://schemas.microsoft.com/office/drawing/2014/main" id="{F4E93B3F-5CE0-2644-86BE-1E47384BE06A}"/>
               </a:ext>
             </a:extLst>
           </p:cNvPr>
@@ -13076,167 +11531,103 @@
           <a:lstStyle/>
           <a:p>
             <a:r>
-              <a:rPr lang="en-US" altLang="ja-JP" dirty="0"/>
-              <a:t>3</a:t>
-            </a:r>
-            <a:r>
-              <a:rPr lang="ja-JP" altLang="en-US"/>
-              <a:t>つの近傍操作の比較</a:t>
-            </a:r>
-            <a:endParaRPr kumimoji="1" lang="ja-JP" altLang="en-US"/>
-          </a:p>
-        </p:txBody>
-      </p:sp>
-      <mc:AlternateContent xmlns:mc="http://schemas.openxmlformats.org/markup-compatibility/2006" xmlns:a14="http://schemas.microsoft.com/office/drawing/2010/main">
-        <mc:Choice Requires="a14">
-          <p:sp>
-            <p:nvSpPr>
-              <p:cNvPr id="3" name="コンテンツ プレースホルダー 2">
-                <a:extLst>
-                  <a:ext uri="{FF2B5EF4-FFF2-40B4-BE49-F238E27FC236}">
-                    <a16:creationId xmlns:a16="http://schemas.microsoft.com/office/drawing/2014/main" id="{314DF27C-D1E2-5E41-9393-3888951549DB}"/>
-                  </a:ext>
-                </a:extLst>
-              </p:cNvPr>
-              <p:cNvSpPr>
-                <a:spLocks noGrp="1"/>
-              </p:cNvSpPr>
-              <p:nvPr>
-                <p:ph idx="1"/>
-              </p:nvPr>
-            </p:nvSpPr>
-            <p:spPr>
-              <a:xfrm>
-                <a:off x="847702" y="1965705"/>
-                <a:ext cx="7202456" cy="3437419"/>
-              </a:xfrm>
-            </p:spPr>
-            <p:txBody>
-              <a:bodyPr>
-                <a:normAutofit/>
-              </a:bodyPr>
-              <a:lstStyle/>
-              <a:p>
-                <a:pPr marL="0" indent="0">
-                  <a:buNone/>
-                </a:pPr>
-                <a:r>
-                  <a:rPr lang="ja-JP" altLang="en-US"/>
-                  <a:t>サービス最適時刻の決定回数</a:t>
-                </a:r>
-                <a14:m>
-                  <m:oMath xmlns:m="http://schemas.openxmlformats.org/officeDocument/2006/math">
-                    <m:r>
-                      <a:rPr lang="ja-JP" altLang="en-US" b="0" i="1">
-                        <a:latin typeface="Cambria Math" panose="02040503050406030204" pitchFamily="18" charset="0"/>
-                      </a:rPr>
-                      <m:t>が</m:t>
-                    </m:r>
-                    <m:r>
-                      <a:rPr lang="en-US" altLang="ja-JP" b="0" i="1" smtClean="0">
-                        <a:latin typeface="Cambria Math" panose="02040503050406030204" pitchFamily="18" charset="0"/>
-                      </a:rPr>
-                      <m:t>1000</m:t>
-                    </m:r>
-                    <m:r>
-                      <a:rPr lang="ja-JP" altLang="en-US" i="1">
-                        <a:latin typeface="Cambria Math" panose="02040503050406030204" pitchFamily="18" charset="0"/>
-                      </a:rPr>
-                      <m:t>回</m:t>
-                    </m:r>
-                  </m:oMath>
-                </a14:m>
-                <a:r>
-                  <a:rPr lang="ja-JP" altLang="en-US"/>
-                  <a:t>の解を比較</a:t>
-                </a:r>
-                <a:endParaRPr lang="en-US" altLang="ja-JP" dirty="0">
-                  <a:ea typeface="Cambria Math" panose="02040503050406030204" pitchFamily="18" charset="0"/>
-                </a:endParaRPr>
-              </a:p>
-              <a:p>
-                <a:endParaRPr kumimoji="1" lang="en-US" altLang="ja-JP" dirty="0"/>
-              </a:p>
-              <a:p>
-                <a:endParaRPr lang="en-US" altLang="ja-JP" dirty="0"/>
-              </a:p>
-              <a:p>
-                <a:endParaRPr kumimoji="1" lang="en-US" altLang="ja-JP" dirty="0"/>
-              </a:p>
-              <a:p>
-                <a:endParaRPr lang="en-US" altLang="ja-JP" dirty="0"/>
-              </a:p>
-              <a:p>
-                <a:endParaRPr kumimoji="1" lang="en-US" altLang="ja-JP" dirty="0"/>
-              </a:p>
-              <a:p>
-                <a:endParaRPr lang="en-US" altLang="ja-JP" dirty="0"/>
-              </a:p>
-              <a:p>
-                <a:endParaRPr kumimoji="1" lang="en-US" altLang="ja-JP" dirty="0"/>
-              </a:p>
-              <a:p>
-                <a:pPr marL="0" indent="0">
-                  <a:buNone/>
-                </a:pPr>
-                <a:endParaRPr kumimoji="1" lang="en-US" altLang="ja-JP" dirty="0"/>
-              </a:p>
-              <a:p>
-                <a:endParaRPr kumimoji="1" lang="ja-JP" altLang="en-US"/>
-              </a:p>
-            </p:txBody>
-          </p:sp>
-        </mc:Choice>
-        <mc:Fallback xmlns="">
-          <p:sp>
-            <p:nvSpPr>
-              <p:cNvPr id="3" name="コンテンツ プレースホルダー 2">
-                <a:extLst>
-                  <a:ext uri="{FF2B5EF4-FFF2-40B4-BE49-F238E27FC236}">
-                    <a16:creationId xmlns:a16="http://schemas.microsoft.com/office/drawing/2014/main" id="{314DF27C-D1E2-5E41-9393-3888951549DB}"/>
-                  </a:ext>
-                </a:extLst>
-              </p:cNvPr>
-              <p:cNvSpPr>
-                <a:spLocks noGrp="1" noRot="1" noChangeAspect="1" noMove="1" noResize="1" noEditPoints="1" noAdjustHandles="1" noChangeArrowheads="1" noChangeShapeType="1" noTextEdit="1"/>
-              </p:cNvSpPr>
-              <p:nvPr>
-                <p:ph idx="1"/>
-              </p:nvPr>
-            </p:nvSpPr>
-            <p:spPr>
-              <a:xfrm>
-                <a:off x="847702" y="1965705"/>
-                <a:ext cx="7202456" cy="3437419"/>
-              </a:xfrm>
-              <a:blipFill>
-                <a:blip r:embed="rId3"/>
-                <a:stretch>
-                  <a:fillRect l="-880"/>
-                </a:stretch>
-              </a:blipFill>
-            </p:spPr>
-            <p:txBody>
-              <a:bodyPr/>
-              <a:lstStyle/>
-              <a:p>
-                <a:r>
-                  <a:rPr lang="ja-JP" altLang="en-US">
-                    <a:noFill/>
-                  </a:rPr>
-                  <a:t> </a:t>
-                </a:r>
-              </a:p>
-            </p:txBody>
-          </p:sp>
-        </mc:Fallback>
-      </mc:AlternateContent>
-      <p:sp>
-        <p:nvSpPr>
-          <p:cNvPr id="5" name="スライド番号プレースホルダー 4">
+              <a:rPr kumimoji="1" lang="ja-JP" altLang="en-US"/>
+              <a:t>まとめと今後の研究計画</a:t>
+            </a:r>
+          </a:p>
+        </p:txBody>
+      </p:sp>
+      <p:sp>
+        <p:nvSpPr>
+          <p:cNvPr id="3" name="コンテンツ プレースホルダー 2">
             <a:extLst>
               <a:ext uri="{FF2B5EF4-FFF2-40B4-BE49-F238E27FC236}">
-                <a16:creationId xmlns:a16="http://schemas.microsoft.com/office/drawing/2014/main" id="{9B710AD1-CFB6-8441-B7BF-C4F76940655C}"/>
+                <a16:creationId xmlns:a16="http://schemas.microsoft.com/office/drawing/2014/main" id="{3A7F1948-CA73-8D42-8649-62CDBA3818B2}"/>
+              </a:ext>
+            </a:extLst>
+          </p:cNvPr>
+          <p:cNvSpPr>
+            <a:spLocks noGrp="1"/>
+          </p:cNvSpPr>
+          <p:nvPr>
+            <p:ph idx="1"/>
+          </p:nvPr>
+        </p:nvSpPr>
+        <p:spPr>
+          <a:xfrm>
+            <a:off x="918955" y="1658834"/>
+            <a:ext cx="7202456" cy="3188525"/>
+          </a:xfrm>
+        </p:spPr>
+        <p:txBody>
+          <a:bodyPr>
+            <a:noAutofit/>
+          </a:bodyPr>
+          <a:lstStyle/>
+          <a:p>
+            <a:pPr marL="0" indent="0">
+              <a:buNone/>
+            </a:pPr>
+            <a:r>
+              <a:rPr kumimoji="1" lang="ja-JP" altLang="en-US"/>
+              <a:t>まとめ</a:t>
+            </a:r>
+            <a:endParaRPr kumimoji="1" lang="en-US" altLang="ja-JP" dirty="0"/>
+          </a:p>
+          <a:p>
+            <a:r>
+              <a:rPr kumimoji="1" lang="en-US" altLang="ja-JP" dirty="0"/>
+              <a:t>DARP</a:t>
+            </a:r>
+            <a:r>
+              <a:rPr kumimoji="1" lang="ja-JP" altLang="en-US"/>
+              <a:t>に対する反復局所探索法を提案</a:t>
+            </a:r>
+            <a:endParaRPr kumimoji="1" lang="en-US" altLang="ja-JP" dirty="0"/>
+          </a:p>
+          <a:p>
+            <a:r>
+              <a:rPr lang="ja-JP" altLang="en-US"/>
+              <a:t>近傍操作の提案</a:t>
+            </a:r>
+            <a:endParaRPr lang="en-US" altLang="ja-JP" dirty="0"/>
+          </a:p>
+          <a:p>
+            <a:pPr marL="0" indent="0">
+              <a:buNone/>
+            </a:pPr>
+            <a:r>
+              <a:rPr kumimoji="1" lang="ja-JP" altLang="en-US"/>
+              <a:t>今後の研究計画</a:t>
+            </a:r>
+            <a:endParaRPr lang="en-US" altLang="ja-JP" dirty="0"/>
+          </a:p>
+          <a:p>
+            <a:r>
+              <a:rPr lang="en-US" altLang="ja-JP" dirty="0"/>
+              <a:t>Kick</a:t>
+            </a:r>
+            <a:r>
+              <a:rPr lang="ja-JP" altLang="en-US"/>
+              <a:t>の具体的な提案</a:t>
+            </a:r>
+            <a:endParaRPr kumimoji="1" lang="en-US" altLang="ja-JP" dirty="0"/>
+          </a:p>
+          <a:p>
+            <a:r>
+              <a:rPr kumimoji="1" lang="ja-JP" altLang="en-US"/>
+              <a:t>近傍操作の見直し</a:t>
+            </a:r>
+            <a:endParaRPr kumimoji="1" lang="en-US" altLang="ja-JP" dirty="0"/>
+          </a:p>
+        </p:txBody>
+      </p:sp>
+      <p:sp>
+        <p:nvSpPr>
+          <p:cNvPr id="4" name="スライド番号プレースホルダー 3">
+            <a:extLst>
+              <a:ext uri="{FF2B5EF4-FFF2-40B4-BE49-F238E27FC236}">
+                <a16:creationId xmlns:a16="http://schemas.microsoft.com/office/drawing/2014/main" id="{7A67932B-36B8-A241-B610-9254D219AD35}"/>
               </a:ext>
             </a:extLst>
           </p:cNvPr>
@@ -13260,3339 +11651,10 @@
           </a:p>
         </p:txBody>
       </p:sp>
-      <p:graphicFrame>
-        <p:nvGraphicFramePr>
-          <p:cNvPr id="4" name="表 3">
-            <a:extLst>
-              <a:ext uri="{FF2B5EF4-FFF2-40B4-BE49-F238E27FC236}">
-                <a16:creationId xmlns:a16="http://schemas.microsoft.com/office/drawing/2014/main" id="{9B217509-4942-3D4A-9962-71667EEBE6AA}"/>
-              </a:ext>
-            </a:extLst>
-          </p:cNvPr>
-          <p:cNvGraphicFramePr>
-            <a:graphicFrameLocks noGrp="1"/>
-          </p:cNvGraphicFramePr>
-          <p:nvPr>
-            <p:extLst>
-              <p:ext uri="{D42A27DB-BD31-4B8C-83A1-F6EECF244321}">
-                <p14:modId xmlns:p14="http://schemas.microsoft.com/office/powerpoint/2010/main" val="3822820416"/>
-              </p:ext>
-            </p:extLst>
-          </p:nvPr>
-        </p:nvGraphicFramePr>
-        <p:xfrm>
-          <a:off x="938679" y="2419701"/>
-          <a:ext cx="7111479" cy="3090452"/>
-        </p:xfrm>
-        <a:graphic>
-          <a:graphicData uri="http://schemas.openxmlformats.org/drawingml/2006/table">
-            <a:tbl>
-              <a:tblPr firstRow="1" bandRow="1">
-                <a:tableStyleId>{5C22544A-7EE6-4342-B048-85BDC9FD1C3A}</a:tableStyleId>
-              </a:tblPr>
-              <a:tblGrid>
-                <a:gridCol w="1013470">
-                  <a:extLst>
-                    <a:ext uri="{9D8B030D-6E8A-4147-A177-3AD203B41FA5}">
-                      <a16:colId xmlns:a16="http://schemas.microsoft.com/office/drawing/2014/main" val="2599965255"/>
-                    </a:ext>
-                  </a:extLst>
-                </a:gridCol>
-                <a:gridCol w="1015700">
-                  <a:extLst>
-                    <a:ext uri="{9D8B030D-6E8A-4147-A177-3AD203B41FA5}">
-                      <a16:colId xmlns:a16="http://schemas.microsoft.com/office/drawing/2014/main" val="22681179"/>
-                    </a:ext>
-                  </a:extLst>
-                </a:gridCol>
-                <a:gridCol w="953002">
-                  <a:extLst>
-                    <a:ext uri="{9D8B030D-6E8A-4147-A177-3AD203B41FA5}">
-                      <a16:colId xmlns:a16="http://schemas.microsoft.com/office/drawing/2014/main" val="3230224282"/>
-                    </a:ext>
-                  </a:extLst>
-                </a:gridCol>
-                <a:gridCol w="1206822">
-                  <a:extLst>
-                    <a:ext uri="{9D8B030D-6E8A-4147-A177-3AD203B41FA5}">
-                      <a16:colId xmlns:a16="http://schemas.microsoft.com/office/drawing/2014/main" val="2487091211"/>
-                    </a:ext>
-                  </a:extLst>
-                </a:gridCol>
-                <a:gridCol w="1272291">
-                  <a:extLst>
-                    <a:ext uri="{9D8B030D-6E8A-4147-A177-3AD203B41FA5}">
-                      <a16:colId xmlns:a16="http://schemas.microsoft.com/office/drawing/2014/main" val="2963714782"/>
-                    </a:ext>
-                  </a:extLst>
-                </a:gridCol>
-                <a:gridCol w="1650194">
-                  <a:extLst>
-                    <a:ext uri="{9D8B030D-6E8A-4147-A177-3AD203B41FA5}">
-                      <a16:colId xmlns:a16="http://schemas.microsoft.com/office/drawing/2014/main" val="2668350789"/>
-                    </a:ext>
-                  </a:extLst>
-                </a:gridCol>
-              </a:tblGrid>
-              <a:tr h="375815">
-                <a:tc>
-                  <a:txBody>
-                    <a:bodyPr/>
-                    <a:lstStyle/>
-                    <a:p>
-                      <a:endParaRPr kumimoji="1" lang="ja-JP" altLang="en-US" sz="1600"/>
-                    </a:p>
-                  </a:txBody>
-                  <a:tcPr marL="68580" marR="68580" marT="34290" marB="34290"/>
-                </a:tc>
-                <a:tc>
-                  <a:txBody>
-                    <a:bodyPr/>
-                    <a:lstStyle/>
-                    <a:p>
-                      <a:endParaRPr kumimoji="1" lang="ja-JP" altLang="en-US" sz="1600"/>
-                    </a:p>
-                  </a:txBody>
-                  <a:tcPr marL="68580" marR="68580" marT="34290" marB="34290"/>
-                </a:tc>
-                <a:tc>
-                  <a:txBody>
-                    <a:bodyPr/>
-                    <a:lstStyle/>
-                    <a:p>
-                      <a:endParaRPr kumimoji="1" lang="ja-JP" altLang="en-US" sz="1600"/>
-                    </a:p>
-                  </a:txBody>
-                  <a:tcPr marL="68580" marR="68580" marT="34290" marB="34290"/>
-                </a:tc>
-                <a:tc>
-                  <a:txBody>
-                    <a:bodyPr/>
-                    <a:lstStyle/>
-                    <a:p>
-                      <a:r>
-                        <a:rPr kumimoji="1" lang="ja-JP" altLang="en-US" sz="1600"/>
-                        <a:t>挿入近傍</a:t>
-                      </a:r>
-                      <a:endParaRPr kumimoji="1" lang="en-US" altLang="ja-JP" sz="1600" dirty="0"/>
-                    </a:p>
-                  </a:txBody>
-                  <a:tcPr marL="68580" marR="68580" marT="34290" marB="34290"/>
-                </a:tc>
-                <a:tc>
-                  <a:txBody>
-                    <a:bodyPr/>
-                    <a:lstStyle/>
-                    <a:p>
-                      <a:r>
-                        <a:rPr kumimoji="1" lang="ja-JP" altLang="en-US" sz="1600"/>
-                        <a:t>交換近傍</a:t>
-                      </a:r>
-                    </a:p>
-                  </a:txBody>
-                  <a:tcPr marL="68580" marR="68580" marT="34290" marB="34290"/>
-                </a:tc>
-                <a:tc>
-                  <a:txBody>
-                    <a:bodyPr/>
-                    <a:lstStyle/>
-                    <a:p>
-                      <a:r>
-                        <a:rPr kumimoji="1" lang="en-US" altLang="ja-JP" sz="1600" dirty="0"/>
-                        <a:t>2</a:t>
-                      </a:r>
-                      <a:r>
-                        <a:rPr kumimoji="1" lang="ja-JP" altLang="en-US" sz="1600"/>
-                        <a:t>種類を交互</a:t>
-                      </a:r>
-                    </a:p>
-                  </a:txBody>
-                  <a:tcPr marL="68580" marR="68580" marT="34290" marB="34290"/>
-                </a:tc>
-                <a:extLst>
-                  <a:ext uri="{0D108BD9-81ED-4DB2-BD59-A6C34878D82A}">
-                    <a16:rowId xmlns:a16="http://schemas.microsoft.com/office/drawing/2014/main" val="3113886848"/>
-                  </a:ext>
-                </a:extLst>
-              </a:tr>
-              <a:tr h="387904">
-                <a:tc>
-                  <a:txBody>
-                    <a:bodyPr/>
-                    <a:lstStyle/>
-                    <a:p>
-                      <a:r>
-                        <a:rPr kumimoji="1" lang="ja-JP" altLang="en-US" sz="1600"/>
-                        <a:t>問題例</a:t>
-                      </a:r>
-                    </a:p>
-                  </a:txBody>
-                  <a:tcPr marL="68580" marR="68580" marT="34290" marB="34290"/>
-                </a:tc>
-                <a:tc>
-                  <a:txBody>
-                    <a:bodyPr/>
-                    <a:lstStyle/>
-                    <a:p>
-                      <a:r>
-                        <a:rPr kumimoji="1" lang="ja-JP" altLang="en-US" sz="1600"/>
-                        <a:t>顧客数</a:t>
-                      </a:r>
-                    </a:p>
-                  </a:txBody>
-                  <a:tcPr marL="68580" marR="68580" marT="34290" marB="34290"/>
-                </a:tc>
-                <a:tc>
-                  <a:txBody>
-                    <a:bodyPr/>
-                    <a:lstStyle/>
-                    <a:p>
-                      <a:r>
-                        <a:rPr kumimoji="1" lang="ja-JP" altLang="en-US" sz="1600"/>
-                        <a:t>車両数</a:t>
-                      </a:r>
-                    </a:p>
-                  </a:txBody>
-                  <a:tcPr marL="68580" marR="68580" marT="34290" marB="34290"/>
-                </a:tc>
-                <a:tc>
-                  <a:txBody>
-                    <a:bodyPr/>
-                    <a:lstStyle/>
-                    <a:p>
-                      <a:r>
-                        <a:rPr kumimoji="1" lang="ja-JP" altLang="en-US" sz="1600"/>
-                        <a:t>値</a:t>
-                      </a:r>
-                    </a:p>
-                  </a:txBody>
-                  <a:tcPr marL="68580" marR="68580" marT="34290" marB="34290"/>
-                </a:tc>
-                <a:tc>
-                  <a:txBody>
-                    <a:bodyPr/>
-                    <a:lstStyle/>
-                    <a:p>
-                      <a:r>
-                        <a:rPr kumimoji="1" lang="ja-JP" altLang="en-US" sz="1600"/>
-                        <a:t>値</a:t>
-                      </a:r>
-                    </a:p>
-                  </a:txBody>
-                  <a:tcPr marL="68580" marR="68580" marT="34290" marB="34290"/>
-                </a:tc>
-                <a:tc>
-                  <a:txBody>
-                    <a:bodyPr/>
-                    <a:lstStyle/>
-                    <a:p>
-                      <a:r>
-                        <a:rPr kumimoji="1" lang="ja-JP" altLang="en-US" sz="1600"/>
-                        <a:t>値</a:t>
-                      </a:r>
-                    </a:p>
-                  </a:txBody>
-                  <a:tcPr marL="68580" marR="68580" marT="34290" marB="34290"/>
-                </a:tc>
-                <a:extLst>
-                  <a:ext uri="{0D108BD9-81ED-4DB2-BD59-A6C34878D82A}">
-                    <a16:rowId xmlns:a16="http://schemas.microsoft.com/office/drawing/2014/main" val="3627163853"/>
-                  </a:ext>
-                </a:extLst>
-              </a:tr>
-              <a:tr h="387904">
-                <a:tc>
-                  <a:txBody>
-                    <a:bodyPr/>
-                    <a:lstStyle/>
-                    <a:p>
-                      <a:r>
-                        <a:rPr kumimoji="1" lang="en-US" altLang="ja-JP" sz="1800" dirty="0"/>
-                        <a:t>r1a</a:t>
-                      </a:r>
-                      <a:endParaRPr kumimoji="1" lang="ja-JP" altLang="en-US" sz="1800"/>
-                    </a:p>
-                  </a:txBody>
-                  <a:tcPr marL="68580" marR="68580" marT="34290" marB="34290"/>
-                </a:tc>
-                <a:tc>
-                  <a:txBody>
-                    <a:bodyPr/>
-                    <a:lstStyle/>
-                    <a:p>
-                      <a:r>
-                        <a:rPr kumimoji="1" lang="en-US" altLang="ja-JP" sz="1800" dirty="0"/>
-                        <a:t>24</a:t>
-                      </a:r>
-                      <a:endParaRPr kumimoji="1" lang="ja-JP" altLang="en-US" sz="1800"/>
-                    </a:p>
-                  </a:txBody>
-                  <a:tcPr marL="68580" marR="68580" marT="34290" marB="34290"/>
-                </a:tc>
-                <a:tc>
-                  <a:txBody>
-                    <a:bodyPr/>
-                    <a:lstStyle/>
-                    <a:p>
-                      <a:r>
-                        <a:rPr kumimoji="1" lang="en-US" altLang="ja-JP" sz="1800" dirty="0"/>
-                        <a:t>3</a:t>
-                      </a:r>
-                      <a:endParaRPr kumimoji="1" lang="ja-JP" altLang="en-US" sz="1800"/>
-                    </a:p>
-                  </a:txBody>
-                  <a:tcPr marL="68580" marR="68580" marT="34290" marB="34290"/>
-                </a:tc>
-                <a:tc>
-                  <a:txBody>
-                    <a:bodyPr/>
-                    <a:lstStyle/>
-                    <a:p>
-                      <a:r>
-                        <a:rPr kumimoji="1" lang="en-US" altLang="ja-JP" sz="1800" dirty="0"/>
-                        <a:t>216.00</a:t>
-                      </a:r>
-                      <a:endParaRPr kumimoji="1" lang="ja-JP" altLang="en-US" sz="1800"/>
-                    </a:p>
-                  </a:txBody>
-                  <a:tcPr marL="68580" marR="68580" marT="34290" marB="34290"/>
-                </a:tc>
-                <a:tc>
-                  <a:txBody>
-                    <a:bodyPr/>
-                    <a:lstStyle/>
-                    <a:p>
-                      <a:r>
-                        <a:rPr kumimoji="1" lang="en-US" altLang="ja-JP" sz="1800" dirty="0"/>
-                        <a:t>233.37</a:t>
-                      </a:r>
-                      <a:endParaRPr kumimoji="1" lang="ja-JP" altLang="en-US" sz="1800"/>
-                    </a:p>
-                  </a:txBody>
-                  <a:tcPr marL="68580" marR="68580" marT="34290" marB="34290"/>
-                </a:tc>
-                <a:tc>
-                  <a:txBody>
-                    <a:bodyPr/>
-                    <a:lstStyle/>
-                    <a:p>
-                      <a:r>
-                        <a:rPr kumimoji="1" lang="en-US" altLang="ja-JP" sz="1800" dirty="0">
-                          <a:solidFill>
-                            <a:srgbClr val="FF0000"/>
-                          </a:solidFill>
-                        </a:rPr>
-                        <a:t>211.84</a:t>
-                      </a:r>
-                      <a:endParaRPr kumimoji="1" lang="ja-JP" altLang="en-US" sz="1800">
-                        <a:solidFill>
-                          <a:srgbClr val="FF0000"/>
-                        </a:solidFill>
-                      </a:endParaRPr>
-                    </a:p>
-                  </a:txBody>
-                  <a:tcPr marL="68580" marR="68580" marT="34290" marB="34290"/>
-                </a:tc>
-                <a:extLst>
-                  <a:ext uri="{0D108BD9-81ED-4DB2-BD59-A6C34878D82A}">
-                    <a16:rowId xmlns:a16="http://schemas.microsoft.com/office/drawing/2014/main" val="2386346857"/>
-                  </a:ext>
-                </a:extLst>
-              </a:tr>
-              <a:tr h="387904">
-                <a:tc>
-                  <a:txBody>
-                    <a:bodyPr/>
-                    <a:lstStyle/>
-                    <a:p>
-                      <a:r>
-                        <a:rPr kumimoji="1" lang="en-US" altLang="ja-JP" sz="1800" dirty="0"/>
-                        <a:t>r1b</a:t>
-                      </a:r>
-                      <a:endParaRPr kumimoji="1" lang="ja-JP" altLang="en-US" sz="1800"/>
-                    </a:p>
-                  </a:txBody>
-                  <a:tcPr marL="68580" marR="68580" marT="34290" marB="34290"/>
-                </a:tc>
-                <a:tc>
-                  <a:txBody>
-                    <a:bodyPr/>
-                    <a:lstStyle/>
-                    <a:p>
-                      <a:r>
-                        <a:rPr kumimoji="1" lang="en-US" altLang="ja-JP" sz="1800" dirty="0"/>
-                        <a:t>24</a:t>
-                      </a:r>
-                      <a:endParaRPr kumimoji="1" lang="ja-JP" altLang="en-US" sz="1800"/>
-                    </a:p>
-                  </a:txBody>
-                  <a:tcPr marL="68580" marR="68580" marT="34290" marB="34290"/>
-                </a:tc>
-                <a:tc>
-                  <a:txBody>
-                    <a:bodyPr/>
-                    <a:lstStyle/>
-                    <a:p>
-                      <a:r>
-                        <a:rPr kumimoji="1" lang="en-US" altLang="ja-JP" sz="1800" dirty="0"/>
-                        <a:t>3</a:t>
-                      </a:r>
-                    </a:p>
-                  </a:txBody>
-                  <a:tcPr marL="68580" marR="68580" marT="34290" marB="34290"/>
-                </a:tc>
-                <a:tc>
-                  <a:txBody>
-                    <a:bodyPr/>
-                    <a:lstStyle/>
-                    <a:p>
-                      <a:r>
-                        <a:rPr kumimoji="1" lang="en-US" altLang="ja-JP" sz="1800" dirty="0">
-                          <a:solidFill>
-                            <a:srgbClr val="FF0000"/>
-                          </a:solidFill>
-                        </a:rPr>
-                        <a:t>195.6</a:t>
-                      </a:r>
-                      <a:endParaRPr kumimoji="1" lang="ja-JP" altLang="en-US" sz="1800">
-                        <a:solidFill>
-                          <a:srgbClr val="FF0000"/>
-                        </a:solidFill>
-                      </a:endParaRPr>
-                    </a:p>
-                  </a:txBody>
-                  <a:tcPr marL="68580" marR="68580" marT="34290" marB="34290"/>
-                </a:tc>
-                <a:tc>
-                  <a:txBody>
-                    <a:bodyPr/>
-                    <a:lstStyle/>
-                    <a:p>
-                      <a:r>
-                        <a:rPr kumimoji="1" lang="en-US" altLang="ja-JP" sz="1800" dirty="0"/>
-                        <a:t>209.95</a:t>
-                      </a:r>
-                      <a:endParaRPr kumimoji="1" lang="ja-JP" altLang="en-US" sz="1800"/>
-                    </a:p>
-                  </a:txBody>
-                  <a:tcPr marL="68580" marR="68580" marT="34290" marB="34290"/>
-                </a:tc>
-                <a:tc>
-                  <a:txBody>
-                    <a:bodyPr/>
-                    <a:lstStyle/>
-                    <a:p>
-                      <a:r>
-                        <a:rPr kumimoji="1" lang="en-US" altLang="ja-JP" sz="1800" dirty="0"/>
-                        <a:t>208.88</a:t>
-                      </a:r>
-                      <a:endParaRPr kumimoji="1" lang="ja-JP" altLang="en-US" sz="1800"/>
-                    </a:p>
-                  </a:txBody>
-                  <a:tcPr marL="68580" marR="68580" marT="34290" marB="34290"/>
-                </a:tc>
-                <a:extLst>
-                  <a:ext uri="{0D108BD9-81ED-4DB2-BD59-A6C34878D82A}">
-                    <a16:rowId xmlns:a16="http://schemas.microsoft.com/office/drawing/2014/main" val="1387758825"/>
-                  </a:ext>
-                </a:extLst>
-              </a:tr>
-              <a:tr h="387904">
-                <a:tc>
-                  <a:txBody>
-                    <a:bodyPr/>
-                    <a:lstStyle/>
-                    <a:p>
-                      <a:r>
-                        <a:rPr kumimoji="1" lang="en-US" altLang="ja-JP" sz="1800" dirty="0"/>
-                        <a:t>r2a</a:t>
-                      </a:r>
-                      <a:endParaRPr kumimoji="1" lang="ja-JP" altLang="en-US" sz="1800"/>
-                    </a:p>
-                  </a:txBody>
-                  <a:tcPr marL="68580" marR="68580" marT="34290" marB="34290"/>
-                </a:tc>
-                <a:tc>
-                  <a:txBody>
-                    <a:bodyPr/>
-                    <a:lstStyle/>
-                    <a:p>
-                      <a:r>
-                        <a:rPr kumimoji="1" lang="en-US" altLang="ja-JP" sz="1800" dirty="0"/>
-                        <a:t>48</a:t>
-                      </a:r>
-                      <a:endParaRPr kumimoji="1" lang="ja-JP" altLang="en-US" sz="1800"/>
-                    </a:p>
-                  </a:txBody>
-                  <a:tcPr marL="68580" marR="68580" marT="34290" marB="34290"/>
-                </a:tc>
-                <a:tc>
-                  <a:txBody>
-                    <a:bodyPr/>
-                    <a:lstStyle/>
-                    <a:p>
-                      <a:r>
-                        <a:rPr kumimoji="1" lang="en-US" altLang="ja-JP" sz="1800" dirty="0"/>
-                        <a:t>5</a:t>
-                      </a:r>
-                      <a:endParaRPr kumimoji="1" lang="ja-JP" altLang="en-US" sz="1800"/>
-                    </a:p>
-                  </a:txBody>
-                  <a:tcPr marL="68580" marR="68580" marT="34290" marB="34290"/>
-                </a:tc>
-                <a:tc>
-                  <a:txBody>
-                    <a:bodyPr/>
-                    <a:lstStyle/>
-                    <a:p>
-                      <a:r>
-                        <a:rPr kumimoji="1" lang="en-US" altLang="ja-JP" sz="1800" dirty="0">
-                          <a:solidFill>
-                            <a:srgbClr val="FF0000"/>
-                          </a:solidFill>
-                        </a:rPr>
-                        <a:t>514.50</a:t>
-                      </a:r>
-                      <a:endParaRPr kumimoji="1" lang="ja-JP" altLang="en-US" sz="1800">
-                        <a:solidFill>
-                          <a:srgbClr val="FF0000"/>
-                        </a:solidFill>
-                      </a:endParaRPr>
-                    </a:p>
-                  </a:txBody>
-                  <a:tcPr marL="68580" marR="68580" marT="34290" marB="34290"/>
-                </a:tc>
-                <a:tc>
-                  <a:txBody>
-                    <a:bodyPr/>
-                    <a:lstStyle/>
-                    <a:p>
-                      <a:r>
-                        <a:rPr kumimoji="1" lang="en-US" altLang="ja-JP" sz="1800" dirty="0"/>
-                        <a:t>566.30</a:t>
-                      </a:r>
-                      <a:endParaRPr kumimoji="1" lang="ja-JP" altLang="en-US" sz="1800"/>
-                    </a:p>
-                  </a:txBody>
-                  <a:tcPr marL="68580" marR="68580" marT="34290" marB="34290"/>
-                </a:tc>
-                <a:tc>
-                  <a:txBody>
-                    <a:bodyPr/>
-                    <a:lstStyle/>
-                    <a:p>
-                      <a:r>
-                        <a:rPr kumimoji="1" lang="en-US" altLang="ja-JP" sz="1800" dirty="0"/>
-                        <a:t>558.18</a:t>
-                      </a:r>
-                      <a:endParaRPr kumimoji="1" lang="ja-JP" altLang="en-US" sz="1800"/>
-                    </a:p>
-                  </a:txBody>
-                  <a:tcPr marL="68580" marR="68580" marT="34290" marB="34290"/>
-                </a:tc>
-                <a:extLst>
-                  <a:ext uri="{0D108BD9-81ED-4DB2-BD59-A6C34878D82A}">
-                    <a16:rowId xmlns:a16="http://schemas.microsoft.com/office/drawing/2014/main" val="4114635442"/>
-                  </a:ext>
-                </a:extLst>
-              </a:tr>
-              <a:tr h="387904">
-                <a:tc>
-                  <a:txBody>
-                    <a:bodyPr/>
-                    <a:lstStyle/>
-                    <a:p>
-                      <a:r>
-                        <a:rPr kumimoji="1" lang="en-US" altLang="ja-JP" sz="1800" dirty="0"/>
-                        <a:t>r2b</a:t>
-                      </a:r>
-                      <a:endParaRPr kumimoji="1" lang="ja-JP" altLang="en-US" sz="1800"/>
-                    </a:p>
-                  </a:txBody>
-                  <a:tcPr marL="68580" marR="68580" marT="34290" marB="34290"/>
-                </a:tc>
-                <a:tc>
-                  <a:txBody>
-                    <a:bodyPr/>
-                    <a:lstStyle/>
-                    <a:p>
-                      <a:r>
-                        <a:rPr kumimoji="1" lang="en-US" altLang="ja-JP" sz="1800" dirty="0"/>
-                        <a:t>48</a:t>
-                      </a:r>
-                      <a:endParaRPr kumimoji="1" lang="ja-JP" altLang="en-US" sz="1800"/>
-                    </a:p>
-                  </a:txBody>
-                  <a:tcPr marL="68580" marR="68580" marT="34290" marB="34290"/>
-                </a:tc>
-                <a:tc>
-                  <a:txBody>
-                    <a:bodyPr/>
-                    <a:lstStyle/>
-                    <a:p>
-                      <a:r>
-                        <a:rPr kumimoji="1" lang="en-US" altLang="ja-JP" sz="1800" dirty="0"/>
-                        <a:t>5</a:t>
-                      </a:r>
-                      <a:endParaRPr kumimoji="1" lang="ja-JP" altLang="en-US" sz="1800"/>
-                    </a:p>
-                  </a:txBody>
-                  <a:tcPr marL="68580" marR="68580" marT="34290" marB="34290"/>
-                </a:tc>
-                <a:tc>
-                  <a:txBody>
-                    <a:bodyPr/>
-                    <a:lstStyle/>
-                    <a:p>
-                      <a:r>
-                        <a:rPr kumimoji="1" lang="en-US" altLang="ja-JP" sz="1800" dirty="0"/>
-                        <a:t>437.56</a:t>
-                      </a:r>
-                      <a:endParaRPr kumimoji="1" lang="ja-JP" altLang="en-US" sz="1800"/>
-                    </a:p>
-                  </a:txBody>
-                  <a:tcPr marL="68580" marR="68580" marT="34290" marB="34290"/>
-                </a:tc>
-                <a:tc>
-                  <a:txBody>
-                    <a:bodyPr/>
-                    <a:lstStyle/>
-                    <a:p>
-                      <a:r>
-                        <a:rPr kumimoji="1" lang="en-US" altLang="ja-JP" sz="1800" dirty="0"/>
-                        <a:t>453.13</a:t>
-                      </a:r>
-                      <a:endParaRPr kumimoji="1" lang="ja-JP" altLang="en-US" sz="1800"/>
-                    </a:p>
-                  </a:txBody>
-                  <a:tcPr marL="68580" marR="68580" marT="34290" marB="34290"/>
-                </a:tc>
-                <a:tc>
-                  <a:txBody>
-                    <a:bodyPr/>
-                    <a:lstStyle/>
-                    <a:p>
-                      <a:r>
-                        <a:rPr kumimoji="1" lang="en-US" altLang="ja-JP" sz="1800" dirty="0">
-                          <a:solidFill>
-                            <a:srgbClr val="FF0000"/>
-                          </a:solidFill>
-                        </a:rPr>
-                        <a:t>432.22</a:t>
-                      </a:r>
-                      <a:endParaRPr kumimoji="1" lang="ja-JP" altLang="en-US" sz="1800">
-                        <a:solidFill>
-                          <a:srgbClr val="FF0000"/>
-                        </a:solidFill>
-                      </a:endParaRPr>
-                    </a:p>
-                  </a:txBody>
-                  <a:tcPr marL="68580" marR="68580" marT="34290" marB="34290"/>
-                </a:tc>
-                <a:extLst>
-                  <a:ext uri="{0D108BD9-81ED-4DB2-BD59-A6C34878D82A}">
-                    <a16:rowId xmlns:a16="http://schemas.microsoft.com/office/drawing/2014/main" val="2924545297"/>
-                  </a:ext>
-                </a:extLst>
-              </a:tr>
-              <a:tr h="387213">
-                <a:tc>
-                  <a:txBody>
-                    <a:bodyPr/>
-                    <a:lstStyle/>
-                    <a:p>
-                      <a:r>
-                        <a:rPr kumimoji="1" lang="en-US" altLang="ja-JP" sz="1800" dirty="0"/>
-                        <a:t>r3a</a:t>
-                      </a:r>
-                      <a:endParaRPr kumimoji="1" lang="ja-JP" altLang="en-US" sz="1800"/>
-                    </a:p>
-                  </a:txBody>
-                  <a:tcPr marL="68580" marR="68580" marT="34290" marB="34290"/>
-                </a:tc>
-                <a:tc>
-                  <a:txBody>
-                    <a:bodyPr/>
-                    <a:lstStyle/>
-                    <a:p>
-                      <a:r>
-                        <a:rPr kumimoji="1" lang="en-US" altLang="ja-JP" sz="1800" dirty="0"/>
-                        <a:t>72</a:t>
-                      </a:r>
-                      <a:endParaRPr kumimoji="1" lang="ja-JP" altLang="en-US" sz="1800"/>
-                    </a:p>
-                  </a:txBody>
-                  <a:tcPr marL="68580" marR="68580" marT="34290" marB="34290"/>
-                </a:tc>
-                <a:tc>
-                  <a:txBody>
-                    <a:bodyPr/>
-                    <a:lstStyle/>
-                    <a:p>
-                      <a:r>
-                        <a:rPr kumimoji="1" lang="en-US" altLang="ja-JP" sz="1800" dirty="0"/>
-                        <a:t>7</a:t>
-                      </a:r>
-                      <a:endParaRPr kumimoji="1" lang="ja-JP" altLang="en-US" sz="1800"/>
-                    </a:p>
-                  </a:txBody>
-                  <a:tcPr marL="68580" marR="68580" marT="34290" marB="34290"/>
-                </a:tc>
-                <a:tc>
-                  <a:txBody>
-                    <a:bodyPr/>
-                    <a:lstStyle/>
-                    <a:p>
-                      <a:r>
-                        <a:rPr kumimoji="1" lang="en-US" altLang="ja-JP" sz="1800" dirty="0"/>
-                        <a:t>960.47</a:t>
-                      </a:r>
-                      <a:endParaRPr kumimoji="1" lang="ja-JP" altLang="en-US" sz="1800"/>
-                    </a:p>
-                  </a:txBody>
-                  <a:tcPr marL="68580" marR="68580" marT="34290" marB="34290"/>
-                </a:tc>
-                <a:tc>
-                  <a:txBody>
-                    <a:bodyPr/>
-                    <a:lstStyle/>
-                    <a:p>
-                      <a:r>
-                        <a:rPr kumimoji="1" lang="en-US" altLang="ja-JP" sz="1800" dirty="0"/>
-                        <a:t>959.99</a:t>
-                      </a:r>
-                      <a:endParaRPr kumimoji="1" lang="ja-JP" altLang="en-US" sz="1800"/>
-                    </a:p>
-                  </a:txBody>
-                  <a:tcPr marL="68580" marR="68580" marT="34290" marB="34290"/>
-                </a:tc>
-                <a:tc>
-                  <a:txBody>
-                    <a:bodyPr/>
-                    <a:lstStyle/>
-                    <a:p>
-                      <a:r>
-                        <a:rPr kumimoji="1" lang="en-US" altLang="ja-JP" sz="1800" dirty="0">
-                          <a:solidFill>
-                            <a:srgbClr val="FF0000"/>
-                          </a:solidFill>
-                        </a:rPr>
-                        <a:t>919.01</a:t>
-                      </a:r>
-                      <a:endParaRPr kumimoji="1" lang="ja-JP" altLang="en-US" sz="1800">
-                        <a:solidFill>
-                          <a:srgbClr val="FF0000"/>
-                        </a:solidFill>
-                      </a:endParaRPr>
-                    </a:p>
-                  </a:txBody>
-                  <a:tcPr marL="68580" marR="68580" marT="34290" marB="34290"/>
-                </a:tc>
-                <a:extLst>
-                  <a:ext uri="{0D108BD9-81ED-4DB2-BD59-A6C34878D82A}">
-                    <a16:rowId xmlns:a16="http://schemas.microsoft.com/office/drawing/2014/main" val="1914903201"/>
-                  </a:ext>
-                </a:extLst>
-              </a:tr>
-              <a:tr h="387904">
-                <a:tc>
-                  <a:txBody>
-                    <a:bodyPr/>
-                    <a:lstStyle/>
-                    <a:p>
-                      <a:r>
-                        <a:rPr kumimoji="1" lang="en-US" altLang="ja-JP" sz="1800" dirty="0"/>
-                        <a:t>r3b</a:t>
-                      </a:r>
-                      <a:endParaRPr kumimoji="1" lang="ja-JP" altLang="en-US" sz="1800"/>
-                    </a:p>
-                  </a:txBody>
-                  <a:tcPr marL="68580" marR="68580" marT="34290" marB="34290"/>
-                </a:tc>
-                <a:tc>
-                  <a:txBody>
-                    <a:bodyPr/>
-                    <a:lstStyle/>
-                    <a:p>
-                      <a:r>
-                        <a:rPr kumimoji="1" lang="en-US" altLang="ja-JP" sz="1800" dirty="0"/>
-                        <a:t>72</a:t>
-                      </a:r>
-                      <a:endParaRPr kumimoji="1" lang="ja-JP" altLang="en-US" sz="1800"/>
-                    </a:p>
-                  </a:txBody>
-                  <a:tcPr marL="68580" marR="68580" marT="34290" marB="34290"/>
-                </a:tc>
-                <a:tc>
-                  <a:txBody>
-                    <a:bodyPr/>
-                    <a:lstStyle/>
-                    <a:p>
-                      <a:r>
-                        <a:rPr kumimoji="1" lang="en-US" altLang="ja-JP" sz="1800" dirty="0"/>
-                        <a:t>7</a:t>
-                      </a:r>
-                      <a:endParaRPr kumimoji="1" lang="ja-JP" altLang="en-US" sz="1800"/>
-                    </a:p>
-                  </a:txBody>
-                  <a:tcPr marL="68580" marR="68580" marT="34290" marB="34290"/>
-                </a:tc>
-                <a:tc>
-                  <a:txBody>
-                    <a:bodyPr/>
-                    <a:lstStyle/>
-                    <a:p>
-                      <a:r>
-                        <a:rPr kumimoji="1" lang="en-US" altLang="ja-JP" sz="1800" dirty="0">
-                          <a:solidFill>
-                            <a:srgbClr val="FF0000"/>
-                          </a:solidFill>
-                        </a:rPr>
-                        <a:t>921.74</a:t>
-                      </a:r>
-                      <a:endParaRPr kumimoji="1" lang="ja-JP" altLang="en-US" sz="1800">
-                        <a:solidFill>
-                          <a:srgbClr val="FF0000"/>
-                        </a:solidFill>
-                      </a:endParaRPr>
-                    </a:p>
-                  </a:txBody>
-                  <a:tcPr marL="68580" marR="68580" marT="34290" marB="34290"/>
-                </a:tc>
-                <a:tc>
-                  <a:txBody>
-                    <a:bodyPr/>
-                    <a:lstStyle/>
-                    <a:p>
-                      <a:r>
-                        <a:rPr kumimoji="1" lang="en-US" altLang="ja-JP" sz="1800" dirty="0"/>
-                        <a:t>1031.66</a:t>
-                      </a:r>
-                      <a:endParaRPr kumimoji="1" lang="ja-JP" altLang="en-US" sz="1800"/>
-                    </a:p>
-                  </a:txBody>
-                  <a:tcPr marL="68580" marR="68580" marT="34290" marB="34290"/>
-                </a:tc>
-                <a:tc>
-                  <a:txBody>
-                    <a:bodyPr/>
-                    <a:lstStyle/>
-                    <a:p>
-                      <a:r>
-                        <a:rPr kumimoji="1" lang="en-US" altLang="ja-JP" sz="1800" dirty="0"/>
-                        <a:t>923.22</a:t>
-                      </a:r>
-                      <a:endParaRPr kumimoji="1" lang="ja-JP" altLang="en-US" sz="1800"/>
-                    </a:p>
-                  </a:txBody>
-                  <a:tcPr marL="68580" marR="68580" marT="34290" marB="34290"/>
-                </a:tc>
-                <a:extLst>
-                  <a:ext uri="{0D108BD9-81ED-4DB2-BD59-A6C34878D82A}">
-                    <a16:rowId xmlns:a16="http://schemas.microsoft.com/office/drawing/2014/main" val="3441054723"/>
-                  </a:ext>
-                </a:extLst>
-              </a:tr>
-            </a:tbl>
-          </a:graphicData>
-        </a:graphic>
-      </p:graphicFrame>
     </p:spTree>
     <p:extLst>
       <p:ext uri="{BB962C8B-B14F-4D97-AF65-F5344CB8AC3E}">
-        <p14:creationId xmlns:p14="http://schemas.microsoft.com/office/powerpoint/2010/main" val="3737252559"/>
-      </p:ext>
-    </p:extLst>
-  </p:cSld>
-  <p:clrMapOvr>
-    <a:masterClrMapping/>
-  </p:clrMapOvr>
-</p:sld>
-</file>
-
-<file path=ppt/slides/slide27.xml><?xml version="1.0" encoding="utf-8"?>
-<p:sld xmlns:a="http://schemas.openxmlformats.org/drawingml/2006/main" xmlns:r="http://schemas.openxmlformats.org/officeDocument/2006/relationships" xmlns:p="http://schemas.openxmlformats.org/presentationml/2006/main">
-  <p:cSld>
-    <p:spTree>
-      <p:nvGrpSpPr>
-        <p:cNvPr id="1" name=""/>
-        <p:cNvGrpSpPr/>
-        <p:nvPr/>
-      </p:nvGrpSpPr>
-      <p:grpSpPr>
-        <a:xfrm>
-          <a:off x="0" y="0"/>
-          <a:ext cx="0" cy="0"/>
-          <a:chOff x="0" y="0"/>
-          <a:chExt cx="0" cy="0"/>
-        </a:xfrm>
-      </p:grpSpPr>
-      <p:sp>
-        <p:nvSpPr>
-          <p:cNvPr id="2" name="タイトル 1">
-            <a:extLst>
-              <a:ext uri="{FF2B5EF4-FFF2-40B4-BE49-F238E27FC236}">
-                <a16:creationId xmlns:a16="http://schemas.microsoft.com/office/drawing/2014/main" id="{2DE70C4B-78FA-6145-AD67-25B14F11E06A}"/>
-              </a:ext>
-            </a:extLst>
-          </p:cNvPr>
-          <p:cNvSpPr>
-            <a:spLocks noGrp="1"/>
-          </p:cNvSpPr>
-          <p:nvPr>
-            <p:ph type="title"/>
-          </p:nvPr>
-        </p:nvSpPr>
-        <p:spPr/>
-        <p:txBody>
-          <a:bodyPr/>
-          <a:lstStyle/>
-          <a:p>
-            <a:r>
-              <a:rPr kumimoji="1" lang="ja-JP" altLang="en-US"/>
-              <a:t>先行研究との比較</a:t>
-            </a:r>
-          </a:p>
-        </p:txBody>
-      </p:sp>
-      <mc:AlternateContent xmlns:mc="http://schemas.openxmlformats.org/markup-compatibility/2006" xmlns:a14="http://schemas.microsoft.com/office/drawing/2010/main">
-        <mc:Choice Requires="a14">
-          <p:sp>
-            <p:nvSpPr>
-              <p:cNvPr id="3" name="コンテンツ プレースホルダー 2">
-                <a:extLst>
-                  <a:ext uri="{FF2B5EF4-FFF2-40B4-BE49-F238E27FC236}">
-                    <a16:creationId xmlns:a16="http://schemas.microsoft.com/office/drawing/2014/main" id="{384CB143-5579-764F-894E-0A155B971A55}"/>
-                  </a:ext>
-                </a:extLst>
-              </p:cNvPr>
-              <p:cNvSpPr>
-                <a:spLocks noGrp="1"/>
-              </p:cNvSpPr>
-              <p:nvPr>
-                <p:ph idx="1"/>
-              </p:nvPr>
-            </p:nvSpPr>
-            <p:spPr>
-              <a:xfrm>
-                <a:off x="1128684" y="2167385"/>
-                <a:ext cx="6848668" cy="3288635"/>
-              </a:xfrm>
-            </p:spPr>
-            <p:txBody>
-              <a:bodyPr>
-                <a:normAutofit/>
-              </a:bodyPr>
-              <a:lstStyle/>
-              <a:p>
-                <a:r>
-                  <a:rPr kumimoji="1" lang="ja-JP" altLang="en-US"/>
-                  <a:t>目的関数のペナルティに対する係数を十分に大きくすることで、</a:t>
-                </a:r>
-                <a:r>
-                  <a:rPr lang="ja-JP" altLang="en-US"/>
-                  <a:t>ハード制約として扱うことができる。</a:t>
-                </a:r>
-                <a:endParaRPr lang="en-US" altLang="ja-JP" dirty="0"/>
-              </a:p>
-              <a:p>
-                <a:r>
-                  <a:rPr lang="en-US" altLang="ja-JP" dirty="0" err="1"/>
-                  <a:t>Cordeau</a:t>
-                </a:r>
-                <a:r>
-                  <a:rPr lang="ja-JP" altLang="en-US"/>
-                  <a:t>ら</a:t>
-                </a:r>
-                <a:r>
-                  <a:rPr lang="en-US" altLang="ja-JP" baseline="30000" dirty="0"/>
-                  <a:t>[1]</a:t>
-                </a:r>
-                <a:r>
-                  <a:rPr lang="ja-JP" altLang="en-US"/>
-                  <a:t>の先行研究との解の精度を比較した</a:t>
-                </a:r>
-                <a:endParaRPr lang="en-US" altLang="ja-JP" dirty="0"/>
-              </a:p>
-              <a:p>
-                <a:r>
-                  <a:rPr lang="ja-JP" altLang="en-US">
-                    <a:latin typeface="+mn-ea"/>
-                  </a:rPr>
-                  <a:t>挿入近傍を用いた。</a:t>
-                </a:r>
-                <a:endParaRPr lang="en-US" altLang="ja-JP" dirty="0">
-                  <a:latin typeface="+mn-ea"/>
-                </a:endParaRPr>
-              </a:p>
-              <a:p>
-                <a:r>
-                  <a:rPr lang="ja-JP" altLang="en-US">
-                    <a:latin typeface="+mn-ea"/>
-                  </a:rPr>
-                  <a:t>容量制約を満たすものを必ず出力する。</a:t>
-                </a:r>
-                <a:endParaRPr lang="en-US" altLang="ja-JP" dirty="0"/>
-              </a:p>
-              <a:p>
-                <a:r>
-                  <a:rPr lang="ja-JP" altLang="en-US"/>
-                  <a:t>先行研究はルート間の挿入近傍の探索回数が</a:t>
-                </a:r>
-                <a14:m>
-                  <m:oMath xmlns:m="http://schemas.openxmlformats.org/officeDocument/2006/math">
-                    <m:sSup>
-                      <m:sSupPr>
-                        <m:ctrlPr>
-                          <a:rPr lang="en-US" altLang="ja-JP" i="1" smtClean="0">
-                            <a:latin typeface="Cambria Math" panose="02040503050406030204" pitchFamily="18" charset="0"/>
-                          </a:rPr>
-                        </m:ctrlPr>
-                      </m:sSupPr>
-                      <m:e>
-                        <m:r>
-                          <a:rPr lang="en-US" altLang="ja-JP" b="0" i="1" smtClean="0">
-                            <a:latin typeface="Cambria Math" panose="02040503050406030204" pitchFamily="18" charset="0"/>
-                          </a:rPr>
-                          <m:t>10</m:t>
-                        </m:r>
-                      </m:e>
-                      <m:sup>
-                        <m:r>
-                          <a:rPr lang="en-US" altLang="ja-JP" b="0" i="1" smtClean="0">
-                            <a:latin typeface="Cambria Math" panose="02040503050406030204" pitchFamily="18" charset="0"/>
-                          </a:rPr>
-                          <m:t>5</m:t>
-                        </m:r>
-                      </m:sup>
-                    </m:sSup>
-                  </m:oMath>
-                </a14:m>
-                <a:r>
-                  <a:rPr kumimoji="1" lang="ja-JP" altLang="en-US"/>
-                  <a:t>回の解</a:t>
-                </a:r>
-                <a:endParaRPr kumimoji="1" lang="en-US" altLang="ja-JP" dirty="0"/>
-              </a:p>
-            </p:txBody>
-          </p:sp>
-        </mc:Choice>
-        <mc:Fallback xmlns="">
-          <p:sp>
-            <p:nvSpPr>
-              <p:cNvPr id="3" name="コンテンツ プレースホルダー 2">
-                <a:extLst>
-                  <a:ext uri="{FF2B5EF4-FFF2-40B4-BE49-F238E27FC236}">
-                    <a16:creationId xmlns:a16="http://schemas.microsoft.com/office/drawing/2014/main" id="{384CB143-5579-764F-894E-0A155B971A55}"/>
-                  </a:ext>
-                </a:extLst>
-              </p:cNvPr>
-              <p:cNvSpPr>
-                <a:spLocks noGrp="1" noRot="1" noChangeAspect="1" noMove="1" noResize="1" noEditPoints="1" noAdjustHandles="1" noChangeArrowheads="1" noChangeShapeType="1" noTextEdit="1"/>
-              </p:cNvSpPr>
-              <p:nvPr>
-                <p:ph idx="1"/>
-              </p:nvPr>
-            </p:nvSpPr>
-            <p:spPr>
-              <a:xfrm>
-                <a:off x="1128684" y="2167385"/>
-                <a:ext cx="6848668" cy="3288635"/>
-              </a:xfrm>
-              <a:blipFill>
-                <a:blip r:embed="rId2"/>
-                <a:stretch>
-                  <a:fillRect l="-741"/>
-                </a:stretch>
-              </a:blipFill>
-            </p:spPr>
-            <p:txBody>
-              <a:bodyPr/>
-              <a:lstStyle/>
-              <a:p>
-                <a:r>
-                  <a:rPr lang="ja-JP" altLang="en-US">
-                    <a:noFill/>
-                  </a:rPr>
-                  <a:t> </a:t>
-                </a:r>
-              </a:p>
-            </p:txBody>
-          </p:sp>
-        </mc:Fallback>
-      </mc:AlternateContent>
-      <p:sp>
-        <p:nvSpPr>
-          <p:cNvPr id="4" name="スライド番号プレースホルダー 3">
-            <a:extLst>
-              <a:ext uri="{FF2B5EF4-FFF2-40B4-BE49-F238E27FC236}">
-                <a16:creationId xmlns:a16="http://schemas.microsoft.com/office/drawing/2014/main" id="{C6DEC8E1-E103-7C43-A075-1F62F6496E2A}"/>
-              </a:ext>
-            </a:extLst>
-          </p:cNvPr>
-          <p:cNvSpPr>
-            <a:spLocks noGrp="1"/>
-          </p:cNvSpPr>
-          <p:nvPr>
-            <p:ph type="sldNum" sz="quarter" idx="12"/>
-          </p:nvPr>
-        </p:nvSpPr>
-        <p:spPr/>
-        <p:txBody>
-          <a:bodyPr/>
-          <a:lstStyle/>
-          <a:p>
-            <a:fld id="{84E0C278-47E8-3649-A055-2003DC36C60A}" type="slidenum">
-              <a:rPr kumimoji="1" lang="ja-JP" altLang="en-US" smtClean="0"/>
-              <a:t>27</a:t>
-            </a:fld>
-            <a:endParaRPr kumimoji="1" lang="ja-JP" altLang="en-US"/>
-          </a:p>
-        </p:txBody>
-      </p:sp>
-      <p:sp>
-        <p:nvSpPr>
-          <p:cNvPr id="5" name="テキスト ボックス 4">
-            <a:extLst>
-              <a:ext uri="{FF2B5EF4-FFF2-40B4-BE49-F238E27FC236}">
-                <a16:creationId xmlns:a16="http://schemas.microsoft.com/office/drawing/2014/main" id="{E6B1330A-C0E0-7C48-B8F7-59902ACC1661}"/>
-              </a:ext>
-            </a:extLst>
-          </p:cNvPr>
-          <p:cNvSpPr txBox="1"/>
-          <p:nvPr/>
-        </p:nvSpPr>
-        <p:spPr>
-          <a:xfrm>
-            <a:off x="376744" y="5617998"/>
-            <a:ext cx="8075221" cy="369332"/>
-          </a:xfrm>
-          <a:prstGeom prst="rect">
-            <a:avLst/>
-          </a:prstGeom>
-          <a:noFill/>
-        </p:spPr>
-        <p:txBody>
-          <a:bodyPr wrap="square" rtlCol="0">
-            <a:spAutoFit/>
-          </a:bodyPr>
-          <a:lstStyle/>
-          <a:p>
-            <a:r>
-              <a:rPr lang="en-US" altLang="ja-JP" dirty="0"/>
-              <a:t>[1]</a:t>
-            </a:r>
-            <a:r>
-              <a:rPr lang="en-US" altLang="ja-JP" sz="1400" i="1" dirty="0" err="1"/>
-              <a:t>J.Cordeau</a:t>
-            </a:r>
-            <a:r>
-              <a:rPr lang="en-US" altLang="ja-JP" sz="1400" i="1" dirty="0"/>
-              <a:t> and </a:t>
-            </a:r>
-            <a:r>
-              <a:rPr lang="en-US" altLang="ja-JP" sz="1400" i="1" dirty="0" err="1"/>
-              <a:t>D.Laporte</a:t>
-            </a:r>
-            <a:r>
-              <a:rPr lang="en-US" altLang="ja-JP" sz="1400" i="1" dirty="0"/>
-              <a:t>. A </a:t>
-            </a:r>
-            <a:r>
-              <a:rPr lang="en-US" altLang="ja-JP" sz="1400" i="1" dirty="0" err="1"/>
-              <a:t>tabu</a:t>
-            </a:r>
-            <a:r>
-              <a:rPr lang="en-US" altLang="ja-JP" sz="1400" i="1" dirty="0"/>
-              <a:t> search for the static multi-vehicle dial-a-ride problem. </a:t>
-            </a:r>
-            <a:endParaRPr kumimoji="1" lang="ja-JP" altLang="en-US" sz="1400" i="1"/>
-          </a:p>
-        </p:txBody>
-      </p:sp>
-    </p:spTree>
-    <p:extLst>
-      <p:ext uri="{BB962C8B-B14F-4D97-AF65-F5344CB8AC3E}">
-        <p14:creationId xmlns:p14="http://schemas.microsoft.com/office/powerpoint/2010/main" val="3172896915"/>
-      </p:ext>
-    </p:extLst>
-  </p:cSld>
-  <p:clrMapOvr>
-    <a:masterClrMapping/>
-  </p:clrMapOvr>
-</p:sld>
-</file>
-
-<file path=ppt/slides/slide28.xml><?xml version="1.0" encoding="utf-8"?>
-<p:sld xmlns:a="http://schemas.openxmlformats.org/drawingml/2006/main" xmlns:r="http://schemas.openxmlformats.org/officeDocument/2006/relationships" xmlns:p="http://schemas.openxmlformats.org/presentationml/2006/main">
-  <p:cSld>
-    <p:spTree>
-      <p:nvGrpSpPr>
-        <p:cNvPr id="1" name=""/>
-        <p:cNvGrpSpPr/>
-        <p:nvPr/>
-      </p:nvGrpSpPr>
-      <p:grpSpPr>
-        <a:xfrm>
-          <a:off x="0" y="0"/>
-          <a:ext cx="0" cy="0"/>
-          <a:chOff x="0" y="0"/>
-          <a:chExt cx="0" cy="0"/>
-        </a:xfrm>
-      </p:grpSpPr>
-      <p:graphicFrame>
-        <p:nvGraphicFramePr>
-          <p:cNvPr id="2" name="表 1">
-            <a:extLst>
-              <a:ext uri="{FF2B5EF4-FFF2-40B4-BE49-F238E27FC236}">
-                <a16:creationId xmlns:a16="http://schemas.microsoft.com/office/drawing/2014/main" id="{C7729021-63D3-234C-9406-2BF90F908C75}"/>
-              </a:ext>
-            </a:extLst>
-          </p:cNvPr>
-          <p:cNvGraphicFramePr>
-            <a:graphicFrameLocks noGrp="1"/>
-          </p:cNvGraphicFramePr>
-          <p:nvPr>
-            <p:extLst>
-              <p:ext uri="{D42A27DB-BD31-4B8C-83A1-F6EECF244321}">
-                <p14:modId xmlns:p14="http://schemas.microsoft.com/office/powerpoint/2010/main" val="859146484"/>
-              </p:ext>
-            </p:extLst>
-          </p:nvPr>
-        </p:nvGraphicFramePr>
-        <p:xfrm>
-          <a:off x="124691" y="792887"/>
-          <a:ext cx="8829303" cy="4883520"/>
-        </p:xfrm>
-        <a:graphic>
-          <a:graphicData uri="http://schemas.openxmlformats.org/drawingml/2006/table">
-            <a:tbl>
-              <a:tblPr firstRow="1" bandRow="1">
-                <a:tableStyleId>{5C22544A-7EE6-4342-B048-85BDC9FD1C3A}</a:tableStyleId>
-              </a:tblPr>
-              <a:tblGrid>
-                <a:gridCol w="682831">
-                  <a:extLst>
-                    <a:ext uri="{9D8B030D-6E8A-4147-A177-3AD203B41FA5}">
-                      <a16:colId xmlns:a16="http://schemas.microsoft.com/office/drawing/2014/main" val="3067472456"/>
-                    </a:ext>
-                  </a:extLst>
-                </a:gridCol>
-                <a:gridCol w="688769">
-                  <a:extLst>
-                    <a:ext uri="{9D8B030D-6E8A-4147-A177-3AD203B41FA5}">
-                      <a16:colId xmlns:a16="http://schemas.microsoft.com/office/drawing/2014/main" val="2482243895"/>
-                    </a:ext>
-                  </a:extLst>
-                </a:gridCol>
-                <a:gridCol w="783771">
-                  <a:extLst>
-                    <a:ext uri="{9D8B030D-6E8A-4147-A177-3AD203B41FA5}">
-                      <a16:colId xmlns:a16="http://schemas.microsoft.com/office/drawing/2014/main" val="1348079041"/>
-                    </a:ext>
-                  </a:extLst>
-                </a:gridCol>
-                <a:gridCol w="1116281">
-                  <a:extLst>
-                    <a:ext uri="{9D8B030D-6E8A-4147-A177-3AD203B41FA5}">
-                      <a16:colId xmlns:a16="http://schemas.microsoft.com/office/drawing/2014/main" val="2295132505"/>
-                    </a:ext>
-                  </a:extLst>
-                </a:gridCol>
-                <a:gridCol w="1353787">
-                  <a:extLst>
-                    <a:ext uri="{9D8B030D-6E8A-4147-A177-3AD203B41FA5}">
-                      <a16:colId xmlns:a16="http://schemas.microsoft.com/office/drawing/2014/main" val="3700408153"/>
-                    </a:ext>
-                  </a:extLst>
-                </a:gridCol>
-                <a:gridCol w="771896">
-                  <a:extLst>
-                    <a:ext uri="{9D8B030D-6E8A-4147-A177-3AD203B41FA5}">
-                      <a16:colId xmlns:a16="http://schemas.microsoft.com/office/drawing/2014/main" val="2489046969"/>
-                    </a:ext>
-                  </a:extLst>
-                </a:gridCol>
-                <a:gridCol w="1383271">
-                  <a:extLst>
-                    <a:ext uri="{9D8B030D-6E8A-4147-A177-3AD203B41FA5}">
-                      <a16:colId xmlns:a16="http://schemas.microsoft.com/office/drawing/2014/main" val="4233022040"/>
-                    </a:ext>
-                  </a:extLst>
-                </a:gridCol>
-                <a:gridCol w="767255">
-                  <a:extLst>
-                    <a:ext uri="{9D8B030D-6E8A-4147-A177-3AD203B41FA5}">
-                      <a16:colId xmlns:a16="http://schemas.microsoft.com/office/drawing/2014/main" val="4036047598"/>
-                    </a:ext>
-                  </a:extLst>
-                </a:gridCol>
-                <a:gridCol w="1281442">
-                  <a:extLst>
-                    <a:ext uri="{9D8B030D-6E8A-4147-A177-3AD203B41FA5}">
-                      <a16:colId xmlns:a16="http://schemas.microsoft.com/office/drawing/2014/main" val="1447902104"/>
-                    </a:ext>
-                  </a:extLst>
-                </a:gridCol>
-              </a:tblGrid>
-              <a:tr h="385951">
-                <a:tc>
-                  <a:txBody>
-                    <a:bodyPr/>
-                    <a:lstStyle/>
-                    <a:p>
-                      <a:endParaRPr kumimoji="1" lang="ja-JP" altLang="en-US" sz="1400"/>
-                    </a:p>
-                  </a:txBody>
-                  <a:tcPr marL="68580" marR="68580" marT="34290" marB="34290"/>
-                </a:tc>
-                <a:tc gridSpan="2">
-                  <a:txBody>
-                    <a:bodyPr/>
-                    <a:lstStyle/>
-                    <a:p>
-                      <a:pPr algn="ctr"/>
-                      <a:r>
-                        <a:rPr kumimoji="1" lang="en-US" altLang="ja-JP" sz="1400" dirty="0"/>
-                        <a:t>Size </a:t>
-                      </a:r>
-                      <a:endParaRPr kumimoji="1" lang="ja-JP" altLang="en-US" sz="1400"/>
-                    </a:p>
-                  </a:txBody>
-                  <a:tcPr marL="68580" marR="68580" marT="34290" marB="34290"/>
-                </a:tc>
-                <a:tc hMerge="1">
-                  <a:txBody>
-                    <a:bodyPr/>
-                    <a:lstStyle/>
-                    <a:p>
-                      <a:endParaRPr kumimoji="1" lang="ja-JP" altLang="en-US"/>
-                    </a:p>
-                  </a:txBody>
-                  <a:tcPr/>
-                </a:tc>
-                <a:tc gridSpan="5">
-                  <a:txBody>
-                    <a:bodyPr/>
-                    <a:lstStyle/>
-                    <a:p>
-                      <a:pPr algn="ctr"/>
-                      <a:r>
-                        <a:rPr kumimoji="1" lang="ja-JP" altLang="en-US" sz="1400"/>
-                        <a:t>本研究</a:t>
-                      </a:r>
-                    </a:p>
-                  </a:txBody>
-                  <a:tcPr marL="68580" marR="68580" marT="34290" marB="34290"/>
-                </a:tc>
-                <a:tc hMerge="1">
-                  <a:txBody>
-                    <a:bodyPr/>
-                    <a:lstStyle/>
-                    <a:p>
-                      <a:endParaRPr kumimoji="1" lang="ja-JP" altLang="en-US"/>
-                    </a:p>
-                  </a:txBody>
-                  <a:tcPr/>
-                </a:tc>
-                <a:tc hMerge="1">
-                  <a:txBody>
-                    <a:bodyPr/>
-                    <a:lstStyle/>
-                    <a:p>
-                      <a:endParaRPr kumimoji="1" lang="ja-JP" altLang="en-US"/>
-                    </a:p>
-                  </a:txBody>
-                  <a:tcPr/>
-                </a:tc>
-                <a:tc hMerge="1">
-                  <a:txBody>
-                    <a:bodyPr/>
-                    <a:lstStyle/>
-                    <a:p>
-                      <a:pPr algn="ctr"/>
-                      <a:endParaRPr kumimoji="1" lang="ja-JP" altLang="en-US"/>
-                    </a:p>
-                  </a:txBody>
-                  <a:tcPr/>
-                </a:tc>
-                <a:tc hMerge="1">
-                  <a:txBody>
-                    <a:bodyPr/>
-                    <a:lstStyle/>
-                    <a:p>
-                      <a:pPr algn="ctr"/>
-                      <a:endParaRPr kumimoji="1" lang="ja-JP" altLang="en-US"/>
-                    </a:p>
-                  </a:txBody>
-                  <a:tcPr/>
-                </a:tc>
-                <a:tc>
-                  <a:txBody>
-                    <a:bodyPr/>
-                    <a:lstStyle/>
-                    <a:p>
-                      <a:r>
-                        <a:rPr kumimoji="1" lang="ja-JP" altLang="en-US" sz="1400"/>
-                        <a:t>既存研究</a:t>
-                      </a:r>
-                    </a:p>
-                  </a:txBody>
-                  <a:tcPr marL="68580" marR="68580" marT="34290" marB="34290"/>
-                </a:tc>
-                <a:extLst>
-                  <a:ext uri="{0D108BD9-81ED-4DB2-BD59-A6C34878D82A}">
-                    <a16:rowId xmlns:a16="http://schemas.microsoft.com/office/drawing/2014/main" val="213501601"/>
-                  </a:ext>
-                </a:extLst>
-              </a:tr>
-              <a:tr h="686069">
-                <a:tc>
-                  <a:txBody>
-                    <a:bodyPr/>
-                    <a:lstStyle/>
-                    <a:p>
-                      <a:pPr algn="ctr"/>
-                      <a:r>
-                        <a:rPr kumimoji="1" lang="ja-JP" altLang="en-US" sz="1800"/>
-                        <a:t>問題例</a:t>
-                      </a:r>
-                    </a:p>
-                  </a:txBody>
-                  <a:tcPr marL="68580" marR="68580" marT="34290" marB="34290"/>
-                </a:tc>
-                <a:tc>
-                  <a:txBody>
-                    <a:bodyPr/>
-                    <a:lstStyle/>
-                    <a:p>
-                      <a:pPr algn="ctr"/>
-                      <a:r>
-                        <a:rPr kumimoji="1" lang="ja-JP" altLang="en-US" sz="1800"/>
-                        <a:t>顧客数</a:t>
-                      </a:r>
-                    </a:p>
-                  </a:txBody>
-                  <a:tcPr marL="68580" marR="68580" marT="34290" marB="34290"/>
-                </a:tc>
-                <a:tc>
-                  <a:txBody>
-                    <a:bodyPr/>
-                    <a:lstStyle/>
-                    <a:p>
-                      <a:pPr algn="ctr"/>
-                      <a:r>
-                        <a:rPr kumimoji="1" lang="ja-JP" altLang="en-US" sz="1800"/>
-                        <a:t>車両数</a:t>
-                      </a:r>
-                    </a:p>
-                  </a:txBody>
-                  <a:tcPr marL="68580" marR="68580" marT="34290" marB="34290"/>
-                </a:tc>
-                <a:tc>
-                  <a:txBody>
-                    <a:bodyPr/>
-                    <a:lstStyle/>
-                    <a:p>
-                      <a:pPr algn="ctr"/>
-                      <a:r>
-                        <a:rPr kumimoji="1" lang="ja-JP" altLang="en-US" sz="1800"/>
-                        <a:t>ルートの長さ</a:t>
-                      </a:r>
-                    </a:p>
-                  </a:txBody>
-                  <a:tcPr marL="68580" marR="68580" marT="34290" marB="34290"/>
-                </a:tc>
-                <a:tc>
-                  <a:txBody>
-                    <a:bodyPr/>
-                    <a:lstStyle/>
-                    <a:p>
-                      <a:pPr algn="ctr"/>
-                      <a:r>
-                        <a:rPr kumimoji="1" lang="ja-JP" altLang="en-US" sz="1800"/>
-                        <a:t>ペナルティ</a:t>
-                      </a:r>
-                    </a:p>
-                  </a:txBody>
-                  <a:tcPr marL="68580" marR="68580" marT="34290" marB="34290"/>
-                </a:tc>
-                <a:tc>
-                  <a:txBody>
-                    <a:bodyPr/>
-                    <a:lstStyle/>
-                    <a:p>
-                      <a:pPr algn="ctr"/>
-                      <a:r>
-                        <a:rPr kumimoji="1" lang="en-US" altLang="ja-JP" sz="1800" dirty="0"/>
-                        <a:t>GAP (%)</a:t>
-                      </a:r>
-                      <a:endParaRPr kumimoji="1" lang="ja-JP" altLang="en-US" sz="1800"/>
-                    </a:p>
-                  </a:txBody>
-                  <a:tcPr marL="68580" marR="68580" marT="34290" marB="34290"/>
-                </a:tc>
-                <a:tc>
-                  <a:txBody>
-                    <a:bodyPr/>
-                    <a:lstStyle/>
-                    <a:p>
-                      <a:pPr algn="ctr"/>
-                      <a:r>
-                        <a:rPr kumimoji="1" lang="ja-JP" altLang="en-US" sz="1800"/>
-                        <a:t>挿入近傍の</a:t>
-                      </a:r>
-                      <a:endParaRPr kumimoji="1" lang="en-US" altLang="ja-JP" sz="1800" dirty="0"/>
-                    </a:p>
-                    <a:p>
-                      <a:pPr algn="ctr"/>
-                      <a:r>
-                        <a:rPr kumimoji="1" lang="ja-JP" altLang="en-US" sz="1800"/>
-                        <a:t>探索回数</a:t>
-                      </a:r>
-                    </a:p>
-                  </a:txBody>
-                  <a:tcPr marL="68580" marR="68580" marT="34290" marB="34290"/>
-                </a:tc>
-                <a:tc>
-                  <a:txBody>
-                    <a:bodyPr/>
-                    <a:lstStyle/>
-                    <a:p>
-                      <a:pPr algn="ctr"/>
-                      <a:r>
-                        <a:rPr kumimoji="1" lang="ja-JP" altLang="en-US" sz="1800"/>
-                        <a:t>改善回数</a:t>
-                      </a:r>
-                    </a:p>
-                  </a:txBody>
-                  <a:tcPr marL="68580" marR="68580" marT="34290" marB="34290"/>
-                </a:tc>
-                <a:tc>
-                  <a:txBody>
-                    <a:bodyPr/>
-                    <a:lstStyle/>
-                    <a:p>
-                      <a:pPr algn="ctr"/>
-                      <a:r>
-                        <a:rPr kumimoji="1" lang="ja-JP" altLang="en-US" sz="1800"/>
-                        <a:t>値</a:t>
-                      </a:r>
-                    </a:p>
-                  </a:txBody>
-                  <a:tcPr marL="68580" marR="68580" marT="34290" marB="34290"/>
-                </a:tc>
-                <a:extLst>
-                  <a:ext uri="{0D108BD9-81ED-4DB2-BD59-A6C34878D82A}">
-                    <a16:rowId xmlns:a16="http://schemas.microsoft.com/office/drawing/2014/main" val="4000060795"/>
-                  </a:ext>
-                </a:extLst>
-              </a:tr>
-              <a:tr h="381150">
-                <a:tc>
-                  <a:txBody>
-                    <a:bodyPr/>
-                    <a:lstStyle/>
-                    <a:p>
-                      <a:pPr algn="ctr"/>
-                      <a:r>
-                        <a:rPr kumimoji="1" lang="en-US" altLang="ja-JP" sz="1800" dirty="0"/>
-                        <a:t>r1a</a:t>
-                      </a:r>
-                      <a:endParaRPr kumimoji="1" lang="ja-JP" altLang="en-US" sz="1800"/>
-                    </a:p>
-                  </a:txBody>
-                  <a:tcPr marL="68580" marR="68580" marT="34290" marB="34290"/>
-                </a:tc>
-                <a:tc>
-                  <a:txBody>
-                    <a:bodyPr/>
-                    <a:lstStyle/>
-                    <a:p>
-                      <a:pPr algn="ctr"/>
-                      <a:r>
-                        <a:rPr kumimoji="1" lang="en-US" altLang="ja-JP" sz="1800" dirty="0"/>
-                        <a:t>24</a:t>
-                      </a:r>
-                      <a:endParaRPr kumimoji="1" lang="ja-JP" altLang="en-US" sz="1800"/>
-                    </a:p>
-                  </a:txBody>
-                  <a:tcPr marL="68580" marR="68580" marT="34290" marB="34290"/>
-                </a:tc>
-                <a:tc>
-                  <a:txBody>
-                    <a:bodyPr/>
-                    <a:lstStyle/>
-                    <a:p>
-                      <a:pPr algn="ctr"/>
-                      <a:r>
-                        <a:rPr kumimoji="1" lang="en-US" altLang="ja-JP" sz="1800" dirty="0"/>
-                        <a:t>3</a:t>
-                      </a:r>
-                      <a:endParaRPr kumimoji="1" lang="ja-JP" altLang="en-US" sz="1800"/>
-                    </a:p>
-                  </a:txBody>
-                  <a:tcPr marL="68580" marR="68580" marT="34290" marB="34290"/>
-                </a:tc>
-                <a:tc>
-                  <a:txBody>
-                    <a:bodyPr/>
-                    <a:lstStyle/>
-                    <a:p>
-                      <a:pPr algn="r"/>
-                      <a:r>
-                        <a:rPr kumimoji="1" lang="en-US" altLang="ja-JP" sz="1800" dirty="0"/>
-                        <a:t>219.27</a:t>
-                      </a:r>
-                      <a:endParaRPr kumimoji="1" lang="ja-JP" altLang="en-US" sz="1800"/>
-                    </a:p>
-                  </a:txBody>
-                  <a:tcPr marL="68580" marR="68580" marT="34290" marB="34290" anchor="ctr"/>
-                </a:tc>
-                <a:tc>
-                  <a:txBody>
-                    <a:bodyPr/>
-                    <a:lstStyle/>
-                    <a:p>
-                      <a:pPr algn="r"/>
-                      <a:r>
-                        <a:rPr kumimoji="1" lang="en-US" altLang="ja-JP" sz="1800" dirty="0"/>
-                        <a:t>0.00</a:t>
-                      </a:r>
-                      <a:endParaRPr kumimoji="1" lang="ja-JP" altLang="en-US" sz="1800"/>
-                    </a:p>
-                  </a:txBody>
-                  <a:tcPr marL="68580" marR="68580" marT="34290" marB="34290" anchor="ctr"/>
-                </a:tc>
-                <a:tc>
-                  <a:txBody>
-                    <a:bodyPr/>
-                    <a:lstStyle/>
-                    <a:p>
-                      <a:pPr algn="r"/>
-                      <a:r>
-                        <a:rPr kumimoji="1" lang="en-US" altLang="ja-JP" sz="1800" dirty="0"/>
-                        <a:t>15.2</a:t>
-                      </a:r>
-                      <a:endParaRPr kumimoji="1" lang="ja-JP" altLang="en-US" sz="1800"/>
-                    </a:p>
-                  </a:txBody>
-                  <a:tcPr marL="68580" marR="68580" marT="34290" marB="34290" anchor="ctr"/>
-                </a:tc>
-                <a:tc>
-                  <a:txBody>
-                    <a:bodyPr/>
-                    <a:lstStyle/>
-                    <a:p>
-                      <a:pPr algn="r"/>
-                      <a:r>
-                        <a:rPr kumimoji="1" lang="en-US" altLang="ja-JP" sz="1800" dirty="0"/>
-                        <a:t>72</a:t>
-                      </a:r>
-                      <a:endParaRPr kumimoji="1" lang="ja-JP" altLang="en-US" sz="1800"/>
-                    </a:p>
-                  </a:txBody>
-                  <a:tcPr marL="68580" marR="68580" marT="34290" marB="34290" anchor="ctr"/>
-                </a:tc>
-                <a:tc>
-                  <a:txBody>
-                    <a:bodyPr/>
-                    <a:lstStyle/>
-                    <a:p>
-                      <a:pPr algn="r"/>
-                      <a:r>
-                        <a:rPr kumimoji="1" lang="en-US" altLang="ja-JP" sz="1800" dirty="0"/>
-                        <a:t>5</a:t>
-                      </a:r>
-                      <a:endParaRPr kumimoji="1" lang="ja-JP" altLang="en-US" sz="1800"/>
-                    </a:p>
-                  </a:txBody>
-                  <a:tcPr marL="68580" marR="68580" marT="34290" marB="34290" anchor="ctr"/>
-                </a:tc>
-                <a:tc>
-                  <a:txBody>
-                    <a:bodyPr/>
-                    <a:lstStyle/>
-                    <a:p>
-                      <a:pPr algn="r"/>
-                      <a:r>
-                        <a:rPr kumimoji="1" lang="en-US" altLang="ja-JP" sz="1800" dirty="0"/>
-                        <a:t>190.02</a:t>
-                      </a:r>
-                      <a:endParaRPr kumimoji="1" lang="ja-JP" altLang="en-US" sz="1800"/>
-                    </a:p>
-                  </a:txBody>
-                  <a:tcPr marL="68580" marR="68580" marT="34290" marB="34290" anchor="ctr"/>
-                </a:tc>
-                <a:extLst>
-                  <a:ext uri="{0D108BD9-81ED-4DB2-BD59-A6C34878D82A}">
-                    <a16:rowId xmlns:a16="http://schemas.microsoft.com/office/drawing/2014/main" val="1352873157"/>
-                  </a:ext>
-                </a:extLst>
-              </a:tr>
-              <a:tr h="381150">
-                <a:tc>
-                  <a:txBody>
-                    <a:bodyPr/>
-                    <a:lstStyle/>
-                    <a:p>
-                      <a:pPr marL="0" marR="0" lvl="0" indent="0" algn="ctr" defTabSz="914400" rtl="0" eaLnBrk="1" fontAlgn="auto" latinLnBrk="0" hangingPunct="1">
-                        <a:lnSpc>
-                          <a:spcPct val="100000"/>
-                        </a:lnSpc>
-                        <a:spcBef>
-                          <a:spcPts val="0"/>
-                        </a:spcBef>
-                        <a:spcAft>
-                          <a:spcPts val="0"/>
-                        </a:spcAft>
-                        <a:buClrTx/>
-                        <a:buSzTx/>
-                        <a:buFontTx/>
-                        <a:buNone/>
-                        <a:tabLst/>
-                        <a:defRPr/>
-                      </a:pPr>
-                      <a:r>
-                        <a:rPr kumimoji="1" lang="en-US" altLang="ja-JP" sz="1800" dirty="0"/>
-                        <a:t>r1b</a:t>
-                      </a:r>
-                      <a:endParaRPr kumimoji="1" lang="ja-JP" altLang="en-US" sz="1800"/>
-                    </a:p>
-                  </a:txBody>
-                  <a:tcPr marL="68580" marR="68580" marT="34290" marB="34290"/>
-                </a:tc>
-                <a:tc>
-                  <a:txBody>
-                    <a:bodyPr/>
-                    <a:lstStyle/>
-                    <a:p>
-                      <a:pPr algn="ctr"/>
-                      <a:r>
-                        <a:rPr kumimoji="1" lang="en-US" altLang="ja-JP" sz="1800" dirty="0"/>
-                        <a:t>24</a:t>
-                      </a:r>
-                      <a:endParaRPr kumimoji="1" lang="ja-JP" altLang="en-US" sz="1800"/>
-                    </a:p>
-                  </a:txBody>
-                  <a:tcPr marL="68580" marR="68580" marT="34290" marB="34290"/>
-                </a:tc>
-                <a:tc>
-                  <a:txBody>
-                    <a:bodyPr/>
-                    <a:lstStyle/>
-                    <a:p>
-                      <a:pPr algn="ctr"/>
-                      <a:r>
-                        <a:rPr kumimoji="1" lang="en-US" altLang="ja-JP" sz="1800" dirty="0"/>
-                        <a:t>3</a:t>
-                      </a:r>
-                      <a:endParaRPr kumimoji="1" lang="ja-JP" altLang="en-US" sz="1800"/>
-                    </a:p>
-                  </a:txBody>
-                  <a:tcPr marL="68580" marR="68580" marT="34290" marB="34290"/>
-                </a:tc>
-                <a:tc>
-                  <a:txBody>
-                    <a:bodyPr/>
-                    <a:lstStyle/>
-                    <a:p>
-                      <a:pPr algn="r"/>
-                      <a:r>
-                        <a:rPr kumimoji="1" lang="en-US" altLang="ja-JP" sz="1800" dirty="0"/>
-                        <a:t>208.56</a:t>
-                      </a:r>
-                      <a:endParaRPr kumimoji="1" lang="ja-JP" altLang="en-US" sz="1800"/>
-                    </a:p>
-                  </a:txBody>
-                  <a:tcPr marL="68580" marR="68580" marT="34290" marB="34290" anchor="ctr"/>
-                </a:tc>
-                <a:tc>
-                  <a:txBody>
-                    <a:bodyPr/>
-                    <a:lstStyle/>
-                    <a:p>
-                      <a:pPr algn="r"/>
-                      <a:r>
-                        <a:rPr kumimoji="1" lang="en-US" altLang="ja-JP" sz="1800" dirty="0"/>
-                        <a:t>0.00</a:t>
-                      </a:r>
-                      <a:endParaRPr kumimoji="1" lang="ja-JP" altLang="en-US" sz="1800"/>
-                    </a:p>
-                  </a:txBody>
-                  <a:tcPr marL="68580" marR="68580" marT="34290" marB="34290" anchor="ctr"/>
-                </a:tc>
-                <a:tc>
-                  <a:txBody>
-                    <a:bodyPr/>
-                    <a:lstStyle/>
-                    <a:p>
-                      <a:pPr algn="r"/>
-                      <a:r>
-                        <a:rPr kumimoji="1" lang="en-US" altLang="ja-JP" sz="1800" dirty="0"/>
-                        <a:t>26.4</a:t>
-                      </a:r>
-                      <a:endParaRPr kumimoji="1" lang="ja-JP" altLang="en-US" sz="1800"/>
-                    </a:p>
-                  </a:txBody>
-                  <a:tcPr marL="68580" marR="68580" marT="34290" marB="34290" anchor="ctr"/>
-                </a:tc>
-                <a:tc>
-                  <a:txBody>
-                    <a:bodyPr/>
-                    <a:lstStyle/>
-                    <a:p>
-                      <a:pPr algn="r"/>
-                      <a:r>
-                        <a:rPr kumimoji="1" lang="en-US" altLang="ja-JP" sz="1800" dirty="0"/>
-                        <a:t>72</a:t>
-                      </a:r>
-                      <a:endParaRPr kumimoji="1" lang="ja-JP" altLang="en-US" sz="1800"/>
-                    </a:p>
-                  </a:txBody>
-                  <a:tcPr marL="68580" marR="68580" marT="34290" marB="34290" anchor="ctr"/>
-                </a:tc>
-                <a:tc>
-                  <a:txBody>
-                    <a:bodyPr/>
-                    <a:lstStyle/>
-                    <a:p>
-                      <a:pPr algn="r"/>
-                      <a:r>
-                        <a:rPr kumimoji="1" lang="en-US" altLang="ja-JP" sz="1800" dirty="0"/>
-                        <a:t>16</a:t>
-                      </a:r>
-                      <a:endParaRPr kumimoji="1" lang="ja-JP" altLang="en-US" sz="1800"/>
-                    </a:p>
-                  </a:txBody>
-                  <a:tcPr marL="68580" marR="68580" marT="34290" marB="34290" anchor="ctr"/>
-                </a:tc>
-                <a:tc>
-                  <a:txBody>
-                    <a:bodyPr/>
-                    <a:lstStyle/>
-                    <a:p>
-                      <a:pPr algn="r"/>
-                      <a:r>
-                        <a:rPr kumimoji="1" lang="en-US" altLang="ja-JP" sz="1800" dirty="0"/>
-                        <a:t>164.46</a:t>
-                      </a:r>
-                      <a:endParaRPr kumimoji="1" lang="ja-JP" altLang="en-US" sz="1800"/>
-                    </a:p>
-                  </a:txBody>
-                  <a:tcPr marL="68580" marR="68580" marT="34290" marB="34290" anchor="ctr"/>
-                </a:tc>
-                <a:extLst>
-                  <a:ext uri="{0D108BD9-81ED-4DB2-BD59-A6C34878D82A}">
-                    <a16:rowId xmlns:a16="http://schemas.microsoft.com/office/drawing/2014/main" val="2995667888"/>
-                  </a:ext>
-                </a:extLst>
-              </a:tr>
-              <a:tr h="381150">
-                <a:tc>
-                  <a:txBody>
-                    <a:bodyPr/>
-                    <a:lstStyle/>
-                    <a:p>
-                      <a:pPr algn="ctr"/>
-                      <a:r>
-                        <a:rPr kumimoji="1" lang="en-US" altLang="ja-JP" sz="1800" dirty="0"/>
-                        <a:t>r2a</a:t>
-                      </a:r>
-                      <a:endParaRPr kumimoji="1" lang="ja-JP" altLang="en-US" sz="1800"/>
-                    </a:p>
-                  </a:txBody>
-                  <a:tcPr marL="68580" marR="68580" marT="34290" marB="34290"/>
-                </a:tc>
-                <a:tc>
-                  <a:txBody>
-                    <a:bodyPr/>
-                    <a:lstStyle/>
-                    <a:p>
-                      <a:pPr algn="ctr"/>
-                      <a:r>
-                        <a:rPr kumimoji="1" lang="en-US" altLang="ja-JP" sz="1800" dirty="0"/>
-                        <a:t>48</a:t>
-                      </a:r>
-                      <a:endParaRPr kumimoji="1" lang="ja-JP" altLang="en-US" sz="1800"/>
-                    </a:p>
-                  </a:txBody>
-                  <a:tcPr marL="68580" marR="68580" marT="34290" marB="34290"/>
-                </a:tc>
-                <a:tc>
-                  <a:txBody>
-                    <a:bodyPr/>
-                    <a:lstStyle/>
-                    <a:p>
-                      <a:pPr algn="ctr"/>
-                      <a:r>
-                        <a:rPr kumimoji="1" lang="en-US" altLang="ja-JP" sz="1800" dirty="0"/>
-                        <a:t>5</a:t>
-                      </a:r>
-                      <a:endParaRPr kumimoji="1" lang="ja-JP" altLang="en-US" sz="1800"/>
-                    </a:p>
-                  </a:txBody>
-                  <a:tcPr marL="68580" marR="68580" marT="34290" marB="34290"/>
-                </a:tc>
-                <a:tc>
-                  <a:txBody>
-                    <a:bodyPr/>
-                    <a:lstStyle/>
-                    <a:p>
-                      <a:pPr algn="r"/>
-                      <a:r>
-                        <a:rPr kumimoji="1" lang="en-US" altLang="ja-JP" sz="1800" dirty="0">
-                          <a:solidFill>
-                            <a:schemeClr val="tx1"/>
-                          </a:solidFill>
-                        </a:rPr>
-                        <a:t>431.61</a:t>
-                      </a:r>
-                      <a:endParaRPr kumimoji="1" lang="ja-JP" altLang="en-US" sz="1800">
-                        <a:solidFill>
-                          <a:schemeClr val="tx1"/>
-                        </a:solidFill>
-                      </a:endParaRPr>
-                    </a:p>
-                  </a:txBody>
-                  <a:tcPr marL="68580" marR="68580" marT="34290" marB="34290" anchor="ctr"/>
-                </a:tc>
-                <a:tc>
-                  <a:txBody>
-                    <a:bodyPr/>
-                    <a:lstStyle/>
-                    <a:p>
-                      <a:pPr algn="r"/>
-                      <a:r>
-                        <a:rPr kumimoji="1" lang="en-US" altLang="ja-JP" sz="1800" dirty="0">
-                          <a:solidFill>
-                            <a:schemeClr val="tx1"/>
-                          </a:solidFill>
-                        </a:rPr>
-                        <a:t>0.02</a:t>
-                      </a:r>
-                      <a:endParaRPr kumimoji="1" lang="ja-JP" altLang="en-US" sz="1800">
-                        <a:solidFill>
-                          <a:schemeClr val="tx1"/>
-                        </a:solidFill>
-                      </a:endParaRPr>
-                    </a:p>
-                  </a:txBody>
-                  <a:tcPr marL="68580" marR="68580" marT="34290" marB="34290" anchor="ctr"/>
-                </a:tc>
-                <a:tc>
-                  <a:txBody>
-                    <a:bodyPr/>
-                    <a:lstStyle/>
-                    <a:p>
-                      <a:pPr algn="r"/>
-                      <a:r>
-                        <a:rPr kumimoji="1" lang="en-US" altLang="ja-JP" sz="1800" dirty="0"/>
-                        <a:t>42.6</a:t>
-                      </a:r>
-                      <a:endParaRPr kumimoji="1" lang="ja-JP" altLang="en-US" sz="1800"/>
-                    </a:p>
-                  </a:txBody>
-                  <a:tcPr marL="68580" marR="68580" marT="34290" marB="34290" anchor="ctr"/>
-                </a:tc>
-                <a:tc>
-                  <a:txBody>
-                    <a:bodyPr/>
-                    <a:lstStyle/>
-                    <a:p>
-                      <a:pPr algn="r"/>
-                      <a:r>
-                        <a:rPr kumimoji="1" lang="en-US" altLang="ja-JP" sz="1800" dirty="0"/>
-                        <a:t>240</a:t>
-                      </a:r>
-                      <a:endParaRPr kumimoji="1" lang="ja-JP" altLang="en-US" sz="1800"/>
-                    </a:p>
-                  </a:txBody>
-                  <a:tcPr marL="68580" marR="68580" marT="34290" marB="34290" anchor="ctr"/>
-                </a:tc>
-                <a:tc>
-                  <a:txBody>
-                    <a:bodyPr/>
-                    <a:lstStyle/>
-                    <a:p>
-                      <a:pPr algn="r"/>
-                      <a:r>
-                        <a:rPr kumimoji="1" lang="en-US" altLang="ja-JP" sz="1800" dirty="0"/>
-                        <a:t>32</a:t>
-                      </a:r>
-                      <a:endParaRPr kumimoji="1" lang="ja-JP" altLang="en-US" sz="1800"/>
-                    </a:p>
-                  </a:txBody>
-                  <a:tcPr marL="68580" marR="68580" marT="34290" marB="34290" anchor="ctr"/>
-                </a:tc>
-                <a:tc>
-                  <a:txBody>
-                    <a:bodyPr/>
-                    <a:lstStyle/>
-                    <a:p>
-                      <a:pPr algn="r"/>
-                      <a:r>
-                        <a:rPr kumimoji="1" lang="en-US" altLang="ja-JP" sz="1800" dirty="0"/>
-                        <a:t>302.08</a:t>
-                      </a:r>
-                      <a:endParaRPr kumimoji="1" lang="ja-JP" altLang="en-US" sz="1800"/>
-                    </a:p>
-                  </a:txBody>
-                  <a:tcPr marL="68580" marR="68580" marT="34290" marB="34290" anchor="ctr"/>
-                </a:tc>
-                <a:extLst>
-                  <a:ext uri="{0D108BD9-81ED-4DB2-BD59-A6C34878D82A}">
-                    <a16:rowId xmlns:a16="http://schemas.microsoft.com/office/drawing/2014/main" val="4023180184"/>
-                  </a:ext>
-                </a:extLst>
-              </a:tr>
-              <a:tr h="381150">
-                <a:tc>
-                  <a:txBody>
-                    <a:bodyPr/>
-                    <a:lstStyle/>
-                    <a:p>
-                      <a:pPr marL="0" marR="0" lvl="0" indent="0" algn="ctr" defTabSz="914400" rtl="0" eaLnBrk="1" fontAlgn="auto" latinLnBrk="0" hangingPunct="1">
-                        <a:lnSpc>
-                          <a:spcPct val="100000"/>
-                        </a:lnSpc>
-                        <a:spcBef>
-                          <a:spcPts val="0"/>
-                        </a:spcBef>
-                        <a:spcAft>
-                          <a:spcPts val="0"/>
-                        </a:spcAft>
-                        <a:buClrTx/>
-                        <a:buSzTx/>
-                        <a:buFontTx/>
-                        <a:buNone/>
-                        <a:tabLst/>
-                        <a:defRPr/>
-                      </a:pPr>
-                      <a:r>
-                        <a:rPr kumimoji="1" lang="en-US" altLang="ja-JP" sz="1800" dirty="0"/>
-                        <a:t>r2b</a:t>
-                      </a:r>
-                      <a:endParaRPr kumimoji="1" lang="ja-JP" altLang="en-US" sz="1800"/>
-                    </a:p>
-                  </a:txBody>
-                  <a:tcPr marL="68580" marR="68580" marT="34290" marB="34290"/>
-                </a:tc>
-                <a:tc>
-                  <a:txBody>
-                    <a:bodyPr/>
-                    <a:lstStyle/>
-                    <a:p>
-                      <a:pPr algn="ctr"/>
-                      <a:r>
-                        <a:rPr kumimoji="1" lang="en-US" altLang="ja-JP" sz="1800" dirty="0"/>
-                        <a:t>48</a:t>
-                      </a:r>
-                      <a:endParaRPr kumimoji="1" lang="ja-JP" altLang="en-US" sz="1800"/>
-                    </a:p>
-                  </a:txBody>
-                  <a:tcPr marL="68580" marR="68580" marT="34290" marB="34290"/>
-                </a:tc>
-                <a:tc>
-                  <a:txBody>
-                    <a:bodyPr/>
-                    <a:lstStyle/>
-                    <a:p>
-                      <a:pPr algn="ctr"/>
-                      <a:r>
-                        <a:rPr kumimoji="1" lang="en-US" altLang="ja-JP" sz="1800" dirty="0"/>
-                        <a:t>5</a:t>
-                      </a:r>
-                      <a:endParaRPr kumimoji="1" lang="ja-JP" altLang="en-US" sz="1800"/>
-                    </a:p>
-                  </a:txBody>
-                  <a:tcPr marL="68580" marR="68580" marT="34290" marB="34290"/>
-                </a:tc>
-                <a:tc>
-                  <a:txBody>
-                    <a:bodyPr/>
-                    <a:lstStyle/>
-                    <a:p>
-                      <a:pPr algn="r"/>
-                      <a:r>
-                        <a:rPr kumimoji="1" lang="en-US" altLang="ja-JP" sz="1800" dirty="0"/>
-                        <a:t>402.11</a:t>
-                      </a:r>
-                      <a:endParaRPr kumimoji="1" lang="ja-JP" altLang="en-US" sz="1800"/>
-                    </a:p>
-                  </a:txBody>
-                  <a:tcPr marL="68580" marR="68580" marT="34290" marB="34290" anchor="ctr"/>
-                </a:tc>
-                <a:tc>
-                  <a:txBody>
-                    <a:bodyPr/>
-                    <a:lstStyle/>
-                    <a:p>
-                      <a:pPr algn="r"/>
-                      <a:r>
-                        <a:rPr kumimoji="1" lang="en-US" altLang="ja-JP" sz="1800" dirty="0"/>
-                        <a:t>0.00</a:t>
-                      </a:r>
-                      <a:endParaRPr kumimoji="1" lang="ja-JP" altLang="en-US" sz="1800"/>
-                    </a:p>
-                  </a:txBody>
-                  <a:tcPr marL="68580" marR="68580" marT="34290" marB="34290" anchor="ctr"/>
-                </a:tc>
-                <a:tc>
-                  <a:txBody>
-                    <a:bodyPr/>
-                    <a:lstStyle/>
-                    <a:p>
-                      <a:pPr algn="r"/>
-                      <a:r>
-                        <a:rPr kumimoji="1" lang="en-US" altLang="ja-JP" sz="1800" dirty="0"/>
-                        <a:t>35.8</a:t>
-                      </a:r>
-                      <a:endParaRPr kumimoji="1" lang="ja-JP" altLang="en-US" sz="1800"/>
-                    </a:p>
-                  </a:txBody>
-                  <a:tcPr marL="68580" marR="68580" marT="34290" marB="34290" anchor="ctr"/>
-                </a:tc>
-                <a:tc>
-                  <a:txBody>
-                    <a:bodyPr/>
-                    <a:lstStyle/>
-                    <a:p>
-                      <a:pPr algn="r"/>
-                      <a:r>
-                        <a:rPr kumimoji="1" lang="en-US" altLang="ja-JP" sz="1800" dirty="0"/>
-                        <a:t>240</a:t>
-                      </a:r>
-                      <a:endParaRPr kumimoji="1" lang="ja-JP" altLang="en-US" sz="1800"/>
-                    </a:p>
-                  </a:txBody>
-                  <a:tcPr marL="68580" marR="68580" marT="34290" marB="34290" anchor="ctr"/>
-                </a:tc>
-                <a:tc>
-                  <a:txBody>
-                    <a:bodyPr/>
-                    <a:lstStyle/>
-                    <a:p>
-                      <a:pPr algn="r"/>
-                      <a:r>
-                        <a:rPr kumimoji="1" lang="en-US" altLang="ja-JP" sz="1800" dirty="0"/>
-                        <a:t>15</a:t>
-                      </a:r>
-                      <a:endParaRPr kumimoji="1" lang="ja-JP" altLang="en-US" sz="1800"/>
-                    </a:p>
-                  </a:txBody>
-                  <a:tcPr marL="68580" marR="68580" marT="34290" marB="34290" anchor="ctr"/>
-                </a:tc>
-                <a:tc>
-                  <a:txBody>
-                    <a:bodyPr/>
-                    <a:lstStyle/>
-                    <a:p>
-                      <a:pPr algn="r"/>
-                      <a:r>
-                        <a:rPr kumimoji="1" lang="en-US" altLang="ja-JP" sz="1800" dirty="0"/>
-                        <a:t>296.06</a:t>
-                      </a:r>
-                      <a:endParaRPr kumimoji="1" lang="ja-JP" altLang="en-US" sz="1800"/>
-                    </a:p>
-                  </a:txBody>
-                  <a:tcPr marL="68580" marR="68580" marT="34290" marB="34290" anchor="ctr"/>
-                </a:tc>
-                <a:extLst>
-                  <a:ext uri="{0D108BD9-81ED-4DB2-BD59-A6C34878D82A}">
-                    <a16:rowId xmlns:a16="http://schemas.microsoft.com/office/drawing/2014/main" val="4045562915"/>
-                  </a:ext>
-                </a:extLst>
-              </a:tr>
-              <a:tr h="381150">
-                <a:tc>
-                  <a:txBody>
-                    <a:bodyPr/>
-                    <a:lstStyle/>
-                    <a:p>
-                      <a:pPr algn="ctr"/>
-                      <a:r>
-                        <a:rPr kumimoji="1" lang="en-US" altLang="ja-JP" sz="1800" dirty="0"/>
-                        <a:t>r3a</a:t>
-                      </a:r>
-                      <a:endParaRPr kumimoji="1" lang="ja-JP" altLang="en-US" sz="1800"/>
-                    </a:p>
-                  </a:txBody>
-                  <a:tcPr marL="68580" marR="68580" marT="34290" marB="34290"/>
-                </a:tc>
-                <a:tc>
-                  <a:txBody>
-                    <a:bodyPr/>
-                    <a:lstStyle/>
-                    <a:p>
-                      <a:pPr algn="ctr"/>
-                      <a:r>
-                        <a:rPr kumimoji="1" lang="en-US" altLang="ja-JP" sz="1800" dirty="0"/>
-                        <a:t>72</a:t>
-                      </a:r>
-                      <a:endParaRPr kumimoji="1" lang="ja-JP" altLang="en-US" sz="1800"/>
-                    </a:p>
-                  </a:txBody>
-                  <a:tcPr marL="68580" marR="68580" marT="34290" marB="34290"/>
-                </a:tc>
-                <a:tc>
-                  <a:txBody>
-                    <a:bodyPr/>
-                    <a:lstStyle/>
-                    <a:p>
-                      <a:pPr algn="ctr"/>
-                      <a:r>
-                        <a:rPr kumimoji="1" lang="en-US" altLang="ja-JP" sz="1800" dirty="0"/>
-                        <a:t>7</a:t>
-                      </a:r>
-                      <a:endParaRPr kumimoji="1" lang="ja-JP" altLang="en-US" sz="1800"/>
-                    </a:p>
-                  </a:txBody>
-                  <a:tcPr marL="68580" marR="68580" marT="34290" marB="34290"/>
-                </a:tc>
-                <a:tc>
-                  <a:txBody>
-                    <a:bodyPr/>
-                    <a:lstStyle/>
-                    <a:p>
-                      <a:pPr algn="r"/>
-                      <a:r>
-                        <a:rPr kumimoji="1" lang="en-US" altLang="ja-JP" sz="1800" dirty="0">
-                          <a:solidFill>
-                            <a:schemeClr val="tx1"/>
-                          </a:solidFill>
-                        </a:rPr>
-                        <a:t>779.04</a:t>
-                      </a:r>
-                      <a:endParaRPr kumimoji="1" lang="ja-JP" altLang="en-US" sz="1800">
-                        <a:solidFill>
-                          <a:schemeClr val="tx1"/>
-                        </a:solidFill>
-                      </a:endParaRPr>
-                    </a:p>
-                  </a:txBody>
-                  <a:tcPr marL="68580" marR="68580" marT="34290" marB="34290" anchor="ctr"/>
-                </a:tc>
-                <a:tc>
-                  <a:txBody>
-                    <a:bodyPr/>
-                    <a:lstStyle/>
-                    <a:p>
-                      <a:pPr algn="r"/>
-                      <a:r>
-                        <a:rPr kumimoji="1" lang="en-US" altLang="ja-JP" sz="1800" dirty="0"/>
-                        <a:t>0.00</a:t>
-                      </a:r>
-                      <a:endParaRPr kumimoji="1" lang="ja-JP" altLang="en-US" sz="1800"/>
-                    </a:p>
-                  </a:txBody>
-                  <a:tcPr marL="68580" marR="68580" marT="34290" marB="34290" anchor="ctr"/>
-                </a:tc>
-                <a:tc>
-                  <a:txBody>
-                    <a:bodyPr/>
-                    <a:lstStyle/>
-                    <a:p>
-                      <a:pPr algn="r"/>
-                      <a:r>
-                        <a:rPr kumimoji="1" lang="en-US" altLang="ja-JP" sz="1800" dirty="0"/>
-                        <a:t>46.4</a:t>
-                      </a:r>
-                      <a:endParaRPr kumimoji="1" lang="ja-JP" altLang="en-US" sz="1800"/>
-                    </a:p>
-                  </a:txBody>
-                  <a:tcPr marL="68580" marR="68580" marT="34290" marB="34290" anchor="ctr"/>
-                </a:tc>
-                <a:tc>
-                  <a:txBody>
-                    <a:bodyPr/>
-                    <a:lstStyle/>
-                    <a:p>
-                      <a:pPr algn="r"/>
-                      <a:r>
-                        <a:rPr kumimoji="1" lang="en-US" altLang="ja-JP" sz="1800" dirty="0"/>
-                        <a:t>504</a:t>
-                      </a:r>
-                      <a:endParaRPr kumimoji="1" lang="ja-JP" altLang="en-US" sz="1800"/>
-                    </a:p>
-                  </a:txBody>
-                  <a:tcPr marL="68580" marR="68580" marT="34290" marB="34290" anchor="ctr"/>
-                </a:tc>
-                <a:tc>
-                  <a:txBody>
-                    <a:bodyPr/>
-                    <a:lstStyle/>
-                    <a:p>
-                      <a:pPr algn="r"/>
-                      <a:r>
-                        <a:rPr kumimoji="1" lang="en-US" altLang="ja-JP" sz="1800" dirty="0"/>
-                        <a:t>41</a:t>
-                      </a:r>
-                      <a:endParaRPr kumimoji="1" lang="ja-JP" altLang="en-US" sz="1800"/>
-                    </a:p>
-                  </a:txBody>
-                  <a:tcPr marL="68580" marR="68580" marT="34290" marB="34290" anchor="ctr"/>
-                </a:tc>
-                <a:tc>
-                  <a:txBody>
-                    <a:bodyPr/>
-                    <a:lstStyle/>
-                    <a:p>
-                      <a:pPr algn="r"/>
-                      <a:r>
-                        <a:rPr kumimoji="1" lang="en-US" altLang="ja-JP" sz="1800" dirty="0"/>
-                        <a:t>532.08</a:t>
-                      </a:r>
-                      <a:endParaRPr kumimoji="1" lang="ja-JP" altLang="en-US" sz="1800"/>
-                    </a:p>
-                  </a:txBody>
-                  <a:tcPr marL="68580" marR="68580" marT="34290" marB="34290" anchor="ctr"/>
-                </a:tc>
-                <a:extLst>
-                  <a:ext uri="{0D108BD9-81ED-4DB2-BD59-A6C34878D82A}">
-                    <a16:rowId xmlns:a16="http://schemas.microsoft.com/office/drawing/2014/main" val="2257345316"/>
-                  </a:ext>
-                </a:extLst>
-              </a:tr>
-              <a:tr h="381150">
-                <a:tc>
-                  <a:txBody>
-                    <a:bodyPr/>
-                    <a:lstStyle/>
-                    <a:p>
-                      <a:pPr marL="0" marR="0" lvl="0" indent="0" algn="ctr" defTabSz="914400" rtl="0" eaLnBrk="1" fontAlgn="auto" latinLnBrk="0" hangingPunct="1">
-                        <a:lnSpc>
-                          <a:spcPct val="100000"/>
-                        </a:lnSpc>
-                        <a:spcBef>
-                          <a:spcPts val="0"/>
-                        </a:spcBef>
-                        <a:spcAft>
-                          <a:spcPts val="0"/>
-                        </a:spcAft>
-                        <a:buClrTx/>
-                        <a:buSzTx/>
-                        <a:buFontTx/>
-                        <a:buNone/>
-                        <a:tabLst/>
-                        <a:defRPr/>
-                      </a:pPr>
-                      <a:r>
-                        <a:rPr kumimoji="1" lang="en-US" altLang="ja-JP" sz="1800" dirty="0"/>
-                        <a:t>r3b</a:t>
-                      </a:r>
-                      <a:endParaRPr kumimoji="1" lang="ja-JP" altLang="en-US" sz="1800"/>
-                    </a:p>
-                  </a:txBody>
-                  <a:tcPr marL="68580" marR="68580" marT="34290" marB="34290"/>
-                </a:tc>
-                <a:tc>
-                  <a:txBody>
-                    <a:bodyPr/>
-                    <a:lstStyle/>
-                    <a:p>
-                      <a:pPr algn="ctr"/>
-                      <a:r>
-                        <a:rPr kumimoji="1" lang="en-US" altLang="ja-JP" sz="1800" dirty="0"/>
-                        <a:t>72</a:t>
-                      </a:r>
-                      <a:endParaRPr kumimoji="1" lang="ja-JP" altLang="en-US" sz="1800"/>
-                    </a:p>
-                  </a:txBody>
-                  <a:tcPr marL="68580" marR="68580" marT="34290" marB="34290"/>
-                </a:tc>
-                <a:tc>
-                  <a:txBody>
-                    <a:bodyPr/>
-                    <a:lstStyle/>
-                    <a:p>
-                      <a:pPr algn="ctr"/>
-                      <a:r>
-                        <a:rPr kumimoji="1" lang="en-US" altLang="ja-JP" sz="1800" dirty="0"/>
-                        <a:t>7</a:t>
-                      </a:r>
-                      <a:endParaRPr kumimoji="1" lang="ja-JP" altLang="en-US" sz="1800"/>
-                    </a:p>
-                  </a:txBody>
-                  <a:tcPr marL="68580" marR="68580" marT="34290" marB="34290"/>
-                </a:tc>
-                <a:tc>
-                  <a:txBody>
-                    <a:bodyPr/>
-                    <a:lstStyle/>
-                    <a:p>
-                      <a:pPr algn="r"/>
-                      <a:r>
-                        <a:rPr kumimoji="1" lang="en-US" altLang="ja-JP" sz="1800" dirty="0"/>
-                        <a:t>697.87</a:t>
-                      </a:r>
-                      <a:endParaRPr kumimoji="1" lang="ja-JP" altLang="en-US" sz="1800"/>
-                    </a:p>
-                  </a:txBody>
-                  <a:tcPr marL="68580" marR="68580" marT="34290" marB="34290" anchor="ctr"/>
-                </a:tc>
-                <a:tc>
-                  <a:txBody>
-                    <a:bodyPr/>
-                    <a:lstStyle/>
-                    <a:p>
-                      <a:pPr algn="r"/>
-                      <a:r>
-                        <a:rPr kumimoji="1" lang="en-US" altLang="ja-JP" sz="1800" dirty="0"/>
-                        <a:t>0.00</a:t>
-                      </a:r>
-                      <a:endParaRPr kumimoji="1" lang="ja-JP" altLang="en-US" sz="1800"/>
-                    </a:p>
-                  </a:txBody>
-                  <a:tcPr marL="68580" marR="68580" marT="34290" marB="34290" anchor="ctr"/>
-                </a:tc>
-                <a:tc>
-                  <a:txBody>
-                    <a:bodyPr/>
-                    <a:lstStyle/>
-                    <a:p>
-                      <a:pPr algn="r"/>
-                      <a:r>
-                        <a:rPr kumimoji="1" lang="en-US" altLang="ja-JP" sz="1800" dirty="0"/>
-                        <a:t>41.4</a:t>
-                      </a:r>
-                      <a:endParaRPr kumimoji="1" lang="ja-JP" altLang="en-US" sz="1800"/>
-                    </a:p>
-                  </a:txBody>
-                  <a:tcPr marL="68580" marR="68580" marT="34290" marB="34290" anchor="ctr"/>
-                </a:tc>
-                <a:tc>
-                  <a:txBody>
-                    <a:bodyPr/>
-                    <a:lstStyle/>
-                    <a:p>
-                      <a:pPr algn="r"/>
-                      <a:r>
-                        <a:rPr kumimoji="1" lang="en-US" altLang="ja-JP" sz="1800" dirty="0"/>
-                        <a:t>504</a:t>
-                      </a:r>
-                      <a:endParaRPr kumimoji="1" lang="ja-JP" altLang="en-US" sz="1800"/>
-                    </a:p>
-                  </a:txBody>
-                  <a:tcPr marL="68580" marR="68580" marT="34290" marB="34290" anchor="ctr"/>
-                </a:tc>
-                <a:tc>
-                  <a:txBody>
-                    <a:bodyPr/>
-                    <a:lstStyle/>
-                    <a:p>
-                      <a:pPr algn="r"/>
-                      <a:r>
-                        <a:rPr kumimoji="1" lang="en-US" altLang="ja-JP" sz="1800" dirty="0"/>
-                        <a:t>49</a:t>
-                      </a:r>
-                      <a:endParaRPr kumimoji="1" lang="ja-JP" altLang="en-US" sz="1800"/>
-                    </a:p>
-                  </a:txBody>
-                  <a:tcPr marL="68580" marR="68580" marT="34290" marB="34290" anchor="ctr"/>
-                </a:tc>
-                <a:tc>
-                  <a:txBody>
-                    <a:bodyPr/>
-                    <a:lstStyle/>
-                    <a:p>
-                      <a:pPr algn="r"/>
-                      <a:r>
-                        <a:rPr kumimoji="1" lang="en-US" altLang="ja-JP" sz="1800" dirty="0"/>
-                        <a:t>493.30</a:t>
-                      </a:r>
-                      <a:endParaRPr kumimoji="1" lang="ja-JP" altLang="en-US" sz="1800"/>
-                    </a:p>
-                  </a:txBody>
-                  <a:tcPr marL="68580" marR="68580" marT="34290" marB="34290" anchor="ctr"/>
-                </a:tc>
-                <a:extLst>
-                  <a:ext uri="{0D108BD9-81ED-4DB2-BD59-A6C34878D82A}">
-                    <a16:rowId xmlns:a16="http://schemas.microsoft.com/office/drawing/2014/main" val="523082997"/>
-                  </a:ext>
-                </a:extLst>
-              </a:tr>
-              <a:tr h="381150">
-                <a:tc>
-                  <a:txBody>
-                    <a:bodyPr/>
-                    <a:lstStyle/>
-                    <a:p>
-                      <a:pPr algn="ctr"/>
-                      <a:r>
-                        <a:rPr kumimoji="1" lang="en-US" altLang="ja-JP" sz="1800" dirty="0"/>
-                        <a:t>r4a</a:t>
-                      </a:r>
-                      <a:endParaRPr kumimoji="1" lang="ja-JP" altLang="en-US" sz="1800"/>
-                    </a:p>
-                  </a:txBody>
-                  <a:tcPr marL="68580" marR="68580" marT="34290" marB="34290"/>
-                </a:tc>
-                <a:tc>
-                  <a:txBody>
-                    <a:bodyPr/>
-                    <a:lstStyle/>
-                    <a:p>
-                      <a:pPr algn="ctr"/>
-                      <a:r>
-                        <a:rPr kumimoji="1" lang="en-US" altLang="ja-JP" sz="1800" dirty="0"/>
-                        <a:t>96</a:t>
-                      </a:r>
-                    </a:p>
-                  </a:txBody>
-                  <a:tcPr marL="68580" marR="68580" marT="34290" marB="34290"/>
-                </a:tc>
-                <a:tc>
-                  <a:txBody>
-                    <a:bodyPr/>
-                    <a:lstStyle/>
-                    <a:p>
-                      <a:pPr algn="ctr"/>
-                      <a:r>
-                        <a:rPr kumimoji="1" lang="en-US" altLang="ja-JP" sz="1800" dirty="0"/>
-                        <a:t>9</a:t>
-                      </a:r>
-                      <a:endParaRPr kumimoji="1" lang="ja-JP" altLang="en-US" sz="1800"/>
-                    </a:p>
-                  </a:txBody>
-                  <a:tcPr marL="68580" marR="68580" marT="34290" marB="34290"/>
-                </a:tc>
-                <a:tc>
-                  <a:txBody>
-                    <a:bodyPr/>
-                    <a:lstStyle/>
-                    <a:p>
-                      <a:pPr algn="r"/>
-                      <a:r>
-                        <a:rPr kumimoji="1" lang="en-US" altLang="ja-JP" sz="1800" dirty="0"/>
-                        <a:t>836.76</a:t>
-                      </a:r>
-                      <a:endParaRPr kumimoji="1" lang="ja-JP" altLang="en-US" sz="1800"/>
-                    </a:p>
-                  </a:txBody>
-                  <a:tcPr marL="68580" marR="68580" marT="34290" marB="34290" anchor="ctr"/>
-                </a:tc>
-                <a:tc>
-                  <a:txBody>
-                    <a:bodyPr/>
-                    <a:lstStyle/>
-                    <a:p>
-                      <a:pPr algn="r"/>
-                      <a:r>
-                        <a:rPr kumimoji="1" lang="en-US" altLang="ja-JP" sz="1800" dirty="0"/>
-                        <a:t>0.00</a:t>
-                      </a:r>
-                      <a:endParaRPr kumimoji="1" lang="ja-JP" altLang="en-US" sz="1800"/>
-                    </a:p>
-                  </a:txBody>
-                  <a:tcPr marL="68580" marR="68580" marT="34290" marB="34290" anchor="ctr"/>
-                </a:tc>
-                <a:tc>
-                  <a:txBody>
-                    <a:bodyPr/>
-                    <a:lstStyle/>
-                    <a:p>
-                      <a:pPr algn="r"/>
-                      <a:r>
-                        <a:rPr kumimoji="1" lang="en-US" altLang="ja-JP" sz="1800" dirty="0"/>
-                        <a:t>45.9</a:t>
-                      </a:r>
-                      <a:endParaRPr kumimoji="1" lang="ja-JP" altLang="en-US" sz="1800"/>
-                    </a:p>
-                  </a:txBody>
-                  <a:tcPr marL="68580" marR="68580" marT="34290" marB="34290" anchor="ctr"/>
-                </a:tc>
-                <a:tc>
-                  <a:txBody>
-                    <a:bodyPr/>
-                    <a:lstStyle/>
-                    <a:p>
-                      <a:pPr algn="r"/>
-                      <a:r>
-                        <a:rPr kumimoji="1" lang="en-US" altLang="ja-JP" sz="1800" dirty="0"/>
-                        <a:t>864</a:t>
-                      </a:r>
-                      <a:endParaRPr kumimoji="1" lang="ja-JP" altLang="en-US" sz="1800"/>
-                    </a:p>
-                  </a:txBody>
-                  <a:tcPr marL="68580" marR="68580" marT="34290" marB="34290" anchor="ctr"/>
-                </a:tc>
-                <a:tc>
-                  <a:txBody>
-                    <a:bodyPr/>
-                    <a:lstStyle/>
-                    <a:p>
-                      <a:pPr algn="r"/>
-                      <a:r>
-                        <a:rPr kumimoji="1" lang="en-US" altLang="ja-JP" sz="1800" dirty="0"/>
-                        <a:t>61</a:t>
-                      </a:r>
-                      <a:endParaRPr kumimoji="1" lang="ja-JP" altLang="en-US" sz="1800"/>
-                    </a:p>
-                  </a:txBody>
-                  <a:tcPr marL="68580" marR="68580" marT="34290" marB="34290" anchor="ctr"/>
-                </a:tc>
-                <a:tc>
-                  <a:txBody>
-                    <a:bodyPr/>
-                    <a:lstStyle/>
-                    <a:p>
-                      <a:pPr algn="r"/>
-                      <a:r>
-                        <a:rPr kumimoji="1" lang="en-US" altLang="ja-JP" sz="1800" dirty="0"/>
-                        <a:t>572.68</a:t>
-                      </a:r>
-                      <a:endParaRPr kumimoji="1" lang="ja-JP" altLang="en-US" sz="1800"/>
-                    </a:p>
-                  </a:txBody>
-                  <a:tcPr marL="68580" marR="68580" marT="34290" marB="34290" anchor="ctr"/>
-                </a:tc>
-                <a:extLst>
-                  <a:ext uri="{0D108BD9-81ED-4DB2-BD59-A6C34878D82A}">
-                    <a16:rowId xmlns:a16="http://schemas.microsoft.com/office/drawing/2014/main" val="3872839470"/>
-                  </a:ext>
-                </a:extLst>
-              </a:tr>
-              <a:tr h="381150">
-                <a:tc>
-                  <a:txBody>
-                    <a:bodyPr/>
-                    <a:lstStyle/>
-                    <a:p>
-                      <a:pPr marL="0" marR="0" lvl="0" indent="0" algn="ctr" defTabSz="914400" rtl="0" eaLnBrk="1" fontAlgn="auto" latinLnBrk="0" hangingPunct="1">
-                        <a:lnSpc>
-                          <a:spcPct val="100000"/>
-                        </a:lnSpc>
-                        <a:spcBef>
-                          <a:spcPts val="0"/>
-                        </a:spcBef>
-                        <a:spcAft>
-                          <a:spcPts val="0"/>
-                        </a:spcAft>
-                        <a:buClrTx/>
-                        <a:buSzTx/>
-                        <a:buFontTx/>
-                        <a:buNone/>
-                        <a:tabLst/>
-                        <a:defRPr/>
-                      </a:pPr>
-                      <a:r>
-                        <a:rPr kumimoji="1" lang="en-US" altLang="ja-JP" sz="1800" dirty="0"/>
-                        <a:t>r4b</a:t>
-                      </a:r>
-                      <a:endParaRPr kumimoji="1" lang="ja-JP" altLang="en-US" sz="1800"/>
-                    </a:p>
-                  </a:txBody>
-                  <a:tcPr marL="68580" marR="68580" marT="34290" marB="34290"/>
-                </a:tc>
-                <a:tc>
-                  <a:txBody>
-                    <a:bodyPr/>
-                    <a:lstStyle/>
-                    <a:p>
-                      <a:pPr algn="ctr"/>
-                      <a:r>
-                        <a:rPr kumimoji="1" lang="en-US" altLang="ja-JP" sz="1800" dirty="0"/>
-                        <a:t>96</a:t>
-                      </a:r>
-                      <a:endParaRPr kumimoji="1" lang="ja-JP" altLang="en-US" sz="1800"/>
-                    </a:p>
-                  </a:txBody>
-                  <a:tcPr marL="68580" marR="68580" marT="34290" marB="34290"/>
-                </a:tc>
-                <a:tc>
-                  <a:txBody>
-                    <a:bodyPr/>
-                    <a:lstStyle/>
-                    <a:p>
-                      <a:pPr algn="ctr"/>
-                      <a:r>
-                        <a:rPr kumimoji="1" lang="en-US" altLang="ja-JP" sz="1800" dirty="0"/>
-                        <a:t>9</a:t>
-                      </a:r>
-                      <a:endParaRPr kumimoji="1" lang="ja-JP" altLang="en-US" sz="1800"/>
-                    </a:p>
-                  </a:txBody>
-                  <a:tcPr marL="68580" marR="68580" marT="34290" marB="34290"/>
-                </a:tc>
-                <a:tc>
-                  <a:txBody>
-                    <a:bodyPr/>
-                    <a:lstStyle/>
-                    <a:p>
-                      <a:pPr algn="r"/>
-                      <a:r>
-                        <a:rPr kumimoji="1" lang="en-US" altLang="ja-JP" sz="1800" dirty="0">
-                          <a:solidFill>
-                            <a:schemeClr val="tx1"/>
-                          </a:solidFill>
-                        </a:rPr>
-                        <a:t>833.65</a:t>
-                      </a:r>
-                      <a:endParaRPr kumimoji="1" lang="ja-JP" altLang="en-US" sz="1800">
-                        <a:solidFill>
-                          <a:schemeClr val="tx1"/>
-                        </a:solidFill>
-                      </a:endParaRPr>
-                    </a:p>
-                  </a:txBody>
-                  <a:tcPr marL="68580" marR="68580" marT="34290" marB="34290" anchor="ctr"/>
-                </a:tc>
-                <a:tc>
-                  <a:txBody>
-                    <a:bodyPr/>
-                    <a:lstStyle/>
-                    <a:p>
-                      <a:pPr algn="r"/>
-                      <a:r>
-                        <a:rPr kumimoji="1" lang="en-US" altLang="ja-JP" sz="1800" dirty="0"/>
-                        <a:t>0.00</a:t>
-                      </a:r>
-                      <a:endParaRPr kumimoji="1" lang="ja-JP" altLang="en-US" sz="1800"/>
-                    </a:p>
-                  </a:txBody>
-                  <a:tcPr marL="68580" marR="68580" marT="34290" marB="34290" anchor="ctr"/>
-                </a:tc>
-                <a:tc>
-                  <a:txBody>
-                    <a:bodyPr/>
-                    <a:lstStyle/>
-                    <a:p>
-                      <a:pPr algn="r"/>
-                      <a:r>
-                        <a:rPr kumimoji="1" lang="en-US" altLang="ja-JP" sz="1800" dirty="0"/>
-                        <a:t>55.5</a:t>
-                      </a:r>
-                      <a:endParaRPr kumimoji="1" lang="ja-JP" altLang="en-US" sz="1800"/>
-                    </a:p>
-                  </a:txBody>
-                  <a:tcPr marL="68580" marR="68580" marT="34290" marB="34290" anchor="ctr"/>
-                </a:tc>
-                <a:tc>
-                  <a:txBody>
-                    <a:bodyPr/>
-                    <a:lstStyle/>
-                    <a:p>
-                      <a:pPr algn="r"/>
-                      <a:r>
-                        <a:rPr kumimoji="1" lang="en-US" altLang="ja-JP" sz="1800" dirty="0"/>
-                        <a:t>864</a:t>
-                      </a:r>
-                      <a:endParaRPr kumimoji="1" lang="ja-JP" altLang="en-US" sz="1800"/>
-                    </a:p>
-                  </a:txBody>
-                  <a:tcPr marL="68580" marR="68580" marT="34290" marB="34290" anchor="ctr"/>
-                </a:tc>
-                <a:tc>
-                  <a:txBody>
-                    <a:bodyPr/>
-                    <a:lstStyle/>
-                    <a:p>
-                      <a:pPr algn="r"/>
-                      <a:r>
-                        <a:rPr kumimoji="1" lang="en-US" altLang="ja-JP" sz="1800" dirty="0"/>
-                        <a:t>75</a:t>
-                      </a:r>
-                      <a:endParaRPr kumimoji="1" lang="ja-JP" altLang="en-US" sz="1800"/>
-                    </a:p>
-                  </a:txBody>
-                  <a:tcPr marL="68580" marR="68580" marT="34290" marB="34290" anchor="ctr"/>
-                </a:tc>
-                <a:tc>
-                  <a:txBody>
-                    <a:bodyPr/>
-                    <a:lstStyle/>
-                    <a:p>
-                      <a:pPr algn="r"/>
-                      <a:r>
-                        <a:rPr kumimoji="1" lang="en-US" altLang="ja-JP" sz="1800" dirty="0"/>
-                        <a:t>535.90</a:t>
-                      </a:r>
-                      <a:endParaRPr kumimoji="1" lang="ja-JP" altLang="en-US" sz="1800"/>
-                    </a:p>
-                  </a:txBody>
-                  <a:tcPr marL="68580" marR="68580" marT="34290" marB="34290" anchor="ctr"/>
-                </a:tc>
-                <a:extLst>
-                  <a:ext uri="{0D108BD9-81ED-4DB2-BD59-A6C34878D82A}">
-                    <a16:rowId xmlns:a16="http://schemas.microsoft.com/office/drawing/2014/main" val="1194476806"/>
-                  </a:ext>
-                </a:extLst>
-              </a:tr>
-              <a:tr h="381150">
-                <a:tc>
-                  <a:txBody>
-                    <a:bodyPr/>
-                    <a:lstStyle/>
-                    <a:p>
-                      <a:pPr algn="ctr"/>
-                      <a:r>
-                        <a:rPr kumimoji="1" lang="en-US" altLang="ja-JP" sz="1800" dirty="0"/>
-                        <a:t>r5a</a:t>
-                      </a:r>
-                      <a:endParaRPr kumimoji="1" lang="ja-JP" altLang="en-US" sz="1800"/>
-                    </a:p>
-                  </a:txBody>
-                  <a:tcPr marL="68580" marR="68580" marT="34290" marB="34290"/>
-                </a:tc>
-                <a:tc>
-                  <a:txBody>
-                    <a:bodyPr/>
-                    <a:lstStyle/>
-                    <a:p>
-                      <a:pPr algn="ctr"/>
-                      <a:r>
-                        <a:rPr kumimoji="1" lang="en-US" altLang="ja-JP" sz="1800" dirty="0"/>
-                        <a:t>120</a:t>
-                      </a:r>
-                      <a:endParaRPr kumimoji="1" lang="ja-JP" altLang="en-US" sz="1800"/>
-                    </a:p>
-                  </a:txBody>
-                  <a:tcPr marL="68580" marR="68580" marT="34290" marB="34290"/>
-                </a:tc>
-                <a:tc>
-                  <a:txBody>
-                    <a:bodyPr/>
-                    <a:lstStyle/>
-                    <a:p>
-                      <a:pPr algn="ctr"/>
-                      <a:r>
-                        <a:rPr kumimoji="1" lang="en-US" altLang="ja-JP" sz="1800" dirty="0"/>
-                        <a:t>11</a:t>
-                      </a:r>
-                      <a:endParaRPr kumimoji="1" lang="ja-JP" altLang="en-US" sz="1800"/>
-                    </a:p>
-                  </a:txBody>
-                  <a:tcPr marL="68580" marR="68580" marT="34290" marB="34290"/>
-                </a:tc>
-                <a:tc>
-                  <a:txBody>
-                    <a:bodyPr/>
-                    <a:lstStyle/>
-                    <a:p>
-                      <a:pPr algn="r"/>
-                      <a:r>
-                        <a:rPr kumimoji="1" lang="en-US" altLang="ja-JP" sz="1800" dirty="0">
-                          <a:solidFill>
-                            <a:schemeClr val="tx1"/>
-                          </a:solidFill>
-                        </a:rPr>
-                        <a:t>915.14</a:t>
-                      </a:r>
-                      <a:endParaRPr kumimoji="1" lang="ja-JP" altLang="en-US" sz="1800">
-                        <a:solidFill>
-                          <a:schemeClr val="tx1"/>
-                        </a:solidFill>
-                      </a:endParaRPr>
-                    </a:p>
-                  </a:txBody>
-                  <a:tcPr marL="68580" marR="68580" marT="34290" marB="34290" anchor="ctr"/>
-                </a:tc>
-                <a:tc>
-                  <a:txBody>
-                    <a:bodyPr/>
-                    <a:lstStyle/>
-                    <a:p>
-                      <a:pPr algn="r"/>
-                      <a:r>
-                        <a:rPr kumimoji="1" lang="en-US" altLang="ja-JP" sz="1800" dirty="0"/>
-                        <a:t>0.00</a:t>
-                      </a:r>
-                      <a:endParaRPr kumimoji="1" lang="ja-JP" altLang="en-US" sz="1800"/>
-                    </a:p>
-                  </a:txBody>
-                  <a:tcPr marL="68580" marR="68580" marT="34290" marB="34290" anchor="ctr"/>
-                </a:tc>
-                <a:tc>
-                  <a:txBody>
-                    <a:bodyPr/>
-                    <a:lstStyle/>
-                    <a:p>
-                      <a:pPr algn="r"/>
-                      <a:r>
-                        <a:rPr kumimoji="1" lang="en-US" altLang="ja-JP" sz="1800" dirty="0"/>
-                        <a:t>43.6</a:t>
-                      </a:r>
-                      <a:endParaRPr kumimoji="1" lang="ja-JP" altLang="en-US" sz="1800"/>
-                    </a:p>
-                  </a:txBody>
-                  <a:tcPr marL="68580" marR="68580" marT="34290" marB="34290" anchor="ctr"/>
-                </a:tc>
-                <a:tc>
-                  <a:txBody>
-                    <a:bodyPr/>
-                    <a:lstStyle/>
-                    <a:p>
-                      <a:pPr algn="r"/>
-                      <a:r>
-                        <a:rPr kumimoji="1" lang="en-US" altLang="ja-JP" sz="1800" dirty="0"/>
-                        <a:t>1320</a:t>
-                      </a:r>
-                      <a:endParaRPr kumimoji="1" lang="ja-JP" altLang="en-US" sz="1800"/>
-                    </a:p>
-                  </a:txBody>
-                  <a:tcPr marL="68580" marR="68580" marT="34290" marB="34290" anchor="ctr"/>
-                </a:tc>
-                <a:tc>
-                  <a:txBody>
-                    <a:bodyPr/>
-                    <a:lstStyle/>
-                    <a:p>
-                      <a:pPr algn="r"/>
-                      <a:r>
-                        <a:rPr kumimoji="1" lang="en-US" altLang="ja-JP" sz="1800" dirty="0"/>
-                        <a:t>110</a:t>
-                      </a:r>
-                      <a:endParaRPr kumimoji="1" lang="ja-JP" altLang="en-US" sz="1800"/>
-                    </a:p>
-                  </a:txBody>
-                  <a:tcPr marL="68580" marR="68580" marT="34290" marB="34290" anchor="ctr"/>
-                </a:tc>
-                <a:tc>
-                  <a:txBody>
-                    <a:bodyPr/>
-                    <a:lstStyle/>
-                    <a:p>
-                      <a:pPr algn="r"/>
-                      <a:r>
-                        <a:rPr kumimoji="1" lang="en-US" altLang="ja-JP" sz="1800" dirty="0"/>
-                        <a:t>636.97</a:t>
-                      </a:r>
-                      <a:endParaRPr kumimoji="1" lang="ja-JP" altLang="en-US" sz="1800"/>
-                    </a:p>
-                  </a:txBody>
-                  <a:tcPr marL="68580" marR="68580" marT="34290" marB="34290" anchor="ctr"/>
-                </a:tc>
-                <a:extLst>
-                  <a:ext uri="{0D108BD9-81ED-4DB2-BD59-A6C34878D82A}">
-                    <a16:rowId xmlns:a16="http://schemas.microsoft.com/office/drawing/2014/main" val="2497193795"/>
-                  </a:ext>
-                </a:extLst>
-              </a:tr>
-              <a:tr h="381150">
-                <a:tc>
-                  <a:txBody>
-                    <a:bodyPr/>
-                    <a:lstStyle/>
-                    <a:p>
-                      <a:pPr marL="0" marR="0" lvl="0" indent="0" algn="ctr" defTabSz="914400" rtl="0" eaLnBrk="1" fontAlgn="auto" latinLnBrk="0" hangingPunct="1">
-                        <a:lnSpc>
-                          <a:spcPct val="100000"/>
-                        </a:lnSpc>
-                        <a:spcBef>
-                          <a:spcPts val="0"/>
-                        </a:spcBef>
-                        <a:spcAft>
-                          <a:spcPts val="0"/>
-                        </a:spcAft>
-                        <a:buClrTx/>
-                        <a:buSzTx/>
-                        <a:buFontTx/>
-                        <a:buNone/>
-                        <a:tabLst/>
-                        <a:defRPr/>
-                      </a:pPr>
-                      <a:r>
-                        <a:rPr kumimoji="1" lang="en-US" altLang="ja-JP" sz="1800" dirty="0"/>
-                        <a:t>r5b</a:t>
-                      </a:r>
-                      <a:endParaRPr kumimoji="1" lang="ja-JP" altLang="en-US" sz="1800"/>
-                    </a:p>
-                  </a:txBody>
-                  <a:tcPr marL="68580" marR="68580" marT="34290" marB="34290"/>
-                </a:tc>
-                <a:tc>
-                  <a:txBody>
-                    <a:bodyPr/>
-                    <a:lstStyle/>
-                    <a:p>
-                      <a:pPr algn="ctr"/>
-                      <a:r>
-                        <a:rPr kumimoji="1" lang="en-US" altLang="ja-JP" sz="1800" dirty="0"/>
-                        <a:t>120</a:t>
-                      </a:r>
-                      <a:endParaRPr kumimoji="1" lang="ja-JP" altLang="en-US" sz="1800"/>
-                    </a:p>
-                  </a:txBody>
-                  <a:tcPr marL="68580" marR="68580" marT="34290" marB="34290"/>
-                </a:tc>
-                <a:tc>
-                  <a:txBody>
-                    <a:bodyPr/>
-                    <a:lstStyle/>
-                    <a:p>
-                      <a:pPr algn="ctr"/>
-                      <a:r>
-                        <a:rPr kumimoji="1" lang="en-US" altLang="ja-JP" sz="1800" dirty="0"/>
-                        <a:t>11</a:t>
-                      </a:r>
-                      <a:endParaRPr kumimoji="1" lang="ja-JP" altLang="en-US" sz="1800"/>
-                    </a:p>
-                  </a:txBody>
-                  <a:tcPr marL="68580" marR="68580" marT="34290" marB="34290"/>
-                </a:tc>
-                <a:tc>
-                  <a:txBody>
-                    <a:bodyPr/>
-                    <a:lstStyle/>
-                    <a:p>
-                      <a:pPr algn="r"/>
-                      <a:r>
-                        <a:rPr kumimoji="1" lang="en-US" altLang="ja-JP" sz="1800" dirty="0">
-                          <a:solidFill>
-                            <a:schemeClr val="tx1"/>
-                          </a:solidFill>
-                        </a:rPr>
-                        <a:t>853.89</a:t>
-                      </a:r>
-                      <a:endParaRPr kumimoji="1" lang="ja-JP" altLang="en-US" sz="1800">
-                        <a:solidFill>
-                          <a:schemeClr val="tx1"/>
-                        </a:solidFill>
-                      </a:endParaRPr>
-                    </a:p>
-                  </a:txBody>
-                  <a:tcPr marL="68580" marR="68580" marT="34290" marB="34290" anchor="ctr"/>
-                </a:tc>
-                <a:tc>
-                  <a:txBody>
-                    <a:bodyPr/>
-                    <a:lstStyle/>
-                    <a:p>
-                      <a:pPr algn="r"/>
-                      <a:r>
-                        <a:rPr kumimoji="1" lang="en-US" altLang="ja-JP" sz="1800" dirty="0"/>
-                        <a:t>0.00</a:t>
-                      </a:r>
-                      <a:endParaRPr kumimoji="1" lang="ja-JP" altLang="en-US" sz="1800"/>
-                    </a:p>
-                  </a:txBody>
-                  <a:tcPr marL="68580" marR="68580" marT="34290" marB="34290" anchor="ctr"/>
-                </a:tc>
-                <a:tc>
-                  <a:txBody>
-                    <a:bodyPr/>
-                    <a:lstStyle/>
-                    <a:p>
-                      <a:pPr algn="r"/>
-                      <a:r>
-                        <a:rPr kumimoji="1" lang="en-US" altLang="ja-JP" sz="1800" dirty="0"/>
-                        <a:t>44.6</a:t>
-                      </a:r>
-                      <a:endParaRPr kumimoji="1" lang="ja-JP" altLang="en-US" sz="1800"/>
-                    </a:p>
-                  </a:txBody>
-                  <a:tcPr marL="68580" marR="68580" marT="34290" marB="34290" anchor="ctr"/>
-                </a:tc>
-                <a:tc>
-                  <a:txBody>
-                    <a:bodyPr/>
-                    <a:lstStyle/>
-                    <a:p>
-                      <a:pPr algn="r"/>
-                      <a:r>
-                        <a:rPr kumimoji="1" lang="en-US" altLang="ja-JP" sz="1800" dirty="0"/>
-                        <a:t>1320</a:t>
-                      </a:r>
-                      <a:endParaRPr kumimoji="1" lang="ja-JP" altLang="en-US" sz="1800"/>
-                    </a:p>
-                  </a:txBody>
-                  <a:tcPr marL="68580" marR="68580" marT="34290" marB="34290" anchor="ctr"/>
-                </a:tc>
-                <a:tc>
-                  <a:txBody>
-                    <a:bodyPr/>
-                    <a:lstStyle/>
-                    <a:p>
-                      <a:pPr algn="r"/>
-                      <a:r>
-                        <a:rPr kumimoji="1" lang="en-US" altLang="ja-JP" sz="1800" dirty="0"/>
-                        <a:t>106</a:t>
-                      </a:r>
-                      <a:endParaRPr kumimoji="1" lang="ja-JP" altLang="en-US" sz="1800"/>
-                    </a:p>
-                  </a:txBody>
-                  <a:tcPr marL="68580" marR="68580" marT="34290" marB="34290" anchor="ctr"/>
-                </a:tc>
-                <a:tc>
-                  <a:txBody>
-                    <a:bodyPr/>
-                    <a:lstStyle/>
-                    <a:p>
-                      <a:pPr algn="r"/>
-                      <a:r>
-                        <a:rPr kumimoji="1" lang="en-US" altLang="ja-JP" sz="1800" dirty="0"/>
-                        <a:t>589.74</a:t>
-                      </a:r>
-                      <a:endParaRPr kumimoji="1" lang="ja-JP" altLang="en-US" sz="1800"/>
-                    </a:p>
-                  </a:txBody>
-                  <a:tcPr marL="68580" marR="68580" marT="34290" marB="34290" anchor="ctr"/>
-                </a:tc>
-                <a:extLst>
-                  <a:ext uri="{0D108BD9-81ED-4DB2-BD59-A6C34878D82A}">
-                    <a16:rowId xmlns:a16="http://schemas.microsoft.com/office/drawing/2014/main" val="926578938"/>
-                  </a:ext>
-                </a:extLst>
-              </a:tr>
-            </a:tbl>
-          </a:graphicData>
-        </a:graphic>
-      </p:graphicFrame>
-      <p:sp>
-        <p:nvSpPr>
-          <p:cNvPr id="3" name="スライド番号プレースホルダー 2">
-            <a:extLst>
-              <a:ext uri="{FF2B5EF4-FFF2-40B4-BE49-F238E27FC236}">
-                <a16:creationId xmlns:a16="http://schemas.microsoft.com/office/drawing/2014/main" id="{A390D001-9F4C-A94C-8CCE-9A325D66E135}"/>
-              </a:ext>
-            </a:extLst>
-          </p:cNvPr>
-          <p:cNvSpPr>
-            <a:spLocks noGrp="1"/>
-          </p:cNvSpPr>
-          <p:nvPr>
-            <p:ph type="sldNum" sz="quarter" idx="12"/>
-          </p:nvPr>
-        </p:nvSpPr>
-        <p:spPr/>
-        <p:txBody>
-          <a:bodyPr/>
-          <a:lstStyle/>
-          <a:p>
-            <a:fld id="{84E0C278-47E8-3649-A055-2003DC36C60A}" type="slidenum">
-              <a:rPr kumimoji="1" lang="ja-JP" altLang="en-US" smtClean="0"/>
-              <a:t>28</a:t>
-            </a:fld>
-            <a:endParaRPr kumimoji="1" lang="ja-JP" altLang="en-US"/>
-          </a:p>
-        </p:txBody>
-      </p:sp>
-    </p:spTree>
-    <p:extLst>
-      <p:ext uri="{BB962C8B-B14F-4D97-AF65-F5344CB8AC3E}">
-        <p14:creationId xmlns:p14="http://schemas.microsoft.com/office/powerpoint/2010/main" val="203277210"/>
-      </p:ext>
-    </p:extLst>
-  </p:cSld>
-  <p:clrMapOvr>
-    <a:masterClrMapping/>
-  </p:clrMapOvr>
-</p:sld>
-</file>
-
-<file path=ppt/slides/slide29.xml><?xml version="1.0" encoding="utf-8"?>
-<p:sld xmlns:a="http://schemas.openxmlformats.org/drawingml/2006/main" xmlns:r="http://schemas.openxmlformats.org/officeDocument/2006/relationships" xmlns:p="http://schemas.openxmlformats.org/presentationml/2006/main">
-  <p:cSld>
-    <p:spTree>
-      <p:nvGrpSpPr>
-        <p:cNvPr id="1" name=""/>
-        <p:cNvGrpSpPr/>
-        <p:nvPr/>
-      </p:nvGrpSpPr>
-      <p:grpSpPr>
-        <a:xfrm>
-          <a:off x="0" y="0"/>
-          <a:ext cx="0" cy="0"/>
-          <a:chOff x="0" y="0"/>
-          <a:chExt cx="0" cy="0"/>
-        </a:xfrm>
-      </p:grpSpPr>
-      <p:sp>
-        <p:nvSpPr>
-          <p:cNvPr id="2" name="タイトル 1">
-            <a:extLst>
-              <a:ext uri="{FF2B5EF4-FFF2-40B4-BE49-F238E27FC236}">
-                <a16:creationId xmlns:a16="http://schemas.microsoft.com/office/drawing/2014/main" id="{23138078-15D2-F744-A921-1FDB5651924C}"/>
-              </a:ext>
-            </a:extLst>
-          </p:cNvPr>
-          <p:cNvSpPr>
-            <a:spLocks noGrp="1"/>
-          </p:cNvSpPr>
-          <p:nvPr>
-            <p:ph type="title"/>
-          </p:nvPr>
-        </p:nvSpPr>
-        <p:spPr/>
-        <p:txBody>
-          <a:bodyPr/>
-          <a:lstStyle/>
-          <a:p>
-            <a:r>
-              <a:rPr kumimoji="1" lang="ja-JP" altLang="en-US"/>
-              <a:t>車両数を</a:t>
-            </a:r>
-            <a:r>
-              <a:rPr kumimoji="1" lang="en-US" altLang="ja-JP" dirty="0"/>
-              <a:t>1</a:t>
-            </a:r>
-            <a:r>
-              <a:rPr kumimoji="1" lang="ja-JP" altLang="en-US"/>
-              <a:t>台減らした際の計算結果</a:t>
-            </a:r>
-          </a:p>
-        </p:txBody>
-      </p:sp>
-      <p:sp>
-        <p:nvSpPr>
-          <p:cNvPr id="3" name="コンテンツ プレースホルダー 2">
-            <a:extLst>
-              <a:ext uri="{FF2B5EF4-FFF2-40B4-BE49-F238E27FC236}">
-                <a16:creationId xmlns:a16="http://schemas.microsoft.com/office/drawing/2014/main" id="{4EB8ED30-B0D8-D54F-9EF5-59C71AC4BF02}"/>
-              </a:ext>
-            </a:extLst>
-          </p:cNvPr>
-          <p:cNvSpPr>
-            <a:spLocks noGrp="1"/>
-          </p:cNvSpPr>
-          <p:nvPr>
-            <p:ph idx="1"/>
-          </p:nvPr>
-        </p:nvSpPr>
-        <p:spPr>
-          <a:xfrm>
-            <a:off x="510639" y="1642927"/>
-            <a:ext cx="8752114" cy="4817250"/>
-          </a:xfrm>
-        </p:spPr>
-        <p:txBody>
-          <a:bodyPr>
-            <a:normAutofit fontScale="62500" lnSpcReduction="20000"/>
-          </a:bodyPr>
-          <a:lstStyle/>
-          <a:p>
-            <a:r>
-              <a:rPr lang="ja-JP" altLang="en-US" sz="3200"/>
-              <a:t>実社会のサービスで車両数を減らすことは、コストの削減に大きく　　つながる。</a:t>
-            </a:r>
-            <a:endParaRPr lang="en-US" altLang="ja-JP" sz="3200" dirty="0"/>
-          </a:p>
-          <a:p>
-            <a:r>
-              <a:rPr lang="ja-JP" altLang="en-US" sz="3200"/>
-              <a:t>既存研究のインスタンスで定められた車両台数から</a:t>
-            </a:r>
-            <a:r>
-              <a:rPr lang="en-US" altLang="ja-JP" sz="3200" dirty="0"/>
-              <a:t>1</a:t>
-            </a:r>
-            <a:r>
-              <a:rPr lang="ja-JP" altLang="en-US" sz="3200"/>
-              <a:t>台減らして</a:t>
-            </a:r>
-            <a:r>
-              <a:rPr lang="en-US" altLang="ja-JP" sz="3200" dirty="0"/>
-              <a:t>            </a:t>
-            </a:r>
-            <a:r>
-              <a:rPr lang="ja-JP" altLang="en-US" sz="3200"/>
-              <a:t>計算実験を行った。</a:t>
-            </a:r>
-            <a:endParaRPr lang="en-US" altLang="ja-JP" sz="3200" dirty="0"/>
-          </a:p>
-          <a:p>
-            <a:r>
-              <a:rPr lang="ja-JP" altLang="en-US" sz="3200"/>
-              <a:t>容量制約を満たすものを必ず出力</a:t>
-            </a:r>
-            <a:endParaRPr lang="en-US" altLang="ja-JP" sz="3200" dirty="0"/>
-          </a:p>
-          <a:p>
-            <a:pPr marL="0" indent="0">
-              <a:buNone/>
-            </a:pPr>
-            <a:endParaRPr lang="en-US" altLang="ja-JP" sz="2900" dirty="0"/>
-          </a:p>
-          <a:p>
-            <a:pPr marL="0" indent="0">
-              <a:buNone/>
-            </a:pPr>
-            <a:r>
-              <a:rPr lang="ja-JP" altLang="en-US" sz="2900"/>
-              <a:t> </a:t>
-            </a:r>
-            <a:r>
-              <a:rPr lang="en-US" altLang="ja-JP" sz="2900" dirty="0"/>
-              <a:t> </a:t>
-            </a:r>
-            <a:r>
-              <a:rPr lang="ja-JP" altLang="en-US" sz="3200"/>
-              <a:t>結果</a:t>
-            </a:r>
-            <a:endParaRPr lang="en-US" altLang="ja-JP" sz="3200" dirty="0"/>
-          </a:p>
-          <a:p>
-            <a:r>
-              <a:rPr lang="ja-JP" altLang="en-US" sz="3200"/>
-              <a:t>ほぼ全てのインスタンスでペナルティの値は増加した。</a:t>
-            </a:r>
-            <a:endParaRPr lang="en-US" altLang="ja-JP" sz="3200" dirty="0"/>
-          </a:p>
-          <a:p>
-            <a:r>
-              <a:rPr lang="ja-JP" altLang="en-US" sz="3200"/>
-              <a:t>いくつかのインスタンスは車両を減らすことでルートの長さが改善した。</a:t>
-            </a:r>
-            <a:endParaRPr lang="en-US" altLang="ja-JP" sz="3200" dirty="0"/>
-          </a:p>
-          <a:p>
-            <a:r>
-              <a:rPr lang="ja-JP" altLang="en-US" sz="3200"/>
-              <a:t>車両数を削減しつつ運行ができるため、コストの削減が可能である。</a:t>
-            </a:r>
-            <a:endParaRPr lang="en-US" altLang="ja-JP" sz="3200" dirty="0"/>
-          </a:p>
-          <a:p>
-            <a:endParaRPr lang="en-US" altLang="ja-JP" dirty="0"/>
-          </a:p>
-          <a:p>
-            <a:endParaRPr lang="en-US" altLang="ja-JP" dirty="0"/>
-          </a:p>
-          <a:p>
-            <a:endParaRPr lang="en-US" altLang="ja-JP" dirty="0"/>
-          </a:p>
-          <a:p>
-            <a:endParaRPr kumimoji="1" lang="en-US" altLang="ja-JP" dirty="0"/>
-          </a:p>
-          <a:p>
-            <a:endParaRPr kumimoji="1" lang="ja-JP" altLang="en-US"/>
-          </a:p>
-        </p:txBody>
-      </p:sp>
-      <p:sp>
-        <p:nvSpPr>
-          <p:cNvPr id="4" name="スライド番号プレースホルダー 3">
-            <a:extLst>
-              <a:ext uri="{FF2B5EF4-FFF2-40B4-BE49-F238E27FC236}">
-                <a16:creationId xmlns:a16="http://schemas.microsoft.com/office/drawing/2014/main" id="{F259BA5D-770E-394D-BCC8-C4B53A30C711}"/>
-              </a:ext>
-            </a:extLst>
-          </p:cNvPr>
-          <p:cNvSpPr>
-            <a:spLocks noGrp="1"/>
-          </p:cNvSpPr>
-          <p:nvPr>
-            <p:ph type="sldNum" sz="quarter" idx="12"/>
-          </p:nvPr>
-        </p:nvSpPr>
-        <p:spPr/>
-        <p:txBody>
-          <a:bodyPr/>
-          <a:lstStyle/>
-          <a:p>
-            <a:fld id="{84E0C278-47E8-3649-A055-2003DC36C60A}" type="slidenum">
-              <a:rPr kumimoji="1" lang="ja-JP" altLang="en-US" smtClean="0"/>
-              <a:t>29</a:t>
-            </a:fld>
-            <a:endParaRPr kumimoji="1" lang="ja-JP" altLang="en-US"/>
-          </a:p>
-        </p:txBody>
-      </p:sp>
-    </p:spTree>
-    <p:extLst>
-      <p:ext uri="{BB962C8B-B14F-4D97-AF65-F5344CB8AC3E}">
-        <p14:creationId xmlns:p14="http://schemas.microsoft.com/office/powerpoint/2010/main" val="2993549328"/>
+        <p14:creationId xmlns:p14="http://schemas.microsoft.com/office/powerpoint/2010/main" val="3367285396"/>
       </p:ext>
     </p:extLst>
   </p:cSld>
@@ -16790,1786 +11852,6 @@
     <p:extLst>
       <p:ext uri="{BB962C8B-B14F-4D97-AF65-F5344CB8AC3E}">
         <p14:creationId xmlns:p14="http://schemas.microsoft.com/office/powerpoint/2010/main" val="761166636"/>
-      </p:ext>
-    </p:extLst>
-  </p:cSld>
-  <p:clrMapOvr>
-    <a:masterClrMapping/>
-  </p:clrMapOvr>
-</p:sld>
-</file>
-
-<file path=ppt/slides/slide30.xml><?xml version="1.0" encoding="utf-8"?>
-<p:sld xmlns:a="http://schemas.openxmlformats.org/drawingml/2006/main" xmlns:r="http://schemas.openxmlformats.org/officeDocument/2006/relationships" xmlns:p="http://schemas.openxmlformats.org/presentationml/2006/main">
-  <p:cSld>
-    <p:spTree>
-      <p:nvGrpSpPr>
-        <p:cNvPr id="1" name=""/>
-        <p:cNvGrpSpPr/>
-        <p:nvPr/>
-      </p:nvGrpSpPr>
-      <p:grpSpPr>
-        <a:xfrm>
-          <a:off x="0" y="0"/>
-          <a:ext cx="0" cy="0"/>
-          <a:chOff x="0" y="0"/>
-          <a:chExt cx="0" cy="0"/>
-        </a:xfrm>
-      </p:grpSpPr>
-      <p:graphicFrame>
-        <p:nvGraphicFramePr>
-          <p:cNvPr id="3" name="表 2">
-            <a:extLst>
-              <a:ext uri="{FF2B5EF4-FFF2-40B4-BE49-F238E27FC236}">
-                <a16:creationId xmlns:a16="http://schemas.microsoft.com/office/drawing/2014/main" id="{9DAAF340-4576-AE43-96DC-10BE53DFF526}"/>
-              </a:ext>
-            </a:extLst>
-          </p:cNvPr>
-          <p:cNvGraphicFramePr>
-            <a:graphicFrameLocks noGrp="1"/>
-          </p:cNvGraphicFramePr>
-          <p:nvPr>
-            <p:extLst>
-              <p:ext uri="{D42A27DB-BD31-4B8C-83A1-F6EECF244321}">
-                <p14:modId xmlns:p14="http://schemas.microsoft.com/office/powerpoint/2010/main" val="3403451723"/>
-              </p:ext>
-            </p:extLst>
-          </p:nvPr>
-        </p:nvGraphicFramePr>
-        <p:xfrm>
-          <a:off x="400103" y="1106631"/>
-          <a:ext cx="8251071" cy="4738850"/>
-        </p:xfrm>
-        <a:graphic>
-          <a:graphicData uri="http://schemas.openxmlformats.org/drawingml/2006/table">
-            <a:tbl>
-              <a:tblPr firstRow="1" bandRow="1">
-                <a:tableStyleId>{5C22544A-7EE6-4342-B048-85BDC9FD1C3A}</a:tableStyleId>
-              </a:tblPr>
-              <a:tblGrid>
-                <a:gridCol w="671646">
-                  <a:extLst>
-                    <a:ext uri="{9D8B030D-6E8A-4147-A177-3AD203B41FA5}">
-                      <a16:colId xmlns:a16="http://schemas.microsoft.com/office/drawing/2014/main" val="3559914617"/>
-                    </a:ext>
-                  </a:extLst>
-                </a:gridCol>
-                <a:gridCol w="685800">
-                  <a:extLst>
-                    <a:ext uri="{9D8B030D-6E8A-4147-A177-3AD203B41FA5}">
-                      <a16:colId xmlns:a16="http://schemas.microsoft.com/office/drawing/2014/main" val="3028046478"/>
-                    </a:ext>
-                  </a:extLst>
-                </a:gridCol>
-                <a:gridCol w="935182">
-                  <a:extLst>
-                    <a:ext uri="{9D8B030D-6E8A-4147-A177-3AD203B41FA5}">
-                      <a16:colId xmlns:a16="http://schemas.microsoft.com/office/drawing/2014/main" val="2115349003"/>
-                    </a:ext>
-                  </a:extLst>
-                </a:gridCol>
-                <a:gridCol w="1015340">
-                  <a:extLst>
-                    <a:ext uri="{9D8B030D-6E8A-4147-A177-3AD203B41FA5}">
-                      <a16:colId xmlns:a16="http://schemas.microsoft.com/office/drawing/2014/main" val="2396654004"/>
-                    </a:ext>
-                  </a:extLst>
-                </a:gridCol>
-                <a:gridCol w="1131125">
-                  <a:extLst>
-                    <a:ext uri="{9D8B030D-6E8A-4147-A177-3AD203B41FA5}">
-                      <a16:colId xmlns:a16="http://schemas.microsoft.com/office/drawing/2014/main" val="4059110950"/>
-                    </a:ext>
-                  </a:extLst>
-                </a:gridCol>
-                <a:gridCol w="748145">
-                  <a:extLst>
-                    <a:ext uri="{9D8B030D-6E8A-4147-A177-3AD203B41FA5}">
-                      <a16:colId xmlns:a16="http://schemas.microsoft.com/office/drawing/2014/main" val="3374093472"/>
-                    </a:ext>
-                  </a:extLst>
-                </a:gridCol>
-                <a:gridCol w="881743">
-                  <a:extLst>
-                    <a:ext uri="{9D8B030D-6E8A-4147-A177-3AD203B41FA5}">
-                      <a16:colId xmlns:a16="http://schemas.microsoft.com/office/drawing/2014/main" val="404505229"/>
-                    </a:ext>
-                  </a:extLst>
-                </a:gridCol>
-                <a:gridCol w="1024247">
-                  <a:extLst>
-                    <a:ext uri="{9D8B030D-6E8A-4147-A177-3AD203B41FA5}">
-                      <a16:colId xmlns:a16="http://schemas.microsoft.com/office/drawing/2014/main" val="810827491"/>
-                    </a:ext>
-                  </a:extLst>
-                </a:gridCol>
-                <a:gridCol w="1157843">
-                  <a:extLst>
-                    <a:ext uri="{9D8B030D-6E8A-4147-A177-3AD203B41FA5}">
-                      <a16:colId xmlns:a16="http://schemas.microsoft.com/office/drawing/2014/main" val="1267058213"/>
-                    </a:ext>
-                  </a:extLst>
-                </a:gridCol>
-              </a:tblGrid>
-              <a:tr h="546590">
-                <a:tc>
-                  <a:txBody>
-                    <a:bodyPr/>
-                    <a:lstStyle/>
-                    <a:p>
-                      <a:pPr algn="ctr"/>
-                      <a:endParaRPr kumimoji="1" lang="ja-JP" altLang="en-US" sz="1000"/>
-                    </a:p>
-                  </a:txBody>
-                  <a:tcPr marL="68580" marR="68580" marT="34290" marB="34290" anchor="ctr"/>
-                </a:tc>
-                <a:tc gridSpan="4">
-                  <a:txBody>
-                    <a:bodyPr/>
-                    <a:lstStyle/>
-                    <a:p>
-                      <a:pPr algn="ctr"/>
-                      <a:r>
-                        <a:rPr kumimoji="1" lang="ja-JP" altLang="en-US" sz="2000"/>
-                        <a:t>台数に変化なし</a:t>
-                      </a:r>
-                    </a:p>
-                  </a:txBody>
-                  <a:tcPr marL="68580" marR="68580" marT="34290" marB="34290" anchor="ctr"/>
-                </a:tc>
-                <a:tc hMerge="1">
-                  <a:txBody>
-                    <a:bodyPr/>
-                    <a:lstStyle/>
-                    <a:p>
-                      <a:endParaRPr kumimoji="1" lang="ja-JP" altLang="en-US"/>
-                    </a:p>
-                  </a:txBody>
-                  <a:tcPr/>
-                </a:tc>
-                <a:tc hMerge="1">
-                  <a:txBody>
-                    <a:bodyPr/>
-                    <a:lstStyle/>
-                    <a:p>
-                      <a:endParaRPr kumimoji="1" lang="ja-JP" altLang="en-US"/>
-                    </a:p>
-                  </a:txBody>
-                  <a:tcPr/>
-                </a:tc>
-                <a:tc hMerge="1">
-                  <a:txBody>
-                    <a:bodyPr/>
-                    <a:lstStyle/>
-                    <a:p>
-                      <a:pPr algn="ctr"/>
-                      <a:endParaRPr kumimoji="1" lang="ja-JP" altLang="en-US"/>
-                    </a:p>
-                  </a:txBody>
-                  <a:tcPr anchor="ctr"/>
-                </a:tc>
-                <a:tc gridSpan="4">
-                  <a:txBody>
-                    <a:bodyPr/>
-                    <a:lstStyle/>
-                    <a:p>
-                      <a:pPr algn="ctr"/>
-                      <a:r>
-                        <a:rPr kumimoji="1" lang="en-US" altLang="ja-JP" sz="2000" dirty="0"/>
-                        <a:t>1</a:t>
-                      </a:r>
-                      <a:r>
-                        <a:rPr kumimoji="1" lang="ja-JP" altLang="en-US" sz="2000"/>
-                        <a:t>台削除</a:t>
-                      </a:r>
-                    </a:p>
-                  </a:txBody>
-                  <a:tcPr marL="68580" marR="68580" marT="34290" marB="34290" anchor="ctr"/>
-                </a:tc>
-                <a:tc hMerge="1">
-                  <a:txBody>
-                    <a:bodyPr/>
-                    <a:lstStyle/>
-                    <a:p>
-                      <a:endParaRPr kumimoji="1" lang="ja-JP" altLang="en-US"/>
-                    </a:p>
-                  </a:txBody>
-                  <a:tcPr/>
-                </a:tc>
-                <a:tc hMerge="1">
-                  <a:txBody>
-                    <a:bodyPr/>
-                    <a:lstStyle/>
-                    <a:p>
-                      <a:endParaRPr kumimoji="1" lang="ja-JP" altLang="en-US"/>
-                    </a:p>
-                  </a:txBody>
-                  <a:tcPr/>
-                </a:tc>
-                <a:tc hMerge="1">
-                  <a:txBody>
-                    <a:bodyPr/>
-                    <a:lstStyle/>
-                    <a:p>
-                      <a:pPr algn="ctr"/>
-                      <a:endParaRPr kumimoji="1" lang="ja-JP" altLang="en-US"/>
-                    </a:p>
-                  </a:txBody>
-                  <a:tcPr anchor="ctr"/>
-                </a:tc>
-                <a:extLst>
-                  <a:ext uri="{0D108BD9-81ED-4DB2-BD59-A6C34878D82A}">
-                    <a16:rowId xmlns:a16="http://schemas.microsoft.com/office/drawing/2014/main" val="4102110944"/>
-                  </a:ext>
-                </a:extLst>
-              </a:tr>
-              <a:tr h="551457">
-                <a:tc>
-                  <a:txBody>
-                    <a:bodyPr/>
-                    <a:lstStyle/>
-                    <a:p>
-                      <a:pPr algn="ctr"/>
-                      <a:r>
-                        <a:rPr kumimoji="1" lang="ja-JP" altLang="en-US" sz="1400"/>
-                        <a:t>顧客数</a:t>
-                      </a:r>
-                    </a:p>
-                  </a:txBody>
-                  <a:tcPr marL="68580" marR="68580" marT="34290" marB="34290"/>
-                </a:tc>
-                <a:tc>
-                  <a:txBody>
-                    <a:bodyPr/>
-                    <a:lstStyle/>
-                    <a:p>
-                      <a:pPr algn="ctr"/>
-                      <a:r>
-                        <a:rPr kumimoji="1" lang="ja-JP" altLang="en-US" sz="1400"/>
-                        <a:t>車両数</a:t>
-                      </a:r>
-                    </a:p>
-                  </a:txBody>
-                  <a:tcPr marL="68580" marR="68580" marT="34290" marB="34290"/>
-                </a:tc>
-                <a:tc>
-                  <a:txBody>
-                    <a:bodyPr/>
-                    <a:lstStyle/>
-                    <a:p>
-                      <a:pPr algn="ctr"/>
-                      <a:r>
-                        <a:rPr kumimoji="1" lang="ja-JP" altLang="en-US" sz="1400"/>
-                        <a:t>ルートの長さ</a:t>
-                      </a:r>
-                    </a:p>
-                  </a:txBody>
-                  <a:tcPr marL="68580" marR="68580" marT="34290" marB="34290"/>
-                </a:tc>
-                <a:tc>
-                  <a:txBody>
-                    <a:bodyPr/>
-                    <a:lstStyle/>
-                    <a:p>
-                      <a:pPr algn="ctr"/>
-                      <a:r>
-                        <a:rPr kumimoji="1" lang="ja-JP" altLang="en-US" sz="1400"/>
-                        <a:t>合計</a:t>
-                      </a:r>
-                      <a:endParaRPr kumimoji="1" lang="en-US" altLang="ja-JP" sz="1400" dirty="0"/>
-                    </a:p>
-                    <a:p>
-                      <a:pPr algn="ctr"/>
-                      <a:r>
-                        <a:rPr kumimoji="1" lang="ja-JP" altLang="en-US" sz="1400"/>
-                        <a:t>ペナルティ</a:t>
-                      </a:r>
-                      <a:endParaRPr kumimoji="1" lang="en-US" altLang="ja-JP" sz="1400" dirty="0"/>
-                    </a:p>
-                  </a:txBody>
-                  <a:tcPr marL="68580" marR="68580" marT="34290" marB="34290"/>
-                </a:tc>
-                <a:tc>
-                  <a:txBody>
-                    <a:bodyPr/>
-                    <a:lstStyle/>
-                    <a:p>
-                      <a:pPr algn="ctr"/>
-                      <a:r>
-                        <a:rPr kumimoji="1" lang="en-US" altLang="ja-JP" sz="1400" dirty="0"/>
-                        <a:t>1</a:t>
-                      </a:r>
-                      <a:r>
-                        <a:rPr kumimoji="1" lang="ja-JP" altLang="en-US" sz="1400"/>
-                        <a:t>人あたりの</a:t>
-                      </a:r>
-                      <a:endParaRPr kumimoji="1" lang="en-US" altLang="ja-JP" sz="1400" dirty="0"/>
-                    </a:p>
-                    <a:p>
-                      <a:pPr algn="ctr"/>
-                      <a:r>
-                        <a:rPr kumimoji="1" lang="ja-JP" altLang="en-US" sz="1400"/>
-                        <a:t>ペナルティ</a:t>
-                      </a:r>
-                      <a:endParaRPr kumimoji="1" lang="en-US" altLang="ja-JP" sz="1400" dirty="0"/>
-                    </a:p>
-                  </a:txBody>
-                  <a:tcPr marL="68580" marR="68580" marT="34290" marB="34290"/>
-                </a:tc>
-                <a:tc>
-                  <a:txBody>
-                    <a:bodyPr/>
-                    <a:lstStyle/>
-                    <a:p>
-                      <a:pPr algn="ctr"/>
-                      <a:r>
-                        <a:rPr kumimoji="1" lang="ja-JP" altLang="en-US" sz="1400"/>
-                        <a:t>車両数</a:t>
-                      </a:r>
-                    </a:p>
-                  </a:txBody>
-                  <a:tcPr marL="68580" marR="68580" marT="34290" marB="34290"/>
-                </a:tc>
-                <a:tc>
-                  <a:txBody>
-                    <a:bodyPr/>
-                    <a:lstStyle/>
-                    <a:p>
-                      <a:pPr algn="ctr"/>
-                      <a:r>
-                        <a:rPr kumimoji="1" lang="ja-JP" altLang="en-US" sz="1400"/>
-                        <a:t>ルートの</a:t>
-                      </a:r>
-                      <a:endParaRPr kumimoji="1" lang="en-US" altLang="ja-JP" sz="1400" dirty="0"/>
-                    </a:p>
-                    <a:p>
-                      <a:pPr algn="ctr"/>
-                      <a:r>
-                        <a:rPr kumimoji="1" lang="ja-JP" altLang="en-US" sz="1400"/>
-                        <a:t>長さ</a:t>
-                      </a:r>
-                    </a:p>
-                  </a:txBody>
-                  <a:tcPr marL="68580" marR="68580" marT="34290" marB="34290"/>
-                </a:tc>
-                <a:tc>
-                  <a:txBody>
-                    <a:bodyPr/>
-                    <a:lstStyle/>
-                    <a:p>
-                      <a:pPr algn="ctr"/>
-                      <a:r>
-                        <a:rPr kumimoji="1" lang="ja-JP" altLang="en-US" sz="1400"/>
-                        <a:t>合計</a:t>
-                      </a:r>
-                      <a:endParaRPr kumimoji="1" lang="en-US" altLang="ja-JP" sz="1400" dirty="0"/>
-                    </a:p>
-                    <a:p>
-                      <a:pPr algn="ctr"/>
-                      <a:r>
-                        <a:rPr kumimoji="1" lang="ja-JP" altLang="en-US" sz="1400"/>
-                        <a:t>ペナルティ</a:t>
-                      </a:r>
-                    </a:p>
-                  </a:txBody>
-                  <a:tcPr marL="68580" marR="68580" marT="34290" marB="34290"/>
-                </a:tc>
-                <a:tc>
-                  <a:txBody>
-                    <a:bodyPr/>
-                    <a:lstStyle/>
-                    <a:p>
-                      <a:pPr algn="ctr"/>
-                      <a:r>
-                        <a:rPr kumimoji="1" lang="en-US" altLang="ja-JP" sz="1400" dirty="0"/>
-                        <a:t>1</a:t>
-                      </a:r>
-                      <a:r>
-                        <a:rPr kumimoji="1" lang="ja-JP" altLang="en-US" sz="1400"/>
-                        <a:t>人あたりの</a:t>
-                      </a:r>
-                      <a:endParaRPr kumimoji="1" lang="en-US" altLang="ja-JP" sz="1400" dirty="0"/>
-                    </a:p>
-                    <a:p>
-                      <a:pPr algn="ctr"/>
-                      <a:r>
-                        <a:rPr kumimoji="1" lang="ja-JP" altLang="en-US" sz="1400"/>
-                        <a:t>ペナルティ</a:t>
-                      </a:r>
-                    </a:p>
-                  </a:txBody>
-                  <a:tcPr marL="68580" marR="68580" marT="34290" marB="34290"/>
-                </a:tc>
-                <a:extLst>
-                  <a:ext uri="{0D108BD9-81ED-4DB2-BD59-A6C34878D82A}">
-                    <a16:rowId xmlns:a16="http://schemas.microsoft.com/office/drawing/2014/main" val="2535452297"/>
-                  </a:ext>
-                </a:extLst>
-              </a:tr>
-              <a:tr h="435450">
-                <a:tc>
-                  <a:txBody>
-                    <a:bodyPr/>
-                    <a:lstStyle/>
-                    <a:p>
-                      <a:pPr algn="ctr"/>
-                      <a:r>
-                        <a:rPr kumimoji="1" lang="en-US" altLang="ja-JP" sz="1800" dirty="0"/>
-                        <a:t>24</a:t>
-                      </a:r>
-                      <a:endParaRPr kumimoji="1" lang="ja-JP" altLang="en-US" sz="1800"/>
-                    </a:p>
-                  </a:txBody>
-                  <a:tcPr marL="68580" marR="68580" marT="34290" marB="34290"/>
-                </a:tc>
-                <a:tc>
-                  <a:txBody>
-                    <a:bodyPr/>
-                    <a:lstStyle/>
-                    <a:p>
-                      <a:pPr algn="ctr"/>
-                      <a:r>
-                        <a:rPr kumimoji="1" lang="en-US" altLang="ja-JP" sz="1800" dirty="0"/>
-                        <a:t>3</a:t>
-                      </a:r>
-                      <a:endParaRPr kumimoji="1" lang="ja-JP" altLang="en-US" sz="1800"/>
-                    </a:p>
-                  </a:txBody>
-                  <a:tcPr marL="68580" marR="68580" marT="34290" marB="34290"/>
-                </a:tc>
-                <a:tc>
-                  <a:txBody>
-                    <a:bodyPr/>
-                    <a:lstStyle/>
-                    <a:p>
-                      <a:pPr algn="ctr"/>
-                      <a:r>
-                        <a:rPr kumimoji="1" lang="en-US" altLang="ja-JP" sz="1800" dirty="0"/>
-                        <a:t>202.19</a:t>
-                      </a:r>
-                      <a:endParaRPr kumimoji="1" lang="ja-JP" altLang="en-US" sz="1800"/>
-                    </a:p>
-                  </a:txBody>
-                  <a:tcPr marL="68580" marR="68580" marT="34290" marB="34290"/>
-                </a:tc>
-                <a:tc>
-                  <a:txBody>
-                    <a:bodyPr/>
-                    <a:lstStyle/>
-                    <a:p>
-                      <a:pPr algn="r"/>
-                      <a:r>
-                        <a:rPr kumimoji="1" lang="en-US" altLang="ja-JP" sz="1800" dirty="0"/>
-                        <a:t>1.07</a:t>
-                      </a:r>
-                      <a:endParaRPr kumimoji="1" lang="ja-JP" altLang="en-US" sz="1800"/>
-                    </a:p>
-                  </a:txBody>
-                  <a:tcPr marL="68580" marR="68580" marT="34290" marB="34290"/>
-                </a:tc>
-                <a:tc>
-                  <a:txBody>
-                    <a:bodyPr/>
-                    <a:lstStyle/>
-                    <a:p>
-                      <a:pPr algn="r"/>
-                      <a:r>
-                        <a:rPr kumimoji="1" lang="en-US" altLang="ja-JP" sz="1800" dirty="0"/>
-                        <a:t>0.04</a:t>
-                      </a:r>
-                      <a:endParaRPr kumimoji="1" lang="ja-JP" altLang="en-US" sz="1800"/>
-                    </a:p>
-                  </a:txBody>
-                  <a:tcPr marL="68580" marR="68580" marT="34290" marB="34290"/>
-                </a:tc>
-                <a:tc>
-                  <a:txBody>
-                    <a:bodyPr/>
-                    <a:lstStyle/>
-                    <a:p>
-                      <a:pPr algn="ctr"/>
-                      <a:r>
-                        <a:rPr kumimoji="1" lang="en-US" altLang="ja-JP" sz="1800" dirty="0"/>
-                        <a:t>2</a:t>
-                      </a:r>
-                      <a:endParaRPr kumimoji="1" lang="ja-JP" altLang="en-US" sz="1800"/>
-                    </a:p>
-                  </a:txBody>
-                  <a:tcPr marL="68580" marR="68580" marT="34290" marB="34290"/>
-                </a:tc>
-                <a:tc>
-                  <a:txBody>
-                    <a:bodyPr/>
-                    <a:lstStyle/>
-                    <a:p>
-                      <a:pPr algn="r"/>
-                      <a:r>
-                        <a:rPr kumimoji="1" lang="en-US" altLang="ja-JP" sz="1800" dirty="0"/>
-                        <a:t>235.23</a:t>
-                      </a:r>
-                      <a:endParaRPr kumimoji="1" lang="ja-JP" altLang="en-US" sz="1800"/>
-                    </a:p>
-                  </a:txBody>
-                  <a:tcPr marL="68580" marR="68580" marT="34290" marB="34290"/>
-                </a:tc>
-                <a:tc>
-                  <a:txBody>
-                    <a:bodyPr/>
-                    <a:lstStyle/>
-                    <a:p>
-                      <a:pPr algn="r"/>
-                      <a:r>
-                        <a:rPr kumimoji="1" lang="en-US" altLang="ja-JP" sz="1800" dirty="0"/>
-                        <a:t>0.44</a:t>
-                      </a:r>
-                      <a:endParaRPr kumimoji="1" lang="ja-JP" altLang="en-US" sz="1800"/>
-                    </a:p>
-                  </a:txBody>
-                  <a:tcPr marL="68580" marR="68580" marT="34290" marB="34290"/>
-                </a:tc>
-                <a:tc>
-                  <a:txBody>
-                    <a:bodyPr/>
-                    <a:lstStyle/>
-                    <a:p>
-                      <a:pPr algn="r"/>
-                      <a:r>
-                        <a:rPr kumimoji="1" lang="en-US" altLang="ja-JP" sz="1800" dirty="0"/>
-                        <a:t>0.01</a:t>
-                      </a:r>
-                      <a:endParaRPr kumimoji="1" lang="ja-JP" altLang="en-US" sz="1800"/>
-                    </a:p>
-                  </a:txBody>
-                  <a:tcPr marL="68580" marR="68580" marT="34290" marB="34290"/>
-                </a:tc>
-                <a:extLst>
-                  <a:ext uri="{0D108BD9-81ED-4DB2-BD59-A6C34878D82A}">
-                    <a16:rowId xmlns:a16="http://schemas.microsoft.com/office/drawing/2014/main" val="1971723445"/>
-                  </a:ext>
-                </a:extLst>
-              </a:tr>
-              <a:tr h="435450">
-                <a:tc>
-                  <a:txBody>
-                    <a:bodyPr/>
-                    <a:lstStyle/>
-                    <a:p>
-                      <a:pPr algn="ctr"/>
-                      <a:r>
-                        <a:rPr kumimoji="1" lang="en-US" altLang="ja-JP" sz="1800" dirty="0"/>
-                        <a:t>24</a:t>
-                      </a:r>
-                      <a:endParaRPr kumimoji="1" lang="ja-JP" altLang="en-US" sz="1800"/>
-                    </a:p>
-                  </a:txBody>
-                  <a:tcPr marL="68580" marR="68580" marT="34290" marB="34290"/>
-                </a:tc>
-                <a:tc>
-                  <a:txBody>
-                    <a:bodyPr/>
-                    <a:lstStyle/>
-                    <a:p>
-                      <a:pPr algn="ctr"/>
-                      <a:r>
-                        <a:rPr kumimoji="1" lang="en-US" altLang="ja-JP" sz="1800" dirty="0"/>
-                        <a:t>3</a:t>
-                      </a:r>
-                      <a:endParaRPr kumimoji="1" lang="ja-JP" altLang="en-US" sz="1800"/>
-                    </a:p>
-                  </a:txBody>
-                  <a:tcPr marL="68580" marR="68580" marT="34290" marB="34290"/>
-                </a:tc>
-                <a:tc>
-                  <a:txBody>
-                    <a:bodyPr/>
-                    <a:lstStyle/>
-                    <a:p>
-                      <a:pPr algn="ctr"/>
-                      <a:r>
-                        <a:rPr kumimoji="1" lang="en-US" altLang="ja-JP" sz="1800" dirty="0"/>
-                        <a:t>200.74</a:t>
-                      </a:r>
-                      <a:endParaRPr kumimoji="1" lang="ja-JP" altLang="en-US" sz="1800"/>
-                    </a:p>
-                  </a:txBody>
-                  <a:tcPr marL="68580" marR="68580" marT="34290" marB="34290"/>
-                </a:tc>
-                <a:tc>
-                  <a:txBody>
-                    <a:bodyPr/>
-                    <a:lstStyle/>
-                    <a:p>
-                      <a:pPr algn="r"/>
-                      <a:r>
-                        <a:rPr kumimoji="1" lang="en-US" altLang="ja-JP" sz="1800" dirty="0"/>
-                        <a:t>0.00</a:t>
-                      </a:r>
-                      <a:endParaRPr kumimoji="1" lang="ja-JP" altLang="en-US" sz="1800"/>
-                    </a:p>
-                  </a:txBody>
-                  <a:tcPr marL="68580" marR="68580" marT="34290" marB="34290"/>
-                </a:tc>
-                <a:tc>
-                  <a:txBody>
-                    <a:bodyPr/>
-                    <a:lstStyle/>
-                    <a:p>
-                      <a:pPr algn="r"/>
-                      <a:r>
-                        <a:rPr kumimoji="1" lang="en-US" altLang="ja-JP" sz="1800" dirty="0"/>
-                        <a:t>0.00</a:t>
-                      </a:r>
-                      <a:endParaRPr kumimoji="1" lang="ja-JP" altLang="en-US" sz="1800"/>
-                    </a:p>
-                  </a:txBody>
-                  <a:tcPr marL="68580" marR="68580" marT="34290" marB="34290"/>
-                </a:tc>
-                <a:tc>
-                  <a:txBody>
-                    <a:bodyPr/>
-                    <a:lstStyle/>
-                    <a:p>
-                      <a:pPr algn="ctr"/>
-                      <a:r>
-                        <a:rPr kumimoji="1" lang="en-US" altLang="ja-JP" sz="1800" dirty="0"/>
-                        <a:t>2</a:t>
-                      </a:r>
-                      <a:endParaRPr kumimoji="1" lang="ja-JP" altLang="en-US" sz="1800"/>
-                    </a:p>
-                  </a:txBody>
-                  <a:tcPr marL="68580" marR="68580" marT="34290" marB="34290"/>
-                </a:tc>
-                <a:tc>
-                  <a:txBody>
-                    <a:bodyPr/>
-                    <a:lstStyle/>
-                    <a:p>
-                      <a:pPr algn="r"/>
-                      <a:r>
-                        <a:rPr kumimoji="1" lang="en-US" altLang="ja-JP" sz="1800" dirty="0"/>
-                        <a:t>217.61</a:t>
-                      </a:r>
-                      <a:endParaRPr kumimoji="1" lang="ja-JP" altLang="en-US" sz="1800"/>
-                    </a:p>
-                  </a:txBody>
-                  <a:tcPr marL="68580" marR="68580" marT="34290" marB="34290"/>
-                </a:tc>
-                <a:tc>
-                  <a:txBody>
-                    <a:bodyPr/>
-                    <a:lstStyle/>
-                    <a:p>
-                      <a:pPr algn="r"/>
-                      <a:r>
-                        <a:rPr kumimoji="1" lang="en-US" altLang="ja-JP" sz="1800" dirty="0"/>
-                        <a:t>2.40</a:t>
-                      </a:r>
-                      <a:endParaRPr kumimoji="1" lang="ja-JP" altLang="en-US" sz="1800"/>
-                    </a:p>
-                  </a:txBody>
-                  <a:tcPr marL="68580" marR="68580" marT="34290" marB="34290"/>
-                </a:tc>
-                <a:tc>
-                  <a:txBody>
-                    <a:bodyPr/>
-                    <a:lstStyle/>
-                    <a:p>
-                      <a:pPr algn="r"/>
-                      <a:r>
-                        <a:rPr kumimoji="1" lang="en-US" altLang="ja-JP" sz="1800" dirty="0"/>
-                        <a:t>0.10</a:t>
-                      </a:r>
-                      <a:endParaRPr kumimoji="1" lang="ja-JP" altLang="en-US" sz="1800"/>
-                    </a:p>
-                  </a:txBody>
-                  <a:tcPr marL="68580" marR="68580" marT="34290" marB="34290"/>
-                </a:tc>
-                <a:extLst>
-                  <a:ext uri="{0D108BD9-81ED-4DB2-BD59-A6C34878D82A}">
-                    <a16:rowId xmlns:a16="http://schemas.microsoft.com/office/drawing/2014/main" val="1220666301"/>
-                  </a:ext>
-                </a:extLst>
-              </a:tr>
-              <a:tr h="435450">
-                <a:tc>
-                  <a:txBody>
-                    <a:bodyPr/>
-                    <a:lstStyle/>
-                    <a:p>
-                      <a:pPr algn="ctr"/>
-                      <a:r>
-                        <a:rPr kumimoji="1" lang="en-US" altLang="ja-JP" sz="1800" dirty="0"/>
-                        <a:t>48</a:t>
-                      </a:r>
-                      <a:endParaRPr kumimoji="1" lang="ja-JP" altLang="en-US" sz="1800"/>
-                    </a:p>
-                  </a:txBody>
-                  <a:tcPr marL="68580" marR="68580" marT="34290" marB="34290"/>
-                </a:tc>
-                <a:tc>
-                  <a:txBody>
-                    <a:bodyPr/>
-                    <a:lstStyle/>
-                    <a:p>
-                      <a:pPr algn="ctr"/>
-                      <a:r>
-                        <a:rPr kumimoji="1" lang="en-US" altLang="ja-JP" sz="1800" dirty="0"/>
-                        <a:t>5</a:t>
-                      </a:r>
-                      <a:endParaRPr kumimoji="1" lang="ja-JP" altLang="en-US" sz="1800"/>
-                    </a:p>
-                  </a:txBody>
-                  <a:tcPr marL="68580" marR="68580" marT="34290" marB="34290"/>
-                </a:tc>
-                <a:tc>
-                  <a:txBody>
-                    <a:bodyPr/>
-                    <a:lstStyle/>
-                    <a:p>
-                      <a:pPr algn="ctr"/>
-                      <a:r>
-                        <a:rPr kumimoji="1" lang="en-US" altLang="ja-JP" sz="1800" dirty="0"/>
-                        <a:t>424.79</a:t>
-                      </a:r>
-                      <a:endParaRPr kumimoji="1" lang="ja-JP" altLang="en-US" sz="1800"/>
-                    </a:p>
-                  </a:txBody>
-                  <a:tcPr marL="68580" marR="68580" marT="34290" marB="34290"/>
-                </a:tc>
-                <a:tc>
-                  <a:txBody>
-                    <a:bodyPr/>
-                    <a:lstStyle/>
-                    <a:p>
-                      <a:pPr algn="r"/>
-                      <a:r>
-                        <a:rPr kumimoji="1" lang="en-US" altLang="ja-JP" sz="1800" dirty="0"/>
-                        <a:t>1.67</a:t>
-                      </a:r>
-                      <a:endParaRPr kumimoji="1" lang="ja-JP" altLang="en-US" sz="1800"/>
-                    </a:p>
-                  </a:txBody>
-                  <a:tcPr marL="68580" marR="68580" marT="34290" marB="34290"/>
-                </a:tc>
-                <a:tc>
-                  <a:txBody>
-                    <a:bodyPr/>
-                    <a:lstStyle/>
-                    <a:p>
-                      <a:pPr algn="r"/>
-                      <a:r>
-                        <a:rPr kumimoji="1" lang="en-US" altLang="ja-JP" sz="1800" dirty="0"/>
-                        <a:t>0.03</a:t>
-                      </a:r>
-                      <a:endParaRPr kumimoji="1" lang="ja-JP" altLang="en-US" sz="1800"/>
-                    </a:p>
-                  </a:txBody>
-                  <a:tcPr marL="68580" marR="68580" marT="34290" marB="34290"/>
-                </a:tc>
-                <a:tc>
-                  <a:txBody>
-                    <a:bodyPr/>
-                    <a:lstStyle/>
-                    <a:p>
-                      <a:pPr algn="ctr"/>
-                      <a:r>
-                        <a:rPr kumimoji="1" lang="en-US" altLang="ja-JP" sz="1800" dirty="0"/>
-                        <a:t>4</a:t>
-                      </a:r>
-                      <a:endParaRPr kumimoji="1" lang="ja-JP" altLang="en-US" sz="1800"/>
-                    </a:p>
-                  </a:txBody>
-                  <a:tcPr marL="68580" marR="68580" marT="34290" marB="34290"/>
-                </a:tc>
-                <a:tc>
-                  <a:txBody>
-                    <a:bodyPr/>
-                    <a:lstStyle/>
-                    <a:p>
-                      <a:pPr algn="r"/>
-                      <a:r>
-                        <a:rPr kumimoji="1" lang="en-US" altLang="ja-JP" sz="1800" dirty="0"/>
-                        <a:t>390.20</a:t>
-                      </a:r>
-                      <a:endParaRPr kumimoji="1" lang="ja-JP" altLang="en-US" sz="1800"/>
-                    </a:p>
-                  </a:txBody>
-                  <a:tcPr marL="68580" marR="68580" marT="34290" marB="34290"/>
-                </a:tc>
-                <a:tc>
-                  <a:txBody>
-                    <a:bodyPr/>
-                    <a:lstStyle/>
-                    <a:p>
-                      <a:pPr algn="r"/>
-                      <a:r>
-                        <a:rPr kumimoji="1" lang="en-US" altLang="ja-JP" sz="1800" dirty="0"/>
-                        <a:t>13.08</a:t>
-                      </a:r>
-                      <a:endParaRPr kumimoji="1" lang="ja-JP" altLang="en-US" sz="1800"/>
-                    </a:p>
-                  </a:txBody>
-                  <a:tcPr marL="68580" marR="68580" marT="34290" marB="34290"/>
-                </a:tc>
-                <a:tc>
-                  <a:txBody>
-                    <a:bodyPr/>
-                    <a:lstStyle/>
-                    <a:p>
-                      <a:pPr algn="r"/>
-                      <a:r>
-                        <a:rPr kumimoji="1" lang="en-US" altLang="ja-JP" sz="1800" dirty="0"/>
-                        <a:t>0.27</a:t>
-                      </a:r>
-                      <a:endParaRPr kumimoji="1" lang="ja-JP" altLang="en-US" sz="1800"/>
-                    </a:p>
-                  </a:txBody>
-                  <a:tcPr marL="68580" marR="68580" marT="34290" marB="34290"/>
-                </a:tc>
-                <a:extLst>
-                  <a:ext uri="{0D108BD9-81ED-4DB2-BD59-A6C34878D82A}">
-                    <a16:rowId xmlns:a16="http://schemas.microsoft.com/office/drawing/2014/main" val="3432216087"/>
-                  </a:ext>
-                </a:extLst>
-              </a:tr>
-              <a:tr h="435450">
-                <a:tc>
-                  <a:txBody>
-                    <a:bodyPr/>
-                    <a:lstStyle/>
-                    <a:p>
-                      <a:pPr algn="ctr"/>
-                      <a:r>
-                        <a:rPr kumimoji="1" lang="en-US" altLang="ja-JP" sz="1800" dirty="0"/>
-                        <a:t>48</a:t>
-                      </a:r>
-                      <a:endParaRPr kumimoji="1" lang="ja-JP" altLang="en-US" sz="1800"/>
-                    </a:p>
-                  </a:txBody>
-                  <a:tcPr marL="68580" marR="68580" marT="34290" marB="34290"/>
-                </a:tc>
-                <a:tc>
-                  <a:txBody>
-                    <a:bodyPr/>
-                    <a:lstStyle/>
-                    <a:p>
-                      <a:pPr algn="ctr"/>
-                      <a:r>
-                        <a:rPr kumimoji="1" lang="en-US" altLang="ja-JP" sz="1800" dirty="0"/>
-                        <a:t>5</a:t>
-                      </a:r>
-                      <a:endParaRPr kumimoji="1" lang="ja-JP" altLang="en-US" sz="1800"/>
-                    </a:p>
-                  </a:txBody>
-                  <a:tcPr marL="68580" marR="68580" marT="34290" marB="34290"/>
-                </a:tc>
-                <a:tc>
-                  <a:txBody>
-                    <a:bodyPr/>
-                    <a:lstStyle/>
-                    <a:p>
-                      <a:pPr algn="ctr"/>
-                      <a:r>
-                        <a:rPr kumimoji="1" lang="en-US" altLang="ja-JP" sz="1800" dirty="0"/>
-                        <a:t>403.99</a:t>
-                      </a:r>
-                      <a:endParaRPr kumimoji="1" lang="ja-JP" altLang="en-US" sz="1800"/>
-                    </a:p>
-                  </a:txBody>
-                  <a:tcPr marL="68580" marR="68580" marT="34290" marB="34290"/>
-                </a:tc>
-                <a:tc>
-                  <a:txBody>
-                    <a:bodyPr/>
-                    <a:lstStyle/>
-                    <a:p>
-                      <a:pPr algn="r"/>
-                      <a:r>
-                        <a:rPr kumimoji="1" lang="en-US" altLang="ja-JP" sz="1800" dirty="0"/>
-                        <a:t>1.38</a:t>
-                      </a:r>
-                      <a:endParaRPr kumimoji="1" lang="ja-JP" altLang="en-US" sz="1800"/>
-                    </a:p>
-                  </a:txBody>
-                  <a:tcPr marL="68580" marR="68580" marT="34290" marB="34290"/>
-                </a:tc>
-                <a:tc>
-                  <a:txBody>
-                    <a:bodyPr/>
-                    <a:lstStyle/>
-                    <a:p>
-                      <a:pPr algn="r"/>
-                      <a:r>
-                        <a:rPr kumimoji="1" lang="en-US" altLang="ja-JP" sz="1800" dirty="0"/>
-                        <a:t>0.02</a:t>
-                      </a:r>
-                      <a:endParaRPr kumimoji="1" lang="ja-JP" altLang="en-US" sz="1800"/>
-                    </a:p>
-                  </a:txBody>
-                  <a:tcPr marL="68580" marR="68580" marT="34290" marB="34290"/>
-                </a:tc>
-                <a:tc>
-                  <a:txBody>
-                    <a:bodyPr/>
-                    <a:lstStyle/>
-                    <a:p>
-                      <a:pPr algn="ctr"/>
-                      <a:r>
-                        <a:rPr kumimoji="1" lang="en-US" altLang="ja-JP" sz="1800" dirty="0"/>
-                        <a:t>4</a:t>
-                      </a:r>
-                      <a:endParaRPr kumimoji="1" lang="ja-JP" altLang="en-US" sz="1800"/>
-                    </a:p>
-                  </a:txBody>
-                  <a:tcPr marL="68580" marR="68580" marT="34290" marB="34290"/>
-                </a:tc>
-                <a:tc>
-                  <a:txBody>
-                    <a:bodyPr/>
-                    <a:lstStyle/>
-                    <a:p>
-                      <a:pPr algn="r"/>
-                      <a:r>
-                        <a:rPr kumimoji="1" lang="en-US" altLang="ja-JP" sz="1800" dirty="0"/>
-                        <a:t>377.78</a:t>
-                      </a:r>
-                      <a:endParaRPr kumimoji="1" lang="ja-JP" altLang="en-US" sz="1800"/>
-                    </a:p>
-                  </a:txBody>
-                  <a:tcPr marL="68580" marR="68580" marT="34290" marB="34290"/>
-                </a:tc>
-                <a:tc>
-                  <a:txBody>
-                    <a:bodyPr/>
-                    <a:lstStyle/>
-                    <a:p>
-                      <a:pPr algn="r"/>
-                      <a:r>
-                        <a:rPr kumimoji="1" lang="en-US" altLang="ja-JP" sz="1800" dirty="0"/>
-                        <a:t>11.46</a:t>
-                      </a:r>
-                      <a:endParaRPr kumimoji="1" lang="ja-JP" altLang="en-US" sz="1800"/>
-                    </a:p>
-                  </a:txBody>
-                  <a:tcPr marL="68580" marR="68580" marT="34290" marB="34290"/>
-                </a:tc>
-                <a:tc>
-                  <a:txBody>
-                    <a:bodyPr/>
-                    <a:lstStyle/>
-                    <a:p>
-                      <a:pPr algn="r"/>
-                      <a:r>
-                        <a:rPr kumimoji="1" lang="en-US" altLang="ja-JP" sz="1800" dirty="0"/>
-                        <a:t>0.23</a:t>
-                      </a:r>
-                      <a:endParaRPr kumimoji="1" lang="ja-JP" altLang="en-US" sz="1800"/>
-                    </a:p>
-                  </a:txBody>
-                  <a:tcPr marL="68580" marR="68580" marT="34290" marB="34290"/>
-                </a:tc>
-                <a:extLst>
-                  <a:ext uri="{0D108BD9-81ED-4DB2-BD59-A6C34878D82A}">
-                    <a16:rowId xmlns:a16="http://schemas.microsoft.com/office/drawing/2014/main" val="1566996090"/>
-                  </a:ext>
-                </a:extLst>
-              </a:tr>
-              <a:tr h="435450">
-                <a:tc>
-                  <a:txBody>
-                    <a:bodyPr/>
-                    <a:lstStyle/>
-                    <a:p>
-                      <a:pPr algn="ctr"/>
-                      <a:r>
-                        <a:rPr kumimoji="1" lang="en-US" altLang="ja-JP" sz="1800" dirty="0"/>
-                        <a:t>72</a:t>
-                      </a:r>
-                      <a:endParaRPr kumimoji="1" lang="ja-JP" altLang="en-US" sz="1800"/>
-                    </a:p>
-                  </a:txBody>
-                  <a:tcPr marL="68580" marR="68580" marT="34290" marB="34290"/>
-                </a:tc>
-                <a:tc>
-                  <a:txBody>
-                    <a:bodyPr/>
-                    <a:lstStyle/>
-                    <a:p>
-                      <a:pPr algn="ctr"/>
-                      <a:r>
-                        <a:rPr kumimoji="1" lang="en-US" altLang="ja-JP" sz="1800" dirty="0"/>
-                        <a:t>7</a:t>
-                      </a:r>
-                      <a:endParaRPr kumimoji="1" lang="ja-JP" altLang="en-US" sz="1800"/>
-                    </a:p>
-                  </a:txBody>
-                  <a:tcPr marL="68580" marR="68580" marT="34290" marB="34290"/>
-                </a:tc>
-                <a:tc>
-                  <a:txBody>
-                    <a:bodyPr/>
-                    <a:lstStyle/>
-                    <a:p>
-                      <a:pPr algn="ctr"/>
-                      <a:r>
-                        <a:rPr kumimoji="1" lang="en-US" altLang="ja-JP" sz="1800" dirty="0"/>
-                        <a:t>708.97</a:t>
-                      </a:r>
-                      <a:endParaRPr kumimoji="1" lang="ja-JP" altLang="en-US" sz="1800"/>
-                    </a:p>
-                  </a:txBody>
-                  <a:tcPr marL="68580" marR="68580" marT="34290" marB="34290"/>
-                </a:tc>
-                <a:tc>
-                  <a:txBody>
-                    <a:bodyPr/>
-                    <a:lstStyle/>
-                    <a:p>
-                      <a:pPr algn="r"/>
-                      <a:r>
-                        <a:rPr kumimoji="1" lang="en-US" altLang="ja-JP" sz="1800" dirty="0"/>
-                        <a:t>17.18</a:t>
-                      </a:r>
-                      <a:endParaRPr kumimoji="1" lang="ja-JP" altLang="en-US" sz="1800"/>
-                    </a:p>
-                  </a:txBody>
-                  <a:tcPr marL="68580" marR="68580" marT="34290" marB="34290"/>
-                </a:tc>
-                <a:tc>
-                  <a:txBody>
-                    <a:bodyPr/>
-                    <a:lstStyle/>
-                    <a:p>
-                      <a:pPr algn="r"/>
-                      <a:r>
-                        <a:rPr kumimoji="1" lang="en-US" altLang="ja-JP" sz="1800" dirty="0"/>
-                        <a:t>0.23</a:t>
-                      </a:r>
-                      <a:endParaRPr kumimoji="1" lang="ja-JP" altLang="en-US" sz="1800"/>
-                    </a:p>
-                  </a:txBody>
-                  <a:tcPr marL="68580" marR="68580" marT="34290" marB="34290"/>
-                </a:tc>
-                <a:tc>
-                  <a:txBody>
-                    <a:bodyPr/>
-                    <a:lstStyle/>
-                    <a:p>
-                      <a:pPr algn="ctr"/>
-                      <a:r>
-                        <a:rPr kumimoji="1" lang="en-US" altLang="ja-JP" sz="1800" dirty="0"/>
-                        <a:t>6</a:t>
-                      </a:r>
-                      <a:endParaRPr kumimoji="1" lang="ja-JP" altLang="en-US" sz="1800"/>
-                    </a:p>
-                  </a:txBody>
-                  <a:tcPr marL="68580" marR="68580" marT="34290" marB="34290"/>
-                </a:tc>
-                <a:tc>
-                  <a:txBody>
-                    <a:bodyPr/>
-                    <a:lstStyle/>
-                    <a:p>
-                      <a:pPr algn="r"/>
-                      <a:r>
-                        <a:rPr kumimoji="1" lang="en-US" altLang="ja-JP" sz="1800" dirty="0"/>
-                        <a:t>749.78</a:t>
-                      </a:r>
-                      <a:endParaRPr kumimoji="1" lang="ja-JP" altLang="en-US" sz="1800"/>
-                    </a:p>
-                  </a:txBody>
-                  <a:tcPr marL="68580" marR="68580" marT="34290" marB="34290"/>
-                </a:tc>
-                <a:tc>
-                  <a:txBody>
-                    <a:bodyPr/>
-                    <a:lstStyle/>
-                    <a:p>
-                      <a:pPr algn="r"/>
-                      <a:r>
-                        <a:rPr kumimoji="1" lang="en-US" altLang="ja-JP" sz="1800" dirty="0"/>
-                        <a:t>45.47</a:t>
-                      </a:r>
-                      <a:endParaRPr kumimoji="1" lang="ja-JP" altLang="en-US" sz="1800"/>
-                    </a:p>
-                  </a:txBody>
-                  <a:tcPr marL="68580" marR="68580" marT="34290" marB="34290"/>
-                </a:tc>
-                <a:tc>
-                  <a:txBody>
-                    <a:bodyPr/>
-                    <a:lstStyle/>
-                    <a:p>
-                      <a:pPr algn="r"/>
-                      <a:r>
-                        <a:rPr kumimoji="1" lang="en-US" altLang="ja-JP" sz="1800" dirty="0"/>
-                        <a:t>0.63</a:t>
-                      </a:r>
-                      <a:endParaRPr kumimoji="1" lang="ja-JP" altLang="en-US" sz="1800"/>
-                    </a:p>
-                  </a:txBody>
-                  <a:tcPr marL="68580" marR="68580" marT="34290" marB="34290"/>
-                </a:tc>
-                <a:extLst>
-                  <a:ext uri="{0D108BD9-81ED-4DB2-BD59-A6C34878D82A}">
-                    <a16:rowId xmlns:a16="http://schemas.microsoft.com/office/drawing/2014/main" val="1145190447"/>
-                  </a:ext>
-                </a:extLst>
-              </a:tr>
-              <a:tr h="435450">
-                <a:tc>
-                  <a:txBody>
-                    <a:bodyPr/>
-                    <a:lstStyle/>
-                    <a:p>
-                      <a:pPr algn="ctr"/>
-                      <a:r>
-                        <a:rPr kumimoji="1" lang="en-US" altLang="ja-JP" sz="1800" dirty="0"/>
-                        <a:t>72</a:t>
-                      </a:r>
-                      <a:endParaRPr kumimoji="1" lang="ja-JP" altLang="en-US" sz="1800"/>
-                    </a:p>
-                  </a:txBody>
-                  <a:tcPr marL="68580" marR="68580" marT="34290" marB="34290"/>
-                </a:tc>
-                <a:tc>
-                  <a:txBody>
-                    <a:bodyPr/>
-                    <a:lstStyle/>
-                    <a:p>
-                      <a:pPr algn="ctr"/>
-                      <a:r>
-                        <a:rPr kumimoji="1" lang="en-US" altLang="ja-JP" sz="1800" dirty="0"/>
-                        <a:t>7</a:t>
-                      </a:r>
-                      <a:endParaRPr kumimoji="1" lang="ja-JP" altLang="en-US" sz="1800"/>
-                    </a:p>
-                  </a:txBody>
-                  <a:tcPr marL="68580" marR="68580" marT="34290" marB="34290"/>
-                </a:tc>
-                <a:tc>
-                  <a:txBody>
-                    <a:bodyPr/>
-                    <a:lstStyle/>
-                    <a:p>
-                      <a:pPr algn="ctr"/>
-                      <a:r>
-                        <a:rPr kumimoji="1" lang="en-US" altLang="ja-JP" sz="1800" dirty="0"/>
-                        <a:t>686.30</a:t>
-                      </a:r>
-                      <a:endParaRPr kumimoji="1" lang="ja-JP" altLang="en-US" sz="1800"/>
-                    </a:p>
-                  </a:txBody>
-                  <a:tcPr marL="68580" marR="68580" marT="34290" marB="34290"/>
-                </a:tc>
-                <a:tc>
-                  <a:txBody>
-                    <a:bodyPr/>
-                    <a:lstStyle/>
-                    <a:p>
-                      <a:pPr algn="r"/>
-                      <a:r>
-                        <a:rPr kumimoji="1" lang="en-US" altLang="ja-JP" sz="1800" dirty="0"/>
-                        <a:t>15.71</a:t>
-                      </a:r>
-                      <a:endParaRPr kumimoji="1" lang="ja-JP" altLang="en-US" sz="1800"/>
-                    </a:p>
-                  </a:txBody>
-                  <a:tcPr marL="68580" marR="68580" marT="34290" marB="34290"/>
-                </a:tc>
-                <a:tc>
-                  <a:txBody>
-                    <a:bodyPr/>
-                    <a:lstStyle/>
-                    <a:p>
-                      <a:pPr algn="r"/>
-                      <a:r>
-                        <a:rPr kumimoji="1" lang="en-US" altLang="ja-JP" sz="1800" dirty="0"/>
-                        <a:t>0.21</a:t>
-                      </a:r>
-                      <a:endParaRPr kumimoji="1" lang="ja-JP" altLang="en-US" sz="1800"/>
-                    </a:p>
-                  </a:txBody>
-                  <a:tcPr marL="68580" marR="68580" marT="34290" marB="34290"/>
-                </a:tc>
-                <a:tc>
-                  <a:txBody>
-                    <a:bodyPr/>
-                    <a:lstStyle/>
-                    <a:p>
-                      <a:pPr algn="ctr"/>
-                      <a:r>
-                        <a:rPr kumimoji="1" lang="en-US" altLang="ja-JP" sz="1800" dirty="0"/>
-                        <a:t>6</a:t>
-                      </a:r>
-                      <a:endParaRPr kumimoji="1" lang="ja-JP" altLang="en-US" sz="1800"/>
-                    </a:p>
-                  </a:txBody>
-                  <a:tcPr marL="68580" marR="68580" marT="34290" marB="34290"/>
-                </a:tc>
-                <a:tc>
-                  <a:txBody>
-                    <a:bodyPr/>
-                    <a:lstStyle/>
-                    <a:p>
-                      <a:pPr algn="r"/>
-                      <a:r>
-                        <a:rPr kumimoji="1" lang="en-US" altLang="ja-JP" sz="1800" dirty="0"/>
-                        <a:t>707.90</a:t>
-                      </a:r>
-                      <a:endParaRPr kumimoji="1" lang="ja-JP" altLang="en-US" sz="1800"/>
-                    </a:p>
-                  </a:txBody>
-                  <a:tcPr marL="68580" marR="68580" marT="34290" marB="34290"/>
-                </a:tc>
-                <a:tc>
-                  <a:txBody>
-                    <a:bodyPr/>
-                    <a:lstStyle/>
-                    <a:p>
-                      <a:pPr algn="r"/>
-                      <a:r>
-                        <a:rPr kumimoji="1" lang="en-US" altLang="ja-JP" sz="1800" dirty="0"/>
-                        <a:t>27.26</a:t>
-                      </a:r>
-                      <a:endParaRPr kumimoji="1" lang="ja-JP" altLang="en-US" sz="1800"/>
-                    </a:p>
-                  </a:txBody>
-                  <a:tcPr marL="68580" marR="68580" marT="34290" marB="34290"/>
-                </a:tc>
-                <a:tc>
-                  <a:txBody>
-                    <a:bodyPr/>
-                    <a:lstStyle/>
-                    <a:p>
-                      <a:pPr algn="r"/>
-                      <a:r>
-                        <a:rPr kumimoji="1" lang="en-US" altLang="ja-JP" sz="1800" dirty="0"/>
-                        <a:t>0.37</a:t>
-                      </a:r>
-                      <a:endParaRPr kumimoji="1" lang="ja-JP" altLang="en-US" sz="1800"/>
-                    </a:p>
-                  </a:txBody>
-                  <a:tcPr marL="68580" marR="68580" marT="34290" marB="34290"/>
-                </a:tc>
-                <a:extLst>
-                  <a:ext uri="{0D108BD9-81ED-4DB2-BD59-A6C34878D82A}">
-                    <a16:rowId xmlns:a16="http://schemas.microsoft.com/office/drawing/2014/main" val="2960886249"/>
-                  </a:ext>
-                </a:extLst>
-              </a:tr>
-              <a:tr h="435450">
-                <a:tc>
-                  <a:txBody>
-                    <a:bodyPr/>
-                    <a:lstStyle/>
-                    <a:p>
-                      <a:pPr algn="ctr"/>
-                      <a:r>
-                        <a:rPr kumimoji="1" lang="en-US" altLang="ja-JP" sz="1800" dirty="0"/>
-                        <a:t>96</a:t>
-                      </a:r>
-                      <a:endParaRPr kumimoji="1" lang="ja-JP" altLang="en-US" sz="1800"/>
-                    </a:p>
-                  </a:txBody>
-                  <a:tcPr marL="68580" marR="68580" marT="34290" marB="34290"/>
-                </a:tc>
-                <a:tc>
-                  <a:txBody>
-                    <a:bodyPr/>
-                    <a:lstStyle/>
-                    <a:p>
-                      <a:pPr algn="ctr"/>
-                      <a:r>
-                        <a:rPr kumimoji="1" lang="en-US" altLang="ja-JP" sz="1800" dirty="0"/>
-                        <a:t>9</a:t>
-                      </a:r>
-                      <a:endParaRPr kumimoji="1" lang="ja-JP" altLang="en-US" sz="1800"/>
-                    </a:p>
-                  </a:txBody>
-                  <a:tcPr marL="68580" marR="68580" marT="34290" marB="34290"/>
-                </a:tc>
-                <a:tc>
-                  <a:txBody>
-                    <a:bodyPr/>
-                    <a:lstStyle/>
-                    <a:p>
-                      <a:pPr algn="ctr"/>
-                      <a:r>
-                        <a:rPr kumimoji="1" lang="en-US" altLang="ja-JP" sz="1800" dirty="0"/>
-                        <a:t>911.66</a:t>
-                      </a:r>
-                      <a:endParaRPr kumimoji="1" lang="ja-JP" altLang="en-US" sz="1800"/>
-                    </a:p>
-                  </a:txBody>
-                  <a:tcPr marL="68580" marR="68580" marT="34290" marB="34290"/>
-                </a:tc>
-                <a:tc>
-                  <a:txBody>
-                    <a:bodyPr/>
-                    <a:lstStyle/>
-                    <a:p>
-                      <a:pPr algn="r"/>
-                      <a:r>
-                        <a:rPr kumimoji="1" lang="en-US" altLang="ja-JP" sz="1800" dirty="0"/>
-                        <a:t>14.99</a:t>
-                      </a:r>
-                      <a:endParaRPr kumimoji="1" lang="ja-JP" altLang="en-US" sz="1800"/>
-                    </a:p>
-                  </a:txBody>
-                  <a:tcPr marL="68580" marR="68580" marT="34290" marB="34290"/>
-                </a:tc>
-                <a:tc>
-                  <a:txBody>
-                    <a:bodyPr/>
-                    <a:lstStyle/>
-                    <a:p>
-                      <a:pPr algn="r"/>
-                      <a:r>
-                        <a:rPr kumimoji="1" lang="en-US" altLang="ja-JP" sz="1800" dirty="0"/>
-                        <a:t>0.15</a:t>
-                      </a:r>
-                      <a:endParaRPr kumimoji="1" lang="ja-JP" altLang="en-US" sz="1800"/>
-                    </a:p>
-                  </a:txBody>
-                  <a:tcPr marL="68580" marR="68580" marT="34290" marB="34290"/>
-                </a:tc>
-                <a:tc>
-                  <a:txBody>
-                    <a:bodyPr/>
-                    <a:lstStyle/>
-                    <a:p>
-                      <a:pPr algn="ctr"/>
-                      <a:r>
-                        <a:rPr kumimoji="1" lang="en-US" altLang="ja-JP" sz="1800" dirty="0"/>
-                        <a:t>8</a:t>
-                      </a:r>
-                      <a:endParaRPr kumimoji="1" lang="ja-JP" altLang="en-US" sz="1800"/>
-                    </a:p>
-                  </a:txBody>
-                  <a:tcPr marL="68580" marR="68580" marT="34290" marB="34290"/>
-                </a:tc>
-                <a:tc>
-                  <a:txBody>
-                    <a:bodyPr/>
-                    <a:lstStyle/>
-                    <a:p>
-                      <a:pPr algn="r"/>
-                      <a:r>
-                        <a:rPr kumimoji="1" lang="en-US" altLang="ja-JP" sz="1800" dirty="0"/>
-                        <a:t>955.01</a:t>
-                      </a:r>
-                      <a:endParaRPr kumimoji="1" lang="ja-JP" altLang="en-US" sz="1800"/>
-                    </a:p>
-                  </a:txBody>
-                  <a:tcPr marL="68580" marR="68580" marT="34290" marB="34290"/>
-                </a:tc>
-                <a:tc>
-                  <a:txBody>
-                    <a:bodyPr/>
-                    <a:lstStyle/>
-                    <a:p>
-                      <a:pPr algn="r"/>
-                      <a:r>
-                        <a:rPr kumimoji="1" lang="en-US" altLang="ja-JP" sz="1800" dirty="0"/>
-                        <a:t>23.95</a:t>
-                      </a:r>
-                      <a:endParaRPr kumimoji="1" lang="ja-JP" altLang="en-US" sz="1800"/>
-                    </a:p>
-                  </a:txBody>
-                  <a:tcPr marL="68580" marR="68580" marT="34290" marB="34290"/>
-                </a:tc>
-                <a:tc>
-                  <a:txBody>
-                    <a:bodyPr/>
-                    <a:lstStyle/>
-                    <a:p>
-                      <a:pPr algn="r"/>
-                      <a:r>
-                        <a:rPr kumimoji="1" lang="en-US" altLang="ja-JP" sz="1800" dirty="0"/>
-                        <a:t>0.24</a:t>
-                      </a:r>
-                      <a:endParaRPr kumimoji="1" lang="ja-JP" altLang="en-US" sz="1800"/>
-                    </a:p>
-                  </a:txBody>
-                  <a:tcPr marL="68580" marR="68580" marT="34290" marB="34290"/>
-                </a:tc>
-                <a:extLst>
-                  <a:ext uri="{0D108BD9-81ED-4DB2-BD59-A6C34878D82A}">
-                    <a16:rowId xmlns:a16="http://schemas.microsoft.com/office/drawing/2014/main" val="1554197312"/>
-                  </a:ext>
-                </a:extLst>
-              </a:tr>
-              <a:tr h="435450">
-                <a:tc>
-                  <a:txBody>
-                    <a:bodyPr/>
-                    <a:lstStyle/>
-                    <a:p>
-                      <a:pPr algn="ctr"/>
-                      <a:r>
-                        <a:rPr kumimoji="1" lang="en-US" altLang="ja-JP" sz="1800" dirty="0"/>
-                        <a:t>96</a:t>
-                      </a:r>
-                      <a:endParaRPr kumimoji="1" lang="ja-JP" altLang="en-US" sz="1800"/>
-                    </a:p>
-                  </a:txBody>
-                  <a:tcPr marL="68580" marR="68580" marT="34290" marB="34290"/>
-                </a:tc>
-                <a:tc>
-                  <a:txBody>
-                    <a:bodyPr/>
-                    <a:lstStyle/>
-                    <a:p>
-                      <a:pPr algn="ctr"/>
-                      <a:r>
-                        <a:rPr kumimoji="1" lang="en-US" altLang="ja-JP" sz="1800" dirty="0"/>
-                        <a:t>9</a:t>
-                      </a:r>
-                    </a:p>
-                  </a:txBody>
-                  <a:tcPr marL="68580" marR="68580" marT="34290" marB="34290"/>
-                </a:tc>
-                <a:tc>
-                  <a:txBody>
-                    <a:bodyPr/>
-                    <a:lstStyle/>
-                    <a:p>
-                      <a:pPr algn="ctr"/>
-                      <a:r>
-                        <a:rPr kumimoji="1" lang="en-US" altLang="ja-JP" sz="1800" dirty="0"/>
-                        <a:t>894.65</a:t>
-                      </a:r>
-                    </a:p>
-                  </a:txBody>
-                  <a:tcPr marL="68580" marR="68580" marT="34290" marB="34290"/>
-                </a:tc>
-                <a:tc>
-                  <a:txBody>
-                    <a:bodyPr/>
-                    <a:lstStyle/>
-                    <a:p>
-                      <a:pPr algn="r"/>
-                      <a:r>
-                        <a:rPr kumimoji="1" lang="en-US" altLang="ja-JP" sz="1800" dirty="0"/>
-                        <a:t>3.70</a:t>
-                      </a:r>
-                      <a:endParaRPr kumimoji="1" lang="ja-JP" altLang="en-US" sz="1800"/>
-                    </a:p>
-                  </a:txBody>
-                  <a:tcPr marL="68580" marR="68580" marT="34290" marB="34290"/>
-                </a:tc>
-                <a:tc>
-                  <a:txBody>
-                    <a:bodyPr/>
-                    <a:lstStyle/>
-                    <a:p>
-                      <a:pPr algn="r"/>
-                      <a:r>
-                        <a:rPr kumimoji="1" lang="en-US" altLang="ja-JP" sz="1800" dirty="0"/>
-                        <a:t>0.03</a:t>
-                      </a:r>
-                      <a:endParaRPr kumimoji="1" lang="ja-JP" altLang="en-US" sz="1800"/>
-                    </a:p>
-                  </a:txBody>
-                  <a:tcPr marL="68580" marR="68580" marT="34290" marB="34290"/>
-                </a:tc>
-                <a:tc>
-                  <a:txBody>
-                    <a:bodyPr/>
-                    <a:lstStyle/>
-                    <a:p>
-                      <a:pPr algn="ctr"/>
-                      <a:r>
-                        <a:rPr kumimoji="1" lang="en-US" altLang="ja-JP" sz="1800" dirty="0"/>
-                        <a:t>8</a:t>
-                      </a:r>
-                      <a:endParaRPr kumimoji="1" lang="ja-JP" altLang="en-US" sz="1800"/>
-                    </a:p>
-                  </a:txBody>
-                  <a:tcPr marL="68580" marR="68580" marT="34290" marB="34290"/>
-                </a:tc>
-                <a:tc>
-                  <a:txBody>
-                    <a:bodyPr/>
-                    <a:lstStyle/>
-                    <a:p>
-                      <a:pPr algn="r"/>
-                      <a:r>
-                        <a:rPr kumimoji="1" lang="en-US" altLang="ja-JP" sz="1800" dirty="0"/>
-                        <a:t>831.89</a:t>
-                      </a:r>
-                      <a:endParaRPr kumimoji="1" lang="ja-JP" altLang="en-US" sz="1800"/>
-                    </a:p>
-                  </a:txBody>
-                  <a:tcPr marL="68580" marR="68580" marT="34290" marB="34290"/>
-                </a:tc>
-                <a:tc>
-                  <a:txBody>
-                    <a:bodyPr/>
-                    <a:lstStyle/>
-                    <a:p>
-                      <a:pPr algn="r"/>
-                      <a:r>
-                        <a:rPr kumimoji="1" lang="en-US" altLang="ja-JP" sz="1800" dirty="0"/>
-                        <a:t>27.26</a:t>
-                      </a:r>
-                      <a:endParaRPr kumimoji="1" lang="ja-JP" altLang="en-US" sz="1800"/>
-                    </a:p>
-                  </a:txBody>
-                  <a:tcPr marL="68580" marR="68580" marT="34290" marB="34290"/>
-                </a:tc>
-                <a:tc>
-                  <a:txBody>
-                    <a:bodyPr/>
-                    <a:lstStyle/>
-                    <a:p>
-                      <a:pPr algn="r"/>
-                      <a:r>
-                        <a:rPr kumimoji="1" lang="en-US" altLang="ja-JP" sz="1800" dirty="0"/>
-                        <a:t>0.31</a:t>
-                      </a:r>
-                      <a:endParaRPr kumimoji="1" lang="ja-JP" altLang="en-US" sz="1800"/>
-                    </a:p>
-                  </a:txBody>
-                  <a:tcPr marL="68580" marR="68580" marT="34290" marB="34290"/>
-                </a:tc>
-                <a:extLst>
-                  <a:ext uri="{0D108BD9-81ED-4DB2-BD59-A6C34878D82A}">
-                    <a16:rowId xmlns:a16="http://schemas.microsoft.com/office/drawing/2014/main" val="3118681614"/>
-                  </a:ext>
-                </a:extLst>
-              </a:tr>
-            </a:tbl>
-          </a:graphicData>
-        </a:graphic>
-      </p:graphicFrame>
-      <p:sp>
-        <p:nvSpPr>
-          <p:cNvPr id="2" name="スライド番号プレースホルダー 1">
-            <a:extLst>
-              <a:ext uri="{FF2B5EF4-FFF2-40B4-BE49-F238E27FC236}">
-                <a16:creationId xmlns:a16="http://schemas.microsoft.com/office/drawing/2014/main" id="{6AF2F0D5-D0E5-C14A-BFD4-7B73EB8322B2}"/>
-              </a:ext>
-            </a:extLst>
-          </p:cNvPr>
-          <p:cNvSpPr>
-            <a:spLocks noGrp="1"/>
-          </p:cNvSpPr>
-          <p:nvPr>
-            <p:ph type="sldNum" sz="quarter" idx="12"/>
-          </p:nvPr>
-        </p:nvSpPr>
-        <p:spPr/>
-        <p:txBody>
-          <a:bodyPr/>
-          <a:lstStyle/>
-          <a:p>
-            <a:fld id="{84E0C278-47E8-3649-A055-2003DC36C60A}" type="slidenum">
-              <a:rPr kumimoji="1" lang="ja-JP" altLang="en-US" smtClean="0"/>
-              <a:t>30</a:t>
-            </a:fld>
-            <a:endParaRPr kumimoji="1" lang="ja-JP" altLang="en-US"/>
-          </a:p>
-        </p:txBody>
-      </p:sp>
-    </p:spTree>
-    <p:extLst>
-      <p:ext uri="{BB962C8B-B14F-4D97-AF65-F5344CB8AC3E}">
-        <p14:creationId xmlns:p14="http://schemas.microsoft.com/office/powerpoint/2010/main" val="1914216634"/>
-      </p:ext>
-    </p:extLst>
-  </p:cSld>
-  <p:clrMapOvr>
-    <a:masterClrMapping/>
-  </p:clrMapOvr>
-</p:sld>
-</file>
-
-<file path=ppt/slides/slide31.xml><?xml version="1.0" encoding="utf-8"?>
-<p:sld xmlns:a="http://schemas.openxmlformats.org/drawingml/2006/main" xmlns:r="http://schemas.openxmlformats.org/officeDocument/2006/relationships" xmlns:p="http://schemas.openxmlformats.org/presentationml/2006/main">
-  <p:cSld>
-    <p:spTree>
-      <p:nvGrpSpPr>
-        <p:cNvPr id="1" name=""/>
-        <p:cNvGrpSpPr/>
-        <p:nvPr/>
-      </p:nvGrpSpPr>
-      <p:grpSpPr>
-        <a:xfrm>
-          <a:off x="0" y="0"/>
-          <a:ext cx="0" cy="0"/>
-          <a:chOff x="0" y="0"/>
-          <a:chExt cx="0" cy="0"/>
-        </a:xfrm>
-      </p:grpSpPr>
-      <p:sp>
-        <p:nvSpPr>
-          <p:cNvPr id="2" name="タイトル 1">
-            <a:extLst>
-              <a:ext uri="{FF2B5EF4-FFF2-40B4-BE49-F238E27FC236}">
-                <a16:creationId xmlns:a16="http://schemas.microsoft.com/office/drawing/2014/main" id="{F4E93B3F-5CE0-2644-86BE-1E47384BE06A}"/>
-              </a:ext>
-            </a:extLst>
-          </p:cNvPr>
-          <p:cNvSpPr>
-            <a:spLocks noGrp="1"/>
-          </p:cNvSpPr>
-          <p:nvPr>
-            <p:ph type="title"/>
-          </p:nvPr>
-        </p:nvSpPr>
-        <p:spPr/>
-        <p:txBody>
-          <a:bodyPr/>
-          <a:lstStyle/>
-          <a:p>
-            <a:r>
-              <a:rPr kumimoji="1" lang="ja-JP" altLang="en-US"/>
-              <a:t>まとめと今後の研究計画</a:t>
-            </a:r>
-          </a:p>
-        </p:txBody>
-      </p:sp>
-      <p:sp>
-        <p:nvSpPr>
-          <p:cNvPr id="3" name="コンテンツ プレースホルダー 2">
-            <a:extLst>
-              <a:ext uri="{FF2B5EF4-FFF2-40B4-BE49-F238E27FC236}">
-                <a16:creationId xmlns:a16="http://schemas.microsoft.com/office/drawing/2014/main" id="{3A7F1948-CA73-8D42-8649-62CDBA3818B2}"/>
-              </a:ext>
-            </a:extLst>
-          </p:cNvPr>
-          <p:cNvSpPr>
-            <a:spLocks noGrp="1"/>
-          </p:cNvSpPr>
-          <p:nvPr>
-            <p:ph idx="1"/>
-          </p:nvPr>
-        </p:nvSpPr>
-        <p:spPr>
-          <a:xfrm>
-            <a:off x="918955" y="1658834"/>
-            <a:ext cx="7202456" cy="3188525"/>
-          </a:xfrm>
-        </p:spPr>
-        <p:txBody>
-          <a:bodyPr>
-            <a:noAutofit/>
-          </a:bodyPr>
-          <a:lstStyle/>
-          <a:p>
-            <a:pPr marL="0" indent="0">
-              <a:buNone/>
-            </a:pPr>
-            <a:r>
-              <a:rPr kumimoji="1" lang="ja-JP" altLang="en-US"/>
-              <a:t>まとめ</a:t>
-            </a:r>
-            <a:endParaRPr kumimoji="1" lang="en-US" altLang="ja-JP" dirty="0"/>
-          </a:p>
-          <a:p>
-            <a:r>
-              <a:rPr kumimoji="1" lang="en-US" altLang="ja-JP" dirty="0"/>
-              <a:t>3</a:t>
-            </a:r>
-            <a:r>
-              <a:rPr kumimoji="1" lang="ja-JP" altLang="en-US"/>
-              <a:t>種類の近傍操作を比較</a:t>
-            </a:r>
-            <a:endParaRPr kumimoji="1" lang="en-US" altLang="ja-JP" dirty="0"/>
-          </a:p>
-          <a:p>
-            <a:r>
-              <a:rPr lang="ja-JP" altLang="en-US"/>
-              <a:t>先行研究との比較</a:t>
-            </a:r>
-            <a:endParaRPr lang="en-US" altLang="ja-JP" dirty="0"/>
-          </a:p>
-          <a:p>
-            <a:r>
-              <a:rPr lang="ja-JP" altLang="en-US"/>
-              <a:t>車両台数を減らした際の考察</a:t>
-            </a:r>
-            <a:endParaRPr lang="en-US" altLang="ja-JP" dirty="0"/>
-          </a:p>
-          <a:p>
-            <a:pPr marL="0" indent="0">
-              <a:buNone/>
-            </a:pPr>
-            <a:r>
-              <a:rPr kumimoji="1" lang="ja-JP" altLang="en-US"/>
-              <a:t>今後の研究計画</a:t>
-            </a:r>
-            <a:endParaRPr kumimoji="1" lang="en-US" altLang="ja-JP" dirty="0"/>
-          </a:p>
-          <a:p>
-            <a:r>
-              <a:rPr kumimoji="1" lang="ja-JP" altLang="en-US"/>
-              <a:t>ヒューリスティックを用いた手法の提案</a:t>
-            </a:r>
-            <a:endParaRPr lang="en-US" altLang="ja-JP" dirty="0"/>
-          </a:p>
-          <a:p>
-            <a:r>
-              <a:rPr kumimoji="1" lang="ja-JP" altLang="en-US"/>
-              <a:t>近傍操作の見直し</a:t>
-            </a:r>
-            <a:endParaRPr kumimoji="1" lang="en-US" altLang="ja-JP" dirty="0"/>
-          </a:p>
-          <a:p>
-            <a:r>
-              <a:rPr lang="en-US" altLang="ja-JP" dirty="0"/>
-              <a:t>LP</a:t>
-            </a:r>
-            <a:r>
-              <a:rPr lang="ja-JP" altLang="en-US"/>
-              <a:t>の感度分析</a:t>
-            </a:r>
-            <a:endParaRPr lang="en-US" altLang="ja-JP" dirty="0"/>
-          </a:p>
-          <a:p>
-            <a:r>
-              <a:rPr kumimoji="1" lang="ja-JP" altLang="en-US"/>
-              <a:t>サービス時刻の決定を凸費用流に帰着させる</a:t>
-            </a:r>
-            <a:endParaRPr kumimoji="1" lang="en-US" altLang="ja-JP" dirty="0"/>
-          </a:p>
-        </p:txBody>
-      </p:sp>
-      <p:sp>
-        <p:nvSpPr>
-          <p:cNvPr id="4" name="スライド番号プレースホルダー 3">
-            <a:extLst>
-              <a:ext uri="{FF2B5EF4-FFF2-40B4-BE49-F238E27FC236}">
-                <a16:creationId xmlns:a16="http://schemas.microsoft.com/office/drawing/2014/main" id="{7A67932B-36B8-A241-B610-9254D219AD35}"/>
-              </a:ext>
-            </a:extLst>
-          </p:cNvPr>
-          <p:cNvSpPr>
-            <a:spLocks noGrp="1"/>
-          </p:cNvSpPr>
-          <p:nvPr>
-            <p:ph type="sldNum" sz="quarter" idx="12"/>
-          </p:nvPr>
-        </p:nvSpPr>
-        <p:spPr/>
-        <p:txBody>
-          <a:bodyPr/>
-          <a:lstStyle/>
-          <a:p>
-            <a:fld id="{84E0C278-47E8-3649-A055-2003DC36C60A}" type="slidenum">
-              <a:rPr kumimoji="1" lang="ja-JP" altLang="en-US" smtClean="0"/>
-              <a:t>31</a:t>
-            </a:fld>
-            <a:endParaRPr kumimoji="1" lang="ja-JP" altLang="en-US"/>
-          </a:p>
-        </p:txBody>
-      </p:sp>
-    </p:spTree>
-    <p:extLst>
-      <p:ext uri="{BB962C8B-B14F-4D97-AF65-F5344CB8AC3E}">
-        <p14:creationId xmlns:p14="http://schemas.microsoft.com/office/powerpoint/2010/main" val="3367285396"/>
       </p:ext>
     </p:extLst>
   </p:cSld>
